--- a/MJsec_게임 개발 멘토링/MJsec_1주차.pptx
+++ b/MJsec_게임 개발 멘토링/MJsec_1주차.pptx
@@ -9,10 +9,16 @@
     <p:sldId id="261" r:id="rId3"/>
     <p:sldId id="262" r:id="rId4"/>
     <p:sldId id="263" r:id="rId5"/>
-    <p:sldId id="257" r:id="rId6"/>
-    <p:sldId id="264" r:id="rId7"/>
-    <p:sldId id="259" r:id="rId8"/>
-    <p:sldId id="260" r:id="rId9"/>
+    <p:sldId id="264" r:id="rId6"/>
+    <p:sldId id="265" r:id="rId7"/>
+    <p:sldId id="266" r:id="rId8"/>
+    <p:sldId id="267" r:id="rId9"/>
+    <p:sldId id="268" r:id="rId10"/>
+    <p:sldId id="269" r:id="rId11"/>
+    <p:sldId id="257" r:id="rId12"/>
+    <p:sldId id="259" r:id="rId13"/>
+    <p:sldId id="260" r:id="rId14"/>
+    <p:sldId id="270" r:id="rId15"/>
   </p:sldIdLst>
   <p:sldSz cx="12192000" cy="6858000"/>
   <p:notesSz cx="6858000" cy="9144000"/>
@@ -119,6 +125,437 @@
 </p:presentation>
 </file>
 
+<file path=ppt/revisionInfo.xml><?xml version="1.0" encoding="utf-8"?>
+<p1510:revInfo xmlns:a="http://schemas.openxmlformats.org/drawingml/2006/main" xmlns:r="http://schemas.openxmlformats.org/officeDocument/2006/relationships" xmlns:p1510="http://schemas.microsoft.com/office/powerpoint/2015/10/main">
+  <p1510:revLst>
+    <p1510:client id="{FE17DD06-4F0B-4F09-AC78-2D3F41BE8E98}" v="16" dt="2025-06-26T09:41:31.307"/>
+  </p1510:revLst>
+</p1510:revInfo>
+</file>
+
+<file path=ppt/changesInfos/changesInfo1.xml><?xml version="1.0" encoding="utf-8"?>
+<pc:chgInfo xmlns:a="http://schemas.openxmlformats.org/drawingml/2006/main" xmlns:r="http://schemas.openxmlformats.org/officeDocument/2006/relationships" xmlns:ac="http://schemas.microsoft.com/office/drawing/2013/main/command" xmlns:pc="http://schemas.microsoft.com/office/powerpoint/2013/main/command">
+  <pc:docChgLst>
+    <pc:chgData name="상진 전" userId="b279be015be064a7" providerId="LiveId" clId="{FE17DD06-4F0B-4F09-AC78-2D3F41BE8E98}"/>
+    <pc:docChg chg="undo custSel addSld modSld sldOrd">
+      <pc:chgData name="상진 전" userId="b279be015be064a7" providerId="LiveId" clId="{FE17DD06-4F0B-4F09-AC78-2D3F41BE8E98}" dt="2025-06-26T09:44:19.423" v="6108" actId="20577"/>
+      <pc:docMkLst>
+        <pc:docMk/>
+      </pc:docMkLst>
+      <pc:sldChg chg="addSp delSp modSp mod ord">
+        <pc:chgData name="상진 전" userId="b279be015be064a7" providerId="LiveId" clId="{FE17DD06-4F0B-4F09-AC78-2D3F41BE8E98}" dt="2025-06-26T08:37:26.633" v="1204" actId="13926"/>
+        <pc:sldMkLst>
+          <pc:docMk/>
+          <pc:sldMk cId="1981123653" sldId="264"/>
+        </pc:sldMkLst>
+        <pc:spChg chg="del">
+          <ac:chgData name="상진 전" userId="b279be015be064a7" providerId="LiveId" clId="{FE17DD06-4F0B-4F09-AC78-2D3F41BE8E98}" dt="2025-06-26T08:21:25.544" v="2" actId="478"/>
+          <ac:spMkLst>
+            <pc:docMk/>
+            <pc:sldMk cId="1981123653" sldId="264"/>
+            <ac:spMk id="2" creationId="{49F90342-F5E9-A0C6-89DC-E363FF64D902}"/>
+          </ac:spMkLst>
+        </pc:spChg>
+        <pc:spChg chg="del">
+          <ac:chgData name="상진 전" userId="b279be015be064a7" providerId="LiveId" clId="{FE17DD06-4F0B-4F09-AC78-2D3F41BE8E98}" dt="2025-06-26T08:21:25.544" v="2" actId="478"/>
+          <ac:spMkLst>
+            <pc:docMk/>
+            <pc:sldMk cId="1981123653" sldId="264"/>
+            <ac:spMk id="3" creationId="{66FE2F4D-B725-F951-8089-0AB96BE3F4AF}"/>
+          </ac:spMkLst>
+        </pc:spChg>
+        <pc:spChg chg="add mod">
+          <ac:chgData name="상진 전" userId="b279be015be064a7" providerId="LiveId" clId="{FE17DD06-4F0B-4F09-AC78-2D3F41BE8E98}" dt="2025-06-26T08:37:04.066" v="1199" actId="20577"/>
+          <ac:spMkLst>
+            <pc:docMk/>
+            <pc:sldMk cId="1981123653" sldId="264"/>
+            <ac:spMk id="4" creationId="{A5F167BA-0E5C-B8D0-0608-9796B2E6B0F4}"/>
+          </ac:spMkLst>
+        </pc:spChg>
+        <pc:spChg chg="add mod">
+          <ac:chgData name="상진 전" userId="b279be015be064a7" providerId="LiveId" clId="{FE17DD06-4F0B-4F09-AC78-2D3F41BE8E98}" dt="2025-06-26T08:33:11.632" v="915" actId="20577"/>
+          <ac:spMkLst>
+            <pc:docMk/>
+            <pc:sldMk cId="1981123653" sldId="264"/>
+            <ac:spMk id="5" creationId="{AC34D1AF-9E31-DD58-349F-83B66975F815}"/>
+          </ac:spMkLst>
+        </pc:spChg>
+        <pc:spChg chg="add mod">
+          <ac:chgData name="상진 전" userId="b279be015be064a7" providerId="LiveId" clId="{FE17DD06-4F0B-4F09-AC78-2D3F41BE8E98}" dt="2025-06-26T08:37:26.633" v="1204" actId="13926"/>
+          <ac:spMkLst>
+            <pc:docMk/>
+            <pc:sldMk cId="1981123653" sldId="264"/>
+            <ac:spMk id="16" creationId="{8BEAA795-B379-8EA3-A49C-278C64D6B3AD}"/>
+          </ac:spMkLst>
+        </pc:spChg>
+        <pc:picChg chg="add mod">
+          <ac:chgData name="상진 전" userId="b279be015be064a7" providerId="LiveId" clId="{FE17DD06-4F0B-4F09-AC78-2D3F41BE8E98}" dt="2025-06-26T08:33:40.187" v="917" actId="1076"/>
+          <ac:picMkLst>
+            <pc:docMk/>
+            <pc:sldMk cId="1981123653" sldId="264"/>
+            <ac:picMk id="7" creationId="{1C8114DC-EAE6-C989-E1EA-97C46B8F4F05}"/>
+          </ac:picMkLst>
+        </pc:picChg>
+        <pc:picChg chg="add mod">
+          <ac:chgData name="상진 전" userId="b279be015be064a7" providerId="LiveId" clId="{FE17DD06-4F0B-4F09-AC78-2D3F41BE8E98}" dt="2025-06-26T08:35:14.850" v="936" actId="1076"/>
+          <ac:picMkLst>
+            <pc:docMk/>
+            <pc:sldMk cId="1981123653" sldId="264"/>
+            <ac:picMk id="9" creationId="{0B9B944D-CBEB-EDB7-9862-8B8F851EF449}"/>
+          </ac:picMkLst>
+        </pc:picChg>
+        <pc:picChg chg="add del mod">
+          <ac:chgData name="상진 전" userId="b279be015be064a7" providerId="LiveId" clId="{FE17DD06-4F0B-4F09-AC78-2D3F41BE8E98}" dt="2025-06-26T08:34:24.102" v="925" actId="478"/>
+          <ac:picMkLst>
+            <pc:docMk/>
+            <pc:sldMk cId="1981123653" sldId="264"/>
+            <ac:picMk id="11" creationId="{B66B6878-2C6D-67A0-E125-B9430FF533B1}"/>
+          </ac:picMkLst>
+        </pc:picChg>
+        <pc:picChg chg="add mod">
+          <ac:chgData name="상진 전" userId="b279be015be064a7" providerId="LiveId" clId="{FE17DD06-4F0B-4F09-AC78-2D3F41BE8E98}" dt="2025-06-26T08:34:38.911" v="927" actId="1076"/>
+          <ac:picMkLst>
+            <pc:docMk/>
+            <pc:sldMk cId="1981123653" sldId="264"/>
+            <ac:picMk id="13" creationId="{C53C8D1E-CFC1-90C8-F119-7D95C89EFB0C}"/>
+          </ac:picMkLst>
+        </pc:picChg>
+        <pc:picChg chg="add mod">
+          <ac:chgData name="상진 전" userId="b279be015be064a7" providerId="LiveId" clId="{FE17DD06-4F0B-4F09-AC78-2D3F41BE8E98}" dt="2025-06-26T08:35:18.633" v="937" actId="1076"/>
+          <ac:picMkLst>
+            <pc:docMk/>
+            <pc:sldMk cId="1981123653" sldId="264"/>
+            <ac:picMk id="15" creationId="{72C64F46-D7AE-56AF-EB54-50F9AEF7156E}"/>
+          </ac:picMkLst>
+        </pc:picChg>
+      </pc:sldChg>
+      <pc:sldChg chg="addSp delSp modSp new mod">
+        <pc:chgData name="상진 전" userId="b279be015be064a7" providerId="LiveId" clId="{FE17DD06-4F0B-4F09-AC78-2D3F41BE8E98}" dt="2025-06-26T08:48:30.076" v="1915" actId="20577"/>
+        <pc:sldMkLst>
+          <pc:docMk/>
+          <pc:sldMk cId="2048155036" sldId="265"/>
+        </pc:sldMkLst>
+        <pc:spChg chg="del">
+          <ac:chgData name="상진 전" userId="b279be015be064a7" providerId="LiveId" clId="{FE17DD06-4F0B-4F09-AC78-2D3F41BE8E98}" dt="2025-06-26T08:37:00.424" v="1198" actId="478"/>
+          <ac:spMkLst>
+            <pc:docMk/>
+            <pc:sldMk cId="2048155036" sldId="265"/>
+            <ac:spMk id="2" creationId="{89EB952D-F6D1-F8CF-7E62-191DCAF74CE1}"/>
+          </ac:spMkLst>
+        </pc:spChg>
+        <pc:spChg chg="del">
+          <ac:chgData name="상진 전" userId="b279be015be064a7" providerId="LiveId" clId="{FE17DD06-4F0B-4F09-AC78-2D3F41BE8E98}" dt="2025-06-26T08:37:00.424" v="1198" actId="478"/>
+          <ac:spMkLst>
+            <pc:docMk/>
+            <pc:sldMk cId="2048155036" sldId="265"/>
+            <ac:spMk id="3" creationId="{742E09C6-098C-DAE5-44A5-D544FABCAB68}"/>
+          </ac:spMkLst>
+        </pc:spChg>
+        <pc:spChg chg="add mod">
+          <ac:chgData name="상진 전" userId="b279be015be064a7" providerId="LiveId" clId="{FE17DD06-4F0B-4F09-AC78-2D3F41BE8E98}" dt="2025-06-26T08:37:09.755" v="1201" actId="1076"/>
+          <ac:spMkLst>
+            <pc:docMk/>
+            <pc:sldMk cId="2048155036" sldId="265"/>
+            <ac:spMk id="5" creationId="{7052F05D-3B20-858A-0F79-D0ACC6C2DDF9}"/>
+          </ac:spMkLst>
+        </pc:spChg>
+        <pc:spChg chg="add mod">
+          <ac:chgData name="상진 전" userId="b279be015be064a7" providerId="LiveId" clId="{FE17DD06-4F0B-4F09-AC78-2D3F41BE8E98}" dt="2025-06-26T08:39:21.559" v="1469" actId="20577"/>
+          <ac:spMkLst>
+            <pc:docMk/>
+            <pc:sldMk cId="2048155036" sldId="265"/>
+            <ac:spMk id="6" creationId="{870B89C0-E3C4-AF86-2780-8B0955A14622}"/>
+          </ac:spMkLst>
+        </pc:spChg>
+        <pc:spChg chg="add mod">
+          <ac:chgData name="상진 전" userId="b279be015be064a7" providerId="LiveId" clId="{FE17DD06-4F0B-4F09-AC78-2D3F41BE8E98}" dt="2025-06-26T08:43:23.672" v="1563" actId="113"/>
+          <ac:spMkLst>
+            <pc:docMk/>
+            <pc:sldMk cId="2048155036" sldId="265"/>
+            <ac:spMk id="11" creationId="{D5E5DDAD-4F4B-848D-45CC-A05B114E1BD1}"/>
+          </ac:spMkLst>
+        </pc:spChg>
+        <pc:spChg chg="add mod">
+          <ac:chgData name="상진 전" userId="b279be015be064a7" providerId="LiveId" clId="{FE17DD06-4F0B-4F09-AC78-2D3F41BE8E98}" dt="2025-06-26T08:48:30.076" v="1915" actId="20577"/>
+          <ac:spMkLst>
+            <pc:docMk/>
+            <pc:sldMk cId="2048155036" sldId="265"/>
+            <ac:spMk id="12" creationId="{77EE5360-A29D-F2B6-198D-DE3F0C2E14FD}"/>
+          </ac:spMkLst>
+        </pc:spChg>
+        <pc:spChg chg="add mod">
+          <ac:chgData name="상진 전" userId="b279be015be064a7" providerId="LiveId" clId="{FE17DD06-4F0B-4F09-AC78-2D3F41BE8E98}" dt="2025-06-26T08:48:08.105" v="1855" actId="1076"/>
+          <ac:spMkLst>
+            <pc:docMk/>
+            <pc:sldMk cId="2048155036" sldId="265"/>
+            <ac:spMk id="17" creationId="{9347DEBE-F858-5D8E-7CDA-A81D737CA0A6}"/>
+          </ac:spMkLst>
+        </pc:spChg>
+        <pc:picChg chg="add mod">
+          <ac:chgData name="상진 전" userId="b279be015be064a7" providerId="LiveId" clId="{FE17DD06-4F0B-4F09-AC78-2D3F41BE8E98}" dt="2025-06-26T08:41:30.027" v="1479" actId="14100"/>
+          <ac:picMkLst>
+            <pc:docMk/>
+            <pc:sldMk cId="2048155036" sldId="265"/>
+            <ac:picMk id="8" creationId="{B6436D6E-76A1-A58A-3997-D1BD436DB52D}"/>
+          </ac:picMkLst>
+        </pc:picChg>
+        <pc:picChg chg="add mod">
+          <ac:chgData name="상진 전" userId="b279be015be064a7" providerId="LiveId" clId="{FE17DD06-4F0B-4F09-AC78-2D3F41BE8E98}" dt="2025-06-26T08:42:23.395" v="1482" actId="1076"/>
+          <ac:picMkLst>
+            <pc:docMk/>
+            <pc:sldMk cId="2048155036" sldId="265"/>
+            <ac:picMk id="10" creationId="{BA3EE6B4-E67D-2631-BB8E-3813FC8F67C9}"/>
+          </ac:picMkLst>
+        </pc:picChg>
+        <pc:picChg chg="add mod">
+          <ac:chgData name="상진 전" userId="b279be015be064a7" providerId="LiveId" clId="{FE17DD06-4F0B-4F09-AC78-2D3F41BE8E98}" dt="2025-06-26T08:46:55.077" v="1637" actId="1076"/>
+          <ac:picMkLst>
+            <pc:docMk/>
+            <pc:sldMk cId="2048155036" sldId="265"/>
+            <ac:picMk id="14" creationId="{7EB17100-11BE-DDB5-4269-62798E7C341F}"/>
+          </ac:picMkLst>
+        </pc:picChg>
+        <pc:picChg chg="add mod">
+          <ac:chgData name="상진 전" userId="b279be015be064a7" providerId="LiveId" clId="{FE17DD06-4F0B-4F09-AC78-2D3F41BE8E98}" dt="2025-06-26T08:47:06.954" v="1639" actId="1076"/>
+          <ac:picMkLst>
+            <pc:docMk/>
+            <pc:sldMk cId="2048155036" sldId="265"/>
+            <ac:picMk id="16" creationId="{C5EE4EF9-4062-41B3-47B6-F8BBF9259FD1}"/>
+          </ac:picMkLst>
+        </pc:picChg>
+      </pc:sldChg>
+      <pc:sldChg chg="addSp delSp modSp new mod">
+        <pc:chgData name="상진 전" userId="b279be015be064a7" providerId="LiveId" clId="{FE17DD06-4F0B-4F09-AC78-2D3F41BE8E98}" dt="2025-06-26T09:10:14.877" v="4183" actId="20577"/>
+        <pc:sldMkLst>
+          <pc:docMk/>
+          <pc:sldMk cId="820531442" sldId="266"/>
+        </pc:sldMkLst>
+        <pc:spChg chg="del">
+          <ac:chgData name="상진 전" userId="b279be015be064a7" providerId="LiveId" clId="{FE17DD06-4F0B-4F09-AC78-2D3F41BE8E98}" dt="2025-06-26T08:54:31.927" v="1936" actId="478"/>
+          <ac:spMkLst>
+            <pc:docMk/>
+            <pc:sldMk cId="820531442" sldId="266"/>
+            <ac:spMk id="2" creationId="{9FC37960-ED06-2383-4864-4D049944E971}"/>
+          </ac:spMkLst>
+        </pc:spChg>
+        <pc:spChg chg="del">
+          <ac:chgData name="상진 전" userId="b279be015be064a7" providerId="LiveId" clId="{FE17DD06-4F0B-4F09-AC78-2D3F41BE8E98}" dt="2025-06-26T08:54:31.927" v="1936" actId="478"/>
+          <ac:spMkLst>
+            <pc:docMk/>
+            <pc:sldMk cId="820531442" sldId="266"/>
+            <ac:spMk id="3" creationId="{0B05DC94-F368-F851-05D1-740A2333DE0B}"/>
+          </ac:spMkLst>
+        </pc:spChg>
+        <pc:spChg chg="add mod">
+          <ac:chgData name="상진 전" userId="b279be015be064a7" providerId="LiveId" clId="{FE17DD06-4F0B-4F09-AC78-2D3F41BE8E98}" dt="2025-06-26T08:54:30.427" v="1935" actId="20577"/>
+          <ac:spMkLst>
+            <pc:docMk/>
+            <pc:sldMk cId="820531442" sldId="266"/>
+            <ac:spMk id="5" creationId="{02391413-6ECB-2AB1-0EAC-844359F3C1C3}"/>
+          </ac:spMkLst>
+        </pc:spChg>
+        <pc:spChg chg="add mod">
+          <ac:chgData name="상진 전" userId="b279be015be064a7" providerId="LiveId" clId="{FE17DD06-4F0B-4F09-AC78-2D3F41BE8E98}" dt="2025-06-26T09:10:14.877" v="4183" actId="20577"/>
+          <ac:spMkLst>
+            <pc:docMk/>
+            <pc:sldMk cId="820531442" sldId="266"/>
+            <ac:spMk id="6" creationId="{D9262804-066D-770A-8AEE-5DEBB1FF4F63}"/>
+          </ac:spMkLst>
+        </pc:spChg>
+      </pc:sldChg>
+      <pc:sldChg chg="addSp delSp modSp new mod">
+        <pc:chgData name="상진 전" userId="b279be015be064a7" providerId="LiveId" clId="{FE17DD06-4F0B-4F09-AC78-2D3F41BE8E98}" dt="2025-06-26T09:13:07.766" v="4772" actId="20577"/>
+        <pc:sldMkLst>
+          <pc:docMk/>
+          <pc:sldMk cId="1706506848" sldId="267"/>
+        </pc:sldMkLst>
+        <pc:spChg chg="del">
+          <ac:chgData name="상진 전" userId="b279be015be064a7" providerId="LiveId" clId="{FE17DD06-4F0B-4F09-AC78-2D3F41BE8E98}" dt="2025-06-26T09:02:26.571" v="3120" actId="478"/>
+          <ac:spMkLst>
+            <pc:docMk/>
+            <pc:sldMk cId="1706506848" sldId="267"/>
+            <ac:spMk id="2" creationId="{CA0011D5-0F78-CCE8-3061-39D66E5A3AB2}"/>
+          </ac:spMkLst>
+        </pc:spChg>
+        <pc:spChg chg="del">
+          <ac:chgData name="상진 전" userId="b279be015be064a7" providerId="LiveId" clId="{FE17DD06-4F0B-4F09-AC78-2D3F41BE8E98}" dt="2025-06-26T09:02:26.571" v="3120" actId="478"/>
+          <ac:spMkLst>
+            <pc:docMk/>
+            <pc:sldMk cId="1706506848" sldId="267"/>
+            <ac:spMk id="3" creationId="{84E76959-6D4E-A737-69C4-51F86413BB86}"/>
+          </ac:spMkLst>
+        </pc:spChg>
+        <pc:spChg chg="add del mod">
+          <ac:chgData name="상진 전" userId="b279be015be064a7" providerId="LiveId" clId="{FE17DD06-4F0B-4F09-AC78-2D3F41BE8E98}" dt="2025-06-26T09:06:05.838" v="3753" actId="478"/>
+          <ac:spMkLst>
+            <pc:docMk/>
+            <pc:sldMk cId="1706506848" sldId="267"/>
+            <ac:spMk id="5" creationId="{9C7B09EC-7AC7-E5FF-E2AF-3F19B17FC8EF}"/>
+          </ac:spMkLst>
+        </pc:spChg>
+        <pc:spChg chg="add del mod">
+          <ac:chgData name="상진 전" userId="b279be015be064a7" providerId="LiveId" clId="{FE17DD06-4F0B-4F09-AC78-2D3F41BE8E98}" dt="2025-06-26T09:06:04.806" v="3752" actId="478"/>
+          <ac:spMkLst>
+            <pc:docMk/>
+            <pc:sldMk cId="1706506848" sldId="267"/>
+            <ac:spMk id="6" creationId="{702A1F7E-37FD-C8E5-40C8-E32261C218E5}"/>
+          </ac:spMkLst>
+        </pc:spChg>
+        <pc:spChg chg="add mod">
+          <ac:chgData name="상진 전" userId="b279be015be064a7" providerId="LiveId" clId="{FE17DD06-4F0B-4F09-AC78-2D3F41BE8E98}" dt="2025-06-26T09:13:07.766" v="4772" actId="20577"/>
+          <ac:spMkLst>
+            <pc:docMk/>
+            <pc:sldMk cId="1706506848" sldId="267"/>
+            <ac:spMk id="8" creationId="{9A69A8BF-FD5B-170D-7EC9-C96EDC426C54}"/>
+          </ac:spMkLst>
+        </pc:spChg>
+        <pc:spChg chg="add mod">
+          <ac:chgData name="상진 전" userId="b279be015be064a7" providerId="LiveId" clId="{FE17DD06-4F0B-4F09-AC78-2D3F41BE8E98}" dt="2025-06-26T09:06:48.401" v="3772"/>
+          <ac:spMkLst>
+            <pc:docMk/>
+            <pc:sldMk cId="1706506848" sldId="267"/>
+            <ac:spMk id="9" creationId="{4ECC6F38-47AE-D6C7-1492-F8954B42CDA1}"/>
+          </ac:spMkLst>
+        </pc:spChg>
+      </pc:sldChg>
+      <pc:sldChg chg="addSp delSp modSp new mod">
+        <pc:chgData name="상진 전" userId="b279be015be064a7" providerId="LiveId" clId="{FE17DD06-4F0B-4F09-AC78-2D3F41BE8E98}" dt="2025-06-26T09:14:54.323" v="5176" actId="20577"/>
+        <pc:sldMkLst>
+          <pc:docMk/>
+          <pc:sldMk cId="961326448" sldId="268"/>
+        </pc:sldMkLst>
+        <pc:spChg chg="del">
+          <ac:chgData name="상진 전" userId="b279be015be064a7" providerId="LiveId" clId="{FE17DD06-4F0B-4F09-AC78-2D3F41BE8E98}" dt="2025-06-26T09:06:28.882" v="3761" actId="478"/>
+          <ac:spMkLst>
+            <pc:docMk/>
+            <pc:sldMk cId="961326448" sldId="268"/>
+            <ac:spMk id="2" creationId="{B7913FF9-F567-B0E8-E86F-EFBCA4ED0B6D}"/>
+          </ac:spMkLst>
+        </pc:spChg>
+        <pc:spChg chg="del mod">
+          <ac:chgData name="상진 전" userId="b279be015be064a7" providerId="LiveId" clId="{FE17DD06-4F0B-4F09-AC78-2D3F41BE8E98}" dt="2025-06-26T09:06:28.882" v="3761" actId="478"/>
+          <ac:spMkLst>
+            <pc:docMk/>
+            <pc:sldMk cId="961326448" sldId="268"/>
+            <ac:spMk id="3" creationId="{04C8843A-8968-08A9-7662-AFDC660BC38D}"/>
+          </ac:spMkLst>
+        </pc:spChg>
+        <pc:spChg chg="add mod">
+          <ac:chgData name="상진 전" userId="b279be015be064a7" providerId="LiveId" clId="{FE17DD06-4F0B-4F09-AC78-2D3F41BE8E98}" dt="2025-06-26T09:14:54.323" v="5176" actId="20577"/>
+          <ac:spMkLst>
+            <pc:docMk/>
+            <pc:sldMk cId="961326448" sldId="268"/>
+            <ac:spMk id="5" creationId="{C255502B-4D54-6605-1E66-F5C7C2600D9B}"/>
+          </ac:spMkLst>
+        </pc:spChg>
+        <pc:spChg chg="add del">
+          <ac:chgData name="상진 전" userId="b279be015be064a7" providerId="LiveId" clId="{FE17DD06-4F0B-4F09-AC78-2D3F41BE8E98}" dt="2025-06-26T09:06:38.070" v="3767" actId="22"/>
+          <ac:spMkLst>
+            <pc:docMk/>
+            <pc:sldMk cId="961326448" sldId="268"/>
+            <ac:spMk id="7" creationId="{682B4697-A257-C8FA-5B55-3D13EC8C0F8B}"/>
+          </ac:spMkLst>
+        </pc:spChg>
+        <pc:spChg chg="add mod">
+          <ac:chgData name="상진 전" userId="b279be015be064a7" providerId="LiveId" clId="{FE17DD06-4F0B-4F09-AC78-2D3F41BE8E98}" dt="2025-06-26T09:06:51.097" v="3773"/>
+          <ac:spMkLst>
+            <pc:docMk/>
+            <pc:sldMk cId="961326448" sldId="268"/>
+            <ac:spMk id="8" creationId="{7D8E1463-2618-A1D7-9E52-7CEEA21511FB}"/>
+          </ac:spMkLst>
+        </pc:spChg>
+      </pc:sldChg>
+      <pc:sldChg chg="addSp delSp modSp new mod">
+        <pc:chgData name="상진 전" userId="b279be015be064a7" providerId="LiveId" clId="{FE17DD06-4F0B-4F09-AC78-2D3F41BE8E98}" dt="2025-06-26T09:15:46.634" v="5351" actId="20577"/>
+        <pc:sldMkLst>
+          <pc:docMk/>
+          <pc:sldMk cId="2931457153" sldId="269"/>
+        </pc:sldMkLst>
+        <pc:spChg chg="del">
+          <ac:chgData name="상진 전" userId="b279be015be064a7" providerId="LiveId" clId="{FE17DD06-4F0B-4F09-AC78-2D3F41BE8E98}" dt="2025-06-26T09:06:42.462" v="3770" actId="478"/>
+          <ac:spMkLst>
+            <pc:docMk/>
+            <pc:sldMk cId="2931457153" sldId="269"/>
+            <ac:spMk id="2" creationId="{A9A2732D-0012-65D6-8D58-876FDD2785E3}"/>
+          </ac:spMkLst>
+        </pc:spChg>
+        <pc:spChg chg="del">
+          <ac:chgData name="상진 전" userId="b279be015be064a7" providerId="LiveId" clId="{FE17DD06-4F0B-4F09-AC78-2D3F41BE8E98}" dt="2025-06-26T09:06:42.462" v="3770" actId="478"/>
+          <ac:spMkLst>
+            <pc:docMk/>
+            <pc:sldMk cId="2931457153" sldId="269"/>
+            <ac:spMk id="3" creationId="{00E02F00-2E9C-1E72-A876-213D4167C78B}"/>
+          </ac:spMkLst>
+        </pc:spChg>
+        <pc:spChg chg="add del">
+          <ac:chgData name="상진 전" userId="b279be015be064a7" providerId="LiveId" clId="{FE17DD06-4F0B-4F09-AC78-2D3F41BE8E98}" dt="2025-06-26T09:06:39.675" v="3769" actId="22"/>
+          <ac:spMkLst>
+            <pc:docMk/>
+            <pc:sldMk cId="2931457153" sldId="269"/>
+            <ac:spMk id="5" creationId="{25CBB39F-6B61-911D-7273-5F0319156E6F}"/>
+          </ac:spMkLst>
+        </pc:spChg>
+        <pc:spChg chg="add mod">
+          <ac:chgData name="상진 전" userId="b279be015be064a7" providerId="LiveId" clId="{FE17DD06-4F0B-4F09-AC78-2D3F41BE8E98}" dt="2025-06-26T09:15:46.634" v="5351" actId="20577"/>
+          <ac:spMkLst>
+            <pc:docMk/>
+            <pc:sldMk cId="2931457153" sldId="269"/>
+            <ac:spMk id="7" creationId="{61124965-B66F-F048-45EA-F2A36B2075E8}"/>
+          </ac:spMkLst>
+        </pc:spChg>
+        <pc:spChg chg="add mod">
+          <ac:chgData name="상진 전" userId="b279be015be064a7" providerId="LiveId" clId="{FE17DD06-4F0B-4F09-AC78-2D3F41BE8E98}" dt="2025-06-26T09:06:52.302" v="3774"/>
+          <ac:spMkLst>
+            <pc:docMk/>
+            <pc:sldMk cId="2931457153" sldId="269"/>
+            <ac:spMk id="8" creationId="{18F2EAD5-B8A6-F219-87CB-F04D3D0827B8}"/>
+          </ac:spMkLst>
+        </pc:spChg>
+      </pc:sldChg>
+      <pc:sldChg chg="addSp delSp modSp new mod">
+        <pc:chgData name="상진 전" userId="b279be015be064a7" providerId="LiveId" clId="{FE17DD06-4F0B-4F09-AC78-2D3F41BE8E98}" dt="2025-06-26T09:44:19.423" v="6108" actId="20577"/>
+        <pc:sldMkLst>
+          <pc:docMk/>
+          <pc:sldMk cId="3925121638" sldId="270"/>
+        </pc:sldMkLst>
+        <pc:spChg chg="del">
+          <ac:chgData name="상진 전" userId="b279be015be064a7" providerId="LiveId" clId="{FE17DD06-4F0B-4F09-AC78-2D3F41BE8E98}" dt="2025-06-26T09:41:07.114" v="5353" actId="478"/>
+          <ac:spMkLst>
+            <pc:docMk/>
+            <pc:sldMk cId="3925121638" sldId="270"/>
+            <ac:spMk id="2" creationId="{21D0B82A-EA78-41C4-2B6C-9651B7F88270}"/>
+          </ac:spMkLst>
+        </pc:spChg>
+        <pc:spChg chg="del">
+          <ac:chgData name="상진 전" userId="b279be015be064a7" providerId="LiveId" clId="{FE17DD06-4F0B-4F09-AC78-2D3F41BE8E98}" dt="2025-06-26T09:41:07.114" v="5353" actId="478"/>
+          <ac:spMkLst>
+            <pc:docMk/>
+            <pc:sldMk cId="3925121638" sldId="270"/>
+            <ac:spMk id="3" creationId="{37A8F17E-E007-CE4C-5996-DF7B426C1AAB}"/>
+          </ac:spMkLst>
+        </pc:spChg>
+        <pc:spChg chg="add mod">
+          <ac:chgData name="상진 전" userId="b279be015be064a7" providerId="LiveId" clId="{FE17DD06-4F0B-4F09-AC78-2D3F41BE8E98}" dt="2025-06-26T09:41:27.999" v="5366" actId="1076"/>
+          <ac:spMkLst>
+            <pc:docMk/>
+            <pc:sldMk cId="3925121638" sldId="270"/>
+            <ac:spMk id="4" creationId="{6CC4B311-353C-3DBC-4B89-3E8A32F6BE9C}"/>
+          </ac:spMkLst>
+        </pc:spChg>
+        <pc:spChg chg="add mod">
+          <ac:chgData name="상진 전" userId="b279be015be064a7" providerId="LiveId" clId="{FE17DD06-4F0B-4F09-AC78-2D3F41BE8E98}" dt="2025-06-26T09:44:19.423" v="6108" actId="20577"/>
+          <ac:spMkLst>
+            <pc:docMk/>
+            <pc:sldMk cId="3925121638" sldId="270"/>
+            <ac:spMk id="5" creationId="{FDBDCF0A-BCE2-3E67-7BCE-CCE3B3FDE7AC}"/>
+          </ac:spMkLst>
+        </pc:spChg>
+      </pc:sldChg>
+    </pc:docChg>
+  </pc:docChgLst>
+</pc:chgInfo>
+</file>
+
 <file path=ppt/slideLayouts/slideLayout1.xml><?xml version="1.0" encoding="utf-8"?>
 <p:sldLayout xmlns:a="http://schemas.openxmlformats.org/drawingml/2006/main" xmlns:r="http://schemas.openxmlformats.org/officeDocument/2006/relationships" xmlns:p="http://schemas.openxmlformats.org/presentationml/2006/main" type="title" preserve="1">
   <p:cSld name="Title Slide">
@@ -275,7 +712,7 @@
           <a:p>
             <a:fld id="{6444479B-705B-4489-957E-7E8A228BDFA0}" type="datetime1">
               <a:rPr lang="en-US" smtClean="0"/>
-              <a:t>6/24/2025</a:t>
+              <a:t>6/26/2025</a:t>
             </a:fld>
             <a:endParaRPr lang="en-US"/>
           </a:p>
@@ -475,7 +912,7 @@
           <a:p>
             <a:fld id="{C07B66AD-7C08-490A-ADA4-B47E10FB2407}" type="datetime1">
               <a:rPr lang="en-US" smtClean="0"/>
-              <a:t>6/24/2025</a:t>
+              <a:t>6/26/2025</a:t>
             </a:fld>
             <a:endParaRPr lang="en-US"/>
           </a:p>
@@ -734,7 +1171,7 @@
           <a:p>
             <a:fld id="{05B95027-4255-49E7-9841-CD21BCC99996}" type="datetime1">
               <a:rPr lang="en-US" smtClean="0"/>
-              <a:t>6/24/2025</a:t>
+              <a:t>6/26/2025</a:t>
             </a:fld>
             <a:endParaRPr lang="en-US"/>
           </a:p>
@@ -975,7 +1412,7 @@
           <a:p>
             <a:fld id="{9F89F774-3FA6-43B8-9241-99959C8FD463}" type="datetime1">
               <a:rPr lang="en-US" smtClean="0"/>
-              <a:t>6/24/2025</a:t>
+              <a:t>6/26/2025</a:t>
             </a:fld>
             <a:endParaRPr lang="en-US"/>
           </a:p>
@@ -1302,7 +1739,7 @@
           <a:p>
             <a:fld id="{F9504452-5DCC-4FE2-A5C9-8A5EF6714D65}" type="datetime1">
               <a:rPr lang="en-US" smtClean="0"/>
-              <a:t>6/24/2025</a:t>
+              <a:t>6/26/2025</a:t>
             </a:fld>
             <a:endParaRPr lang="en-US"/>
           </a:p>
@@ -1612,7 +2049,7 @@
           <a:p>
             <a:fld id="{E579ABC2-0180-4F3A-A895-A85BC724D472}" type="datetime1">
               <a:rPr lang="en-US" smtClean="0"/>
-              <a:t>6/24/2025</a:t>
+              <a:t>6/26/2025</a:t>
             </a:fld>
             <a:endParaRPr lang="en-US"/>
           </a:p>
@@ -2030,7 +2467,7 @@
           <a:p>
             <a:fld id="{6AEEA9BA-4E8F-439E-BEA4-91FBA01E3F5F}" type="datetime1">
               <a:rPr lang="en-US" smtClean="0"/>
-              <a:t>6/24/2025</a:t>
+              <a:t>6/26/2025</a:t>
             </a:fld>
             <a:endParaRPr lang="en-US"/>
           </a:p>
@@ -2172,7 +2609,7 @@
           <a:p>
             <a:fld id="{BE15BF18-0007-481C-AA29-413124BC3EE7}" type="datetime1">
               <a:rPr lang="en-US" smtClean="0"/>
-              <a:t>6/24/2025</a:t>
+              <a:t>6/26/2025</a:t>
             </a:fld>
             <a:endParaRPr lang="en-US"/>
           </a:p>
@@ -2334,7 +2771,7 @@
           <a:p>
             <a:fld id="{09BE9870-3748-43AD-B547-02A075CB4A1D}" type="datetime1">
               <a:rPr lang="en-US" smtClean="0"/>
-              <a:t>6/24/2025</a:t>
+              <a:t>6/26/2025</a:t>
             </a:fld>
             <a:endParaRPr lang="en-US"/>
           </a:p>
@@ -2651,7 +3088,7 @@
           <a:p>
             <a:fld id="{558E7897-33C5-4F1A-9307-D068E37F3DC7}" type="datetime1">
               <a:rPr lang="en-US" smtClean="0"/>
-              <a:t>6/24/2025</a:t>
+              <a:t>6/26/2025</a:t>
             </a:fld>
             <a:endParaRPr lang="en-US"/>
           </a:p>
@@ -2946,7 +3383,7 @@
           <a:p>
             <a:fld id="{82E171BA-CC09-47C8-A6DF-F5C5CB59CEEC}" type="datetime1">
               <a:rPr lang="en-US" smtClean="0"/>
-              <a:t>6/24/2025</a:t>
+              <a:t>6/26/2025</a:t>
             </a:fld>
             <a:endParaRPr lang="en-US"/>
           </a:p>
@@ -3183,7 +3620,7 @@
           <a:p>
             <a:fld id="{7DA38F49-B3E2-4BF0-BEC7-C30D34ABBB8D}" type="datetime1">
               <a:rPr lang="en-US" smtClean="0"/>
-              <a:t>6/24/2025</a:t>
+              <a:t>6/26/2025</a:t>
             </a:fld>
             <a:endParaRPr lang="en-US"/>
           </a:p>
@@ -4026,7 +4463,7 @@
 </p:sld>
 </file>
 
-<file path=ppt/slides/slide2.xml><?xml version="1.0" encoding="utf-8"?>
+<file path=ppt/slides/slide10.xml><?xml version="1.0" encoding="utf-8"?>
 <p:sld xmlns:a="http://schemas.openxmlformats.org/drawingml/2006/main" xmlns:r="http://schemas.openxmlformats.org/officeDocument/2006/relationships" xmlns:p="http://schemas.openxmlformats.org/presentationml/2006/main">
   <p:cSld>
     <p:spTree>
@@ -4045,10 +4482,10 @@
       </p:grpSpPr>
       <p:sp>
         <p:nvSpPr>
-          <p:cNvPr id="4" name="TextBox 3">
-            <a:extLst>
-              <a:ext uri="{FF2B5EF4-FFF2-40B4-BE49-F238E27FC236}">
-                <a16:creationId xmlns:a16="http://schemas.microsoft.com/office/drawing/2014/main" id="{5D9C82B9-A658-B182-0F45-76A46ED08CAF}"/>
+          <p:cNvPr id="7" name="TextBox 6">
+            <a:extLst>
+              <a:ext uri="{FF2B5EF4-FFF2-40B4-BE49-F238E27FC236}">
+                <a16:creationId xmlns:a16="http://schemas.microsoft.com/office/drawing/2014/main" id="{61124965-B66F-F048-45EA-F2A36B2075E8}"/>
               </a:ext>
             </a:extLst>
           </p:cNvPr>
@@ -4057,8 +4494,8 @@
         </p:nvSpPr>
         <p:spPr>
           <a:xfrm>
-            <a:off x="235368" y="333390"/>
-            <a:ext cx="3003082" cy="646331"/>
+            <a:off x="640078" y="1106277"/>
+            <a:ext cx="10070503" cy="1477328"/>
           </a:xfrm>
           <a:prstGeom prst="rect">
             <a:avLst/>
@@ -4066,44 +4503,108 @@
           <a:noFill/>
         </p:spPr>
         <p:txBody>
-          <a:bodyPr wrap="square" rtlCol="0">
+          <a:bodyPr wrap="square">
             <a:spAutoFit/>
           </a:bodyPr>
           <a:lstStyle/>
           <a:p>
             <a:r>
-              <a:rPr lang="en-US" altLang="ko-KR" sz="3600" b="1" dirty="0">
-                <a:effectLst>
-                  <a:outerShdw blurRad="38100" dist="38100" dir="2700000" algn="tl">
-                    <a:srgbClr val="000000">
-                      <a:alpha val="43137"/>
-                    </a:srgbClr>
-                  </a:outerShdw>
-                </a:effectLst>
-              </a:rPr>
-              <a:t>STUDY </a:t>
-            </a:r>
-            <a:r>
-              <a:rPr lang="ko-KR" altLang="en-US" sz="3600" b="1" dirty="0">
-                <a:effectLst>
-                  <a:outerShdw blurRad="38100" dist="38100" dir="2700000" algn="tl">
-                    <a:srgbClr val="000000">
-                      <a:alpha val="43137"/>
-                    </a:srgbClr>
-                  </a:outerShdw>
-                </a:effectLst>
-              </a:rPr>
-              <a:t>목표</a:t>
-            </a:r>
-          </a:p>
-        </p:txBody>
-      </p:sp>
-      <p:sp>
-        <p:nvSpPr>
-          <p:cNvPr id="5" name="TextBox 4">
-            <a:extLst>
-              <a:ext uri="{FF2B5EF4-FFF2-40B4-BE49-F238E27FC236}">
-                <a16:creationId xmlns:a16="http://schemas.microsoft.com/office/drawing/2014/main" id="{143CB236-4102-BD95-31BF-0F7E4674A93E}"/>
+              <a:rPr lang="en-US" altLang="ko-KR" b="1" dirty="0"/>
+              <a:t>7</a:t>
+            </a:r>
+            <a:r>
+              <a:rPr lang="ko-KR" altLang="en-US" b="1" dirty="0"/>
+              <a:t>단계 </a:t>
+            </a:r>
+            <a:r>
+              <a:rPr lang="en-US" altLang="ko-KR" b="1" dirty="0"/>
+              <a:t>: </a:t>
+            </a:r>
+            <a:r>
+              <a:rPr lang="ko-KR" altLang="en-US" b="1" dirty="0"/>
+              <a:t>운영기획 </a:t>
+            </a:r>
+            <a:r>
+              <a:rPr lang="en-US" altLang="ko-KR" dirty="0"/>
+              <a:t>=&gt; </a:t>
+            </a:r>
+            <a:r>
+              <a:rPr lang="ko-KR" altLang="en-US" dirty="0"/>
+              <a:t>출시 이후의 이벤트 설계</a:t>
+            </a:r>
+            <a:r>
+              <a:rPr lang="en-US" altLang="ko-KR" dirty="0"/>
+              <a:t>, </a:t>
+            </a:r>
+            <a:r>
+              <a:rPr lang="ko-KR" altLang="en-US" dirty="0"/>
+              <a:t>게임 운영 </a:t>
+            </a:r>
+            <a:endParaRPr lang="en-US" altLang="ko-KR" dirty="0"/>
+          </a:p>
+          <a:p>
+            <a:endParaRPr lang="en-US" altLang="ko-KR" dirty="0"/>
+          </a:p>
+          <a:p>
+            <a:r>
+              <a:rPr lang="en-US" altLang="ko-KR" b="1" dirty="0"/>
+              <a:t>8</a:t>
+            </a:r>
+            <a:r>
+              <a:rPr lang="ko-KR" altLang="en-US" b="1" dirty="0"/>
+              <a:t>단계 </a:t>
+            </a:r>
+            <a:r>
+              <a:rPr lang="en-US" altLang="ko-KR" b="1" dirty="0"/>
+              <a:t>: </a:t>
+            </a:r>
+            <a:r>
+              <a:rPr lang="ko-KR" altLang="en-US" b="1" dirty="0"/>
+              <a:t>출시 및 운영보수 </a:t>
+            </a:r>
+            <a:r>
+              <a:rPr lang="en-US" altLang="ko-KR" dirty="0"/>
+              <a:t>=&gt; </a:t>
+            </a:r>
+            <a:r>
+              <a:rPr lang="ko-KR" altLang="en-US" dirty="0"/>
+              <a:t>지속 가능한 운영 기반 구축</a:t>
+            </a:r>
+            <a:endParaRPr lang="en-US" altLang="ko-KR" dirty="0"/>
+          </a:p>
+          <a:p>
+            <a:endParaRPr lang="en-US" altLang="ko-KR" dirty="0"/>
+          </a:p>
+          <a:p>
+            <a:r>
+              <a:rPr lang="ko-KR" altLang="en-US" dirty="0"/>
+              <a:t>해당 단계는 실제로 출시되면 각종 이벤트도 하고</a:t>
+            </a:r>
+            <a:r>
+              <a:rPr lang="en-US" altLang="ko-KR" dirty="0"/>
+              <a:t>, </a:t>
+            </a:r>
+            <a:r>
+              <a:rPr lang="ko-KR" altLang="en-US" dirty="0" err="1"/>
+              <a:t>벨런싱도</a:t>
+            </a:r>
+            <a:r>
+              <a:rPr lang="ko-KR" altLang="en-US" dirty="0"/>
+              <a:t> 맞추고 하는 단계입니다</a:t>
+            </a:r>
+            <a:r>
+              <a:rPr lang="en-US" altLang="ko-KR" dirty="0"/>
+              <a:t>.</a:t>
+            </a:r>
+          </a:p>
+        </p:txBody>
+      </p:sp>
+      <p:sp>
+        <p:nvSpPr>
+          <p:cNvPr id="8" name="TextBox 7">
+            <a:extLst>
+              <a:ext uri="{FF2B5EF4-FFF2-40B4-BE49-F238E27FC236}">
+                <a16:creationId xmlns:a16="http://schemas.microsoft.com/office/drawing/2014/main" id="{18F2EAD5-B8A6-F219-87CB-F04D3D0827B8}"/>
               </a:ext>
             </a:extLst>
           </p:cNvPr>
@@ -4112,8 +4613,8 @@
         </p:nvSpPr>
         <p:spPr>
           <a:xfrm>
-            <a:off x="424873" y="1302327"/>
-            <a:ext cx="10677236" cy="3139321"/>
+            <a:off x="640079" y="658368"/>
+            <a:ext cx="6094878" cy="369332"/>
           </a:xfrm>
           <a:prstGeom prst="rect">
             <a:avLst/>
@@ -4121,207 +4622,22 @@
           <a:noFill/>
         </p:spPr>
         <p:txBody>
-          <a:bodyPr wrap="square" rtlCol="0">
+          <a:bodyPr wrap="square">
             <a:spAutoFit/>
           </a:bodyPr>
           <a:lstStyle/>
           <a:p>
             <a:r>
-              <a:rPr lang="ko-KR" altLang="en-US" sz="3600" b="1" dirty="0">
-                <a:effectLst>
-                  <a:outerShdw blurRad="38100" dist="38100" dir="2700000" algn="tl">
-                    <a:srgbClr val="000000">
-                      <a:alpha val="43137"/>
-                    </a:srgbClr>
-                  </a:outerShdw>
-                </a:effectLst>
-              </a:rPr>
-              <a:t>게임</a:t>
-            </a:r>
-            <a:r>
-              <a:rPr lang="en-US" altLang="ko-KR" sz="3600" b="1" dirty="0">
-                <a:effectLst>
-                  <a:outerShdw blurRad="38100" dist="38100" dir="2700000" algn="tl">
-                    <a:srgbClr val="000000">
-                      <a:alpha val="43137"/>
-                    </a:srgbClr>
-                  </a:outerShdw>
-                </a:effectLst>
-              </a:rPr>
-              <a:t>_</a:t>
-            </a:r>
-            <a:r>
-              <a:rPr lang="ko-KR" altLang="en-US" sz="3600" b="1" dirty="0">
-                <a:effectLst>
-                  <a:outerShdw blurRad="38100" dist="38100" dir="2700000" algn="tl">
-                    <a:srgbClr val="000000">
-                      <a:alpha val="43137"/>
-                    </a:srgbClr>
-                  </a:outerShdw>
-                </a:effectLst>
-              </a:rPr>
-              <a:t>개발</a:t>
-            </a:r>
-            <a:r>
-              <a:rPr lang="en-US" altLang="ko-KR" sz="3600" b="1" dirty="0">
-                <a:effectLst>
-                  <a:outerShdw blurRad="38100" dist="38100" dir="2700000" algn="tl">
-                    <a:srgbClr val="000000">
-                      <a:alpha val="43137"/>
-                    </a:srgbClr>
-                  </a:outerShdw>
-                </a:effectLst>
-              </a:rPr>
-              <a:t>_Study </a:t>
-            </a:r>
-            <a:r>
-              <a:rPr lang="ko-KR" altLang="en-US" sz="3600" b="1" dirty="0">
-                <a:effectLst>
-                  <a:outerShdw blurRad="38100" dist="38100" dir="2700000" algn="tl">
-                    <a:srgbClr val="000000">
-                      <a:alpha val="43137"/>
-                    </a:srgbClr>
-                  </a:outerShdw>
-                </a:effectLst>
-              </a:rPr>
-              <a:t>목표는 스스로 게임을 </a:t>
-            </a:r>
-            <a:endParaRPr lang="en-US" altLang="ko-KR" sz="3600" b="1" dirty="0">
-              <a:effectLst>
-                <a:outerShdw blurRad="38100" dist="38100" dir="2700000" algn="tl">
-                  <a:srgbClr val="000000">
-                    <a:alpha val="43137"/>
-                  </a:srgbClr>
-                </a:outerShdw>
-              </a:effectLst>
-            </a:endParaRPr>
-          </a:p>
-          <a:p>
-            <a:r>
-              <a:rPr lang="ko-KR" altLang="en-US" sz="3600" b="1" dirty="0">
-                <a:effectLst>
-                  <a:outerShdw blurRad="38100" dist="38100" dir="2700000" algn="tl">
-                    <a:srgbClr val="000000">
-                      <a:alpha val="43137"/>
-                    </a:srgbClr>
-                  </a:outerShdw>
-                </a:effectLst>
-              </a:rPr>
-              <a:t>제작하는 것을 목표로 합니다</a:t>
-            </a:r>
-            <a:r>
-              <a:rPr lang="en-US" altLang="ko-KR" sz="3600" b="1" dirty="0">
-                <a:effectLst>
-                  <a:outerShdw blurRad="38100" dist="38100" dir="2700000" algn="tl">
-                    <a:srgbClr val="000000">
-                      <a:alpha val="43137"/>
-                    </a:srgbClr>
-                  </a:outerShdw>
-                </a:effectLst>
-              </a:rPr>
-              <a:t>.</a:t>
-            </a:r>
-          </a:p>
-          <a:p>
-            <a:endParaRPr lang="en-US" altLang="ko-KR" dirty="0"/>
-          </a:p>
-          <a:p>
-            <a:endParaRPr lang="en-US" altLang="ko-KR" dirty="0"/>
-          </a:p>
-          <a:p>
-            <a:r>
-              <a:rPr lang="ko-KR" altLang="en-US" dirty="0"/>
-              <a:t>하지만</a:t>
-            </a:r>
-            <a:r>
-              <a:rPr lang="en-US" altLang="ko-KR" dirty="0"/>
-              <a:t>, C#</a:t>
-            </a:r>
-            <a:r>
-              <a:rPr lang="ko-KR" altLang="en-US" dirty="0"/>
-              <a:t>과 </a:t>
-            </a:r>
-            <a:r>
-              <a:rPr lang="en-US" altLang="ko-KR" dirty="0"/>
-              <a:t>class</a:t>
-            </a:r>
-            <a:r>
-              <a:rPr lang="ko-KR" altLang="en-US" dirty="0"/>
-              <a:t>에 대한 개념은 따로 학습하지 않으며</a:t>
-            </a:r>
-            <a:r>
-              <a:rPr lang="en-US" altLang="ko-KR" dirty="0"/>
-              <a:t>, </a:t>
-            </a:r>
-            <a:r>
-              <a:rPr lang="ko-KR" altLang="en-US" dirty="0"/>
-              <a:t>오로지 </a:t>
-            </a:r>
-            <a:r>
-              <a:rPr lang="en-US" altLang="ko-KR" dirty="0"/>
-              <a:t>Unity Tool</a:t>
-            </a:r>
-            <a:r>
-              <a:rPr lang="ko-KR" altLang="en-US" dirty="0"/>
-              <a:t>를 다루는 것을 목적으로 </a:t>
-            </a:r>
-            <a:r>
-              <a:rPr lang="en-US" altLang="ko-KR" dirty="0"/>
-              <a:t>Study</a:t>
-            </a:r>
-            <a:r>
-              <a:rPr lang="ko-KR" altLang="en-US" dirty="0"/>
-              <a:t>를 진행할 예정입니다</a:t>
-            </a:r>
-            <a:r>
-              <a:rPr lang="en-US" altLang="ko-KR" dirty="0"/>
-              <a:t>!</a:t>
-            </a:r>
-          </a:p>
-          <a:p>
-            <a:endParaRPr lang="en-US" altLang="ko-KR" dirty="0"/>
-          </a:p>
-          <a:p>
-            <a:r>
-              <a:rPr lang="ko-KR" altLang="en-US" dirty="0"/>
-              <a:t>또한</a:t>
-            </a:r>
-            <a:r>
-              <a:rPr lang="en-US" altLang="ko-KR" dirty="0"/>
-              <a:t>, </a:t>
-            </a:r>
-            <a:r>
-              <a:rPr lang="ko-KR" altLang="en-US" dirty="0"/>
-              <a:t>간단하게 게임 개발을 할 때 필요한 개념들을 설명할 예정이며</a:t>
-            </a:r>
-            <a:r>
-              <a:rPr lang="en-US" altLang="ko-KR" dirty="0"/>
-              <a:t>, </a:t>
-            </a:r>
-            <a:r>
-              <a:rPr lang="ko-KR" altLang="en-US" dirty="0"/>
-              <a:t>내용 자체가 많지 않아 시간이 남을 경우</a:t>
-            </a:r>
-            <a:r>
-              <a:rPr lang="en-US" altLang="ko-KR" dirty="0"/>
-              <a:t>, </a:t>
-            </a:r>
-            <a:r>
-              <a:rPr lang="ko-KR" altLang="en-US" dirty="0"/>
-              <a:t>스스로 게임을 만들어보는 시간을 가질 예정입니다</a:t>
-            </a:r>
-            <a:r>
-              <a:rPr lang="en-US" altLang="ko-KR" dirty="0"/>
-              <a:t>.</a:t>
-            </a:r>
-            <a:endParaRPr lang="ko-KR" altLang="en-US" dirty="0"/>
+              <a:rPr lang="ko-KR" altLang="en-US" b="1" dirty="0"/>
+              <a:t>게임기획</a:t>
+            </a:r>
           </a:p>
         </p:txBody>
       </p:sp>
     </p:spTree>
     <p:extLst>
       <p:ext uri="{BB962C8B-B14F-4D97-AF65-F5344CB8AC3E}">
-        <p14:creationId xmlns:p14="http://schemas.microsoft.com/office/powerpoint/2010/main" val="1460768772"/>
+        <p14:creationId xmlns:p14="http://schemas.microsoft.com/office/powerpoint/2010/main" val="2931457153"/>
       </p:ext>
     </p:extLst>
   </p:cSld>
@@ -4331,821 +4647,7 @@
 </p:sld>
 </file>
 
-<file path=ppt/slides/slide3.xml><?xml version="1.0" encoding="utf-8"?>
-<p:sld xmlns:a="http://schemas.openxmlformats.org/drawingml/2006/main" xmlns:r="http://schemas.openxmlformats.org/officeDocument/2006/relationships" xmlns:p="http://schemas.openxmlformats.org/presentationml/2006/main">
-  <p:cSld>
-    <p:spTree>
-      <p:nvGrpSpPr>
-        <p:cNvPr id="1" name=""/>
-        <p:cNvGrpSpPr/>
-        <p:nvPr/>
-      </p:nvGrpSpPr>
-      <p:grpSpPr>
-        <a:xfrm>
-          <a:off x="0" y="0"/>
-          <a:ext cx="0" cy="0"/>
-          <a:chOff x="0" y="0"/>
-          <a:chExt cx="0" cy="0"/>
-        </a:xfrm>
-      </p:grpSpPr>
-      <p:sp>
-        <p:nvSpPr>
-          <p:cNvPr id="4" name="TextBox 3">
-            <a:extLst>
-              <a:ext uri="{FF2B5EF4-FFF2-40B4-BE49-F238E27FC236}">
-                <a16:creationId xmlns:a16="http://schemas.microsoft.com/office/drawing/2014/main" id="{F8B5777B-E004-BCA9-F50E-39176B83ACDB}"/>
-              </a:ext>
-            </a:extLst>
-          </p:cNvPr>
-          <p:cNvSpPr txBox="1"/>
-          <p:nvPr/>
-        </p:nvSpPr>
-        <p:spPr>
-          <a:xfrm>
-            <a:off x="517237" y="581829"/>
-            <a:ext cx="2410691" cy="400110"/>
-          </a:xfrm>
-          <a:prstGeom prst="rect">
-            <a:avLst/>
-          </a:prstGeom>
-          <a:noFill/>
-        </p:spPr>
-        <p:txBody>
-          <a:bodyPr wrap="square" rtlCol="0">
-            <a:spAutoFit/>
-          </a:bodyPr>
-          <a:lstStyle/>
-          <a:p>
-            <a:r>
-              <a:rPr lang="en-US" altLang="ko-KR" sz="2000" b="1" dirty="0"/>
-              <a:t>Study </a:t>
-            </a:r>
-            <a:r>
-              <a:rPr lang="ko-KR" altLang="en-US" sz="2000" b="1" dirty="0"/>
-              <a:t>일정</a:t>
-            </a:r>
-            <a:r>
-              <a:rPr lang="en-US" altLang="ko-KR" sz="2000" b="1" dirty="0"/>
-              <a:t>1</a:t>
-            </a:r>
-            <a:endParaRPr lang="ko-KR" altLang="en-US" sz="2000" b="1" dirty="0"/>
-          </a:p>
-        </p:txBody>
-      </p:sp>
-      <p:sp>
-        <p:nvSpPr>
-          <p:cNvPr id="5" name="TextBox 4">
-            <a:extLst>
-              <a:ext uri="{FF2B5EF4-FFF2-40B4-BE49-F238E27FC236}">
-                <a16:creationId xmlns:a16="http://schemas.microsoft.com/office/drawing/2014/main" id="{E3A9EA3A-D716-35CE-8ADB-0C3156A1AEA3}"/>
-              </a:ext>
-            </a:extLst>
-          </p:cNvPr>
-          <p:cNvSpPr txBox="1"/>
-          <p:nvPr/>
-        </p:nvSpPr>
-        <p:spPr>
-          <a:xfrm>
-            <a:off x="609600" y="1191491"/>
-            <a:ext cx="10464800" cy="3970318"/>
-          </a:xfrm>
-          <a:prstGeom prst="rect">
-            <a:avLst/>
-          </a:prstGeom>
-          <a:noFill/>
-        </p:spPr>
-        <p:txBody>
-          <a:bodyPr wrap="square" rtlCol="0">
-            <a:spAutoFit/>
-          </a:bodyPr>
-          <a:lstStyle/>
-          <a:p>
-            <a:r>
-              <a:rPr lang="en-US" altLang="ko-KR" b="1" dirty="0"/>
-              <a:t>1</a:t>
-            </a:r>
-            <a:r>
-              <a:rPr lang="ko-KR" altLang="en-US" b="1" dirty="0"/>
-              <a:t>주차</a:t>
-            </a:r>
-            <a:r>
-              <a:rPr lang="en-US" altLang="ko-KR" b="1" dirty="0"/>
-              <a:t>: </a:t>
-            </a:r>
-            <a:r>
-              <a:rPr lang="en-US" altLang="ko-KR" dirty="0"/>
-              <a:t>OT </a:t>
-            </a:r>
-            <a:r>
-              <a:rPr lang="ko-KR" altLang="en-US" dirty="0"/>
-              <a:t>및 게임 기획</a:t>
-            </a:r>
-            <a:r>
-              <a:rPr lang="en-US" altLang="ko-KR" dirty="0"/>
-              <a:t>, Unity </a:t>
-            </a:r>
-            <a:r>
-              <a:rPr lang="ko-KR" altLang="en-US" dirty="0"/>
-              <a:t>설치 및 설정</a:t>
-            </a:r>
-            <a:endParaRPr lang="en-US" altLang="ko-KR" dirty="0"/>
-          </a:p>
-          <a:p>
-            <a:r>
-              <a:rPr lang="en-US" altLang="ko-KR" b="1" dirty="0">
-                <a:sym typeface="Wingdings" panose="05000000000000000000" pitchFamily="2" charset="2"/>
-              </a:rPr>
-              <a:t> </a:t>
-            </a:r>
-            <a:r>
-              <a:rPr lang="en-US" altLang="ko-KR" dirty="0">
-                <a:sym typeface="Wingdings" panose="05000000000000000000" pitchFamily="2" charset="2"/>
-              </a:rPr>
-              <a:t>Study</a:t>
-            </a:r>
-            <a:r>
-              <a:rPr lang="ko-KR" altLang="en-US" dirty="0">
-                <a:sym typeface="Wingdings" panose="05000000000000000000" pitchFamily="2" charset="2"/>
-              </a:rPr>
-              <a:t>의 목표와 일정 설명 및 </a:t>
-            </a:r>
-            <a:endParaRPr lang="en-US" altLang="ko-KR" b="1" dirty="0"/>
-          </a:p>
-          <a:p>
-            <a:endParaRPr lang="en-US" altLang="ko-KR" b="1" dirty="0"/>
-          </a:p>
-          <a:p>
-            <a:r>
-              <a:rPr lang="en-US" altLang="ko-KR" b="1" dirty="0"/>
-              <a:t>2</a:t>
-            </a:r>
-            <a:r>
-              <a:rPr lang="ko-KR" altLang="en-US" b="1" dirty="0"/>
-              <a:t>주차</a:t>
-            </a:r>
-            <a:r>
-              <a:rPr lang="en-US" altLang="ko-KR" dirty="0"/>
-              <a:t>: </a:t>
-            </a:r>
-            <a:r>
-              <a:rPr lang="ko-KR" altLang="en-US" dirty="0"/>
-              <a:t>기본 게임 </a:t>
-            </a:r>
-            <a:r>
-              <a:rPr lang="en-US" altLang="ko-KR" dirty="0"/>
-              <a:t>object</a:t>
-            </a:r>
-            <a:r>
-              <a:rPr lang="ko-KR" altLang="en-US" dirty="0"/>
-              <a:t>의 요소</a:t>
-            </a:r>
-            <a:r>
-              <a:rPr lang="en-US" altLang="ko-KR" dirty="0"/>
-              <a:t>1 – object </a:t>
-            </a:r>
-            <a:r>
-              <a:rPr lang="ko-KR" altLang="en-US" dirty="0"/>
-              <a:t>움직임</a:t>
-            </a:r>
-            <a:endParaRPr lang="en-US" altLang="ko-KR" dirty="0"/>
-          </a:p>
-          <a:p>
-            <a:r>
-              <a:rPr lang="en-US" altLang="ko-KR" dirty="0">
-                <a:sym typeface="Wingdings" panose="05000000000000000000" pitchFamily="2" charset="2"/>
-              </a:rPr>
-              <a:t></a:t>
-            </a:r>
-            <a:r>
-              <a:rPr lang="en-US" altLang="ko-KR" dirty="0"/>
-              <a:t>Scripts </a:t>
-            </a:r>
-            <a:r>
-              <a:rPr lang="ko-KR" altLang="en-US" dirty="0"/>
-              <a:t>및 </a:t>
-            </a:r>
-            <a:r>
-              <a:rPr lang="en-US" altLang="ko-KR" dirty="0"/>
-              <a:t>object</a:t>
-            </a:r>
-            <a:r>
-              <a:rPr lang="ko-KR" altLang="en-US" dirty="0"/>
-              <a:t>의 제작 방법 및 </a:t>
-            </a:r>
-            <a:r>
-              <a:rPr lang="en-US" altLang="ko-KR" dirty="0"/>
-              <a:t>Unity</a:t>
-            </a:r>
-            <a:r>
-              <a:rPr lang="ko-KR" altLang="en-US" dirty="0"/>
-              <a:t>에서 가장 많이 사용하는 </a:t>
-            </a:r>
-            <a:r>
-              <a:rPr lang="en-US" altLang="ko-KR" dirty="0"/>
-              <a:t>Mono </a:t>
-            </a:r>
-            <a:r>
-              <a:rPr lang="en-US" altLang="ko-KR" dirty="0" err="1"/>
-              <a:t>Behaviour</a:t>
-            </a:r>
-            <a:r>
-              <a:rPr lang="ko-KR" altLang="en-US" dirty="0"/>
-              <a:t>에 대해 설명하고</a:t>
-            </a:r>
-            <a:endParaRPr lang="en-US" altLang="ko-KR" dirty="0"/>
-          </a:p>
-          <a:p>
-            <a:r>
-              <a:rPr lang="en-US" altLang="ko-KR" dirty="0"/>
-              <a:t>	Rigid Body </a:t>
-            </a:r>
-            <a:r>
-              <a:rPr lang="ko-KR" altLang="en-US" dirty="0"/>
-              <a:t>와 </a:t>
-            </a:r>
-            <a:r>
-              <a:rPr lang="en-US" altLang="ko-KR" dirty="0"/>
-              <a:t>Collider </a:t>
-            </a:r>
-            <a:r>
-              <a:rPr lang="ko-KR" altLang="en-US" dirty="0"/>
-              <a:t>등을 이용한 </a:t>
-            </a:r>
-            <a:r>
-              <a:rPr lang="ko-KR" altLang="en-US" b="1" dirty="0">
-                <a:highlight>
-                  <a:srgbClr val="FFFF00"/>
-                </a:highlight>
-              </a:rPr>
-              <a:t>충돌 제어 </a:t>
-            </a:r>
-            <a:r>
-              <a:rPr lang="ko-KR" altLang="en-US" dirty="0"/>
-              <a:t>및 </a:t>
-            </a:r>
-            <a:r>
-              <a:rPr lang="ko-KR" altLang="en-US" b="1" dirty="0">
-                <a:highlight>
-                  <a:srgbClr val="FFFF00"/>
-                </a:highlight>
-              </a:rPr>
-              <a:t>움직임 제어</a:t>
-            </a:r>
-            <a:endParaRPr lang="en-US" altLang="ko-KR" b="1" dirty="0">
-              <a:highlight>
-                <a:srgbClr val="FFFF00"/>
-              </a:highlight>
-            </a:endParaRPr>
-          </a:p>
-          <a:p>
-            <a:r>
-              <a:rPr lang="en-US" altLang="ko-KR" dirty="0"/>
-              <a:t> </a:t>
-            </a:r>
-          </a:p>
-          <a:p>
-            <a:r>
-              <a:rPr lang="en-US" altLang="ko-KR" b="1" dirty="0"/>
-              <a:t>3</a:t>
-            </a:r>
-            <a:r>
-              <a:rPr lang="ko-KR" altLang="en-US" b="1" dirty="0"/>
-              <a:t>주차 </a:t>
-            </a:r>
-            <a:r>
-              <a:rPr lang="en-US" altLang="ko-KR" dirty="0"/>
-              <a:t>: </a:t>
-            </a:r>
-            <a:r>
-              <a:rPr lang="ko-KR" altLang="en-US" dirty="0"/>
-              <a:t>기본 게임 </a:t>
-            </a:r>
-            <a:r>
-              <a:rPr lang="en-US" altLang="ko-KR" dirty="0"/>
-              <a:t>Object</a:t>
-            </a:r>
-            <a:r>
-              <a:rPr lang="ko-KR" altLang="en-US" dirty="0"/>
-              <a:t>의</a:t>
-            </a:r>
-            <a:r>
-              <a:rPr lang="en-US" altLang="ko-KR" dirty="0"/>
-              <a:t> </a:t>
-            </a:r>
-            <a:r>
-              <a:rPr lang="ko-KR" altLang="en-US" dirty="0"/>
-              <a:t>요소</a:t>
-            </a:r>
-            <a:r>
-              <a:rPr lang="en-US" altLang="ko-KR" dirty="0"/>
-              <a:t>2 – image </a:t>
-            </a:r>
-            <a:r>
-              <a:rPr lang="ko-KR" altLang="en-US" dirty="0"/>
-              <a:t>움직임</a:t>
-            </a:r>
-            <a:endParaRPr lang="en-US" altLang="ko-KR" dirty="0"/>
-          </a:p>
-          <a:p>
-            <a:pPr marL="285750" indent="-285750">
-              <a:buFont typeface="Wingdings" panose="05000000000000000000" pitchFamily="2" charset="2"/>
-              <a:buChar char="à"/>
-            </a:pPr>
-            <a:r>
-              <a:rPr lang="en-US" altLang="ko-KR" dirty="0">
-                <a:sym typeface="Wingdings" panose="05000000000000000000" pitchFamily="2" charset="2"/>
-              </a:rPr>
-              <a:t>Prefabs </a:t>
-            </a:r>
-            <a:r>
-              <a:rPr lang="ko-KR" altLang="en-US" dirty="0">
-                <a:sym typeface="Wingdings" panose="05000000000000000000" pitchFamily="2" charset="2"/>
-              </a:rPr>
-              <a:t>사용하여 </a:t>
-            </a:r>
-            <a:r>
-              <a:rPr lang="en-US" altLang="ko-KR" dirty="0">
-                <a:sym typeface="Wingdings" panose="05000000000000000000" pitchFamily="2" charset="2"/>
-              </a:rPr>
-              <a:t> </a:t>
-            </a:r>
-            <a:r>
-              <a:rPr lang="ko-KR" altLang="en-US" b="1" dirty="0">
-                <a:highlight>
-                  <a:srgbClr val="FFFF00"/>
-                </a:highlight>
-                <a:sym typeface="Wingdings" panose="05000000000000000000" pitchFamily="2" charset="2"/>
-              </a:rPr>
-              <a:t>재사용 가능</a:t>
-            </a:r>
-            <a:r>
-              <a:rPr lang="ko-KR" altLang="en-US" dirty="0">
-                <a:sym typeface="Wingdings" panose="05000000000000000000" pitchFamily="2" charset="2"/>
-              </a:rPr>
-              <a:t>한 </a:t>
-            </a:r>
-            <a:r>
-              <a:rPr lang="en-US" altLang="ko-KR" dirty="0">
-                <a:sym typeface="Wingdings" panose="05000000000000000000" pitchFamily="2" charset="2"/>
-              </a:rPr>
-              <a:t>Object </a:t>
-            </a:r>
-            <a:r>
-              <a:rPr lang="ko-KR" altLang="en-US" dirty="0">
-                <a:sym typeface="Wingdings" panose="05000000000000000000" pitchFamily="2" charset="2"/>
-              </a:rPr>
-              <a:t>제작하고</a:t>
-            </a:r>
-            <a:r>
-              <a:rPr lang="en-US" altLang="ko-KR" dirty="0">
-                <a:sym typeface="Wingdings" panose="05000000000000000000" pitchFamily="2" charset="2"/>
-              </a:rPr>
-              <a:t>, Sprite Render, Animation &amp; Animator</a:t>
-            </a:r>
-            <a:r>
-              <a:rPr lang="ko-KR" altLang="en-US" dirty="0">
-                <a:sym typeface="Wingdings" panose="05000000000000000000" pitchFamily="2" charset="2"/>
-              </a:rPr>
-              <a:t>를 </a:t>
-            </a:r>
-            <a:endParaRPr lang="en-US" altLang="ko-KR" dirty="0">
-              <a:sym typeface="Wingdings" panose="05000000000000000000" pitchFamily="2" charset="2"/>
-            </a:endParaRPr>
-          </a:p>
-          <a:p>
-            <a:r>
-              <a:rPr lang="en-US" altLang="ko-KR" dirty="0">
-                <a:sym typeface="Wingdings" panose="05000000000000000000" pitchFamily="2" charset="2"/>
-              </a:rPr>
-              <a:t>	</a:t>
-            </a:r>
-            <a:r>
-              <a:rPr lang="ko-KR" altLang="en-US" dirty="0">
-                <a:sym typeface="Wingdings" panose="05000000000000000000" pitchFamily="2" charset="2"/>
-              </a:rPr>
-              <a:t>사용하여 </a:t>
-            </a:r>
-            <a:r>
-              <a:rPr lang="en-US" altLang="ko-KR" dirty="0">
-                <a:sym typeface="Wingdings" panose="05000000000000000000" pitchFamily="2" charset="2"/>
-              </a:rPr>
-              <a:t>Object </a:t>
-            </a:r>
-            <a:r>
-              <a:rPr lang="ko-KR" altLang="en-US" dirty="0">
-                <a:sym typeface="Wingdings" panose="05000000000000000000" pitchFamily="2" charset="2"/>
-              </a:rPr>
-              <a:t>이미지 </a:t>
-            </a:r>
-            <a:r>
-              <a:rPr lang="ko-KR" altLang="en-US" b="1" dirty="0">
-                <a:highlight>
-                  <a:srgbClr val="FFFF00"/>
-                </a:highlight>
-                <a:sym typeface="Wingdings" panose="05000000000000000000" pitchFamily="2" charset="2"/>
-              </a:rPr>
-              <a:t>움직임 제어</a:t>
-            </a:r>
-            <a:r>
-              <a:rPr lang="en-US" altLang="ko-KR" b="1" dirty="0">
-                <a:highlight>
-                  <a:srgbClr val="FFFF00"/>
-                </a:highlight>
-                <a:sym typeface="Wingdings" panose="05000000000000000000" pitchFamily="2" charset="2"/>
-              </a:rPr>
-              <a:t> </a:t>
-            </a:r>
-            <a:r>
-              <a:rPr lang="ko-KR" altLang="en-US" dirty="0">
-                <a:sym typeface="Wingdings" panose="05000000000000000000" pitchFamily="2" charset="2"/>
-              </a:rPr>
-              <a:t>및 </a:t>
-            </a:r>
-            <a:r>
-              <a:rPr lang="en-US" altLang="ko-KR" dirty="0">
-                <a:sym typeface="Wingdings" panose="05000000000000000000" pitchFamily="2" charset="2"/>
-              </a:rPr>
-              <a:t>Audio Source</a:t>
-            </a:r>
-            <a:r>
-              <a:rPr lang="ko-KR" altLang="en-US" dirty="0">
-                <a:sym typeface="Wingdings" panose="05000000000000000000" pitchFamily="2" charset="2"/>
-              </a:rPr>
-              <a:t>를 이용하여 </a:t>
-            </a:r>
-            <a:r>
-              <a:rPr lang="ko-KR" altLang="en-US" b="1" dirty="0">
-                <a:highlight>
-                  <a:srgbClr val="FFFF00"/>
-                </a:highlight>
-                <a:sym typeface="Wingdings" panose="05000000000000000000" pitchFamily="2" charset="2"/>
-              </a:rPr>
-              <a:t>사운드 제어</a:t>
-            </a:r>
-            <a:endParaRPr lang="en-US" altLang="ko-KR" b="1" dirty="0">
-              <a:highlight>
-                <a:srgbClr val="FFFF00"/>
-              </a:highlight>
-              <a:sym typeface="Wingdings" panose="05000000000000000000" pitchFamily="2" charset="2"/>
-            </a:endParaRPr>
-          </a:p>
-          <a:p>
-            <a:endParaRPr lang="en-US" altLang="ko-KR" dirty="0">
-              <a:sym typeface="Wingdings" panose="05000000000000000000" pitchFamily="2" charset="2"/>
-            </a:endParaRPr>
-          </a:p>
-          <a:p>
-            <a:r>
-              <a:rPr lang="en-US" altLang="ko-KR" b="1" dirty="0">
-                <a:sym typeface="Wingdings" panose="05000000000000000000" pitchFamily="2" charset="2"/>
-              </a:rPr>
-              <a:t>4</a:t>
-            </a:r>
-            <a:r>
-              <a:rPr lang="ko-KR" altLang="en-US" b="1" dirty="0">
-                <a:sym typeface="Wingdings" panose="05000000000000000000" pitchFamily="2" charset="2"/>
-              </a:rPr>
-              <a:t>주차 </a:t>
-            </a:r>
-            <a:r>
-              <a:rPr lang="en-US" altLang="ko-KR" dirty="0">
-                <a:sym typeface="Wingdings" panose="05000000000000000000" pitchFamily="2" charset="2"/>
-              </a:rPr>
-              <a:t>:  Ui </a:t>
-            </a:r>
-            <a:r>
-              <a:rPr lang="ko-KR" altLang="en-US" dirty="0">
-                <a:sym typeface="Wingdings" panose="05000000000000000000" pitchFamily="2" charset="2"/>
-              </a:rPr>
-              <a:t>기본 요소</a:t>
-            </a:r>
-            <a:endParaRPr lang="en-US" altLang="ko-KR" dirty="0">
-              <a:sym typeface="Wingdings" panose="05000000000000000000" pitchFamily="2" charset="2"/>
-            </a:endParaRPr>
-          </a:p>
-          <a:p>
-            <a:pPr marL="285750" indent="-285750">
-              <a:buFont typeface="Wingdings" panose="05000000000000000000" pitchFamily="2" charset="2"/>
-              <a:buChar char="à"/>
-            </a:pPr>
-            <a:r>
-              <a:rPr lang="en-US" altLang="ko-KR" dirty="0">
-                <a:sym typeface="Wingdings" panose="05000000000000000000" pitchFamily="2" charset="2"/>
-              </a:rPr>
-              <a:t>Canvas</a:t>
-            </a:r>
-            <a:r>
-              <a:rPr lang="ko-KR" altLang="en-US" dirty="0">
-                <a:sym typeface="Wingdings" panose="05000000000000000000" pitchFamily="2" charset="2"/>
-              </a:rPr>
-              <a:t>에서 </a:t>
-            </a:r>
-            <a:r>
-              <a:rPr lang="en-US" altLang="ko-KR" dirty="0">
-                <a:sym typeface="Wingdings" panose="05000000000000000000" pitchFamily="2" charset="2"/>
-              </a:rPr>
-              <a:t>UI</a:t>
-            </a:r>
-            <a:r>
-              <a:rPr lang="ko-KR" altLang="en-US" dirty="0">
-                <a:sym typeface="Wingdings" panose="05000000000000000000" pitchFamily="2" charset="2"/>
-              </a:rPr>
-              <a:t>인 요소들</a:t>
-            </a:r>
-            <a:r>
-              <a:rPr lang="en-US" altLang="ko-KR" dirty="0">
-                <a:sym typeface="Wingdings" panose="05000000000000000000" pitchFamily="2" charset="2"/>
-              </a:rPr>
-              <a:t>(UI</a:t>
-            </a:r>
-            <a:r>
-              <a:rPr lang="ko-KR" altLang="en-US" dirty="0">
-                <a:sym typeface="Wingdings" panose="05000000000000000000" pitchFamily="2" charset="2"/>
-              </a:rPr>
-              <a:t> </a:t>
-            </a:r>
-            <a:r>
-              <a:rPr lang="en-US" altLang="ko-KR" dirty="0">
-                <a:sym typeface="Wingdings" panose="05000000000000000000" pitchFamily="2" charset="2"/>
-              </a:rPr>
-              <a:t>Image, Button, Slider)</a:t>
-            </a:r>
-            <a:r>
-              <a:rPr lang="ko-KR" altLang="en-US" dirty="0">
-                <a:sym typeface="Wingdings" panose="05000000000000000000" pitchFamily="2" charset="2"/>
-              </a:rPr>
-              <a:t>를 제작하여 </a:t>
-            </a:r>
-            <a:r>
-              <a:rPr lang="en-US" altLang="ko-KR" b="1" dirty="0">
-                <a:highlight>
-                  <a:srgbClr val="FFFF00"/>
-                </a:highlight>
-                <a:sym typeface="Wingdings" panose="05000000000000000000" pitchFamily="2" charset="2"/>
-              </a:rPr>
-              <a:t>UI </a:t>
-            </a:r>
-            <a:r>
-              <a:rPr lang="ko-KR" altLang="en-US" b="1" dirty="0">
-                <a:highlight>
-                  <a:srgbClr val="FFFF00"/>
-                </a:highlight>
-                <a:sym typeface="Wingdings" panose="05000000000000000000" pitchFamily="2" charset="2"/>
-              </a:rPr>
-              <a:t>기능 구현</a:t>
-            </a:r>
-            <a:endParaRPr lang="en-US" altLang="ko-KR" b="1" dirty="0">
-              <a:highlight>
-                <a:srgbClr val="FFFF00"/>
-              </a:highlight>
-              <a:sym typeface="Wingdings" panose="05000000000000000000" pitchFamily="2" charset="2"/>
-            </a:endParaRPr>
-          </a:p>
-          <a:p>
-            <a:r>
-              <a:rPr lang="ko-KR" altLang="en-US" dirty="0">
-                <a:sym typeface="Wingdings" panose="05000000000000000000" pitchFamily="2" charset="2"/>
-              </a:rPr>
-              <a:t> </a:t>
-            </a:r>
-            <a:endParaRPr lang="ko-KR" altLang="en-US" dirty="0"/>
-          </a:p>
-        </p:txBody>
-      </p:sp>
-    </p:spTree>
-    <p:extLst>
-      <p:ext uri="{BB962C8B-B14F-4D97-AF65-F5344CB8AC3E}">
-        <p14:creationId xmlns:p14="http://schemas.microsoft.com/office/powerpoint/2010/main" val="4180307804"/>
-      </p:ext>
-    </p:extLst>
-  </p:cSld>
-  <p:clrMapOvr>
-    <a:masterClrMapping/>
-  </p:clrMapOvr>
-</p:sld>
-</file>
-
-<file path=ppt/slides/slide4.xml><?xml version="1.0" encoding="utf-8"?>
-<p:sld xmlns:a="http://schemas.openxmlformats.org/drawingml/2006/main" xmlns:r="http://schemas.openxmlformats.org/officeDocument/2006/relationships" xmlns:p="http://schemas.openxmlformats.org/presentationml/2006/main">
-  <p:cSld>
-    <p:spTree>
-      <p:nvGrpSpPr>
-        <p:cNvPr id="1" name=""/>
-        <p:cNvGrpSpPr/>
-        <p:nvPr/>
-      </p:nvGrpSpPr>
-      <p:grpSpPr>
-        <a:xfrm>
-          <a:off x="0" y="0"/>
-          <a:ext cx="0" cy="0"/>
-          <a:chOff x="0" y="0"/>
-          <a:chExt cx="0" cy="0"/>
-        </a:xfrm>
-      </p:grpSpPr>
-      <p:sp>
-        <p:nvSpPr>
-          <p:cNvPr id="4" name="TextBox 3">
-            <a:extLst>
-              <a:ext uri="{FF2B5EF4-FFF2-40B4-BE49-F238E27FC236}">
-                <a16:creationId xmlns:a16="http://schemas.microsoft.com/office/drawing/2014/main" id="{2A836563-F64B-37C1-87FC-30B3CC60DFA7}"/>
-              </a:ext>
-            </a:extLst>
-          </p:cNvPr>
-          <p:cNvSpPr txBox="1"/>
-          <p:nvPr/>
-        </p:nvSpPr>
-        <p:spPr>
-          <a:xfrm>
-            <a:off x="517237" y="581829"/>
-            <a:ext cx="2410691" cy="400110"/>
-          </a:xfrm>
-          <a:prstGeom prst="rect">
-            <a:avLst/>
-          </a:prstGeom>
-          <a:noFill/>
-        </p:spPr>
-        <p:txBody>
-          <a:bodyPr wrap="square" rtlCol="0">
-            <a:spAutoFit/>
-          </a:bodyPr>
-          <a:lstStyle/>
-          <a:p>
-            <a:r>
-              <a:rPr lang="en-US" altLang="ko-KR" sz="2000" b="1" dirty="0"/>
-              <a:t>Study </a:t>
-            </a:r>
-            <a:r>
-              <a:rPr lang="ko-KR" altLang="en-US" sz="2000" b="1" dirty="0"/>
-              <a:t>일정</a:t>
-            </a:r>
-            <a:r>
-              <a:rPr lang="en-US" altLang="ko-KR" sz="2000" b="1" dirty="0"/>
-              <a:t>2</a:t>
-            </a:r>
-            <a:endParaRPr lang="ko-KR" altLang="en-US" sz="2000" b="1" dirty="0"/>
-          </a:p>
-        </p:txBody>
-      </p:sp>
-      <p:sp>
-        <p:nvSpPr>
-          <p:cNvPr id="5" name="TextBox 4">
-            <a:extLst>
-              <a:ext uri="{FF2B5EF4-FFF2-40B4-BE49-F238E27FC236}">
-                <a16:creationId xmlns:a16="http://schemas.microsoft.com/office/drawing/2014/main" id="{5F32D812-D147-DEDD-57F9-9AA5EDDD2659}"/>
-              </a:ext>
-            </a:extLst>
-          </p:cNvPr>
-          <p:cNvSpPr txBox="1"/>
-          <p:nvPr/>
-        </p:nvSpPr>
-        <p:spPr>
-          <a:xfrm>
-            <a:off x="609600" y="1191491"/>
-            <a:ext cx="10464800" cy="923330"/>
-          </a:xfrm>
-          <a:prstGeom prst="rect">
-            <a:avLst/>
-          </a:prstGeom>
-          <a:noFill/>
-        </p:spPr>
-        <p:txBody>
-          <a:bodyPr wrap="square" rtlCol="0">
-            <a:spAutoFit/>
-          </a:bodyPr>
-          <a:lstStyle/>
-          <a:p>
-            <a:r>
-              <a:rPr lang="en-US" altLang="ko-KR" b="1" dirty="0"/>
-              <a:t>5</a:t>
-            </a:r>
-            <a:r>
-              <a:rPr lang="ko-KR" altLang="en-US" b="1" dirty="0"/>
-              <a:t>주차 </a:t>
-            </a:r>
-            <a:r>
-              <a:rPr lang="en-US" altLang="ko-KR" b="1" dirty="0"/>
-              <a:t>: </a:t>
-            </a:r>
-            <a:r>
-              <a:rPr lang="en-US" altLang="ko-KR" dirty="0"/>
-              <a:t>Save </a:t>
-            </a:r>
-            <a:r>
-              <a:rPr lang="ko-KR" altLang="en-US" dirty="0"/>
-              <a:t>파일에 관련한 요소 및 </a:t>
-            </a:r>
-            <a:r>
-              <a:rPr lang="en-US" altLang="ko-KR" dirty="0"/>
-              <a:t>Photon </a:t>
-            </a:r>
-            <a:r>
-              <a:rPr lang="ko-KR" altLang="en-US" dirty="0"/>
-              <a:t>서버를 이용한 멀티요소 추가</a:t>
-            </a:r>
-            <a:endParaRPr lang="en-US" altLang="ko-KR" dirty="0"/>
-          </a:p>
-          <a:p>
-            <a:pPr marL="285750" indent="-285750">
-              <a:buFont typeface="Wingdings" panose="05000000000000000000" pitchFamily="2" charset="2"/>
-              <a:buChar char="à"/>
-            </a:pPr>
-            <a:r>
-              <a:rPr lang="en-US" altLang="ko-KR" dirty="0">
-                <a:sym typeface="Wingdings" panose="05000000000000000000" pitchFamily="2" charset="2"/>
-              </a:rPr>
-              <a:t>Json </a:t>
-            </a:r>
-            <a:r>
-              <a:rPr lang="ko-KR" altLang="en-US" dirty="0">
-                <a:sym typeface="Wingdings" panose="05000000000000000000" pitchFamily="2" charset="2"/>
-              </a:rPr>
-              <a:t>파일 사용 또는 </a:t>
-            </a:r>
-            <a:r>
-              <a:rPr lang="en-US" altLang="ko-KR" dirty="0" err="1">
-                <a:sym typeface="Wingdings" panose="05000000000000000000" pitchFamily="2" charset="2"/>
-              </a:rPr>
-              <a:t>PlayerPrefabs</a:t>
-            </a:r>
-            <a:r>
-              <a:rPr lang="ko-KR" altLang="en-US" dirty="0">
-                <a:sym typeface="Wingdings" panose="05000000000000000000" pitchFamily="2" charset="2"/>
-              </a:rPr>
-              <a:t>를 이용한 </a:t>
-            </a:r>
-            <a:r>
-              <a:rPr lang="ko-KR" altLang="en-US" b="1" dirty="0">
-                <a:highlight>
-                  <a:srgbClr val="FFFF00"/>
-                </a:highlight>
-                <a:sym typeface="Wingdings" panose="05000000000000000000" pitchFamily="2" charset="2"/>
-              </a:rPr>
-              <a:t>세이브 파일 제작 </a:t>
-            </a:r>
-            <a:endParaRPr lang="en-US" altLang="ko-KR" b="1" dirty="0">
-              <a:highlight>
-                <a:srgbClr val="FFFF00"/>
-              </a:highlight>
-              <a:sym typeface="Wingdings" panose="05000000000000000000" pitchFamily="2" charset="2"/>
-            </a:endParaRPr>
-          </a:p>
-          <a:p>
-            <a:r>
-              <a:rPr lang="en-US" altLang="ko-KR" dirty="0">
-                <a:sym typeface="Wingdings" panose="05000000000000000000" pitchFamily="2" charset="2"/>
-              </a:rPr>
-              <a:t>   </a:t>
-            </a:r>
-            <a:r>
-              <a:rPr lang="ko-KR" altLang="en-US" dirty="0">
-                <a:sym typeface="Wingdings" panose="05000000000000000000" pitchFamily="2" charset="2"/>
-              </a:rPr>
-              <a:t> </a:t>
-            </a:r>
-            <a:r>
-              <a:rPr lang="en-US" altLang="ko-KR" dirty="0">
-                <a:sym typeface="Wingdings" panose="05000000000000000000" pitchFamily="2" charset="2"/>
-              </a:rPr>
-              <a:t>photon </a:t>
-            </a:r>
-            <a:r>
-              <a:rPr lang="ko-KR" altLang="en-US" dirty="0">
-                <a:sym typeface="Wingdings" panose="05000000000000000000" pitchFamily="2" charset="2"/>
-              </a:rPr>
-              <a:t>서버를 이용한 </a:t>
-            </a:r>
-            <a:r>
-              <a:rPr lang="ko-KR" altLang="en-US" b="1" dirty="0">
-                <a:highlight>
-                  <a:srgbClr val="FFFF00"/>
-                </a:highlight>
-                <a:sym typeface="Wingdings" panose="05000000000000000000" pitchFamily="2" charset="2"/>
-              </a:rPr>
-              <a:t>멀티 요소 추가</a:t>
-            </a:r>
-            <a:endParaRPr lang="en-US" altLang="ko-KR" b="1" dirty="0">
-              <a:highlight>
-                <a:srgbClr val="FFFF00"/>
-              </a:highlight>
-              <a:sym typeface="Wingdings" panose="05000000000000000000" pitchFamily="2" charset="2"/>
-            </a:endParaRPr>
-          </a:p>
-        </p:txBody>
-      </p:sp>
-    </p:spTree>
-    <p:extLst>
-      <p:ext uri="{BB962C8B-B14F-4D97-AF65-F5344CB8AC3E}">
-        <p14:creationId xmlns:p14="http://schemas.microsoft.com/office/powerpoint/2010/main" val="4274668901"/>
-      </p:ext>
-    </p:extLst>
-  </p:cSld>
-  <p:clrMapOvr>
-    <a:masterClrMapping/>
-  </p:clrMapOvr>
-</p:sld>
-</file>
-
-<file path=ppt/slides/slide5.xml><?xml version="1.0" encoding="utf-8"?>
+<file path=ppt/slides/slide11.xml><?xml version="1.0" encoding="utf-8"?>
 <p:sld xmlns:a="http://schemas.openxmlformats.org/drawingml/2006/main" xmlns:r="http://schemas.openxmlformats.org/officeDocument/2006/relationships" xmlns:p="http://schemas.openxmlformats.org/presentationml/2006/main">
   <p:cSld>
     <p:spTree>
@@ -5388,87 +4890,7 @@
 </p:sld>
 </file>
 
-<file path=ppt/slides/slide6.xml><?xml version="1.0" encoding="utf-8"?>
-<p:sld xmlns:a="http://schemas.openxmlformats.org/drawingml/2006/main" xmlns:r="http://schemas.openxmlformats.org/officeDocument/2006/relationships" xmlns:p="http://schemas.openxmlformats.org/presentationml/2006/main">
-  <p:cSld>
-    <p:spTree>
-      <p:nvGrpSpPr>
-        <p:cNvPr id="1" name=""/>
-        <p:cNvGrpSpPr/>
-        <p:nvPr/>
-      </p:nvGrpSpPr>
-      <p:grpSpPr>
-        <a:xfrm>
-          <a:off x="0" y="0"/>
-          <a:ext cx="0" cy="0"/>
-          <a:chOff x="0" y="0"/>
-          <a:chExt cx="0" cy="0"/>
-        </a:xfrm>
-      </p:grpSpPr>
-      <p:sp>
-        <p:nvSpPr>
-          <p:cNvPr id="2" name="제목 1">
-            <a:extLst>
-              <a:ext uri="{FF2B5EF4-FFF2-40B4-BE49-F238E27FC236}">
-                <a16:creationId xmlns:a16="http://schemas.microsoft.com/office/drawing/2014/main" id="{49F90342-F5E9-A0C6-89DC-E363FF64D902}"/>
-              </a:ext>
-            </a:extLst>
-          </p:cNvPr>
-          <p:cNvSpPr>
-            <a:spLocks noGrp="1"/>
-          </p:cNvSpPr>
-          <p:nvPr>
-            <p:ph type="title"/>
-          </p:nvPr>
-        </p:nvSpPr>
-        <p:spPr/>
-        <p:txBody>
-          <a:bodyPr/>
-          <a:lstStyle/>
-          <a:p>
-            <a:endParaRPr lang="ko-KR" altLang="en-US"/>
-          </a:p>
-        </p:txBody>
-      </p:sp>
-      <p:sp>
-        <p:nvSpPr>
-          <p:cNvPr id="3" name="내용 개체 틀 2">
-            <a:extLst>
-              <a:ext uri="{FF2B5EF4-FFF2-40B4-BE49-F238E27FC236}">
-                <a16:creationId xmlns:a16="http://schemas.microsoft.com/office/drawing/2014/main" id="{66FE2F4D-B725-F951-8089-0AB96BE3F4AF}"/>
-              </a:ext>
-            </a:extLst>
-          </p:cNvPr>
-          <p:cNvSpPr>
-            <a:spLocks noGrp="1"/>
-          </p:cNvSpPr>
-          <p:nvPr>
-            <p:ph idx="1"/>
-          </p:nvPr>
-        </p:nvSpPr>
-        <p:spPr/>
-        <p:txBody>
-          <a:bodyPr/>
-          <a:lstStyle/>
-          <a:p>
-            <a:endParaRPr lang="ko-KR" altLang="en-US"/>
-          </a:p>
-        </p:txBody>
-      </p:sp>
-    </p:spTree>
-    <p:extLst>
-      <p:ext uri="{BB962C8B-B14F-4D97-AF65-F5344CB8AC3E}">
-        <p14:creationId xmlns:p14="http://schemas.microsoft.com/office/powerpoint/2010/main" val="1981123653"/>
-      </p:ext>
-    </p:extLst>
-  </p:cSld>
-  <p:clrMapOvr>
-    <a:masterClrMapping/>
-  </p:clrMapOvr>
-</p:sld>
-</file>
-
-<file path=ppt/slides/slide7.xml><?xml version="1.0" encoding="utf-8"?>
+<file path=ppt/slides/slide12.xml><?xml version="1.0" encoding="utf-8"?>
 <p:sld xmlns:a="http://schemas.openxmlformats.org/drawingml/2006/main" xmlns:r="http://schemas.openxmlformats.org/officeDocument/2006/relationships" xmlns:p="http://schemas.openxmlformats.org/presentationml/2006/main">
   <p:cSld>
     <p:spTree>
@@ -5768,7 +5190,7 @@
 </p:sld>
 </file>
 
-<file path=ppt/slides/slide8.xml><?xml version="1.0" encoding="utf-8"?>
+<file path=ppt/slides/slide13.xml><?xml version="1.0" encoding="utf-8"?>
 <p:sld xmlns:a="http://schemas.openxmlformats.org/drawingml/2006/main" xmlns:r="http://schemas.openxmlformats.org/officeDocument/2006/relationships" xmlns:p="http://schemas.openxmlformats.org/presentationml/2006/main">
   <p:cSld>
     <p:spTree>
@@ -6040,6 +5462,3127 @@
     <p:extLst>
       <p:ext uri="{BB962C8B-B14F-4D97-AF65-F5344CB8AC3E}">
         <p14:creationId xmlns:p14="http://schemas.microsoft.com/office/powerpoint/2010/main" val="4266773211"/>
+      </p:ext>
+    </p:extLst>
+  </p:cSld>
+  <p:clrMapOvr>
+    <a:masterClrMapping/>
+  </p:clrMapOvr>
+</p:sld>
+</file>
+
+<file path=ppt/slides/slide14.xml><?xml version="1.0" encoding="utf-8"?>
+<p:sld xmlns:a="http://schemas.openxmlformats.org/drawingml/2006/main" xmlns:r="http://schemas.openxmlformats.org/officeDocument/2006/relationships" xmlns:p="http://schemas.openxmlformats.org/presentationml/2006/main">
+  <p:cSld>
+    <p:spTree>
+      <p:nvGrpSpPr>
+        <p:cNvPr id="1" name=""/>
+        <p:cNvGrpSpPr/>
+        <p:nvPr/>
+      </p:nvGrpSpPr>
+      <p:grpSpPr>
+        <a:xfrm>
+          <a:off x="0" y="0"/>
+          <a:ext cx="0" cy="0"/>
+          <a:chOff x="0" y="0"/>
+          <a:chExt cx="0" cy="0"/>
+        </a:xfrm>
+      </p:grpSpPr>
+      <p:sp>
+        <p:nvSpPr>
+          <p:cNvPr id="4" name="TextBox 3">
+            <a:extLst>
+              <a:ext uri="{FF2B5EF4-FFF2-40B4-BE49-F238E27FC236}">
+                <a16:creationId xmlns:a16="http://schemas.microsoft.com/office/drawing/2014/main" id="{6CC4B311-353C-3DBC-4B89-3E8A32F6BE9C}"/>
+              </a:ext>
+            </a:extLst>
+          </p:cNvPr>
+          <p:cNvSpPr txBox="1"/>
+          <p:nvPr/>
+        </p:nvSpPr>
+        <p:spPr>
+          <a:xfrm>
+            <a:off x="746312" y="625289"/>
+            <a:ext cx="1526241" cy="369332"/>
+          </a:xfrm>
+          <a:prstGeom prst="rect">
+            <a:avLst/>
+          </a:prstGeom>
+          <a:noFill/>
+        </p:spPr>
+        <p:txBody>
+          <a:bodyPr wrap="square" rtlCol="0">
+            <a:spAutoFit/>
+          </a:bodyPr>
+          <a:lstStyle/>
+          <a:p>
+            <a:r>
+              <a:rPr lang="ko-KR" altLang="en-US"/>
+              <a:t>과제</a:t>
+            </a:r>
+          </a:p>
+        </p:txBody>
+      </p:sp>
+      <p:sp>
+        <p:nvSpPr>
+          <p:cNvPr id="5" name="TextBox 4">
+            <a:extLst>
+              <a:ext uri="{FF2B5EF4-FFF2-40B4-BE49-F238E27FC236}">
+                <a16:creationId xmlns:a16="http://schemas.microsoft.com/office/drawing/2014/main" id="{FDBDCF0A-BCE2-3E67-7BCE-CCE3B3FDE7AC}"/>
+              </a:ext>
+            </a:extLst>
+          </p:cNvPr>
+          <p:cNvSpPr txBox="1"/>
+          <p:nvPr/>
+        </p:nvSpPr>
+        <p:spPr>
+          <a:xfrm>
+            <a:off x="719418" y="1264024"/>
+            <a:ext cx="9823076" cy="1477328"/>
+          </a:xfrm>
+          <a:prstGeom prst="rect">
+            <a:avLst/>
+          </a:prstGeom>
+          <a:noFill/>
+        </p:spPr>
+        <p:txBody>
+          <a:bodyPr wrap="square" rtlCol="0">
+            <a:spAutoFit/>
+          </a:bodyPr>
+          <a:lstStyle/>
+          <a:p>
+            <a:r>
+              <a:rPr lang="ko-KR" altLang="en-US" dirty="0"/>
+              <a:t>자신이 하고 싶은 게임 역기획해보기</a:t>
+            </a:r>
+            <a:r>
+              <a:rPr lang="en-US" altLang="ko-KR" dirty="0">
+                <a:sym typeface="Wingdings" panose="05000000000000000000" pitchFamily="2" charset="2"/>
+              </a:rPr>
+              <a:t> </a:t>
+            </a:r>
+            <a:r>
+              <a:rPr lang="ko-KR" altLang="en-US" dirty="0">
+                <a:sym typeface="Wingdings" panose="05000000000000000000" pitchFamily="2" charset="2"/>
+              </a:rPr>
+              <a:t>기존의 게임의 시스템</a:t>
+            </a:r>
+            <a:r>
+              <a:rPr lang="en-US" altLang="ko-KR" dirty="0">
+                <a:sym typeface="Wingdings" panose="05000000000000000000" pitchFamily="2" charset="2"/>
+              </a:rPr>
+              <a:t>,</a:t>
+            </a:r>
+            <a:r>
+              <a:rPr lang="ko-KR" altLang="en-US" dirty="0">
+                <a:sym typeface="Wingdings" panose="05000000000000000000" pitchFamily="2" charset="2"/>
+              </a:rPr>
+              <a:t>구조</a:t>
+            </a:r>
+            <a:r>
+              <a:rPr lang="en-US" altLang="ko-KR" dirty="0">
+                <a:sym typeface="Wingdings" panose="05000000000000000000" pitchFamily="2" charset="2"/>
+              </a:rPr>
+              <a:t>, </a:t>
+            </a:r>
+            <a:r>
+              <a:rPr lang="ko-KR" altLang="en-US" dirty="0">
+                <a:sym typeface="Wingdings" panose="05000000000000000000" pitchFamily="2" charset="2"/>
+              </a:rPr>
+              <a:t>흐름을 분석하고</a:t>
+            </a:r>
+            <a:r>
+              <a:rPr lang="en-US" altLang="ko-KR" dirty="0">
+                <a:sym typeface="Wingdings" panose="05000000000000000000" pitchFamily="2" charset="2"/>
+              </a:rPr>
+              <a:t>, </a:t>
+            </a:r>
+            <a:r>
+              <a:rPr lang="ko-KR" altLang="en-US" dirty="0">
+                <a:sym typeface="Wingdings" panose="05000000000000000000" pitchFamily="2" charset="2"/>
+              </a:rPr>
+              <a:t>원래 기획 문서가 어떻게 생겼을지를 </a:t>
+            </a:r>
+            <a:r>
+              <a:rPr lang="ko-KR" altLang="en-US" dirty="0" err="1">
+                <a:sym typeface="Wingdings" panose="05000000000000000000" pitchFamily="2" charset="2"/>
+              </a:rPr>
+              <a:t>유츄</a:t>
+            </a:r>
+            <a:r>
+              <a:rPr lang="en-US" altLang="ko-KR" dirty="0">
+                <a:sym typeface="Wingdings" panose="05000000000000000000" pitchFamily="2" charset="2"/>
+              </a:rPr>
+              <a:t>, </a:t>
+            </a:r>
+            <a:r>
+              <a:rPr lang="ko-KR" altLang="en-US" dirty="0">
+                <a:sym typeface="Wingdings" panose="05000000000000000000" pitchFamily="2" charset="2"/>
+              </a:rPr>
+              <a:t>재구성하는 기획 </a:t>
+            </a:r>
+            <a:r>
+              <a:rPr lang="ko-KR" altLang="en-US" dirty="0" err="1">
+                <a:sym typeface="Wingdings" panose="05000000000000000000" pitchFamily="2" charset="2"/>
+              </a:rPr>
+              <a:t>훈련방식입니다</a:t>
+            </a:r>
+            <a:r>
+              <a:rPr lang="en-US" altLang="ko-KR" dirty="0">
+                <a:sym typeface="Wingdings" panose="05000000000000000000" pitchFamily="2" charset="2"/>
+              </a:rPr>
+              <a:t>.</a:t>
+            </a:r>
+          </a:p>
+          <a:p>
+            <a:endParaRPr lang="en-US" altLang="ko-KR" dirty="0">
+              <a:sym typeface="Wingdings" panose="05000000000000000000" pitchFamily="2" charset="2"/>
+            </a:endParaRPr>
+          </a:p>
+          <a:p>
+            <a:r>
+              <a:rPr lang="en-US" altLang="ko-KR" dirty="0">
+                <a:sym typeface="Wingdings" panose="05000000000000000000" pitchFamily="2" charset="2"/>
+              </a:rPr>
+              <a:t> </a:t>
+            </a:r>
+            <a:r>
+              <a:rPr lang="ko-KR" altLang="en-US" dirty="0">
+                <a:sym typeface="Wingdings" panose="05000000000000000000" pitchFamily="2" charset="2"/>
+              </a:rPr>
+              <a:t>하는 이유 기획을 알아야 게임을 만들기 더 </a:t>
+            </a:r>
+            <a:r>
+              <a:rPr lang="ko-KR" altLang="en-US" dirty="0" err="1">
+                <a:sym typeface="Wingdings" panose="05000000000000000000" pitchFamily="2" charset="2"/>
+              </a:rPr>
+              <a:t>편해짐</a:t>
+            </a:r>
+            <a:r>
+              <a:rPr lang="en-US" altLang="ko-KR" dirty="0">
+                <a:sym typeface="Wingdings" panose="05000000000000000000" pitchFamily="2" charset="2"/>
+              </a:rPr>
+              <a:t>, </a:t>
+            </a:r>
+            <a:r>
+              <a:rPr lang="ko-KR" altLang="en-US" dirty="0">
+                <a:sym typeface="Wingdings" panose="05000000000000000000" pitchFamily="2" charset="2"/>
+              </a:rPr>
+              <a:t>하지만 본 스터디에서는 게임 제작 기술 위주로 스터디 할 </a:t>
+            </a:r>
+            <a:r>
+              <a:rPr lang="ko-KR" altLang="en-US">
+                <a:sym typeface="Wingdings" panose="05000000000000000000" pitchFamily="2" charset="2"/>
+              </a:rPr>
+              <a:t>예정이라 게임 쪽으로 </a:t>
+            </a:r>
+            <a:r>
+              <a:rPr lang="ko-KR" altLang="en-US" dirty="0">
+                <a:sym typeface="Wingdings" panose="05000000000000000000" pitchFamily="2" charset="2"/>
+              </a:rPr>
+              <a:t>꼭 가고 싶은 사람만 해도 됩니다</a:t>
+            </a:r>
+            <a:r>
+              <a:rPr lang="en-US" altLang="ko-KR" dirty="0">
+                <a:sym typeface="Wingdings" panose="05000000000000000000" pitchFamily="2" charset="2"/>
+              </a:rPr>
+              <a:t>.</a:t>
+            </a:r>
+            <a:endParaRPr lang="ko-KR" altLang="en-US" dirty="0"/>
+          </a:p>
+        </p:txBody>
+      </p:sp>
+    </p:spTree>
+    <p:extLst>
+      <p:ext uri="{BB962C8B-B14F-4D97-AF65-F5344CB8AC3E}">
+        <p14:creationId xmlns:p14="http://schemas.microsoft.com/office/powerpoint/2010/main" val="3925121638"/>
+      </p:ext>
+    </p:extLst>
+  </p:cSld>
+  <p:clrMapOvr>
+    <a:masterClrMapping/>
+  </p:clrMapOvr>
+</p:sld>
+</file>
+
+<file path=ppt/slides/slide2.xml><?xml version="1.0" encoding="utf-8"?>
+<p:sld xmlns:a="http://schemas.openxmlformats.org/drawingml/2006/main" xmlns:r="http://schemas.openxmlformats.org/officeDocument/2006/relationships" xmlns:p="http://schemas.openxmlformats.org/presentationml/2006/main">
+  <p:cSld>
+    <p:spTree>
+      <p:nvGrpSpPr>
+        <p:cNvPr id="1" name=""/>
+        <p:cNvGrpSpPr/>
+        <p:nvPr/>
+      </p:nvGrpSpPr>
+      <p:grpSpPr>
+        <a:xfrm>
+          <a:off x="0" y="0"/>
+          <a:ext cx="0" cy="0"/>
+          <a:chOff x="0" y="0"/>
+          <a:chExt cx="0" cy="0"/>
+        </a:xfrm>
+      </p:grpSpPr>
+      <p:sp>
+        <p:nvSpPr>
+          <p:cNvPr id="4" name="TextBox 3">
+            <a:extLst>
+              <a:ext uri="{FF2B5EF4-FFF2-40B4-BE49-F238E27FC236}">
+                <a16:creationId xmlns:a16="http://schemas.microsoft.com/office/drawing/2014/main" id="{5D9C82B9-A658-B182-0F45-76A46ED08CAF}"/>
+              </a:ext>
+            </a:extLst>
+          </p:cNvPr>
+          <p:cNvSpPr txBox="1"/>
+          <p:nvPr/>
+        </p:nvSpPr>
+        <p:spPr>
+          <a:xfrm>
+            <a:off x="235368" y="333390"/>
+            <a:ext cx="3003082" cy="646331"/>
+          </a:xfrm>
+          <a:prstGeom prst="rect">
+            <a:avLst/>
+          </a:prstGeom>
+          <a:noFill/>
+        </p:spPr>
+        <p:txBody>
+          <a:bodyPr wrap="square" rtlCol="0">
+            <a:spAutoFit/>
+          </a:bodyPr>
+          <a:lstStyle/>
+          <a:p>
+            <a:r>
+              <a:rPr lang="en-US" altLang="ko-KR" sz="3600" b="1" dirty="0">
+                <a:effectLst>
+                  <a:outerShdw blurRad="38100" dist="38100" dir="2700000" algn="tl">
+                    <a:srgbClr val="000000">
+                      <a:alpha val="43137"/>
+                    </a:srgbClr>
+                  </a:outerShdw>
+                </a:effectLst>
+              </a:rPr>
+              <a:t>STUDY </a:t>
+            </a:r>
+            <a:r>
+              <a:rPr lang="ko-KR" altLang="en-US" sz="3600" b="1" dirty="0">
+                <a:effectLst>
+                  <a:outerShdw blurRad="38100" dist="38100" dir="2700000" algn="tl">
+                    <a:srgbClr val="000000">
+                      <a:alpha val="43137"/>
+                    </a:srgbClr>
+                  </a:outerShdw>
+                </a:effectLst>
+              </a:rPr>
+              <a:t>목표</a:t>
+            </a:r>
+          </a:p>
+        </p:txBody>
+      </p:sp>
+      <p:sp>
+        <p:nvSpPr>
+          <p:cNvPr id="5" name="TextBox 4">
+            <a:extLst>
+              <a:ext uri="{FF2B5EF4-FFF2-40B4-BE49-F238E27FC236}">
+                <a16:creationId xmlns:a16="http://schemas.microsoft.com/office/drawing/2014/main" id="{143CB236-4102-BD95-31BF-0F7E4674A93E}"/>
+              </a:ext>
+            </a:extLst>
+          </p:cNvPr>
+          <p:cNvSpPr txBox="1"/>
+          <p:nvPr/>
+        </p:nvSpPr>
+        <p:spPr>
+          <a:xfrm>
+            <a:off x="424873" y="1302327"/>
+            <a:ext cx="10677236" cy="3139321"/>
+          </a:xfrm>
+          <a:prstGeom prst="rect">
+            <a:avLst/>
+          </a:prstGeom>
+          <a:noFill/>
+        </p:spPr>
+        <p:txBody>
+          <a:bodyPr wrap="square" rtlCol="0">
+            <a:spAutoFit/>
+          </a:bodyPr>
+          <a:lstStyle/>
+          <a:p>
+            <a:r>
+              <a:rPr lang="ko-KR" altLang="en-US" sz="3600" b="1" dirty="0">
+                <a:effectLst>
+                  <a:outerShdw blurRad="38100" dist="38100" dir="2700000" algn="tl">
+                    <a:srgbClr val="000000">
+                      <a:alpha val="43137"/>
+                    </a:srgbClr>
+                  </a:outerShdw>
+                </a:effectLst>
+              </a:rPr>
+              <a:t>게임</a:t>
+            </a:r>
+            <a:r>
+              <a:rPr lang="en-US" altLang="ko-KR" sz="3600" b="1" dirty="0">
+                <a:effectLst>
+                  <a:outerShdw blurRad="38100" dist="38100" dir="2700000" algn="tl">
+                    <a:srgbClr val="000000">
+                      <a:alpha val="43137"/>
+                    </a:srgbClr>
+                  </a:outerShdw>
+                </a:effectLst>
+              </a:rPr>
+              <a:t>_</a:t>
+            </a:r>
+            <a:r>
+              <a:rPr lang="ko-KR" altLang="en-US" sz="3600" b="1" dirty="0">
+                <a:effectLst>
+                  <a:outerShdw blurRad="38100" dist="38100" dir="2700000" algn="tl">
+                    <a:srgbClr val="000000">
+                      <a:alpha val="43137"/>
+                    </a:srgbClr>
+                  </a:outerShdw>
+                </a:effectLst>
+              </a:rPr>
+              <a:t>개발</a:t>
+            </a:r>
+            <a:r>
+              <a:rPr lang="en-US" altLang="ko-KR" sz="3600" b="1" dirty="0">
+                <a:effectLst>
+                  <a:outerShdw blurRad="38100" dist="38100" dir="2700000" algn="tl">
+                    <a:srgbClr val="000000">
+                      <a:alpha val="43137"/>
+                    </a:srgbClr>
+                  </a:outerShdw>
+                </a:effectLst>
+              </a:rPr>
+              <a:t>_Study </a:t>
+            </a:r>
+            <a:r>
+              <a:rPr lang="ko-KR" altLang="en-US" sz="3600" b="1" dirty="0">
+                <a:effectLst>
+                  <a:outerShdw blurRad="38100" dist="38100" dir="2700000" algn="tl">
+                    <a:srgbClr val="000000">
+                      <a:alpha val="43137"/>
+                    </a:srgbClr>
+                  </a:outerShdw>
+                </a:effectLst>
+              </a:rPr>
+              <a:t>목표는 스스로 게임을 </a:t>
+            </a:r>
+            <a:endParaRPr lang="en-US" altLang="ko-KR" sz="3600" b="1" dirty="0">
+              <a:effectLst>
+                <a:outerShdw blurRad="38100" dist="38100" dir="2700000" algn="tl">
+                  <a:srgbClr val="000000">
+                    <a:alpha val="43137"/>
+                  </a:srgbClr>
+                </a:outerShdw>
+              </a:effectLst>
+            </a:endParaRPr>
+          </a:p>
+          <a:p>
+            <a:r>
+              <a:rPr lang="ko-KR" altLang="en-US" sz="3600" b="1" dirty="0">
+                <a:effectLst>
+                  <a:outerShdw blurRad="38100" dist="38100" dir="2700000" algn="tl">
+                    <a:srgbClr val="000000">
+                      <a:alpha val="43137"/>
+                    </a:srgbClr>
+                  </a:outerShdw>
+                </a:effectLst>
+              </a:rPr>
+              <a:t>제작하는 것을 목표로 합니다</a:t>
+            </a:r>
+            <a:r>
+              <a:rPr lang="en-US" altLang="ko-KR" sz="3600" b="1" dirty="0">
+                <a:effectLst>
+                  <a:outerShdw blurRad="38100" dist="38100" dir="2700000" algn="tl">
+                    <a:srgbClr val="000000">
+                      <a:alpha val="43137"/>
+                    </a:srgbClr>
+                  </a:outerShdw>
+                </a:effectLst>
+              </a:rPr>
+              <a:t>.</a:t>
+            </a:r>
+          </a:p>
+          <a:p>
+            <a:endParaRPr lang="en-US" altLang="ko-KR" dirty="0"/>
+          </a:p>
+          <a:p>
+            <a:endParaRPr lang="en-US" altLang="ko-KR" dirty="0"/>
+          </a:p>
+          <a:p>
+            <a:r>
+              <a:rPr lang="ko-KR" altLang="en-US" dirty="0"/>
+              <a:t>하지만</a:t>
+            </a:r>
+            <a:r>
+              <a:rPr lang="en-US" altLang="ko-KR" dirty="0"/>
+              <a:t>, C#</a:t>
+            </a:r>
+            <a:r>
+              <a:rPr lang="ko-KR" altLang="en-US" dirty="0"/>
+              <a:t>과 </a:t>
+            </a:r>
+            <a:r>
+              <a:rPr lang="en-US" altLang="ko-KR" dirty="0"/>
+              <a:t>class</a:t>
+            </a:r>
+            <a:r>
+              <a:rPr lang="ko-KR" altLang="en-US" dirty="0"/>
+              <a:t>에 대한 개념은 따로 학습하지 않으며</a:t>
+            </a:r>
+            <a:r>
+              <a:rPr lang="en-US" altLang="ko-KR" dirty="0"/>
+              <a:t>, </a:t>
+            </a:r>
+            <a:r>
+              <a:rPr lang="ko-KR" altLang="en-US" dirty="0"/>
+              <a:t>오로지 </a:t>
+            </a:r>
+            <a:r>
+              <a:rPr lang="en-US" altLang="ko-KR" dirty="0"/>
+              <a:t>Unity Tool</a:t>
+            </a:r>
+            <a:r>
+              <a:rPr lang="ko-KR" altLang="en-US" dirty="0"/>
+              <a:t>를 다루는 것을 목적으로 </a:t>
+            </a:r>
+            <a:r>
+              <a:rPr lang="en-US" altLang="ko-KR" dirty="0"/>
+              <a:t>Study</a:t>
+            </a:r>
+            <a:r>
+              <a:rPr lang="ko-KR" altLang="en-US" dirty="0"/>
+              <a:t>를 진행할 예정입니다</a:t>
+            </a:r>
+            <a:r>
+              <a:rPr lang="en-US" altLang="ko-KR" dirty="0"/>
+              <a:t>!</a:t>
+            </a:r>
+          </a:p>
+          <a:p>
+            <a:endParaRPr lang="en-US" altLang="ko-KR" dirty="0"/>
+          </a:p>
+          <a:p>
+            <a:r>
+              <a:rPr lang="ko-KR" altLang="en-US" dirty="0"/>
+              <a:t>또한</a:t>
+            </a:r>
+            <a:r>
+              <a:rPr lang="en-US" altLang="ko-KR" dirty="0"/>
+              <a:t>, </a:t>
+            </a:r>
+            <a:r>
+              <a:rPr lang="ko-KR" altLang="en-US" dirty="0"/>
+              <a:t>간단하게 게임 개발을 할 때 필요한 개념들을 설명할 예정이며</a:t>
+            </a:r>
+            <a:r>
+              <a:rPr lang="en-US" altLang="ko-KR" dirty="0"/>
+              <a:t>, </a:t>
+            </a:r>
+            <a:r>
+              <a:rPr lang="ko-KR" altLang="en-US" dirty="0"/>
+              <a:t>내용 자체가 많지 않아 시간이 남을 경우</a:t>
+            </a:r>
+            <a:r>
+              <a:rPr lang="en-US" altLang="ko-KR" dirty="0"/>
+              <a:t>, </a:t>
+            </a:r>
+            <a:r>
+              <a:rPr lang="ko-KR" altLang="en-US" dirty="0"/>
+              <a:t>스스로 게임을 만들어보는 시간을 가질 예정입니다</a:t>
+            </a:r>
+            <a:r>
+              <a:rPr lang="en-US" altLang="ko-KR" dirty="0"/>
+              <a:t>.</a:t>
+            </a:r>
+            <a:endParaRPr lang="ko-KR" altLang="en-US" dirty="0"/>
+          </a:p>
+        </p:txBody>
+      </p:sp>
+    </p:spTree>
+    <p:extLst>
+      <p:ext uri="{BB962C8B-B14F-4D97-AF65-F5344CB8AC3E}">
+        <p14:creationId xmlns:p14="http://schemas.microsoft.com/office/powerpoint/2010/main" val="1460768772"/>
+      </p:ext>
+    </p:extLst>
+  </p:cSld>
+  <p:clrMapOvr>
+    <a:masterClrMapping/>
+  </p:clrMapOvr>
+</p:sld>
+</file>
+
+<file path=ppt/slides/slide3.xml><?xml version="1.0" encoding="utf-8"?>
+<p:sld xmlns:a="http://schemas.openxmlformats.org/drawingml/2006/main" xmlns:r="http://schemas.openxmlformats.org/officeDocument/2006/relationships" xmlns:p="http://schemas.openxmlformats.org/presentationml/2006/main">
+  <p:cSld>
+    <p:spTree>
+      <p:nvGrpSpPr>
+        <p:cNvPr id="1" name=""/>
+        <p:cNvGrpSpPr/>
+        <p:nvPr/>
+      </p:nvGrpSpPr>
+      <p:grpSpPr>
+        <a:xfrm>
+          <a:off x="0" y="0"/>
+          <a:ext cx="0" cy="0"/>
+          <a:chOff x="0" y="0"/>
+          <a:chExt cx="0" cy="0"/>
+        </a:xfrm>
+      </p:grpSpPr>
+      <p:sp>
+        <p:nvSpPr>
+          <p:cNvPr id="4" name="TextBox 3">
+            <a:extLst>
+              <a:ext uri="{FF2B5EF4-FFF2-40B4-BE49-F238E27FC236}">
+                <a16:creationId xmlns:a16="http://schemas.microsoft.com/office/drawing/2014/main" id="{F8B5777B-E004-BCA9-F50E-39176B83ACDB}"/>
+              </a:ext>
+            </a:extLst>
+          </p:cNvPr>
+          <p:cNvSpPr txBox="1"/>
+          <p:nvPr/>
+        </p:nvSpPr>
+        <p:spPr>
+          <a:xfrm>
+            <a:off x="517237" y="581829"/>
+            <a:ext cx="2410691" cy="400110"/>
+          </a:xfrm>
+          <a:prstGeom prst="rect">
+            <a:avLst/>
+          </a:prstGeom>
+          <a:noFill/>
+        </p:spPr>
+        <p:txBody>
+          <a:bodyPr wrap="square" rtlCol="0">
+            <a:spAutoFit/>
+          </a:bodyPr>
+          <a:lstStyle/>
+          <a:p>
+            <a:r>
+              <a:rPr lang="en-US" altLang="ko-KR" sz="2000" b="1" dirty="0"/>
+              <a:t>Study </a:t>
+            </a:r>
+            <a:r>
+              <a:rPr lang="ko-KR" altLang="en-US" sz="2000" b="1" dirty="0"/>
+              <a:t>일정</a:t>
+            </a:r>
+            <a:r>
+              <a:rPr lang="en-US" altLang="ko-KR" sz="2000" b="1" dirty="0"/>
+              <a:t>1</a:t>
+            </a:r>
+            <a:endParaRPr lang="ko-KR" altLang="en-US" sz="2000" b="1" dirty="0"/>
+          </a:p>
+        </p:txBody>
+      </p:sp>
+      <p:sp>
+        <p:nvSpPr>
+          <p:cNvPr id="5" name="TextBox 4">
+            <a:extLst>
+              <a:ext uri="{FF2B5EF4-FFF2-40B4-BE49-F238E27FC236}">
+                <a16:creationId xmlns:a16="http://schemas.microsoft.com/office/drawing/2014/main" id="{E3A9EA3A-D716-35CE-8ADB-0C3156A1AEA3}"/>
+              </a:ext>
+            </a:extLst>
+          </p:cNvPr>
+          <p:cNvSpPr txBox="1"/>
+          <p:nvPr/>
+        </p:nvSpPr>
+        <p:spPr>
+          <a:xfrm>
+            <a:off x="609600" y="1191491"/>
+            <a:ext cx="10464800" cy="3970318"/>
+          </a:xfrm>
+          <a:prstGeom prst="rect">
+            <a:avLst/>
+          </a:prstGeom>
+          <a:noFill/>
+        </p:spPr>
+        <p:txBody>
+          <a:bodyPr wrap="square" rtlCol="0">
+            <a:spAutoFit/>
+          </a:bodyPr>
+          <a:lstStyle/>
+          <a:p>
+            <a:r>
+              <a:rPr lang="en-US" altLang="ko-KR" b="1" dirty="0"/>
+              <a:t>1</a:t>
+            </a:r>
+            <a:r>
+              <a:rPr lang="ko-KR" altLang="en-US" b="1" dirty="0"/>
+              <a:t>주차</a:t>
+            </a:r>
+            <a:r>
+              <a:rPr lang="en-US" altLang="ko-KR" b="1" dirty="0"/>
+              <a:t>: </a:t>
+            </a:r>
+            <a:r>
+              <a:rPr lang="en-US" altLang="ko-KR" dirty="0"/>
+              <a:t>OT </a:t>
+            </a:r>
+            <a:r>
+              <a:rPr lang="ko-KR" altLang="en-US" dirty="0"/>
+              <a:t>및 게임 기획</a:t>
+            </a:r>
+            <a:r>
+              <a:rPr lang="en-US" altLang="ko-KR" dirty="0"/>
+              <a:t>, Unity </a:t>
+            </a:r>
+            <a:r>
+              <a:rPr lang="ko-KR" altLang="en-US" dirty="0"/>
+              <a:t>설치 및 설정</a:t>
+            </a:r>
+            <a:endParaRPr lang="en-US" altLang="ko-KR" dirty="0"/>
+          </a:p>
+          <a:p>
+            <a:r>
+              <a:rPr lang="en-US" altLang="ko-KR" b="1" dirty="0">
+                <a:sym typeface="Wingdings" panose="05000000000000000000" pitchFamily="2" charset="2"/>
+              </a:rPr>
+              <a:t> </a:t>
+            </a:r>
+            <a:r>
+              <a:rPr lang="en-US" altLang="ko-KR" dirty="0">
+                <a:sym typeface="Wingdings" panose="05000000000000000000" pitchFamily="2" charset="2"/>
+              </a:rPr>
+              <a:t>Study</a:t>
+            </a:r>
+            <a:r>
+              <a:rPr lang="ko-KR" altLang="en-US" dirty="0">
+                <a:sym typeface="Wingdings" panose="05000000000000000000" pitchFamily="2" charset="2"/>
+              </a:rPr>
+              <a:t>의 목표와 일정 설명 및 </a:t>
+            </a:r>
+            <a:endParaRPr lang="en-US" altLang="ko-KR" b="1" dirty="0"/>
+          </a:p>
+          <a:p>
+            <a:endParaRPr lang="en-US" altLang="ko-KR" b="1" dirty="0"/>
+          </a:p>
+          <a:p>
+            <a:r>
+              <a:rPr lang="en-US" altLang="ko-KR" b="1" dirty="0"/>
+              <a:t>2</a:t>
+            </a:r>
+            <a:r>
+              <a:rPr lang="ko-KR" altLang="en-US" b="1" dirty="0"/>
+              <a:t>주차</a:t>
+            </a:r>
+            <a:r>
+              <a:rPr lang="en-US" altLang="ko-KR" dirty="0"/>
+              <a:t>: </a:t>
+            </a:r>
+            <a:r>
+              <a:rPr lang="ko-KR" altLang="en-US" dirty="0"/>
+              <a:t>기본 게임 </a:t>
+            </a:r>
+            <a:r>
+              <a:rPr lang="en-US" altLang="ko-KR" dirty="0"/>
+              <a:t>object</a:t>
+            </a:r>
+            <a:r>
+              <a:rPr lang="ko-KR" altLang="en-US" dirty="0"/>
+              <a:t>의 요소</a:t>
+            </a:r>
+            <a:r>
+              <a:rPr lang="en-US" altLang="ko-KR" dirty="0"/>
+              <a:t>1 – object </a:t>
+            </a:r>
+            <a:r>
+              <a:rPr lang="ko-KR" altLang="en-US" dirty="0"/>
+              <a:t>움직임</a:t>
+            </a:r>
+            <a:endParaRPr lang="en-US" altLang="ko-KR" dirty="0"/>
+          </a:p>
+          <a:p>
+            <a:r>
+              <a:rPr lang="en-US" altLang="ko-KR" dirty="0">
+                <a:sym typeface="Wingdings" panose="05000000000000000000" pitchFamily="2" charset="2"/>
+              </a:rPr>
+              <a:t></a:t>
+            </a:r>
+            <a:r>
+              <a:rPr lang="en-US" altLang="ko-KR" dirty="0"/>
+              <a:t>Scripts </a:t>
+            </a:r>
+            <a:r>
+              <a:rPr lang="ko-KR" altLang="en-US" dirty="0"/>
+              <a:t>및 </a:t>
+            </a:r>
+            <a:r>
+              <a:rPr lang="en-US" altLang="ko-KR" dirty="0"/>
+              <a:t>object</a:t>
+            </a:r>
+            <a:r>
+              <a:rPr lang="ko-KR" altLang="en-US" dirty="0"/>
+              <a:t>의 제작 방법 및 </a:t>
+            </a:r>
+            <a:r>
+              <a:rPr lang="en-US" altLang="ko-KR" dirty="0"/>
+              <a:t>Unity</a:t>
+            </a:r>
+            <a:r>
+              <a:rPr lang="ko-KR" altLang="en-US" dirty="0"/>
+              <a:t>에서 가장 많이 사용하는 </a:t>
+            </a:r>
+            <a:r>
+              <a:rPr lang="en-US" altLang="ko-KR" dirty="0"/>
+              <a:t>Mono </a:t>
+            </a:r>
+            <a:r>
+              <a:rPr lang="en-US" altLang="ko-KR" dirty="0" err="1"/>
+              <a:t>Behaviour</a:t>
+            </a:r>
+            <a:r>
+              <a:rPr lang="ko-KR" altLang="en-US" dirty="0"/>
+              <a:t>에 대해 설명하고</a:t>
+            </a:r>
+            <a:endParaRPr lang="en-US" altLang="ko-KR" dirty="0"/>
+          </a:p>
+          <a:p>
+            <a:r>
+              <a:rPr lang="en-US" altLang="ko-KR" dirty="0"/>
+              <a:t>	Rigid Body </a:t>
+            </a:r>
+            <a:r>
+              <a:rPr lang="ko-KR" altLang="en-US" dirty="0"/>
+              <a:t>와 </a:t>
+            </a:r>
+            <a:r>
+              <a:rPr lang="en-US" altLang="ko-KR" dirty="0"/>
+              <a:t>Collider </a:t>
+            </a:r>
+            <a:r>
+              <a:rPr lang="ko-KR" altLang="en-US" dirty="0"/>
+              <a:t>등을 이용한 </a:t>
+            </a:r>
+            <a:r>
+              <a:rPr lang="ko-KR" altLang="en-US" b="1" dirty="0">
+                <a:highlight>
+                  <a:srgbClr val="FFFF00"/>
+                </a:highlight>
+              </a:rPr>
+              <a:t>충돌 제어 </a:t>
+            </a:r>
+            <a:r>
+              <a:rPr lang="ko-KR" altLang="en-US" dirty="0"/>
+              <a:t>및 </a:t>
+            </a:r>
+            <a:r>
+              <a:rPr lang="ko-KR" altLang="en-US" b="1" dirty="0">
+                <a:highlight>
+                  <a:srgbClr val="FFFF00"/>
+                </a:highlight>
+              </a:rPr>
+              <a:t>움직임 제어</a:t>
+            </a:r>
+            <a:endParaRPr lang="en-US" altLang="ko-KR" b="1" dirty="0">
+              <a:highlight>
+                <a:srgbClr val="FFFF00"/>
+              </a:highlight>
+            </a:endParaRPr>
+          </a:p>
+          <a:p>
+            <a:r>
+              <a:rPr lang="en-US" altLang="ko-KR" dirty="0"/>
+              <a:t> </a:t>
+            </a:r>
+          </a:p>
+          <a:p>
+            <a:r>
+              <a:rPr lang="en-US" altLang="ko-KR" b="1" dirty="0"/>
+              <a:t>3</a:t>
+            </a:r>
+            <a:r>
+              <a:rPr lang="ko-KR" altLang="en-US" b="1" dirty="0"/>
+              <a:t>주차 </a:t>
+            </a:r>
+            <a:r>
+              <a:rPr lang="en-US" altLang="ko-KR" dirty="0"/>
+              <a:t>: </a:t>
+            </a:r>
+            <a:r>
+              <a:rPr lang="ko-KR" altLang="en-US" dirty="0"/>
+              <a:t>기본 게임 </a:t>
+            </a:r>
+            <a:r>
+              <a:rPr lang="en-US" altLang="ko-KR" dirty="0"/>
+              <a:t>Object</a:t>
+            </a:r>
+            <a:r>
+              <a:rPr lang="ko-KR" altLang="en-US" dirty="0"/>
+              <a:t>의</a:t>
+            </a:r>
+            <a:r>
+              <a:rPr lang="en-US" altLang="ko-KR" dirty="0"/>
+              <a:t> </a:t>
+            </a:r>
+            <a:r>
+              <a:rPr lang="ko-KR" altLang="en-US" dirty="0"/>
+              <a:t>요소</a:t>
+            </a:r>
+            <a:r>
+              <a:rPr lang="en-US" altLang="ko-KR" dirty="0"/>
+              <a:t>2 – image </a:t>
+            </a:r>
+            <a:r>
+              <a:rPr lang="ko-KR" altLang="en-US" dirty="0"/>
+              <a:t>움직임</a:t>
+            </a:r>
+            <a:endParaRPr lang="en-US" altLang="ko-KR" dirty="0"/>
+          </a:p>
+          <a:p>
+            <a:pPr marL="285750" indent="-285750">
+              <a:buFont typeface="Wingdings" panose="05000000000000000000" pitchFamily="2" charset="2"/>
+              <a:buChar char="à"/>
+            </a:pPr>
+            <a:r>
+              <a:rPr lang="en-US" altLang="ko-KR" dirty="0">
+                <a:sym typeface="Wingdings" panose="05000000000000000000" pitchFamily="2" charset="2"/>
+              </a:rPr>
+              <a:t>Prefabs </a:t>
+            </a:r>
+            <a:r>
+              <a:rPr lang="ko-KR" altLang="en-US" dirty="0">
+                <a:sym typeface="Wingdings" panose="05000000000000000000" pitchFamily="2" charset="2"/>
+              </a:rPr>
+              <a:t>사용하여 </a:t>
+            </a:r>
+            <a:r>
+              <a:rPr lang="en-US" altLang="ko-KR" dirty="0">
+                <a:sym typeface="Wingdings" panose="05000000000000000000" pitchFamily="2" charset="2"/>
+              </a:rPr>
+              <a:t> </a:t>
+            </a:r>
+            <a:r>
+              <a:rPr lang="ko-KR" altLang="en-US" b="1" dirty="0">
+                <a:highlight>
+                  <a:srgbClr val="FFFF00"/>
+                </a:highlight>
+                <a:sym typeface="Wingdings" panose="05000000000000000000" pitchFamily="2" charset="2"/>
+              </a:rPr>
+              <a:t>재사용 가능</a:t>
+            </a:r>
+            <a:r>
+              <a:rPr lang="ko-KR" altLang="en-US" dirty="0">
+                <a:sym typeface="Wingdings" panose="05000000000000000000" pitchFamily="2" charset="2"/>
+              </a:rPr>
+              <a:t>한 </a:t>
+            </a:r>
+            <a:r>
+              <a:rPr lang="en-US" altLang="ko-KR" dirty="0">
+                <a:sym typeface="Wingdings" panose="05000000000000000000" pitchFamily="2" charset="2"/>
+              </a:rPr>
+              <a:t>Object </a:t>
+            </a:r>
+            <a:r>
+              <a:rPr lang="ko-KR" altLang="en-US" dirty="0">
+                <a:sym typeface="Wingdings" panose="05000000000000000000" pitchFamily="2" charset="2"/>
+              </a:rPr>
+              <a:t>제작하고</a:t>
+            </a:r>
+            <a:r>
+              <a:rPr lang="en-US" altLang="ko-KR" dirty="0">
+                <a:sym typeface="Wingdings" panose="05000000000000000000" pitchFamily="2" charset="2"/>
+              </a:rPr>
+              <a:t>, Sprite Render, Animation &amp; Animator</a:t>
+            </a:r>
+            <a:r>
+              <a:rPr lang="ko-KR" altLang="en-US" dirty="0">
+                <a:sym typeface="Wingdings" panose="05000000000000000000" pitchFamily="2" charset="2"/>
+              </a:rPr>
+              <a:t>를 </a:t>
+            </a:r>
+            <a:endParaRPr lang="en-US" altLang="ko-KR" dirty="0">
+              <a:sym typeface="Wingdings" panose="05000000000000000000" pitchFamily="2" charset="2"/>
+            </a:endParaRPr>
+          </a:p>
+          <a:p>
+            <a:r>
+              <a:rPr lang="en-US" altLang="ko-KR" dirty="0">
+                <a:sym typeface="Wingdings" panose="05000000000000000000" pitchFamily="2" charset="2"/>
+              </a:rPr>
+              <a:t>	</a:t>
+            </a:r>
+            <a:r>
+              <a:rPr lang="ko-KR" altLang="en-US" dirty="0">
+                <a:sym typeface="Wingdings" panose="05000000000000000000" pitchFamily="2" charset="2"/>
+              </a:rPr>
+              <a:t>사용하여 </a:t>
+            </a:r>
+            <a:r>
+              <a:rPr lang="en-US" altLang="ko-KR" dirty="0">
+                <a:sym typeface="Wingdings" panose="05000000000000000000" pitchFamily="2" charset="2"/>
+              </a:rPr>
+              <a:t>Object </a:t>
+            </a:r>
+            <a:r>
+              <a:rPr lang="ko-KR" altLang="en-US" dirty="0">
+                <a:sym typeface="Wingdings" panose="05000000000000000000" pitchFamily="2" charset="2"/>
+              </a:rPr>
+              <a:t>이미지 </a:t>
+            </a:r>
+            <a:r>
+              <a:rPr lang="ko-KR" altLang="en-US" b="1" dirty="0">
+                <a:highlight>
+                  <a:srgbClr val="FFFF00"/>
+                </a:highlight>
+                <a:sym typeface="Wingdings" panose="05000000000000000000" pitchFamily="2" charset="2"/>
+              </a:rPr>
+              <a:t>움직임 제어</a:t>
+            </a:r>
+            <a:r>
+              <a:rPr lang="en-US" altLang="ko-KR" b="1" dirty="0">
+                <a:highlight>
+                  <a:srgbClr val="FFFF00"/>
+                </a:highlight>
+                <a:sym typeface="Wingdings" panose="05000000000000000000" pitchFamily="2" charset="2"/>
+              </a:rPr>
+              <a:t> </a:t>
+            </a:r>
+            <a:r>
+              <a:rPr lang="ko-KR" altLang="en-US" dirty="0">
+                <a:sym typeface="Wingdings" panose="05000000000000000000" pitchFamily="2" charset="2"/>
+              </a:rPr>
+              <a:t>및 </a:t>
+            </a:r>
+            <a:r>
+              <a:rPr lang="en-US" altLang="ko-KR" dirty="0">
+                <a:sym typeface="Wingdings" panose="05000000000000000000" pitchFamily="2" charset="2"/>
+              </a:rPr>
+              <a:t>Audio Source</a:t>
+            </a:r>
+            <a:r>
+              <a:rPr lang="ko-KR" altLang="en-US" dirty="0">
+                <a:sym typeface="Wingdings" panose="05000000000000000000" pitchFamily="2" charset="2"/>
+              </a:rPr>
+              <a:t>를 이용하여 </a:t>
+            </a:r>
+            <a:r>
+              <a:rPr lang="ko-KR" altLang="en-US" b="1" dirty="0">
+                <a:highlight>
+                  <a:srgbClr val="FFFF00"/>
+                </a:highlight>
+                <a:sym typeface="Wingdings" panose="05000000000000000000" pitchFamily="2" charset="2"/>
+              </a:rPr>
+              <a:t>사운드 제어</a:t>
+            </a:r>
+            <a:endParaRPr lang="en-US" altLang="ko-KR" b="1" dirty="0">
+              <a:highlight>
+                <a:srgbClr val="FFFF00"/>
+              </a:highlight>
+              <a:sym typeface="Wingdings" panose="05000000000000000000" pitchFamily="2" charset="2"/>
+            </a:endParaRPr>
+          </a:p>
+          <a:p>
+            <a:endParaRPr lang="en-US" altLang="ko-KR" dirty="0">
+              <a:sym typeface="Wingdings" panose="05000000000000000000" pitchFamily="2" charset="2"/>
+            </a:endParaRPr>
+          </a:p>
+          <a:p>
+            <a:r>
+              <a:rPr lang="en-US" altLang="ko-KR" b="1" dirty="0">
+                <a:sym typeface="Wingdings" panose="05000000000000000000" pitchFamily="2" charset="2"/>
+              </a:rPr>
+              <a:t>4</a:t>
+            </a:r>
+            <a:r>
+              <a:rPr lang="ko-KR" altLang="en-US" b="1" dirty="0">
+                <a:sym typeface="Wingdings" panose="05000000000000000000" pitchFamily="2" charset="2"/>
+              </a:rPr>
+              <a:t>주차 </a:t>
+            </a:r>
+            <a:r>
+              <a:rPr lang="en-US" altLang="ko-KR" dirty="0">
+                <a:sym typeface="Wingdings" panose="05000000000000000000" pitchFamily="2" charset="2"/>
+              </a:rPr>
+              <a:t>:  Ui </a:t>
+            </a:r>
+            <a:r>
+              <a:rPr lang="ko-KR" altLang="en-US" dirty="0">
+                <a:sym typeface="Wingdings" panose="05000000000000000000" pitchFamily="2" charset="2"/>
+              </a:rPr>
+              <a:t>기본 요소</a:t>
+            </a:r>
+            <a:endParaRPr lang="en-US" altLang="ko-KR" dirty="0">
+              <a:sym typeface="Wingdings" panose="05000000000000000000" pitchFamily="2" charset="2"/>
+            </a:endParaRPr>
+          </a:p>
+          <a:p>
+            <a:pPr marL="285750" indent="-285750">
+              <a:buFont typeface="Wingdings" panose="05000000000000000000" pitchFamily="2" charset="2"/>
+              <a:buChar char="à"/>
+            </a:pPr>
+            <a:r>
+              <a:rPr lang="en-US" altLang="ko-KR" dirty="0">
+                <a:sym typeface="Wingdings" panose="05000000000000000000" pitchFamily="2" charset="2"/>
+              </a:rPr>
+              <a:t>Canvas</a:t>
+            </a:r>
+            <a:r>
+              <a:rPr lang="ko-KR" altLang="en-US" dirty="0">
+                <a:sym typeface="Wingdings" panose="05000000000000000000" pitchFamily="2" charset="2"/>
+              </a:rPr>
+              <a:t>에서 </a:t>
+            </a:r>
+            <a:r>
+              <a:rPr lang="en-US" altLang="ko-KR" dirty="0">
+                <a:sym typeface="Wingdings" panose="05000000000000000000" pitchFamily="2" charset="2"/>
+              </a:rPr>
+              <a:t>UI</a:t>
+            </a:r>
+            <a:r>
+              <a:rPr lang="ko-KR" altLang="en-US" dirty="0">
+                <a:sym typeface="Wingdings" panose="05000000000000000000" pitchFamily="2" charset="2"/>
+              </a:rPr>
+              <a:t>인 요소들</a:t>
+            </a:r>
+            <a:r>
+              <a:rPr lang="en-US" altLang="ko-KR" dirty="0">
+                <a:sym typeface="Wingdings" panose="05000000000000000000" pitchFamily="2" charset="2"/>
+              </a:rPr>
+              <a:t>(UI</a:t>
+            </a:r>
+            <a:r>
+              <a:rPr lang="ko-KR" altLang="en-US" dirty="0">
+                <a:sym typeface="Wingdings" panose="05000000000000000000" pitchFamily="2" charset="2"/>
+              </a:rPr>
+              <a:t> </a:t>
+            </a:r>
+            <a:r>
+              <a:rPr lang="en-US" altLang="ko-KR" dirty="0">
+                <a:sym typeface="Wingdings" panose="05000000000000000000" pitchFamily="2" charset="2"/>
+              </a:rPr>
+              <a:t>Image, Button, Slider)</a:t>
+            </a:r>
+            <a:r>
+              <a:rPr lang="ko-KR" altLang="en-US" dirty="0">
+                <a:sym typeface="Wingdings" panose="05000000000000000000" pitchFamily="2" charset="2"/>
+              </a:rPr>
+              <a:t>를 제작하여 </a:t>
+            </a:r>
+            <a:r>
+              <a:rPr lang="en-US" altLang="ko-KR" b="1" dirty="0">
+                <a:highlight>
+                  <a:srgbClr val="FFFF00"/>
+                </a:highlight>
+                <a:sym typeface="Wingdings" panose="05000000000000000000" pitchFamily="2" charset="2"/>
+              </a:rPr>
+              <a:t>UI </a:t>
+            </a:r>
+            <a:r>
+              <a:rPr lang="ko-KR" altLang="en-US" b="1" dirty="0">
+                <a:highlight>
+                  <a:srgbClr val="FFFF00"/>
+                </a:highlight>
+                <a:sym typeface="Wingdings" panose="05000000000000000000" pitchFamily="2" charset="2"/>
+              </a:rPr>
+              <a:t>기능 구현</a:t>
+            </a:r>
+            <a:endParaRPr lang="en-US" altLang="ko-KR" b="1" dirty="0">
+              <a:highlight>
+                <a:srgbClr val="FFFF00"/>
+              </a:highlight>
+              <a:sym typeface="Wingdings" panose="05000000000000000000" pitchFamily="2" charset="2"/>
+            </a:endParaRPr>
+          </a:p>
+          <a:p>
+            <a:r>
+              <a:rPr lang="ko-KR" altLang="en-US" dirty="0">
+                <a:sym typeface="Wingdings" panose="05000000000000000000" pitchFamily="2" charset="2"/>
+              </a:rPr>
+              <a:t> </a:t>
+            </a:r>
+            <a:endParaRPr lang="ko-KR" altLang="en-US" dirty="0"/>
+          </a:p>
+        </p:txBody>
+      </p:sp>
+    </p:spTree>
+    <p:extLst>
+      <p:ext uri="{BB962C8B-B14F-4D97-AF65-F5344CB8AC3E}">
+        <p14:creationId xmlns:p14="http://schemas.microsoft.com/office/powerpoint/2010/main" val="4180307804"/>
+      </p:ext>
+    </p:extLst>
+  </p:cSld>
+  <p:clrMapOvr>
+    <a:masterClrMapping/>
+  </p:clrMapOvr>
+</p:sld>
+</file>
+
+<file path=ppt/slides/slide4.xml><?xml version="1.0" encoding="utf-8"?>
+<p:sld xmlns:a="http://schemas.openxmlformats.org/drawingml/2006/main" xmlns:r="http://schemas.openxmlformats.org/officeDocument/2006/relationships" xmlns:p="http://schemas.openxmlformats.org/presentationml/2006/main">
+  <p:cSld>
+    <p:spTree>
+      <p:nvGrpSpPr>
+        <p:cNvPr id="1" name=""/>
+        <p:cNvGrpSpPr/>
+        <p:nvPr/>
+      </p:nvGrpSpPr>
+      <p:grpSpPr>
+        <a:xfrm>
+          <a:off x="0" y="0"/>
+          <a:ext cx="0" cy="0"/>
+          <a:chOff x="0" y="0"/>
+          <a:chExt cx="0" cy="0"/>
+        </a:xfrm>
+      </p:grpSpPr>
+      <p:sp>
+        <p:nvSpPr>
+          <p:cNvPr id="4" name="TextBox 3">
+            <a:extLst>
+              <a:ext uri="{FF2B5EF4-FFF2-40B4-BE49-F238E27FC236}">
+                <a16:creationId xmlns:a16="http://schemas.microsoft.com/office/drawing/2014/main" id="{2A836563-F64B-37C1-87FC-30B3CC60DFA7}"/>
+              </a:ext>
+            </a:extLst>
+          </p:cNvPr>
+          <p:cNvSpPr txBox="1"/>
+          <p:nvPr/>
+        </p:nvSpPr>
+        <p:spPr>
+          <a:xfrm>
+            <a:off x="517237" y="581829"/>
+            <a:ext cx="2410691" cy="400110"/>
+          </a:xfrm>
+          <a:prstGeom prst="rect">
+            <a:avLst/>
+          </a:prstGeom>
+          <a:noFill/>
+        </p:spPr>
+        <p:txBody>
+          <a:bodyPr wrap="square" rtlCol="0">
+            <a:spAutoFit/>
+          </a:bodyPr>
+          <a:lstStyle/>
+          <a:p>
+            <a:r>
+              <a:rPr lang="en-US" altLang="ko-KR" sz="2000" b="1" dirty="0"/>
+              <a:t>Study </a:t>
+            </a:r>
+            <a:r>
+              <a:rPr lang="ko-KR" altLang="en-US" sz="2000" b="1" dirty="0"/>
+              <a:t>일정</a:t>
+            </a:r>
+            <a:r>
+              <a:rPr lang="en-US" altLang="ko-KR" sz="2000" b="1" dirty="0"/>
+              <a:t>2</a:t>
+            </a:r>
+            <a:endParaRPr lang="ko-KR" altLang="en-US" sz="2000" b="1" dirty="0"/>
+          </a:p>
+        </p:txBody>
+      </p:sp>
+      <p:sp>
+        <p:nvSpPr>
+          <p:cNvPr id="5" name="TextBox 4">
+            <a:extLst>
+              <a:ext uri="{FF2B5EF4-FFF2-40B4-BE49-F238E27FC236}">
+                <a16:creationId xmlns:a16="http://schemas.microsoft.com/office/drawing/2014/main" id="{5F32D812-D147-DEDD-57F9-9AA5EDDD2659}"/>
+              </a:ext>
+            </a:extLst>
+          </p:cNvPr>
+          <p:cNvSpPr txBox="1"/>
+          <p:nvPr/>
+        </p:nvSpPr>
+        <p:spPr>
+          <a:xfrm>
+            <a:off x="609600" y="1191491"/>
+            <a:ext cx="10464800" cy="923330"/>
+          </a:xfrm>
+          <a:prstGeom prst="rect">
+            <a:avLst/>
+          </a:prstGeom>
+          <a:noFill/>
+        </p:spPr>
+        <p:txBody>
+          <a:bodyPr wrap="square" rtlCol="0">
+            <a:spAutoFit/>
+          </a:bodyPr>
+          <a:lstStyle/>
+          <a:p>
+            <a:r>
+              <a:rPr lang="en-US" altLang="ko-KR" b="1" dirty="0"/>
+              <a:t>5</a:t>
+            </a:r>
+            <a:r>
+              <a:rPr lang="ko-KR" altLang="en-US" b="1" dirty="0"/>
+              <a:t>주차 </a:t>
+            </a:r>
+            <a:r>
+              <a:rPr lang="en-US" altLang="ko-KR" b="1" dirty="0"/>
+              <a:t>: </a:t>
+            </a:r>
+            <a:r>
+              <a:rPr lang="en-US" altLang="ko-KR" dirty="0"/>
+              <a:t>Save </a:t>
+            </a:r>
+            <a:r>
+              <a:rPr lang="ko-KR" altLang="en-US" dirty="0"/>
+              <a:t>파일에 관련한 요소 및 </a:t>
+            </a:r>
+            <a:r>
+              <a:rPr lang="en-US" altLang="ko-KR" dirty="0"/>
+              <a:t>Photon </a:t>
+            </a:r>
+            <a:r>
+              <a:rPr lang="ko-KR" altLang="en-US" dirty="0"/>
+              <a:t>서버를 이용한 멀티요소 추가</a:t>
+            </a:r>
+            <a:endParaRPr lang="en-US" altLang="ko-KR" dirty="0"/>
+          </a:p>
+          <a:p>
+            <a:pPr marL="285750" indent="-285750">
+              <a:buFont typeface="Wingdings" panose="05000000000000000000" pitchFamily="2" charset="2"/>
+              <a:buChar char="à"/>
+            </a:pPr>
+            <a:r>
+              <a:rPr lang="en-US" altLang="ko-KR" dirty="0">
+                <a:sym typeface="Wingdings" panose="05000000000000000000" pitchFamily="2" charset="2"/>
+              </a:rPr>
+              <a:t>Json </a:t>
+            </a:r>
+            <a:r>
+              <a:rPr lang="ko-KR" altLang="en-US" dirty="0">
+                <a:sym typeface="Wingdings" panose="05000000000000000000" pitchFamily="2" charset="2"/>
+              </a:rPr>
+              <a:t>파일 사용 또는 </a:t>
+            </a:r>
+            <a:r>
+              <a:rPr lang="en-US" altLang="ko-KR" dirty="0" err="1">
+                <a:sym typeface="Wingdings" panose="05000000000000000000" pitchFamily="2" charset="2"/>
+              </a:rPr>
+              <a:t>PlayerPrefabs</a:t>
+            </a:r>
+            <a:r>
+              <a:rPr lang="ko-KR" altLang="en-US" dirty="0">
+                <a:sym typeface="Wingdings" panose="05000000000000000000" pitchFamily="2" charset="2"/>
+              </a:rPr>
+              <a:t>를 이용한 </a:t>
+            </a:r>
+            <a:r>
+              <a:rPr lang="ko-KR" altLang="en-US" b="1" dirty="0">
+                <a:highlight>
+                  <a:srgbClr val="FFFF00"/>
+                </a:highlight>
+                <a:sym typeface="Wingdings" panose="05000000000000000000" pitchFamily="2" charset="2"/>
+              </a:rPr>
+              <a:t>세이브 파일 제작 </a:t>
+            </a:r>
+            <a:endParaRPr lang="en-US" altLang="ko-KR" b="1" dirty="0">
+              <a:highlight>
+                <a:srgbClr val="FFFF00"/>
+              </a:highlight>
+              <a:sym typeface="Wingdings" panose="05000000000000000000" pitchFamily="2" charset="2"/>
+            </a:endParaRPr>
+          </a:p>
+          <a:p>
+            <a:r>
+              <a:rPr lang="en-US" altLang="ko-KR" dirty="0">
+                <a:sym typeface="Wingdings" panose="05000000000000000000" pitchFamily="2" charset="2"/>
+              </a:rPr>
+              <a:t>   </a:t>
+            </a:r>
+            <a:r>
+              <a:rPr lang="ko-KR" altLang="en-US" dirty="0">
+                <a:sym typeface="Wingdings" panose="05000000000000000000" pitchFamily="2" charset="2"/>
+              </a:rPr>
+              <a:t> </a:t>
+            </a:r>
+            <a:r>
+              <a:rPr lang="en-US" altLang="ko-KR" dirty="0">
+                <a:sym typeface="Wingdings" panose="05000000000000000000" pitchFamily="2" charset="2"/>
+              </a:rPr>
+              <a:t>photon </a:t>
+            </a:r>
+            <a:r>
+              <a:rPr lang="ko-KR" altLang="en-US" dirty="0">
+                <a:sym typeface="Wingdings" panose="05000000000000000000" pitchFamily="2" charset="2"/>
+              </a:rPr>
+              <a:t>서버를 이용한 </a:t>
+            </a:r>
+            <a:r>
+              <a:rPr lang="ko-KR" altLang="en-US" b="1" dirty="0">
+                <a:highlight>
+                  <a:srgbClr val="FFFF00"/>
+                </a:highlight>
+                <a:sym typeface="Wingdings" panose="05000000000000000000" pitchFamily="2" charset="2"/>
+              </a:rPr>
+              <a:t>멀티 요소 추가</a:t>
+            </a:r>
+            <a:endParaRPr lang="en-US" altLang="ko-KR" b="1" dirty="0">
+              <a:highlight>
+                <a:srgbClr val="FFFF00"/>
+              </a:highlight>
+              <a:sym typeface="Wingdings" panose="05000000000000000000" pitchFamily="2" charset="2"/>
+            </a:endParaRPr>
+          </a:p>
+        </p:txBody>
+      </p:sp>
+    </p:spTree>
+    <p:extLst>
+      <p:ext uri="{BB962C8B-B14F-4D97-AF65-F5344CB8AC3E}">
+        <p14:creationId xmlns:p14="http://schemas.microsoft.com/office/powerpoint/2010/main" val="4274668901"/>
+      </p:ext>
+    </p:extLst>
+  </p:cSld>
+  <p:clrMapOvr>
+    <a:masterClrMapping/>
+  </p:clrMapOvr>
+</p:sld>
+</file>
+
+<file path=ppt/slides/slide5.xml><?xml version="1.0" encoding="utf-8"?>
+<p:sld xmlns:a="http://schemas.openxmlformats.org/drawingml/2006/main" xmlns:r="http://schemas.openxmlformats.org/officeDocument/2006/relationships" xmlns:p="http://schemas.openxmlformats.org/presentationml/2006/main">
+  <p:cSld>
+    <p:spTree>
+      <p:nvGrpSpPr>
+        <p:cNvPr id="1" name=""/>
+        <p:cNvGrpSpPr/>
+        <p:nvPr/>
+      </p:nvGrpSpPr>
+      <p:grpSpPr>
+        <a:xfrm>
+          <a:off x="0" y="0"/>
+          <a:ext cx="0" cy="0"/>
+          <a:chOff x="0" y="0"/>
+          <a:chExt cx="0" cy="0"/>
+        </a:xfrm>
+      </p:grpSpPr>
+      <p:sp>
+        <p:nvSpPr>
+          <p:cNvPr id="4" name="TextBox 3">
+            <a:extLst>
+              <a:ext uri="{FF2B5EF4-FFF2-40B4-BE49-F238E27FC236}">
+                <a16:creationId xmlns:a16="http://schemas.microsoft.com/office/drawing/2014/main" id="{A5F167BA-0E5C-B8D0-0608-9796B2E6B0F4}"/>
+              </a:ext>
+            </a:extLst>
+          </p:cNvPr>
+          <p:cNvSpPr txBox="1"/>
+          <p:nvPr/>
+        </p:nvSpPr>
+        <p:spPr>
+          <a:xfrm>
+            <a:off x="591671" y="611379"/>
+            <a:ext cx="2608729" cy="369332"/>
+          </a:xfrm>
+          <a:prstGeom prst="rect">
+            <a:avLst/>
+          </a:prstGeom>
+          <a:noFill/>
+        </p:spPr>
+        <p:txBody>
+          <a:bodyPr wrap="square" rtlCol="0">
+            <a:spAutoFit/>
+          </a:bodyPr>
+          <a:lstStyle/>
+          <a:p>
+            <a:r>
+              <a:rPr lang="ko-KR" altLang="en-US" b="1" dirty="0"/>
+              <a:t>게임 개발</a:t>
+            </a:r>
+          </a:p>
+        </p:txBody>
+      </p:sp>
+      <p:sp>
+        <p:nvSpPr>
+          <p:cNvPr id="5" name="TextBox 4">
+            <a:extLst>
+              <a:ext uri="{FF2B5EF4-FFF2-40B4-BE49-F238E27FC236}">
+                <a16:creationId xmlns:a16="http://schemas.microsoft.com/office/drawing/2014/main" id="{AC34D1AF-9E31-DD58-349F-83B66975F815}"/>
+              </a:ext>
+            </a:extLst>
+          </p:cNvPr>
+          <p:cNvSpPr txBox="1"/>
+          <p:nvPr/>
+        </p:nvSpPr>
+        <p:spPr>
+          <a:xfrm>
+            <a:off x="457200" y="1223681"/>
+            <a:ext cx="10643347" cy="2585323"/>
+          </a:xfrm>
+          <a:prstGeom prst="rect">
+            <a:avLst/>
+          </a:prstGeom>
+          <a:noFill/>
+        </p:spPr>
+        <p:txBody>
+          <a:bodyPr wrap="square" rtlCol="0">
+            <a:spAutoFit/>
+          </a:bodyPr>
+          <a:lstStyle/>
+          <a:p>
+            <a:r>
+              <a:rPr lang="ko-KR" altLang="en-US" dirty="0"/>
+              <a:t>게임 개발 </a:t>
+            </a:r>
+            <a:r>
+              <a:rPr lang="en-US" altLang="ko-KR" dirty="0"/>
+              <a:t>= </a:t>
+            </a:r>
+            <a:r>
+              <a:rPr lang="ko-KR" altLang="en-US" dirty="0"/>
+              <a:t>프로그램 개발</a:t>
+            </a:r>
+            <a:r>
+              <a:rPr lang="en-US" altLang="ko-KR" dirty="0"/>
+              <a:t>(Unity) + </a:t>
+            </a:r>
+            <a:r>
+              <a:rPr lang="ko-KR" altLang="en-US" dirty="0"/>
+              <a:t>게임 기획 파트  </a:t>
+            </a:r>
+            <a:r>
+              <a:rPr lang="en-US" altLang="ko-KR" dirty="0"/>
+              <a:t>+ </a:t>
+            </a:r>
+            <a:r>
+              <a:rPr lang="ko-KR" altLang="en-US" dirty="0"/>
+              <a:t>디자인 파트</a:t>
+            </a:r>
+            <a:r>
+              <a:rPr lang="en-US" altLang="ko-KR" dirty="0"/>
+              <a:t> + </a:t>
+            </a:r>
+            <a:r>
+              <a:rPr lang="ko-KR" altLang="en-US" dirty="0"/>
+              <a:t>등등으로 구성 </a:t>
+            </a:r>
+            <a:endParaRPr lang="en-US" altLang="ko-KR" dirty="0"/>
+          </a:p>
+          <a:p>
+            <a:endParaRPr lang="en-US" altLang="ko-KR" dirty="0"/>
+          </a:p>
+          <a:p>
+            <a:pPr marL="285750" indent="-285750">
+              <a:buFont typeface="Wingdings" panose="05000000000000000000" pitchFamily="2" charset="2"/>
+              <a:buChar char="è"/>
+            </a:pPr>
+            <a:r>
+              <a:rPr lang="ko-KR" altLang="en-US" dirty="0">
+                <a:sym typeface="Wingdings" panose="05000000000000000000" pitchFamily="2" charset="2"/>
+              </a:rPr>
+              <a:t>중요도 </a:t>
+            </a:r>
+            <a:r>
+              <a:rPr lang="en-US" altLang="ko-KR" dirty="0">
+                <a:sym typeface="Wingdings" panose="05000000000000000000" pitchFamily="2" charset="2"/>
+              </a:rPr>
+              <a:t>: </a:t>
+            </a:r>
+            <a:r>
+              <a:rPr lang="ko-KR" altLang="en-US" dirty="0">
+                <a:sym typeface="Wingdings" panose="05000000000000000000" pitchFamily="2" charset="2"/>
+              </a:rPr>
+              <a:t>디자인 </a:t>
+            </a:r>
+            <a:r>
+              <a:rPr lang="en-US" altLang="ko-KR" dirty="0">
+                <a:sym typeface="Wingdings" panose="05000000000000000000" pitchFamily="2" charset="2"/>
+              </a:rPr>
+              <a:t>&gt; </a:t>
+            </a:r>
+            <a:r>
+              <a:rPr lang="ko-KR" altLang="en-US" dirty="0">
+                <a:sym typeface="Wingdings" panose="05000000000000000000" pitchFamily="2" charset="2"/>
+              </a:rPr>
+              <a:t>게임 기획 </a:t>
+            </a:r>
+            <a:r>
+              <a:rPr lang="en-US" altLang="ko-KR" dirty="0">
+                <a:sym typeface="Wingdings" panose="05000000000000000000" pitchFamily="2" charset="2"/>
+              </a:rPr>
+              <a:t>&gt; </a:t>
+            </a:r>
+            <a:r>
+              <a:rPr lang="ko-KR" altLang="en-US" dirty="0">
+                <a:sym typeface="Wingdings" panose="05000000000000000000" pitchFamily="2" charset="2"/>
+              </a:rPr>
+              <a:t>프로그램 개발</a:t>
+            </a:r>
+            <a:endParaRPr lang="en-US" altLang="ko-KR" dirty="0">
+              <a:sym typeface="Wingdings" panose="05000000000000000000" pitchFamily="2" charset="2"/>
+            </a:endParaRPr>
+          </a:p>
+          <a:p>
+            <a:endParaRPr lang="en-US" altLang="ko-KR" dirty="0">
+              <a:sym typeface="Wingdings" panose="05000000000000000000" pitchFamily="2" charset="2"/>
+            </a:endParaRPr>
+          </a:p>
+          <a:p>
+            <a:r>
+              <a:rPr lang="ko-KR" altLang="en-US" b="1" dirty="0">
+                <a:sym typeface="Wingdings" panose="05000000000000000000" pitchFamily="2" charset="2"/>
+              </a:rPr>
+              <a:t>디자인</a:t>
+            </a:r>
+            <a:r>
+              <a:rPr lang="ko-KR" altLang="en-US" dirty="0">
+                <a:sym typeface="Wingdings" panose="05000000000000000000" pitchFamily="2" charset="2"/>
+              </a:rPr>
+              <a:t>이 결국 </a:t>
+            </a:r>
+            <a:r>
+              <a:rPr lang="en-US" altLang="ko-KR" dirty="0">
+                <a:sym typeface="Wingdings" panose="05000000000000000000" pitchFamily="2" charset="2"/>
+              </a:rPr>
+              <a:t>“</a:t>
+            </a:r>
+            <a:r>
+              <a:rPr lang="ko-KR" altLang="en-US" b="1" dirty="0">
+                <a:highlight>
+                  <a:srgbClr val="FFFF00"/>
+                </a:highlight>
+                <a:sym typeface="Wingdings" panose="05000000000000000000" pitchFamily="2" charset="2"/>
+              </a:rPr>
+              <a:t>유입 관문</a:t>
+            </a:r>
+            <a:r>
+              <a:rPr lang="en-US" altLang="ko-KR" dirty="0">
+                <a:sym typeface="Wingdings" panose="05000000000000000000" pitchFamily="2" charset="2"/>
+              </a:rPr>
+              <a:t>”</a:t>
+            </a:r>
+            <a:r>
+              <a:rPr lang="ko-KR" altLang="en-US" dirty="0">
+                <a:sym typeface="Wingdings" panose="05000000000000000000" pitchFamily="2" charset="2"/>
+              </a:rPr>
+              <a:t>이 되고</a:t>
+            </a:r>
+            <a:r>
+              <a:rPr lang="en-US" altLang="ko-KR" dirty="0">
+                <a:sym typeface="Wingdings" panose="05000000000000000000" pitchFamily="2" charset="2"/>
+              </a:rPr>
+              <a:t>, </a:t>
+            </a:r>
+            <a:r>
+              <a:rPr lang="ko-KR" altLang="en-US" b="1" dirty="0">
+                <a:sym typeface="Wingdings" panose="05000000000000000000" pitchFamily="2" charset="2"/>
+              </a:rPr>
+              <a:t>기획 파트</a:t>
+            </a:r>
+            <a:r>
+              <a:rPr lang="ko-KR" altLang="en-US" dirty="0">
+                <a:sym typeface="Wingdings" panose="05000000000000000000" pitchFamily="2" charset="2"/>
+              </a:rPr>
+              <a:t>가 </a:t>
+            </a:r>
+            <a:r>
+              <a:rPr lang="en-US" altLang="ko-KR" dirty="0">
+                <a:sym typeface="Wingdings" panose="05000000000000000000" pitchFamily="2" charset="2"/>
+              </a:rPr>
+              <a:t>“</a:t>
+            </a:r>
+            <a:r>
+              <a:rPr lang="ko-KR" altLang="en-US" b="1" dirty="0">
+                <a:highlight>
+                  <a:srgbClr val="FFFF00"/>
+                </a:highlight>
+                <a:sym typeface="Wingdings" panose="05000000000000000000" pitchFamily="2" charset="2"/>
+              </a:rPr>
+              <a:t>유지와 성장 동력</a:t>
+            </a:r>
+            <a:r>
+              <a:rPr lang="en-US" altLang="ko-KR" dirty="0">
+                <a:sym typeface="Wingdings" panose="05000000000000000000" pitchFamily="2" charset="2"/>
+              </a:rPr>
+              <a:t>＂</a:t>
+            </a:r>
+            <a:r>
+              <a:rPr lang="ko-KR" altLang="en-US" dirty="0">
+                <a:sym typeface="Wingdings" panose="05000000000000000000" pitchFamily="2" charset="2"/>
+              </a:rPr>
+              <a:t>이라고 생각하며</a:t>
+            </a:r>
+            <a:r>
+              <a:rPr lang="en-US" altLang="ko-KR" dirty="0">
+                <a:sym typeface="Wingdings" panose="05000000000000000000" pitchFamily="2" charset="2"/>
+              </a:rPr>
+              <a:t>, </a:t>
+            </a:r>
+            <a:r>
+              <a:rPr lang="ko-KR" altLang="en-US" dirty="0">
+                <a:sym typeface="Wingdings" panose="05000000000000000000" pitchFamily="2" charset="2"/>
+              </a:rPr>
+              <a:t>개발 파트는 게임을 흥행 시키는데 중요한 역할을 하지 못한다</a:t>
+            </a:r>
+            <a:r>
+              <a:rPr lang="en-US" altLang="ko-KR" dirty="0">
+                <a:sym typeface="Wingdings" panose="05000000000000000000" pitchFamily="2" charset="2"/>
+              </a:rPr>
+              <a:t>.</a:t>
+            </a:r>
+          </a:p>
+          <a:p>
+            <a:endParaRPr lang="en-US" altLang="ko-KR" dirty="0">
+              <a:sym typeface="Wingdings" panose="05000000000000000000" pitchFamily="2" charset="2"/>
+            </a:endParaRPr>
+          </a:p>
+          <a:p>
+            <a:endParaRPr lang="en-US" altLang="ko-KR" dirty="0">
+              <a:sym typeface="Wingdings" panose="05000000000000000000" pitchFamily="2" charset="2"/>
+            </a:endParaRPr>
+          </a:p>
+          <a:p>
+            <a:pPr marL="285750" indent="-285750">
+              <a:buFont typeface="Wingdings" panose="05000000000000000000" pitchFamily="2" charset="2"/>
+              <a:buChar char="è"/>
+            </a:pPr>
+            <a:endParaRPr lang="en-US" altLang="ko-KR" dirty="0">
+              <a:sym typeface="Wingdings" panose="05000000000000000000" pitchFamily="2" charset="2"/>
+            </a:endParaRPr>
+          </a:p>
+        </p:txBody>
+      </p:sp>
+      <p:pic>
+        <p:nvPicPr>
+          <p:cNvPr id="7" name="그림 6">
+            <a:extLst>
+              <a:ext uri="{FF2B5EF4-FFF2-40B4-BE49-F238E27FC236}">
+                <a16:creationId xmlns:a16="http://schemas.microsoft.com/office/drawing/2014/main" id="{1C8114DC-EAE6-C989-E1EA-97C46B8F4F05}"/>
+              </a:ext>
+            </a:extLst>
+          </p:cNvPr>
+          <p:cNvPicPr>
+            <a:picLocks noChangeAspect="1"/>
+          </p:cNvPicPr>
+          <p:nvPr/>
+        </p:nvPicPr>
+        <p:blipFill>
+          <a:blip r:embed="rId2"/>
+          <a:stretch>
+            <a:fillRect/>
+          </a:stretch>
+        </p:blipFill>
+        <p:spPr>
+          <a:xfrm>
+            <a:off x="591671" y="3242236"/>
+            <a:ext cx="828791" cy="809738"/>
+          </a:xfrm>
+          <a:prstGeom prst="rect">
+            <a:avLst/>
+          </a:prstGeom>
+        </p:spPr>
+      </p:pic>
+      <p:pic>
+        <p:nvPicPr>
+          <p:cNvPr id="9" name="그림 8">
+            <a:extLst>
+              <a:ext uri="{FF2B5EF4-FFF2-40B4-BE49-F238E27FC236}">
+                <a16:creationId xmlns:a16="http://schemas.microsoft.com/office/drawing/2014/main" id="{0B9B944D-CBEB-EDB7-9862-8B8F851EF449}"/>
+              </a:ext>
+            </a:extLst>
+          </p:cNvPr>
+          <p:cNvPicPr>
+            <a:picLocks noChangeAspect="1"/>
+          </p:cNvPicPr>
+          <p:nvPr/>
+        </p:nvPicPr>
+        <p:blipFill>
+          <a:blip r:embed="rId3"/>
+          <a:stretch>
+            <a:fillRect/>
+          </a:stretch>
+        </p:blipFill>
+        <p:spPr>
+          <a:xfrm>
+            <a:off x="2527722" y="3242236"/>
+            <a:ext cx="905000" cy="855274"/>
+          </a:xfrm>
+          <a:prstGeom prst="rect">
+            <a:avLst/>
+          </a:prstGeom>
+        </p:spPr>
+      </p:pic>
+      <p:pic>
+        <p:nvPicPr>
+          <p:cNvPr id="13" name="그림 12">
+            <a:extLst>
+              <a:ext uri="{FF2B5EF4-FFF2-40B4-BE49-F238E27FC236}">
+                <a16:creationId xmlns:a16="http://schemas.microsoft.com/office/drawing/2014/main" id="{C53C8D1E-CFC1-90C8-F119-7D95C89EFB0C}"/>
+              </a:ext>
+            </a:extLst>
+          </p:cNvPr>
+          <p:cNvPicPr>
+            <a:picLocks noChangeAspect="1"/>
+          </p:cNvPicPr>
+          <p:nvPr/>
+        </p:nvPicPr>
+        <p:blipFill>
+          <a:blip r:embed="rId4"/>
+          <a:stretch>
+            <a:fillRect/>
+          </a:stretch>
+        </p:blipFill>
+        <p:spPr>
+          <a:xfrm>
+            <a:off x="1564459" y="3223183"/>
+            <a:ext cx="905001" cy="847843"/>
+          </a:xfrm>
+          <a:prstGeom prst="rect">
+            <a:avLst/>
+          </a:prstGeom>
+        </p:spPr>
+      </p:pic>
+      <p:pic>
+        <p:nvPicPr>
+          <p:cNvPr id="15" name="그림 14">
+            <a:extLst>
+              <a:ext uri="{FF2B5EF4-FFF2-40B4-BE49-F238E27FC236}">
+                <a16:creationId xmlns:a16="http://schemas.microsoft.com/office/drawing/2014/main" id="{72C64F46-D7AE-56AF-EB54-50F9AEF7156E}"/>
+              </a:ext>
+            </a:extLst>
+          </p:cNvPr>
+          <p:cNvPicPr>
+            <a:picLocks noChangeAspect="1"/>
+          </p:cNvPicPr>
+          <p:nvPr/>
+        </p:nvPicPr>
+        <p:blipFill>
+          <a:blip r:embed="rId5"/>
+          <a:stretch>
+            <a:fillRect/>
+          </a:stretch>
+        </p:blipFill>
+        <p:spPr>
+          <a:xfrm>
+            <a:off x="3490984" y="3223183"/>
+            <a:ext cx="855274" cy="855274"/>
+          </a:xfrm>
+          <a:prstGeom prst="rect">
+            <a:avLst/>
+          </a:prstGeom>
+        </p:spPr>
+      </p:pic>
+      <p:sp>
+        <p:nvSpPr>
+          <p:cNvPr id="16" name="TextBox 15">
+            <a:extLst>
+              <a:ext uri="{FF2B5EF4-FFF2-40B4-BE49-F238E27FC236}">
+                <a16:creationId xmlns:a16="http://schemas.microsoft.com/office/drawing/2014/main" id="{8BEAA795-B379-8EA3-A49C-278C64D6B3AD}"/>
+              </a:ext>
+            </a:extLst>
+          </p:cNvPr>
+          <p:cNvSpPr txBox="1"/>
+          <p:nvPr/>
+        </p:nvSpPr>
+        <p:spPr>
+          <a:xfrm>
+            <a:off x="517712" y="4343400"/>
+            <a:ext cx="10744200" cy="369332"/>
+          </a:xfrm>
+          <a:prstGeom prst="rect">
+            <a:avLst/>
+          </a:prstGeom>
+          <a:noFill/>
+        </p:spPr>
+        <p:txBody>
+          <a:bodyPr wrap="square" rtlCol="0">
+            <a:spAutoFit/>
+          </a:bodyPr>
+          <a:lstStyle/>
+          <a:p>
+            <a:r>
+              <a:rPr lang="ko-KR" altLang="en-US" dirty="0"/>
+              <a:t>위 게임들</a:t>
+            </a:r>
+            <a:r>
+              <a:rPr lang="en-US" altLang="ko-KR" dirty="0"/>
+              <a:t>, </a:t>
+            </a:r>
+            <a:r>
+              <a:rPr lang="ko-KR" altLang="en-US" dirty="0"/>
+              <a:t>원신</a:t>
+            </a:r>
+            <a:r>
+              <a:rPr lang="en-US" altLang="ko-KR" dirty="0"/>
+              <a:t>, </a:t>
+            </a:r>
+            <a:r>
+              <a:rPr lang="ko-KR" altLang="en-US" dirty="0"/>
+              <a:t>명조</a:t>
+            </a:r>
+            <a:r>
+              <a:rPr lang="en-US" altLang="ko-KR" dirty="0"/>
+              <a:t>, </a:t>
+            </a:r>
+            <a:r>
+              <a:rPr lang="ko-KR" altLang="en-US" dirty="0" err="1"/>
+              <a:t>젠존제</a:t>
+            </a:r>
+            <a:r>
+              <a:rPr lang="en-US" altLang="ko-KR" dirty="0"/>
+              <a:t>, </a:t>
+            </a:r>
+            <a:r>
+              <a:rPr lang="ko-KR" altLang="en-US" dirty="0" err="1"/>
+              <a:t>니케</a:t>
+            </a:r>
+            <a:r>
+              <a:rPr lang="ko-KR" altLang="en-US" dirty="0"/>
+              <a:t> 등등 많은 게임들이 </a:t>
+            </a:r>
+            <a:r>
+              <a:rPr lang="ko-KR" altLang="en-US" b="1" dirty="0">
+                <a:highlight>
+                  <a:srgbClr val="FFFF00"/>
+                </a:highlight>
+              </a:rPr>
+              <a:t>디자인</a:t>
+            </a:r>
+            <a:r>
+              <a:rPr lang="ko-KR" altLang="en-US" dirty="0">
+                <a:highlight>
+                  <a:srgbClr val="FFFF00"/>
+                </a:highlight>
+              </a:rPr>
+              <a:t>과 </a:t>
+            </a:r>
+            <a:r>
+              <a:rPr lang="ko-KR" altLang="en-US" b="1" dirty="0">
+                <a:highlight>
+                  <a:srgbClr val="FFFF00"/>
+                </a:highlight>
+              </a:rPr>
+              <a:t>기획</a:t>
+            </a:r>
+            <a:r>
+              <a:rPr lang="en-US" altLang="ko-KR" b="1" dirty="0">
+                <a:highlight>
+                  <a:srgbClr val="FFFF00"/>
+                </a:highlight>
+              </a:rPr>
+              <a:t>(</a:t>
+            </a:r>
+            <a:r>
+              <a:rPr lang="ko-KR" altLang="en-US" b="1" dirty="0">
+                <a:highlight>
+                  <a:srgbClr val="FFFF00"/>
+                </a:highlight>
+              </a:rPr>
+              <a:t>컨텐츠</a:t>
+            </a:r>
+            <a:r>
+              <a:rPr lang="en-US" altLang="ko-KR" b="1" dirty="0">
+                <a:highlight>
+                  <a:srgbClr val="FFFF00"/>
+                </a:highlight>
+              </a:rPr>
+              <a:t>)</a:t>
+            </a:r>
+            <a:r>
+              <a:rPr lang="ko-KR" altLang="en-US" dirty="0"/>
+              <a:t>로 성공한 케이스이다</a:t>
+            </a:r>
+            <a:r>
+              <a:rPr lang="en-US" altLang="ko-KR" dirty="0"/>
+              <a:t>.</a:t>
+            </a:r>
+            <a:endParaRPr lang="ko-KR" altLang="en-US" dirty="0"/>
+          </a:p>
+        </p:txBody>
+      </p:sp>
+    </p:spTree>
+    <p:extLst>
+      <p:ext uri="{BB962C8B-B14F-4D97-AF65-F5344CB8AC3E}">
+        <p14:creationId xmlns:p14="http://schemas.microsoft.com/office/powerpoint/2010/main" val="1981123653"/>
+      </p:ext>
+    </p:extLst>
+  </p:cSld>
+  <p:clrMapOvr>
+    <a:masterClrMapping/>
+  </p:clrMapOvr>
+</p:sld>
+</file>
+
+<file path=ppt/slides/slide6.xml><?xml version="1.0" encoding="utf-8"?>
+<p:sld xmlns:a="http://schemas.openxmlformats.org/drawingml/2006/main" xmlns:r="http://schemas.openxmlformats.org/officeDocument/2006/relationships" xmlns:p="http://schemas.openxmlformats.org/presentationml/2006/main">
+  <p:cSld>
+    <p:spTree>
+      <p:nvGrpSpPr>
+        <p:cNvPr id="1" name=""/>
+        <p:cNvGrpSpPr/>
+        <p:nvPr/>
+      </p:nvGrpSpPr>
+      <p:grpSpPr>
+        <a:xfrm>
+          <a:off x="0" y="0"/>
+          <a:ext cx="0" cy="0"/>
+          <a:chOff x="0" y="0"/>
+          <a:chExt cx="0" cy="0"/>
+        </a:xfrm>
+      </p:grpSpPr>
+      <p:sp>
+        <p:nvSpPr>
+          <p:cNvPr id="5" name="TextBox 4">
+            <a:extLst>
+              <a:ext uri="{FF2B5EF4-FFF2-40B4-BE49-F238E27FC236}">
+                <a16:creationId xmlns:a16="http://schemas.microsoft.com/office/drawing/2014/main" id="{7052F05D-3B20-858A-0F79-D0ACC6C2DDF9}"/>
+              </a:ext>
+            </a:extLst>
+          </p:cNvPr>
+          <p:cNvSpPr txBox="1"/>
+          <p:nvPr/>
+        </p:nvSpPr>
+        <p:spPr>
+          <a:xfrm>
+            <a:off x="579905" y="662498"/>
+            <a:ext cx="6094878" cy="369332"/>
+          </a:xfrm>
+          <a:prstGeom prst="rect">
+            <a:avLst/>
+          </a:prstGeom>
+          <a:noFill/>
+        </p:spPr>
+        <p:txBody>
+          <a:bodyPr wrap="square">
+            <a:spAutoFit/>
+          </a:bodyPr>
+          <a:lstStyle/>
+          <a:p>
+            <a:r>
+              <a:rPr lang="ko-KR" altLang="en-US" b="1" dirty="0"/>
+              <a:t>게임 개발</a:t>
+            </a:r>
+          </a:p>
+        </p:txBody>
+      </p:sp>
+      <p:sp>
+        <p:nvSpPr>
+          <p:cNvPr id="6" name="TextBox 5">
+            <a:extLst>
+              <a:ext uri="{FF2B5EF4-FFF2-40B4-BE49-F238E27FC236}">
+                <a16:creationId xmlns:a16="http://schemas.microsoft.com/office/drawing/2014/main" id="{870B89C0-E3C4-AF86-2780-8B0955A14622}"/>
+              </a:ext>
+            </a:extLst>
+          </p:cNvPr>
+          <p:cNvSpPr txBox="1"/>
+          <p:nvPr/>
+        </p:nvSpPr>
+        <p:spPr>
+          <a:xfrm>
+            <a:off x="705971" y="1129553"/>
+            <a:ext cx="10246658" cy="923330"/>
+          </a:xfrm>
+          <a:prstGeom prst="rect">
+            <a:avLst/>
+          </a:prstGeom>
+          <a:noFill/>
+        </p:spPr>
+        <p:txBody>
+          <a:bodyPr wrap="square" rtlCol="0">
+            <a:spAutoFit/>
+          </a:bodyPr>
+          <a:lstStyle/>
+          <a:p>
+            <a:r>
+              <a:rPr lang="ko-KR" altLang="en-US" dirty="0"/>
+              <a:t>그렇다고 프로그램 개발이 없어도 되는가</a:t>
+            </a:r>
+            <a:r>
+              <a:rPr lang="en-US" altLang="ko-KR" dirty="0"/>
+              <a:t>? </a:t>
+            </a:r>
+            <a:r>
+              <a:rPr lang="en-US" altLang="ko-KR" dirty="0">
+                <a:sym typeface="Wingdings" panose="05000000000000000000" pitchFamily="2" charset="2"/>
+              </a:rPr>
+              <a:t> </a:t>
+            </a:r>
+            <a:r>
+              <a:rPr lang="ko-KR" altLang="en-US" dirty="0">
+                <a:sym typeface="Wingdings" panose="05000000000000000000" pitchFamily="2" charset="2"/>
+              </a:rPr>
+              <a:t>이것은 아니다</a:t>
+            </a:r>
+            <a:r>
+              <a:rPr lang="en-US" altLang="ko-KR" dirty="0">
+                <a:sym typeface="Wingdings" panose="05000000000000000000" pitchFamily="2" charset="2"/>
+              </a:rPr>
+              <a:t>.</a:t>
+            </a:r>
+          </a:p>
+          <a:p>
+            <a:r>
+              <a:rPr lang="ko-KR" altLang="en-US" dirty="0">
+                <a:sym typeface="Wingdings" panose="05000000000000000000" pitchFamily="2" charset="2"/>
+              </a:rPr>
+              <a:t>흥행을 시키고도 프로그램 개발</a:t>
+            </a:r>
+            <a:r>
+              <a:rPr lang="en-US" altLang="ko-KR" dirty="0">
+                <a:sym typeface="Wingdings" panose="05000000000000000000" pitchFamily="2" charset="2"/>
+              </a:rPr>
+              <a:t>, </a:t>
+            </a:r>
+            <a:r>
+              <a:rPr lang="ko-KR" altLang="en-US" dirty="0">
+                <a:sym typeface="Wingdings" panose="05000000000000000000" pitchFamily="2" charset="2"/>
+              </a:rPr>
+              <a:t>유지 보수를 못해서 나락의 길을 걸었던 게임들도 많다</a:t>
+            </a:r>
+            <a:r>
+              <a:rPr lang="en-US" altLang="ko-KR" dirty="0">
+                <a:sym typeface="Wingdings" panose="05000000000000000000" pitchFamily="2" charset="2"/>
+              </a:rPr>
+              <a:t>.</a:t>
+            </a:r>
+          </a:p>
+          <a:p>
+            <a:endParaRPr lang="ko-KR" altLang="en-US" dirty="0"/>
+          </a:p>
+        </p:txBody>
+      </p:sp>
+      <p:pic>
+        <p:nvPicPr>
+          <p:cNvPr id="8" name="그림 7">
+            <a:extLst>
+              <a:ext uri="{FF2B5EF4-FFF2-40B4-BE49-F238E27FC236}">
+                <a16:creationId xmlns:a16="http://schemas.microsoft.com/office/drawing/2014/main" id="{B6436D6E-76A1-A58A-3997-D1BD436DB52D}"/>
+              </a:ext>
+            </a:extLst>
+          </p:cNvPr>
+          <p:cNvPicPr>
+            <a:picLocks noChangeAspect="1"/>
+          </p:cNvPicPr>
+          <p:nvPr/>
+        </p:nvPicPr>
+        <p:blipFill>
+          <a:blip r:embed="rId2"/>
+          <a:stretch>
+            <a:fillRect/>
+          </a:stretch>
+        </p:blipFill>
+        <p:spPr>
+          <a:xfrm>
+            <a:off x="829738" y="1831263"/>
+            <a:ext cx="1274727" cy="1289550"/>
+          </a:xfrm>
+          <a:prstGeom prst="rect">
+            <a:avLst/>
+          </a:prstGeom>
+        </p:spPr>
+      </p:pic>
+      <p:pic>
+        <p:nvPicPr>
+          <p:cNvPr id="10" name="그림 9">
+            <a:extLst>
+              <a:ext uri="{FF2B5EF4-FFF2-40B4-BE49-F238E27FC236}">
+                <a16:creationId xmlns:a16="http://schemas.microsoft.com/office/drawing/2014/main" id="{BA3EE6B4-E67D-2631-BB8E-3813FC8F67C9}"/>
+              </a:ext>
+            </a:extLst>
+          </p:cNvPr>
+          <p:cNvPicPr>
+            <a:picLocks noChangeAspect="1"/>
+          </p:cNvPicPr>
+          <p:nvPr/>
+        </p:nvPicPr>
+        <p:blipFill>
+          <a:blip r:embed="rId3"/>
+          <a:stretch>
+            <a:fillRect/>
+          </a:stretch>
+        </p:blipFill>
+        <p:spPr>
+          <a:xfrm>
+            <a:off x="786034" y="3153099"/>
+            <a:ext cx="1362133" cy="1338848"/>
+          </a:xfrm>
+          <a:prstGeom prst="rect">
+            <a:avLst/>
+          </a:prstGeom>
+        </p:spPr>
+      </p:pic>
+      <p:sp>
+        <p:nvSpPr>
+          <p:cNvPr id="11" name="TextBox 10">
+            <a:extLst>
+              <a:ext uri="{FF2B5EF4-FFF2-40B4-BE49-F238E27FC236}">
+                <a16:creationId xmlns:a16="http://schemas.microsoft.com/office/drawing/2014/main" id="{D5E5DDAD-4F4B-848D-45CC-A05B114E1BD1}"/>
+              </a:ext>
+            </a:extLst>
+          </p:cNvPr>
+          <p:cNvSpPr txBox="1"/>
+          <p:nvPr/>
+        </p:nvSpPr>
+        <p:spPr>
+          <a:xfrm>
+            <a:off x="2148167" y="1831263"/>
+            <a:ext cx="8054789" cy="646331"/>
+          </a:xfrm>
+          <a:prstGeom prst="rect">
+            <a:avLst/>
+          </a:prstGeom>
+          <a:noFill/>
+        </p:spPr>
+        <p:txBody>
+          <a:bodyPr wrap="square" rtlCol="0">
+            <a:spAutoFit/>
+          </a:bodyPr>
+          <a:lstStyle/>
+          <a:p>
+            <a:r>
+              <a:rPr lang="en-US" altLang="ko-KR" dirty="0"/>
+              <a:t>2018</a:t>
+            </a:r>
+            <a:r>
+              <a:rPr lang="ko-KR" altLang="en-US" dirty="0"/>
+              <a:t>년도 </a:t>
+            </a:r>
+            <a:r>
+              <a:rPr lang="ko-KR" altLang="en-US" b="1" dirty="0" err="1"/>
+              <a:t>배그</a:t>
+            </a:r>
+            <a:r>
+              <a:rPr lang="ko-KR" altLang="en-US" b="1" dirty="0"/>
+              <a:t> 핵 이슈</a:t>
+            </a:r>
+            <a:endParaRPr lang="en-US" altLang="ko-KR" b="1" dirty="0"/>
+          </a:p>
+          <a:p>
+            <a:r>
+              <a:rPr lang="ko-KR" altLang="en-US" dirty="0" err="1"/>
+              <a:t>동접자</a:t>
+            </a:r>
+            <a:r>
+              <a:rPr lang="ko-KR" altLang="en-US" dirty="0"/>
+              <a:t> </a:t>
+            </a:r>
+            <a:r>
+              <a:rPr lang="en-US" altLang="ko-KR" dirty="0"/>
+              <a:t>200</a:t>
+            </a:r>
+            <a:r>
+              <a:rPr lang="ko-KR" altLang="en-US" dirty="0"/>
+              <a:t>만 </a:t>
+            </a:r>
+            <a:r>
+              <a:rPr lang="en-US" altLang="ko-KR" dirty="0">
+                <a:sym typeface="Wingdings" panose="05000000000000000000" pitchFamily="2" charset="2"/>
+              </a:rPr>
+              <a:t> 120</a:t>
+            </a:r>
+            <a:r>
+              <a:rPr lang="ko-KR" altLang="en-US" dirty="0">
+                <a:sym typeface="Wingdings" panose="05000000000000000000" pitchFamily="2" charset="2"/>
+              </a:rPr>
+              <a:t>만 이하</a:t>
+            </a:r>
+            <a:endParaRPr lang="ko-KR" altLang="en-US" dirty="0"/>
+          </a:p>
+        </p:txBody>
+      </p:sp>
+      <p:sp>
+        <p:nvSpPr>
+          <p:cNvPr id="12" name="TextBox 11">
+            <a:extLst>
+              <a:ext uri="{FF2B5EF4-FFF2-40B4-BE49-F238E27FC236}">
+                <a16:creationId xmlns:a16="http://schemas.microsoft.com/office/drawing/2014/main" id="{77EE5360-A29D-F2B6-198D-DE3F0C2E14FD}"/>
+              </a:ext>
+            </a:extLst>
+          </p:cNvPr>
+          <p:cNvSpPr txBox="1"/>
+          <p:nvPr/>
+        </p:nvSpPr>
+        <p:spPr>
+          <a:xfrm>
+            <a:off x="2148166" y="3179304"/>
+            <a:ext cx="8054789" cy="646331"/>
+          </a:xfrm>
+          <a:prstGeom prst="rect">
+            <a:avLst/>
+          </a:prstGeom>
+          <a:noFill/>
+        </p:spPr>
+        <p:txBody>
+          <a:bodyPr wrap="square" rtlCol="0">
+            <a:spAutoFit/>
+          </a:bodyPr>
+          <a:lstStyle/>
+          <a:p>
+            <a:r>
+              <a:rPr lang="ko-KR" altLang="en-US" b="1" dirty="0" err="1"/>
+              <a:t>오버워치</a:t>
+            </a:r>
+            <a:r>
+              <a:rPr lang="ko-KR" altLang="en-US" b="1" dirty="0"/>
+              <a:t> 핵 이슈</a:t>
+            </a:r>
+            <a:endParaRPr lang="en-US" altLang="ko-KR" b="1" dirty="0"/>
+          </a:p>
+          <a:p>
+            <a:r>
+              <a:rPr lang="ko-KR" altLang="en-US" dirty="0" err="1"/>
+              <a:t>동접자</a:t>
+            </a:r>
+            <a:r>
+              <a:rPr lang="ko-KR" altLang="en-US" dirty="0"/>
+              <a:t> 꾸준히 감소 </a:t>
+            </a:r>
+            <a:r>
+              <a:rPr lang="en-US" altLang="ko-KR" dirty="0"/>
+              <a:t>-&gt; </a:t>
+            </a:r>
+            <a:r>
+              <a:rPr lang="ko-KR" altLang="en-US" dirty="0"/>
+              <a:t>망하고 </a:t>
+            </a:r>
+            <a:r>
+              <a:rPr lang="ko-KR" altLang="en-US" dirty="0" err="1"/>
+              <a:t>오버워치</a:t>
+            </a:r>
+            <a:r>
+              <a:rPr lang="en-US" altLang="ko-KR" dirty="0"/>
+              <a:t>2</a:t>
+            </a:r>
+            <a:r>
+              <a:rPr lang="ko-KR" altLang="en-US" dirty="0"/>
+              <a:t>로 </a:t>
+            </a:r>
+            <a:r>
+              <a:rPr lang="ko-KR" altLang="en-US" dirty="0" err="1"/>
+              <a:t>넘어감</a:t>
+            </a:r>
+            <a:endParaRPr lang="en-US" altLang="ko-KR" dirty="0"/>
+          </a:p>
+        </p:txBody>
+      </p:sp>
+      <p:pic>
+        <p:nvPicPr>
+          <p:cNvPr id="14" name="그림 13">
+            <a:extLst>
+              <a:ext uri="{FF2B5EF4-FFF2-40B4-BE49-F238E27FC236}">
+                <a16:creationId xmlns:a16="http://schemas.microsoft.com/office/drawing/2014/main" id="{7EB17100-11BE-DDB5-4269-62798E7C341F}"/>
+              </a:ext>
+            </a:extLst>
+          </p:cNvPr>
+          <p:cNvPicPr>
+            <a:picLocks noChangeAspect="1"/>
+          </p:cNvPicPr>
+          <p:nvPr/>
+        </p:nvPicPr>
+        <p:blipFill>
+          <a:blip r:embed="rId4"/>
+          <a:stretch>
+            <a:fillRect/>
+          </a:stretch>
+        </p:blipFill>
+        <p:spPr>
+          <a:xfrm>
+            <a:off x="829738" y="4725267"/>
+            <a:ext cx="876422" cy="866896"/>
+          </a:xfrm>
+          <a:prstGeom prst="rect">
+            <a:avLst/>
+          </a:prstGeom>
+        </p:spPr>
+      </p:pic>
+      <p:pic>
+        <p:nvPicPr>
+          <p:cNvPr id="16" name="그림 15">
+            <a:extLst>
+              <a:ext uri="{FF2B5EF4-FFF2-40B4-BE49-F238E27FC236}">
+                <a16:creationId xmlns:a16="http://schemas.microsoft.com/office/drawing/2014/main" id="{C5EE4EF9-4062-41B3-47B6-F8BBF9259FD1}"/>
+              </a:ext>
+            </a:extLst>
+          </p:cNvPr>
+          <p:cNvPicPr>
+            <a:picLocks noChangeAspect="1"/>
+          </p:cNvPicPr>
+          <p:nvPr/>
+        </p:nvPicPr>
+        <p:blipFill>
+          <a:blip r:embed="rId5"/>
+          <a:stretch>
+            <a:fillRect/>
+          </a:stretch>
+        </p:blipFill>
+        <p:spPr>
+          <a:xfrm>
+            <a:off x="1796231" y="4711330"/>
+            <a:ext cx="1028844" cy="962159"/>
+          </a:xfrm>
+          <a:prstGeom prst="rect">
+            <a:avLst/>
+          </a:prstGeom>
+        </p:spPr>
+      </p:pic>
+      <p:sp>
+        <p:nvSpPr>
+          <p:cNvPr id="17" name="TextBox 16">
+            <a:extLst>
+              <a:ext uri="{FF2B5EF4-FFF2-40B4-BE49-F238E27FC236}">
+                <a16:creationId xmlns:a16="http://schemas.microsoft.com/office/drawing/2014/main" id="{9347DEBE-F858-5D8E-7CDA-A81D737CA0A6}"/>
+              </a:ext>
+            </a:extLst>
+          </p:cNvPr>
+          <p:cNvSpPr txBox="1"/>
+          <p:nvPr/>
+        </p:nvSpPr>
+        <p:spPr>
+          <a:xfrm>
+            <a:off x="2717986" y="4711330"/>
+            <a:ext cx="7913594" cy="646331"/>
+          </a:xfrm>
+          <a:prstGeom prst="rect">
+            <a:avLst/>
+          </a:prstGeom>
+          <a:noFill/>
+        </p:spPr>
+        <p:txBody>
+          <a:bodyPr wrap="square" rtlCol="0">
+            <a:spAutoFit/>
+          </a:bodyPr>
+          <a:lstStyle/>
+          <a:p>
+            <a:r>
+              <a:rPr lang="ko-KR" altLang="en-US" b="1" dirty="0"/>
+              <a:t>도타</a:t>
+            </a:r>
+            <a:r>
+              <a:rPr lang="en-US" altLang="ko-KR" b="1" dirty="0"/>
+              <a:t>2/ </a:t>
+            </a:r>
+            <a:r>
+              <a:rPr lang="ko-KR" altLang="en-US" b="1" dirty="0"/>
+              <a:t>롤 특정 챔피언 버그</a:t>
+            </a:r>
+            <a:endParaRPr lang="en-US" altLang="ko-KR" b="1" dirty="0"/>
+          </a:p>
+          <a:p>
+            <a:r>
+              <a:rPr lang="ko-KR" altLang="en-US" dirty="0"/>
+              <a:t>대회에서 버그로 인한 글로벌 밴 등의 조치를 취함 </a:t>
+            </a:r>
+          </a:p>
+        </p:txBody>
+      </p:sp>
+    </p:spTree>
+    <p:extLst>
+      <p:ext uri="{BB962C8B-B14F-4D97-AF65-F5344CB8AC3E}">
+        <p14:creationId xmlns:p14="http://schemas.microsoft.com/office/powerpoint/2010/main" val="2048155036"/>
+      </p:ext>
+    </p:extLst>
+  </p:cSld>
+  <p:clrMapOvr>
+    <a:masterClrMapping/>
+  </p:clrMapOvr>
+</p:sld>
+</file>
+
+<file path=ppt/slides/slide7.xml><?xml version="1.0" encoding="utf-8"?>
+<p:sld xmlns:a="http://schemas.openxmlformats.org/drawingml/2006/main" xmlns:r="http://schemas.openxmlformats.org/officeDocument/2006/relationships" xmlns:p="http://schemas.openxmlformats.org/presentationml/2006/main">
+  <p:cSld>
+    <p:spTree>
+      <p:nvGrpSpPr>
+        <p:cNvPr id="1" name=""/>
+        <p:cNvGrpSpPr/>
+        <p:nvPr/>
+      </p:nvGrpSpPr>
+      <p:grpSpPr>
+        <a:xfrm>
+          <a:off x="0" y="0"/>
+          <a:ext cx="0" cy="0"/>
+          <a:chOff x="0" y="0"/>
+          <a:chExt cx="0" cy="0"/>
+        </a:xfrm>
+      </p:grpSpPr>
+      <p:sp>
+        <p:nvSpPr>
+          <p:cNvPr id="5" name="TextBox 4">
+            <a:extLst>
+              <a:ext uri="{FF2B5EF4-FFF2-40B4-BE49-F238E27FC236}">
+                <a16:creationId xmlns:a16="http://schemas.microsoft.com/office/drawing/2014/main" id="{02391413-6ECB-2AB1-0EAC-844359F3C1C3}"/>
+              </a:ext>
+            </a:extLst>
+          </p:cNvPr>
+          <p:cNvSpPr txBox="1"/>
+          <p:nvPr/>
+        </p:nvSpPr>
+        <p:spPr>
+          <a:xfrm>
+            <a:off x="640079" y="658368"/>
+            <a:ext cx="6094878" cy="369332"/>
+          </a:xfrm>
+          <a:prstGeom prst="rect">
+            <a:avLst/>
+          </a:prstGeom>
+          <a:noFill/>
+        </p:spPr>
+        <p:txBody>
+          <a:bodyPr wrap="square">
+            <a:spAutoFit/>
+          </a:bodyPr>
+          <a:lstStyle/>
+          <a:p>
+            <a:r>
+              <a:rPr lang="ko-KR" altLang="en-US" b="1" dirty="0"/>
+              <a:t>게임기획</a:t>
+            </a:r>
+          </a:p>
+        </p:txBody>
+      </p:sp>
+      <p:sp>
+        <p:nvSpPr>
+          <p:cNvPr id="6" name="TextBox 5">
+            <a:extLst>
+              <a:ext uri="{FF2B5EF4-FFF2-40B4-BE49-F238E27FC236}">
+                <a16:creationId xmlns:a16="http://schemas.microsoft.com/office/drawing/2014/main" id="{D9262804-066D-770A-8AEE-5DEBB1FF4F63}"/>
+              </a:ext>
+            </a:extLst>
+          </p:cNvPr>
+          <p:cNvSpPr txBox="1"/>
+          <p:nvPr/>
+        </p:nvSpPr>
+        <p:spPr>
+          <a:xfrm>
+            <a:off x="640079" y="1095931"/>
+            <a:ext cx="8565776" cy="2308324"/>
+          </a:xfrm>
+          <a:prstGeom prst="rect">
+            <a:avLst/>
+          </a:prstGeom>
+          <a:noFill/>
+        </p:spPr>
+        <p:txBody>
+          <a:bodyPr wrap="square" rtlCol="0">
+            <a:spAutoFit/>
+          </a:bodyPr>
+          <a:lstStyle/>
+          <a:p>
+            <a:r>
+              <a:rPr lang="en-US" altLang="ko-KR" b="1" dirty="0"/>
+              <a:t>1</a:t>
+            </a:r>
+            <a:r>
+              <a:rPr lang="ko-KR" altLang="en-US" b="1" dirty="0"/>
+              <a:t>단계 </a:t>
+            </a:r>
+            <a:r>
+              <a:rPr lang="en-US" altLang="ko-KR" b="1" dirty="0"/>
+              <a:t>:  </a:t>
+            </a:r>
+            <a:r>
+              <a:rPr lang="ko-KR" altLang="en-US" b="1" dirty="0"/>
+              <a:t>기획 전 컨셉 확립 </a:t>
+            </a:r>
+            <a:r>
+              <a:rPr lang="en-US" altLang="ko-KR" dirty="0"/>
+              <a:t>=&gt; </a:t>
+            </a:r>
+            <a:r>
+              <a:rPr lang="ko-KR" altLang="en-US" dirty="0"/>
+              <a:t>무슨 게임을 만들 것 인가</a:t>
+            </a:r>
+            <a:r>
+              <a:rPr lang="en-US" altLang="ko-KR" dirty="0"/>
+              <a:t>?</a:t>
+            </a:r>
+          </a:p>
+          <a:p>
+            <a:pPr marL="285750" indent="-285750">
+              <a:buFont typeface="Wingdings" panose="05000000000000000000" pitchFamily="2" charset="2"/>
+              <a:buChar char="è"/>
+            </a:pPr>
+            <a:r>
+              <a:rPr lang="ko-KR" altLang="en-US" dirty="0">
+                <a:sym typeface="Wingdings" panose="05000000000000000000" pitchFamily="2" charset="2"/>
+              </a:rPr>
+              <a:t>게임의 목표를 정의하고</a:t>
+            </a:r>
+            <a:r>
+              <a:rPr lang="en-US" altLang="ko-KR" dirty="0">
+                <a:sym typeface="Wingdings" panose="05000000000000000000" pitchFamily="2" charset="2"/>
+              </a:rPr>
+              <a:t>, </a:t>
+            </a:r>
+            <a:r>
+              <a:rPr lang="ko-KR" altLang="en-US" dirty="0" err="1">
+                <a:sym typeface="Wingdings" panose="05000000000000000000" pitchFamily="2" charset="2"/>
+              </a:rPr>
+              <a:t>경쟁작</a:t>
+            </a:r>
+            <a:r>
+              <a:rPr lang="ko-KR" altLang="en-US" dirty="0">
+                <a:sym typeface="Wingdings" panose="05000000000000000000" pitchFamily="2" charset="2"/>
+              </a:rPr>
+              <a:t> 조사 </a:t>
+            </a:r>
+            <a:r>
+              <a:rPr lang="en-US" altLang="ko-KR" dirty="0">
+                <a:sym typeface="Wingdings" panose="05000000000000000000" pitchFamily="2" charset="2"/>
+              </a:rPr>
+              <a:t>, </a:t>
+            </a:r>
+            <a:r>
+              <a:rPr lang="ko-KR" altLang="en-US" dirty="0">
+                <a:sym typeface="Wingdings" panose="05000000000000000000" pitchFamily="2" charset="2"/>
+              </a:rPr>
+              <a:t>콘텐츠 개발</a:t>
+            </a:r>
+            <a:r>
+              <a:rPr lang="en-US" altLang="ko-KR" dirty="0">
+                <a:sym typeface="Wingdings" panose="05000000000000000000" pitchFamily="2" charset="2"/>
+              </a:rPr>
+              <a:t>, </a:t>
+            </a:r>
+            <a:r>
+              <a:rPr lang="ko-KR" altLang="en-US" dirty="0">
+                <a:sym typeface="Wingdings" panose="05000000000000000000" pitchFamily="2" charset="2"/>
+              </a:rPr>
+              <a:t>세계관</a:t>
+            </a:r>
+            <a:r>
+              <a:rPr lang="en-US" altLang="ko-KR" dirty="0">
+                <a:sym typeface="Wingdings" panose="05000000000000000000" pitchFamily="2" charset="2"/>
+              </a:rPr>
+              <a:t>/</a:t>
+            </a:r>
+            <a:r>
+              <a:rPr lang="ko-KR" altLang="en-US" dirty="0">
+                <a:sym typeface="Wingdings" panose="05000000000000000000" pitchFamily="2" charset="2"/>
+              </a:rPr>
+              <a:t>배경 등 확립한다</a:t>
+            </a:r>
+            <a:r>
+              <a:rPr lang="en-US" altLang="ko-KR" dirty="0">
+                <a:sym typeface="Wingdings" panose="05000000000000000000" pitchFamily="2" charset="2"/>
+              </a:rPr>
+              <a:t>.</a:t>
+            </a:r>
+            <a:endParaRPr lang="en-US" altLang="ko-KR" dirty="0"/>
+          </a:p>
+          <a:p>
+            <a:endParaRPr lang="en-US" altLang="ko-KR" dirty="0"/>
+          </a:p>
+          <a:p>
+            <a:endParaRPr lang="en-US" altLang="ko-KR" dirty="0"/>
+          </a:p>
+          <a:p>
+            <a:endParaRPr lang="en-US" altLang="ko-KR" dirty="0"/>
+          </a:p>
+          <a:p>
+            <a:r>
+              <a:rPr lang="en-US" altLang="ko-KR" b="1" dirty="0"/>
+              <a:t>2</a:t>
+            </a:r>
+            <a:r>
+              <a:rPr lang="ko-KR" altLang="en-US" b="1" dirty="0"/>
+              <a:t>단계 </a:t>
+            </a:r>
+            <a:r>
+              <a:rPr lang="en-US" altLang="ko-KR" b="1" dirty="0"/>
+              <a:t>:</a:t>
+            </a:r>
+            <a:r>
+              <a:rPr lang="ko-KR" altLang="en-US" b="1" dirty="0"/>
+              <a:t> 핵심 구조 기획 </a:t>
+            </a:r>
+            <a:r>
+              <a:rPr lang="en-US" altLang="ko-KR" dirty="0"/>
+              <a:t>=&gt; </a:t>
+            </a:r>
+            <a:r>
+              <a:rPr lang="ko-KR" altLang="en-US" dirty="0"/>
+              <a:t>게임의 뼈대를 잡기</a:t>
+            </a:r>
+            <a:endParaRPr lang="en-US" altLang="ko-KR" dirty="0"/>
+          </a:p>
+          <a:p>
+            <a:r>
+              <a:rPr lang="en-US" altLang="ko-KR" dirty="0">
+                <a:sym typeface="Wingdings" panose="05000000000000000000" pitchFamily="2" charset="2"/>
+              </a:rPr>
+              <a:t> </a:t>
+            </a:r>
+            <a:r>
+              <a:rPr lang="ko-KR" altLang="en-US" dirty="0">
+                <a:sym typeface="Wingdings" panose="05000000000000000000" pitchFamily="2" charset="2"/>
+              </a:rPr>
+              <a:t>게임 전반적인 플레이 방식을 구성하고</a:t>
+            </a:r>
+            <a:r>
+              <a:rPr lang="en-US" altLang="ko-KR" dirty="0">
+                <a:sym typeface="Wingdings" panose="05000000000000000000" pitchFamily="2" charset="2"/>
+              </a:rPr>
+              <a:t>, </a:t>
+            </a:r>
+            <a:r>
+              <a:rPr lang="ko-KR" altLang="en-US" dirty="0">
+                <a:sym typeface="Wingdings" panose="05000000000000000000" pitchFamily="2" charset="2"/>
+              </a:rPr>
+              <a:t>게임 시스템 목록</a:t>
+            </a:r>
+            <a:r>
+              <a:rPr lang="en-US" altLang="ko-KR" dirty="0">
+                <a:sym typeface="Wingdings" panose="05000000000000000000" pitchFamily="2" charset="2"/>
+              </a:rPr>
+              <a:t>, </a:t>
+            </a:r>
+            <a:r>
+              <a:rPr lang="ko-KR" altLang="en-US" dirty="0">
+                <a:sym typeface="Wingdings" panose="05000000000000000000" pitchFamily="2" charset="2"/>
+              </a:rPr>
+              <a:t>재화 </a:t>
+            </a:r>
+            <a:r>
+              <a:rPr lang="ko-KR" altLang="en-US" dirty="0" err="1">
+                <a:sym typeface="Wingdings" panose="05000000000000000000" pitchFamily="2" charset="2"/>
+              </a:rPr>
+              <a:t>구조등을</a:t>
+            </a:r>
+            <a:r>
+              <a:rPr lang="ko-KR" altLang="en-US" dirty="0">
+                <a:sym typeface="Wingdings" panose="05000000000000000000" pitchFamily="2" charset="2"/>
+              </a:rPr>
+              <a:t> 확립한다</a:t>
+            </a:r>
+            <a:r>
+              <a:rPr lang="en-US" altLang="ko-KR" dirty="0">
+                <a:sym typeface="Wingdings" panose="05000000000000000000" pitchFamily="2" charset="2"/>
+              </a:rPr>
+              <a:t>. </a:t>
+            </a:r>
+            <a:endParaRPr lang="en-US" altLang="ko-KR" dirty="0"/>
+          </a:p>
+        </p:txBody>
+      </p:sp>
+    </p:spTree>
+    <p:extLst>
+      <p:ext uri="{BB962C8B-B14F-4D97-AF65-F5344CB8AC3E}">
+        <p14:creationId xmlns:p14="http://schemas.microsoft.com/office/powerpoint/2010/main" val="820531442"/>
+      </p:ext>
+    </p:extLst>
+  </p:cSld>
+  <p:clrMapOvr>
+    <a:masterClrMapping/>
+  </p:clrMapOvr>
+</p:sld>
+</file>
+
+<file path=ppt/slides/slide8.xml><?xml version="1.0" encoding="utf-8"?>
+<p:sld xmlns:a="http://schemas.openxmlformats.org/drawingml/2006/main" xmlns:r="http://schemas.openxmlformats.org/officeDocument/2006/relationships" xmlns:p="http://schemas.openxmlformats.org/presentationml/2006/main">
+  <p:cSld>
+    <p:spTree>
+      <p:nvGrpSpPr>
+        <p:cNvPr id="1" name=""/>
+        <p:cNvGrpSpPr/>
+        <p:nvPr/>
+      </p:nvGrpSpPr>
+      <p:grpSpPr>
+        <a:xfrm>
+          <a:off x="0" y="0"/>
+          <a:ext cx="0" cy="0"/>
+          <a:chOff x="0" y="0"/>
+          <a:chExt cx="0" cy="0"/>
+        </a:xfrm>
+      </p:grpSpPr>
+      <p:sp>
+        <p:nvSpPr>
+          <p:cNvPr id="8" name="TextBox 7">
+            <a:extLst>
+              <a:ext uri="{FF2B5EF4-FFF2-40B4-BE49-F238E27FC236}">
+                <a16:creationId xmlns:a16="http://schemas.microsoft.com/office/drawing/2014/main" id="{9A69A8BF-FD5B-170D-7EC9-C96EDC426C54}"/>
+              </a:ext>
+            </a:extLst>
+          </p:cNvPr>
+          <p:cNvSpPr txBox="1"/>
+          <p:nvPr/>
+        </p:nvSpPr>
+        <p:spPr>
+          <a:xfrm>
+            <a:off x="573181" y="1154677"/>
+            <a:ext cx="9693648" cy="2862322"/>
+          </a:xfrm>
+          <a:prstGeom prst="rect">
+            <a:avLst/>
+          </a:prstGeom>
+          <a:noFill/>
+        </p:spPr>
+        <p:txBody>
+          <a:bodyPr wrap="square">
+            <a:spAutoFit/>
+          </a:bodyPr>
+          <a:lstStyle/>
+          <a:p>
+            <a:r>
+              <a:rPr lang="en-US" altLang="ko-KR" b="1" dirty="0"/>
+              <a:t>3</a:t>
+            </a:r>
+            <a:r>
+              <a:rPr lang="ko-KR" altLang="en-US" b="1" dirty="0"/>
+              <a:t>단계 </a:t>
+            </a:r>
+            <a:r>
+              <a:rPr lang="en-US" altLang="ko-KR" b="1" dirty="0"/>
+              <a:t>: </a:t>
+            </a:r>
+            <a:r>
+              <a:rPr lang="ko-KR" altLang="en-US" b="1" dirty="0"/>
+              <a:t>시스템 상세 설계 </a:t>
+            </a:r>
+            <a:r>
+              <a:rPr lang="en-US" altLang="ko-KR" dirty="0"/>
+              <a:t>=&gt;</a:t>
+            </a:r>
+            <a:r>
+              <a:rPr lang="ko-KR" altLang="en-US" dirty="0"/>
+              <a:t>실제 구현 가능한 수준으로 설계 구체화</a:t>
+            </a:r>
+            <a:endParaRPr lang="en-US" altLang="ko-KR" dirty="0"/>
+          </a:p>
+          <a:p>
+            <a:r>
+              <a:rPr lang="en-US" altLang="ko-KR" dirty="0">
+                <a:sym typeface="Wingdings" panose="05000000000000000000" pitchFamily="2" charset="2"/>
+              </a:rPr>
+              <a:t></a:t>
+            </a:r>
+            <a:r>
+              <a:rPr lang="ko-KR" altLang="en-US" dirty="0">
+                <a:sym typeface="Wingdings" panose="05000000000000000000" pitchFamily="2" charset="2"/>
+              </a:rPr>
+              <a:t>게임 시스템 내부의 시스템들을 정의</a:t>
+            </a:r>
+            <a:r>
+              <a:rPr lang="en-US" altLang="ko-KR" dirty="0">
+                <a:sym typeface="Wingdings" panose="05000000000000000000" pitchFamily="2" charset="2"/>
+              </a:rPr>
+              <a:t>, </a:t>
+            </a:r>
+            <a:r>
+              <a:rPr lang="ko-KR" altLang="en-US" dirty="0">
+                <a:sym typeface="Wingdings" panose="05000000000000000000" pitchFamily="2" charset="2"/>
+              </a:rPr>
+              <a:t>예를 들어 수집형 </a:t>
+            </a:r>
+            <a:r>
+              <a:rPr lang="en-US" altLang="ko-KR" dirty="0">
+                <a:sym typeface="Wingdings" panose="05000000000000000000" pitchFamily="2" charset="2"/>
+              </a:rPr>
+              <a:t>RPG </a:t>
+            </a:r>
+            <a:r>
+              <a:rPr lang="ko-KR" altLang="en-US" dirty="0">
+                <a:sym typeface="Wingdings" panose="05000000000000000000" pitchFamily="2" charset="2"/>
+              </a:rPr>
+              <a:t>게임에서도 전투 시스템이 있을 것이고</a:t>
+            </a:r>
+            <a:r>
+              <a:rPr lang="en-US" altLang="ko-KR" dirty="0">
+                <a:sym typeface="Wingdings" panose="05000000000000000000" pitchFamily="2" charset="2"/>
+              </a:rPr>
+              <a:t>, </a:t>
+            </a:r>
+            <a:r>
+              <a:rPr lang="ko-KR" altLang="en-US" dirty="0">
+                <a:sym typeface="Wingdings" panose="05000000000000000000" pitchFamily="2" charset="2"/>
+              </a:rPr>
+              <a:t>성장 시스템</a:t>
+            </a:r>
+            <a:r>
+              <a:rPr lang="en-US" altLang="ko-KR" dirty="0">
+                <a:sym typeface="Wingdings" panose="05000000000000000000" pitchFamily="2" charset="2"/>
+              </a:rPr>
+              <a:t>, </a:t>
+            </a:r>
+            <a:r>
+              <a:rPr lang="ko-KR" altLang="en-US" dirty="0">
+                <a:sym typeface="Wingdings" panose="05000000000000000000" pitchFamily="2" charset="2"/>
+              </a:rPr>
+              <a:t>가챠 시스템</a:t>
+            </a:r>
+            <a:r>
+              <a:rPr lang="en-US" altLang="ko-KR" dirty="0">
+                <a:sym typeface="Wingdings" panose="05000000000000000000" pitchFamily="2" charset="2"/>
+              </a:rPr>
+              <a:t>, UI</a:t>
+            </a:r>
+            <a:r>
+              <a:rPr lang="ko-KR" altLang="en-US" dirty="0">
+                <a:sym typeface="Wingdings" panose="05000000000000000000" pitchFamily="2" charset="2"/>
+              </a:rPr>
+              <a:t> 시스템 등 여러 시스템이 존재하는데 그런 시스템들을 정리</a:t>
+            </a:r>
+            <a:endParaRPr lang="en-US" altLang="ko-KR" dirty="0">
+              <a:sym typeface="Wingdings" panose="05000000000000000000" pitchFamily="2" charset="2"/>
+            </a:endParaRPr>
+          </a:p>
+          <a:p>
+            <a:endParaRPr lang="en-US" altLang="ko-KR" dirty="0">
+              <a:sym typeface="Wingdings" panose="05000000000000000000" pitchFamily="2" charset="2"/>
+            </a:endParaRPr>
+          </a:p>
+          <a:p>
+            <a:endParaRPr lang="en-US" altLang="ko-KR" dirty="0"/>
+          </a:p>
+          <a:p>
+            <a:endParaRPr lang="en-US" altLang="ko-KR" dirty="0"/>
+          </a:p>
+          <a:p>
+            <a:r>
+              <a:rPr lang="en-US" altLang="ko-KR" b="1" dirty="0"/>
+              <a:t>4</a:t>
+            </a:r>
+            <a:r>
+              <a:rPr lang="ko-KR" altLang="en-US" b="1" dirty="0"/>
+              <a:t>단계 </a:t>
+            </a:r>
+            <a:r>
+              <a:rPr lang="en-US" altLang="ko-KR" b="1" dirty="0"/>
+              <a:t>: </a:t>
+            </a:r>
+            <a:r>
+              <a:rPr lang="ko-KR" altLang="en-US" b="1" dirty="0"/>
+              <a:t>데이터 및 밸런스 설계 </a:t>
+            </a:r>
+            <a:r>
+              <a:rPr lang="en-US" altLang="ko-KR" dirty="0"/>
+              <a:t>=&gt; </a:t>
+            </a:r>
+            <a:r>
+              <a:rPr lang="ko-KR" altLang="en-US" dirty="0"/>
+              <a:t>수치화 시키는 작업</a:t>
+            </a:r>
+            <a:endParaRPr lang="en-US" altLang="ko-KR" dirty="0"/>
+          </a:p>
+          <a:p>
+            <a:r>
+              <a:rPr lang="en-US" altLang="ko-KR" dirty="0">
+                <a:sym typeface="Wingdings" panose="05000000000000000000" pitchFamily="2" charset="2"/>
+              </a:rPr>
+              <a:t> </a:t>
+            </a:r>
+            <a:r>
+              <a:rPr lang="ko-KR" altLang="en-US" dirty="0">
+                <a:sym typeface="Wingdings" panose="05000000000000000000" pitchFamily="2" charset="2"/>
+              </a:rPr>
+              <a:t>정해진 시스템을 수치화</a:t>
+            </a:r>
+            <a:r>
+              <a:rPr lang="en-US" altLang="ko-KR" dirty="0">
+                <a:sym typeface="Wingdings" panose="05000000000000000000" pitchFamily="2" charset="2"/>
+              </a:rPr>
+              <a:t>, </a:t>
+            </a:r>
+            <a:r>
+              <a:rPr lang="ko-KR" altLang="en-US" dirty="0">
+                <a:sym typeface="Wingdings" panose="05000000000000000000" pitchFamily="2" charset="2"/>
+              </a:rPr>
+              <a:t>예를 들어 롤 같은 게임에서 스킬의 계수와 기본 데미지를 정하는 과정</a:t>
+            </a:r>
+            <a:endParaRPr lang="en-US" altLang="ko-KR" dirty="0"/>
+          </a:p>
+        </p:txBody>
+      </p:sp>
+      <p:sp>
+        <p:nvSpPr>
+          <p:cNvPr id="9" name="TextBox 8">
+            <a:extLst>
+              <a:ext uri="{FF2B5EF4-FFF2-40B4-BE49-F238E27FC236}">
+                <a16:creationId xmlns:a16="http://schemas.microsoft.com/office/drawing/2014/main" id="{4ECC6F38-47AE-D6C7-1492-F8954B42CDA1}"/>
+              </a:ext>
+            </a:extLst>
+          </p:cNvPr>
+          <p:cNvSpPr txBox="1"/>
+          <p:nvPr/>
+        </p:nvSpPr>
+        <p:spPr>
+          <a:xfrm>
+            <a:off x="640079" y="658368"/>
+            <a:ext cx="6094878" cy="369332"/>
+          </a:xfrm>
+          <a:prstGeom prst="rect">
+            <a:avLst/>
+          </a:prstGeom>
+          <a:noFill/>
+        </p:spPr>
+        <p:txBody>
+          <a:bodyPr wrap="square">
+            <a:spAutoFit/>
+          </a:bodyPr>
+          <a:lstStyle/>
+          <a:p>
+            <a:r>
+              <a:rPr lang="ko-KR" altLang="en-US" b="1" dirty="0"/>
+              <a:t>게임기획</a:t>
+            </a:r>
+          </a:p>
+        </p:txBody>
+      </p:sp>
+    </p:spTree>
+    <p:extLst>
+      <p:ext uri="{BB962C8B-B14F-4D97-AF65-F5344CB8AC3E}">
+        <p14:creationId xmlns:p14="http://schemas.microsoft.com/office/powerpoint/2010/main" val="1706506848"/>
+      </p:ext>
+    </p:extLst>
+  </p:cSld>
+  <p:clrMapOvr>
+    <a:masterClrMapping/>
+  </p:clrMapOvr>
+</p:sld>
+</file>
+
+<file path=ppt/slides/slide9.xml><?xml version="1.0" encoding="utf-8"?>
+<p:sld xmlns:a="http://schemas.openxmlformats.org/drawingml/2006/main" xmlns:r="http://schemas.openxmlformats.org/officeDocument/2006/relationships" xmlns:p="http://schemas.openxmlformats.org/presentationml/2006/main">
+  <p:cSld>
+    <p:spTree>
+      <p:nvGrpSpPr>
+        <p:cNvPr id="1" name=""/>
+        <p:cNvGrpSpPr/>
+        <p:nvPr/>
+      </p:nvGrpSpPr>
+      <p:grpSpPr>
+        <a:xfrm>
+          <a:off x="0" y="0"/>
+          <a:ext cx="0" cy="0"/>
+          <a:chOff x="0" y="0"/>
+          <a:chExt cx="0" cy="0"/>
+        </a:xfrm>
+      </p:grpSpPr>
+      <p:sp>
+        <p:nvSpPr>
+          <p:cNvPr id="5" name="TextBox 4">
+            <a:extLst>
+              <a:ext uri="{FF2B5EF4-FFF2-40B4-BE49-F238E27FC236}">
+                <a16:creationId xmlns:a16="http://schemas.microsoft.com/office/drawing/2014/main" id="{C255502B-4D54-6605-1E66-F5C7C2600D9B}"/>
+              </a:ext>
+            </a:extLst>
+          </p:cNvPr>
+          <p:cNvSpPr txBox="1"/>
+          <p:nvPr/>
+        </p:nvSpPr>
+        <p:spPr>
+          <a:xfrm>
+            <a:off x="640079" y="1117029"/>
+            <a:ext cx="10083950" cy="1754326"/>
+          </a:xfrm>
+          <a:prstGeom prst="rect">
+            <a:avLst/>
+          </a:prstGeom>
+          <a:noFill/>
+        </p:spPr>
+        <p:txBody>
+          <a:bodyPr wrap="square">
+            <a:spAutoFit/>
+          </a:bodyPr>
+          <a:lstStyle/>
+          <a:p>
+            <a:r>
+              <a:rPr lang="en-US" altLang="ko-KR" b="1" dirty="0"/>
+              <a:t>5</a:t>
+            </a:r>
+            <a:r>
+              <a:rPr lang="ko-KR" altLang="en-US" b="1" dirty="0"/>
+              <a:t>단계 </a:t>
+            </a:r>
+            <a:r>
+              <a:rPr lang="en-US" altLang="ko-KR" b="1" dirty="0"/>
+              <a:t>: </a:t>
+            </a:r>
+            <a:r>
+              <a:rPr lang="ko-KR" altLang="en-US" b="1" dirty="0"/>
+              <a:t>프로토타이핑</a:t>
+            </a:r>
+            <a:r>
+              <a:rPr lang="en-US" altLang="ko-KR" b="1" dirty="0"/>
+              <a:t> </a:t>
+            </a:r>
+            <a:r>
+              <a:rPr lang="en-US" altLang="ko-KR" dirty="0"/>
+              <a:t>=&gt; </a:t>
+            </a:r>
+            <a:r>
+              <a:rPr lang="ko-KR" altLang="en-US" dirty="0"/>
+              <a:t>기획한 것을 프로그램으로 만들고 테스트</a:t>
+            </a:r>
+            <a:endParaRPr lang="en-US" altLang="ko-KR" dirty="0"/>
+          </a:p>
+          <a:p>
+            <a:r>
+              <a:rPr lang="ko-KR" altLang="en-US" dirty="0"/>
+              <a:t>말 그대로 기획서에 쓰여진 핵심 시스템을 개발하여 체험해보고 재미있는지 없는지</a:t>
+            </a:r>
+            <a:r>
+              <a:rPr lang="en-US" altLang="ko-KR" dirty="0"/>
+              <a:t>, </a:t>
+            </a:r>
+            <a:r>
+              <a:rPr lang="ko-KR" altLang="en-US" dirty="0"/>
+              <a:t>어떤 점을 추가 하면 좋을지 등을 정하는 과정</a:t>
+            </a:r>
+            <a:endParaRPr lang="en-US" altLang="ko-KR" dirty="0"/>
+          </a:p>
+          <a:p>
+            <a:endParaRPr lang="en-US" altLang="ko-KR" dirty="0"/>
+          </a:p>
+          <a:p>
+            <a:r>
+              <a:rPr lang="en-US" altLang="ko-KR" b="1" dirty="0"/>
+              <a:t>6</a:t>
+            </a:r>
+            <a:r>
+              <a:rPr lang="ko-KR" altLang="en-US" b="1" dirty="0"/>
+              <a:t>단계 </a:t>
+            </a:r>
+            <a:r>
+              <a:rPr lang="en-US" altLang="ko-KR" b="1" dirty="0"/>
+              <a:t>: </a:t>
+            </a:r>
+            <a:r>
+              <a:rPr lang="ko-KR" altLang="en-US" b="1" dirty="0"/>
+              <a:t>통합 개발 및 시스템 완성 </a:t>
+            </a:r>
+            <a:r>
+              <a:rPr lang="en-US" altLang="ko-KR" dirty="0"/>
+              <a:t>=&gt; </a:t>
+            </a:r>
+            <a:r>
+              <a:rPr lang="ko-KR" altLang="en-US" dirty="0"/>
+              <a:t>모든 컨텐츠의 통합 구현과 관리</a:t>
+            </a:r>
+            <a:endParaRPr lang="en-US" altLang="ko-KR" dirty="0"/>
+          </a:p>
+          <a:p>
+            <a:r>
+              <a:rPr lang="ko-KR" altLang="en-US" dirty="0"/>
+              <a:t>전반적으로 짰던 콘텐츠를 개발하여 전반적인 게임 완성</a:t>
+            </a:r>
+            <a:endParaRPr lang="en-US" altLang="ko-KR" dirty="0"/>
+          </a:p>
+        </p:txBody>
+      </p:sp>
+      <p:sp>
+        <p:nvSpPr>
+          <p:cNvPr id="8" name="TextBox 7">
+            <a:extLst>
+              <a:ext uri="{FF2B5EF4-FFF2-40B4-BE49-F238E27FC236}">
+                <a16:creationId xmlns:a16="http://schemas.microsoft.com/office/drawing/2014/main" id="{7D8E1463-2618-A1D7-9E52-7CEEA21511FB}"/>
+              </a:ext>
+            </a:extLst>
+          </p:cNvPr>
+          <p:cNvSpPr txBox="1"/>
+          <p:nvPr/>
+        </p:nvSpPr>
+        <p:spPr>
+          <a:xfrm>
+            <a:off x="640079" y="658368"/>
+            <a:ext cx="6094878" cy="369332"/>
+          </a:xfrm>
+          <a:prstGeom prst="rect">
+            <a:avLst/>
+          </a:prstGeom>
+          <a:noFill/>
+        </p:spPr>
+        <p:txBody>
+          <a:bodyPr wrap="square">
+            <a:spAutoFit/>
+          </a:bodyPr>
+          <a:lstStyle/>
+          <a:p>
+            <a:r>
+              <a:rPr lang="ko-KR" altLang="en-US" b="1" dirty="0"/>
+              <a:t>게임기획</a:t>
+            </a:r>
+          </a:p>
+        </p:txBody>
+      </p:sp>
+    </p:spTree>
+    <p:extLst>
+      <p:ext uri="{BB962C8B-B14F-4D97-AF65-F5344CB8AC3E}">
+        <p14:creationId xmlns:p14="http://schemas.microsoft.com/office/powerpoint/2010/main" val="961326448"/>
       </p:ext>
     </p:extLst>
   </p:cSld>

--- a/MJsec_게임 개발 멘토링/MJsec_1주차.pptx
+++ b/MJsec_게임 개발 멘토링/MJsec_1주차.pptx
@@ -8,17 +8,16 @@
     <p:sldId id="256" r:id="rId2"/>
     <p:sldId id="261" r:id="rId3"/>
     <p:sldId id="262" r:id="rId4"/>
-    <p:sldId id="263" r:id="rId5"/>
-    <p:sldId id="264" r:id="rId6"/>
-    <p:sldId id="265" r:id="rId7"/>
-    <p:sldId id="266" r:id="rId8"/>
-    <p:sldId id="267" r:id="rId9"/>
-    <p:sldId id="268" r:id="rId10"/>
-    <p:sldId id="269" r:id="rId11"/>
-    <p:sldId id="257" r:id="rId12"/>
-    <p:sldId id="259" r:id="rId13"/>
-    <p:sldId id="260" r:id="rId14"/>
-    <p:sldId id="270" r:id="rId15"/>
+    <p:sldId id="264" r:id="rId5"/>
+    <p:sldId id="265" r:id="rId6"/>
+    <p:sldId id="266" r:id="rId7"/>
+    <p:sldId id="267" r:id="rId8"/>
+    <p:sldId id="268" r:id="rId9"/>
+    <p:sldId id="269" r:id="rId10"/>
+    <p:sldId id="257" r:id="rId11"/>
+    <p:sldId id="259" r:id="rId12"/>
+    <p:sldId id="260" r:id="rId13"/>
+    <p:sldId id="270" r:id="rId14"/>
   </p:sldIdLst>
   <p:sldSz cx="12192000" cy="6858000"/>
   <p:notesSz cx="6858000" cy="9144000"/>
@@ -128,7 +127,7 @@
 <file path=ppt/revisionInfo.xml><?xml version="1.0" encoding="utf-8"?>
 <p1510:revInfo xmlns:a="http://schemas.openxmlformats.org/drawingml/2006/main" xmlns:r="http://schemas.openxmlformats.org/officeDocument/2006/relationships" xmlns:p1510="http://schemas.microsoft.com/office/powerpoint/2015/10/main">
   <p1510:revLst>
-    <p1510:client id="{FE17DD06-4F0B-4F09-AC78-2D3F41BE8E98}" v="16" dt="2025-06-26T09:41:31.307"/>
+    <p1510:client id="{FE17DD06-4F0B-4F09-AC78-2D3F41BE8E98}" v="22" dt="2025-06-30T03:31:58.663"/>
   </p1510:revLst>
 </p1510:revInfo>
 </file>
@@ -137,33 +136,39 @@
 <pc:chgInfo xmlns:a="http://schemas.openxmlformats.org/drawingml/2006/main" xmlns:r="http://schemas.openxmlformats.org/officeDocument/2006/relationships" xmlns:ac="http://schemas.microsoft.com/office/drawing/2013/main/command" xmlns:pc="http://schemas.microsoft.com/office/powerpoint/2013/main/command">
   <pc:docChgLst>
     <pc:chgData name="상진 전" userId="b279be015be064a7" providerId="LiveId" clId="{FE17DD06-4F0B-4F09-AC78-2D3F41BE8E98}"/>
-    <pc:docChg chg="undo custSel addSld modSld sldOrd">
-      <pc:chgData name="상진 전" userId="b279be015be064a7" providerId="LiveId" clId="{FE17DD06-4F0B-4F09-AC78-2D3F41BE8E98}" dt="2025-06-26T09:44:19.423" v="6108" actId="20577"/>
+    <pc:docChg chg="undo custSel addSld delSld modSld sldOrd">
+      <pc:chgData name="상진 전" userId="b279be015be064a7" providerId="LiveId" clId="{FE17DD06-4F0B-4F09-AC78-2D3F41BE8E98}" dt="2025-06-30T03:33:24.853" v="6198" actId="20577"/>
       <pc:docMkLst>
         <pc:docMk/>
       </pc:docMkLst>
+      <pc:sldChg chg="modSp mod">
+        <pc:chgData name="상진 전" userId="b279be015be064a7" providerId="LiveId" clId="{FE17DD06-4F0B-4F09-AC78-2D3F41BE8E98}" dt="2025-06-30T03:33:24.853" v="6198" actId="20577"/>
+        <pc:sldMkLst>
+          <pc:docMk/>
+          <pc:sldMk cId="4180307804" sldId="262"/>
+        </pc:sldMkLst>
+        <pc:spChg chg="mod">
+          <ac:chgData name="상진 전" userId="b279be015be064a7" providerId="LiveId" clId="{FE17DD06-4F0B-4F09-AC78-2D3F41BE8E98}" dt="2025-06-30T03:33:24.853" v="6198" actId="20577"/>
+          <ac:spMkLst>
+            <pc:docMk/>
+            <pc:sldMk cId="4180307804" sldId="262"/>
+            <ac:spMk id="5" creationId="{E3A9EA3A-D716-35CE-8ADB-0C3156A1AEA3}"/>
+          </ac:spMkLst>
+        </pc:spChg>
+      </pc:sldChg>
+      <pc:sldChg chg="del">
+        <pc:chgData name="상진 전" userId="b279be015be064a7" providerId="LiveId" clId="{FE17DD06-4F0B-4F09-AC78-2D3F41BE8E98}" dt="2025-06-30T03:31:23.732" v="6140" actId="47"/>
+        <pc:sldMkLst>
+          <pc:docMk/>
+          <pc:sldMk cId="4274668901" sldId="263"/>
+        </pc:sldMkLst>
+      </pc:sldChg>
       <pc:sldChg chg="addSp delSp modSp mod ord">
         <pc:chgData name="상진 전" userId="b279be015be064a7" providerId="LiveId" clId="{FE17DD06-4F0B-4F09-AC78-2D3F41BE8E98}" dt="2025-06-26T08:37:26.633" v="1204" actId="13926"/>
         <pc:sldMkLst>
           <pc:docMk/>
           <pc:sldMk cId="1981123653" sldId="264"/>
         </pc:sldMkLst>
-        <pc:spChg chg="del">
-          <ac:chgData name="상진 전" userId="b279be015be064a7" providerId="LiveId" clId="{FE17DD06-4F0B-4F09-AC78-2D3F41BE8E98}" dt="2025-06-26T08:21:25.544" v="2" actId="478"/>
-          <ac:spMkLst>
-            <pc:docMk/>
-            <pc:sldMk cId="1981123653" sldId="264"/>
-            <ac:spMk id="2" creationId="{49F90342-F5E9-A0C6-89DC-E363FF64D902}"/>
-          </ac:spMkLst>
-        </pc:spChg>
-        <pc:spChg chg="del">
-          <ac:chgData name="상진 전" userId="b279be015be064a7" providerId="LiveId" clId="{FE17DD06-4F0B-4F09-AC78-2D3F41BE8E98}" dt="2025-06-26T08:21:25.544" v="2" actId="478"/>
-          <ac:spMkLst>
-            <pc:docMk/>
-            <pc:sldMk cId="1981123653" sldId="264"/>
-            <ac:spMk id="3" creationId="{66FE2F4D-B725-F951-8089-0AB96BE3F4AF}"/>
-          </ac:spMkLst>
-        </pc:spChg>
         <pc:spChg chg="add mod">
           <ac:chgData name="상진 전" userId="b279be015be064a7" providerId="LiveId" clId="{FE17DD06-4F0B-4F09-AC78-2D3F41BE8E98}" dt="2025-06-26T08:37:04.066" v="1199" actId="20577"/>
           <ac:spMkLst>
@@ -204,14 +209,6 @@
             <ac:picMk id="9" creationId="{0B9B944D-CBEB-EDB7-9862-8B8F851EF449}"/>
           </ac:picMkLst>
         </pc:picChg>
-        <pc:picChg chg="add del mod">
-          <ac:chgData name="상진 전" userId="b279be015be064a7" providerId="LiveId" clId="{FE17DD06-4F0B-4F09-AC78-2D3F41BE8E98}" dt="2025-06-26T08:34:24.102" v="925" actId="478"/>
-          <ac:picMkLst>
-            <pc:docMk/>
-            <pc:sldMk cId="1981123653" sldId="264"/>
-            <ac:picMk id="11" creationId="{B66B6878-2C6D-67A0-E125-B9430FF533B1}"/>
-          </ac:picMkLst>
-        </pc:picChg>
         <pc:picChg chg="add mod">
           <ac:chgData name="상진 전" userId="b279be015be064a7" providerId="LiveId" clId="{FE17DD06-4F0B-4F09-AC78-2D3F41BE8E98}" dt="2025-06-26T08:34:38.911" v="927" actId="1076"/>
           <ac:picMkLst>
@@ -235,22 +232,6 @@
           <pc:docMk/>
           <pc:sldMk cId="2048155036" sldId="265"/>
         </pc:sldMkLst>
-        <pc:spChg chg="del">
-          <ac:chgData name="상진 전" userId="b279be015be064a7" providerId="LiveId" clId="{FE17DD06-4F0B-4F09-AC78-2D3F41BE8E98}" dt="2025-06-26T08:37:00.424" v="1198" actId="478"/>
-          <ac:spMkLst>
-            <pc:docMk/>
-            <pc:sldMk cId="2048155036" sldId="265"/>
-            <ac:spMk id="2" creationId="{89EB952D-F6D1-F8CF-7E62-191DCAF74CE1}"/>
-          </ac:spMkLst>
-        </pc:spChg>
-        <pc:spChg chg="del">
-          <ac:chgData name="상진 전" userId="b279be015be064a7" providerId="LiveId" clId="{FE17DD06-4F0B-4F09-AC78-2D3F41BE8E98}" dt="2025-06-26T08:37:00.424" v="1198" actId="478"/>
-          <ac:spMkLst>
-            <pc:docMk/>
-            <pc:sldMk cId="2048155036" sldId="265"/>
-            <ac:spMk id="3" creationId="{742E09C6-098C-DAE5-44A5-D544FABCAB68}"/>
-          </ac:spMkLst>
-        </pc:spChg>
         <pc:spChg chg="add mod">
           <ac:chgData name="상진 전" userId="b279be015be064a7" providerId="LiveId" clId="{FE17DD06-4F0B-4F09-AC78-2D3F41BE8E98}" dt="2025-06-26T08:37:09.755" v="1201" actId="1076"/>
           <ac:spMkLst>
@@ -330,22 +311,6 @@
           <pc:docMk/>
           <pc:sldMk cId="820531442" sldId="266"/>
         </pc:sldMkLst>
-        <pc:spChg chg="del">
-          <ac:chgData name="상진 전" userId="b279be015be064a7" providerId="LiveId" clId="{FE17DD06-4F0B-4F09-AC78-2D3F41BE8E98}" dt="2025-06-26T08:54:31.927" v="1936" actId="478"/>
-          <ac:spMkLst>
-            <pc:docMk/>
-            <pc:sldMk cId="820531442" sldId="266"/>
-            <ac:spMk id="2" creationId="{9FC37960-ED06-2383-4864-4D049944E971}"/>
-          </ac:spMkLst>
-        </pc:spChg>
-        <pc:spChg chg="del">
-          <ac:chgData name="상진 전" userId="b279be015be064a7" providerId="LiveId" clId="{FE17DD06-4F0B-4F09-AC78-2D3F41BE8E98}" dt="2025-06-26T08:54:31.927" v="1936" actId="478"/>
-          <ac:spMkLst>
-            <pc:docMk/>
-            <pc:sldMk cId="820531442" sldId="266"/>
-            <ac:spMk id="3" creationId="{0B05DC94-F368-F851-05D1-740A2333DE0B}"/>
-          </ac:spMkLst>
-        </pc:spChg>
         <pc:spChg chg="add mod">
           <ac:chgData name="상진 전" userId="b279be015be064a7" providerId="LiveId" clId="{FE17DD06-4F0B-4F09-AC78-2D3F41BE8E98}" dt="2025-06-26T08:54:30.427" v="1935" actId="20577"/>
           <ac:spMkLst>
@@ -369,38 +334,6 @@
           <pc:docMk/>
           <pc:sldMk cId="1706506848" sldId="267"/>
         </pc:sldMkLst>
-        <pc:spChg chg="del">
-          <ac:chgData name="상진 전" userId="b279be015be064a7" providerId="LiveId" clId="{FE17DD06-4F0B-4F09-AC78-2D3F41BE8E98}" dt="2025-06-26T09:02:26.571" v="3120" actId="478"/>
-          <ac:spMkLst>
-            <pc:docMk/>
-            <pc:sldMk cId="1706506848" sldId="267"/>
-            <ac:spMk id="2" creationId="{CA0011D5-0F78-CCE8-3061-39D66E5A3AB2}"/>
-          </ac:spMkLst>
-        </pc:spChg>
-        <pc:spChg chg="del">
-          <ac:chgData name="상진 전" userId="b279be015be064a7" providerId="LiveId" clId="{FE17DD06-4F0B-4F09-AC78-2D3F41BE8E98}" dt="2025-06-26T09:02:26.571" v="3120" actId="478"/>
-          <ac:spMkLst>
-            <pc:docMk/>
-            <pc:sldMk cId="1706506848" sldId="267"/>
-            <ac:spMk id="3" creationId="{84E76959-6D4E-A737-69C4-51F86413BB86}"/>
-          </ac:spMkLst>
-        </pc:spChg>
-        <pc:spChg chg="add del mod">
-          <ac:chgData name="상진 전" userId="b279be015be064a7" providerId="LiveId" clId="{FE17DD06-4F0B-4F09-AC78-2D3F41BE8E98}" dt="2025-06-26T09:06:05.838" v="3753" actId="478"/>
-          <ac:spMkLst>
-            <pc:docMk/>
-            <pc:sldMk cId="1706506848" sldId="267"/>
-            <ac:spMk id="5" creationId="{9C7B09EC-7AC7-E5FF-E2AF-3F19B17FC8EF}"/>
-          </ac:spMkLst>
-        </pc:spChg>
-        <pc:spChg chg="add del mod">
-          <ac:chgData name="상진 전" userId="b279be015be064a7" providerId="LiveId" clId="{FE17DD06-4F0B-4F09-AC78-2D3F41BE8E98}" dt="2025-06-26T09:06:04.806" v="3752" actId="478"/>
-          <ac:spMkLst>
-            <pc:docMk/>
-            <pc:sldMk cId="1706506848" sldId="267"/>
-            <ac:spMk id="6" creationId="{702A1F7E-37FD-C8E5-40C8-E32261C218E5}"/>
-          </ac:spMkLst>
-        </pc:spChg>
         <pc:spChg chg="add mod">
           <ac:chgData name="상진 전" userId="b279be015be064a7" providerId="LiveId" clId="{FE17DD06-4F0B-4F09-AC78-2D3F41BE8E98}" dt="2025-06-26T09:13:07.766" v="4772" actId="20577"/>
           <ac:spMkLst>
@@ -424,36 +357,12 @@
           <pc:docMk/>
           <pc:sldMk cId="961326448" sldId="268"/>
         </pc:sldMkLst>
-        <pc:spChg chg="del">
-          <ac:chgData name="상진 전" userId="b279be015be064a7" providerId="LiveId" clId="{FE17DD06-4F0B-4F09-AC78-2D3F41BE8E98}" dt="2025-06-26T09:06:28.882" v="3761" actId="478"/>
-          <ac:spMkLst>
-            <pc:docMk/>
-            <pc:sldMk cId="961326448" sldId="268"/>
-            <ac:spMk id="2" creationId="{B7913FF9-F567-B0E8-E86F-EFBCA4ED0B6D}"/>
-          </ac:spMkLst>
-        </pc:spChg>
-        <pc:spChg chg="del mod">
-          <ac:chgData name="상진 전" userId="b279be015be064a7" providerId="LiveId" clId="{FE17DD06-4F0B-4F09-AC78-2D3F41BE8E98}" dt="2025-06-26T09:06:28.882" v="3761" actId="478"/>
-          <ac:spMkLst>
-            <pc:docMk/>
-            <pc:sldMk cId="961326448" sldId="268"/>
-            <ac:spMk id="3" creationId="{04C8843A-8968-08A9-7662-AFDC660BC38D}"/>
-          </ac:spMkLst>
-        </pc:spChg>
         <pc:spChg chg="add mod">
           <ac:chgData name="상진 전" userId="b279be015be064a7" providerId="LiveId" clId="{FE17DD06-4F0B-4F09-AC78-2D3F41BE8E98}" dt="2025-06-26T09:14:54.323" v="5176" actId="20577"/>
           <ac:spMkLst>
             <pc:docMk/>
             <pc:sldMk cId="961326448" sldId="268"/>
             <ac:spMk id="5" creationId="{C255502B-4D54-6605-1E66-F5C7C2600D9B}"/>
-          </ac:spMkLst>
-        </pc:spChg>
-        <pc:spChg chg="add del">
-          <ac:chgData name="상진 전" userId="b279be015be064a7" providerId="LiveId" clId="{FE17DD06-4F0B-4F09-AC78-2D3F41BE8E98}" dt="2025-06-26T09:06:38.070" v="3767" actId="22"/>
-          <ac:spMkLst>
-            <pc:docMk/>
-            <pc:sldMk cId="961326448" sldId="268"/>
-            <ac:spMk id="7" creationId="{682B4697-A257-C8FA-5B55-3D13EC8C0F8B}"/>
           </ac:spMkLst>
         </pc:spChg>
         <pc:spChg chg="add mod">
@@ -471,30 +380,6 @@
           <pc:docMk/>
           <pc:sldMk cId="2931457153" sldId="269"/>
         </pc:sldMkLst>
-        <pc:spChg chg="del">
-          <ac:chgData name="상진 전" userId="b279be015be064a7" providerId="LiveId" clId="{FE17DD06-4F0B-4F09-AC78-2D3F41BE8E98}" dt="2025-06-26T09:06:42.462" v="3770" actId="478"/>
-          <ac:spMkLst>
-            <pc:docMk/>
-            <pc:sldMk cId="2931457153" sldId="269"/>
-            <ac:spMk id="2" creationId="{A9A2732D-0012-65D6-8D58-876FDD2785E3}"/>
-          </ac:spMkLst>
-        </pc:spChg>
-        <pc:spChg chg="del">
-          <ac:chgData name="상진 전" userId="b279be015be064a7" providerId="LiveId" clId="{FE17DD06-4F0B-4F09-AC78-2D3F41BE8E98}" dt="2025-06-26T09:06:42.462" v="3770" actId="478"/>
-          <ac:spMkLst>
-            <pc:docMk/>
-            <pc:sldMk cId="2931457153" sldId="269"/>
-            <ac:spMk id="3" creationId="{00E02F00-2E9C-1E72-A876-213D4167C78B}"/>
-          </ac:spMkLst>
-        </pc:spChg>
-        <pc:spChg chg="add del">
-          <ac:chgData name="상진 전" userId="b279be015be064a7" providerId="LiveId" clId="{FE17DD06-4F0B-4F09-AC78-2D3F41BE8E98}" dt="2025-06-26T09:06:39.675" v="3769" actId="22"/>
-          <ac:spMkLst>
-            <pc:docMk/>
-            <pc:sldMk cId="2931457153" sldId="269"/>
-            <ac:spMk id="5" creationId="{25CBB39F-6B61-911D-7273-5F0319156E6F}"/>
-          </ac:spMkLst>
-        </pc:spChg>
         <pc:spChg chg="add mod">
           <ac:chgData name="상진 전" userId="b279be015be064a7" providerId="LiveId" clId="{FE17DD06-4F0B-4F09-AC78-2D3F41BE8E98}" dt="2025-06-26T09:15:46.634" v="5351" actId="20577"/>
           <ac:spMkLst>
@@ -518,22 +403,6 @@
           <pc:docMk/>
           <pc:sldMk cId="3925121638" sldId="270"/>
         </pc:sldMkLst>
-        <pc:spChg chg="del">
-          <ac:chgData name="상진 전" userId="b279be015be064a7" providerId="LiveId" clId="{FE17DD06-4F0B-4F09-AC78-2D3F41BE8E98}" dt="2025-06-26T09:41:07.114" v="5353" actId="478"/>
-          <ac:spMkLst>
-            <pc:docMk/>
-            <pc:sldMk cId="3925121638" sldId="270"/>
-            <ac:spMk id="2" creationId="{21D0B82A-EA78-41C4-2B6C-9651B7F88270}"/>
-          </ac:spMkLst>
-        </pc:spChg>
-        <pc:spChg chg="del">
-          <ac:chgData name="상진 전" userId="b279be015be064a7" providerId="LiveId" clId="{FE17DD06-4F0B-4F09-AC78-2D3F41BE8E98}" dt="2025-06-26T09:41:07.114" v="5353" actId="478"/>
-          <ac:spMkLst>
-            <pc:docMk/>
-            <pc:sldMk cId="3925121638" sldId="270"/>
-            <ac:spMk id="3" creationId="{37A8F17E-E007-CE4C-5996-DF7B426C1AAB}"/>
-          </ac:spMkLst>
-        </pc:spChg>
         <pc:spChg chg="add mod">
           <ac:chgData name="상진 전" userId="b279be015be064a7" providerId="LiveId" clId="{FE17DD06-4F0B-4F09-AC78-2D3F41BE8E98}" dt="2025-06-26T09:41:27.999" v="5366" actId="1076"/>
           <ac:spMkLst>
@@ -712,7 +581,7 @@
           <a:p>
             <a:fld id="{6444479B-705B-4489-957E-7E8A228BDFA0}" type="datetime1">
               <a:rPr lang="en-US" smtClean="0"/>
-              <a:t>6/26/2025</a:t>
+              <a:t>6/30/2025</a:t>
             </a:fld>
             <a:endParaRPr lang="en-US"/>
           </a:p>
@@ -912,7 +781,7 @@
           <a:p>
             <a:fld id="{C07B66AD-7C08-490A-ADA4-B47E10FB2407}" type="datetime1">
               <a:rPr lang="en-US" smtClean="0"/>
-              <a:t>6/26/2025</a:t>
+              <a:t>6/30/2025</a:t>
             </a:fld>
             <a:endParaRPr lang="en-US"/>
           </a:p>
@@ -1171,7 +1040,7 @@
           <a:p>
             <a:fld id="{05B95027-4255-49E7-9841-CD21BCC99996}" type="datetime1">
               <a:rPr lang="en-US" smtClean="0"/>
-              <a:t>6/26/2025</a:t>
+              <a:t>6/30/2025</a:t>
             </a:fld>
             <a:endParaRPr lang="en-US"/>
           </a:p>
@@ -1412,7 +1281,7 @@
           <a:p>
             <a:fld id="{9F89F774-3FA6-43B8-9241-99959C8FD463}" type="datetime1">
               <a:rPr lang="en-US" smtClean="0"/>
-              <a:t>6/26/2025</a:t>
+              <a:t>6/30/2025</a:t>
             </a:fld>
             <a:endParaRPr lang="en-US"/>
           </a:p>
@@ -1739,7 +1608,7 @@
           <a:p>
             <a:fld id="{F9504452-5DCC-4FE2-A5C9-8A5EF6714D65}" type="datetime1">
               <a:rPr lang="en-US" smtClean="0"/>
-              <a:t>6/26/2025</a:t>
+              <a:t>6/30/2025</a:t>
             </a:fld>
             <a:endParaRPr lang="en-US"/>
           </a:p>
@@ -2049,7 +1918,7 @@
           <a:p>
             <a:fld id="{E579ABC2-0180-4F3A-A895-A85BC724D472}" type="datetime1">
               <a:rPr lang="en-US" smtClean="0"/>
-              <a:t>6/26/2025</a:t>
+              <a:t>6/30/2025</a:t>
             </a:fld>
             <a:endParaRPr lang="en-US"/>
           </a:p>
@@ -2467,7 +2336,7 @@
           <a:p>
             <a:fld id="{6AEEA9BA-4E8F-439E-BEA4-91FBA01E3F5F}" type="datetime1">
               <a:rPr lang="en-US" smtClean="0"/>
-              <a:t>6/26/2025</a:t>
+              <a:t>6/30/2025</a:t>
             </a:fld>
             <a:endParaRPr lang="en-US"/>
           </a:p>
@@ -2609,7 +2478,7 @@
           <a:p>
             <a:fld id="{BE15BF18-0007-481C-AA29-413124BC3EE7}" type="datetime1">
               <a:rPr lang="en-US" smtClean="0"/>
-              <a:t>6/26/2025</a:t>
+              <a:t>6/30/2025</a:t>
             </a:fld>
             <a:endParaRPr lang="en-US"/>
           </a:p>
@@ -2771,7 +2640,7 @@
           <a:p>
             <a:fld id="{09BE9870-3748-43AD-B547-02A075CB4A1D}" type="datetime1">
               <a:rPr lang="en-US" smtClean="0"/>
-              <a:t>6/26/2025</a:t>
+              <a:t>6/30/2025</a:t>
             </a:fld>
             <a:endParaRPr lang="en-US"/>
           </a:p>
@@ -3088,7 +2957,7 @@
           <a:p>
             <a:fld id="{558E7897-33C5-4F1A-9307-D068E37F3DC7}" type="datetime1">
               <a:rPr lang="en-US" smtClean="0"/>
-              <a:t>6/26/2025</a:t>
+              <a:t>6/30/2025</a:t>
             </a:fld>
             <a:endParaRPr lang="en-US"/>
           </a:p>
@@ -3383,7 +3252,7 @@
           <a:p>
             <a:fld id="{82E171BA-CC09-47C8-A6DF-F5C5CB59CEEC}" type="datetime1">
               <a:rPr lang="en-US" smtClean="0"/>
-              <a:t>6/26/2025</a:t>
+              <a:t>6/30/2025</a:t>
             </a:fld>
             <a:endParaRPr lang="en-US"/>
           </a:p>
@@ -3620,7 +3489,7 @@
           <a:p>
             <a:fld id="{7DA38F49-B3E2-4BF0-BEC7-C30D34ABBB8D}" type="datetime1">
               <a:rPr lang="en-US" smtClean="0"/>
-              <a:t>6/26/2025</a:t>
+              <a:t>6/30/2025</a:t>
             </a:fld>
             <a:endParaRPr lang="en-US"/>
           </a:p>
@@ -4482,190 +4351,6 @@
       </p:grpSpPr>
       <p:sp>
         <p:nvSpPr>
-          <p:cNvPr id="7" name="TextBox 6">
-            <a:extLst>
-              <a:ext uri="{FF2B5EF4-FFF2-40B4-BE49-F238E27FC236}">
-                <a16:creationId xmlns:a16="http://schemas.microsoft.com/office/drawing/2014/main" id="{61124965-B66F-F048-45EA-F2A36B2075E8}"/>
-              </a:ext>
-            </a:extLst>
-          </p:cNvPr>
-          <p:cNvSpPr txBox="1"/>
-          <p:nvPr/>
-        </p:nvSpPr>
-        <p:spPr>
-          <a:xfrm>
-            <a:off x="640078" y="1106277"/>
-            <a:ext cx="10070503" cy="1477328"/>
-          </a:xfrm>
-          <a:prstGeom prst="rect">
-            <a:avLst/>
-          </a:prstGeom>
-          <a:noFill/>
-        </p:spPr>
-        <p:txBody>
-          <a:bodyPr wrap="square">
-            <a:spAutoFit/>
-          </a:bodyPr>
-          <a:lstStyle/>
-          <a:p>
-            <a:r>
-              <a:rPr lang="en-US" altLang="ko-KR" b="1" dirty="0"/>
-              <a:t>7</a:t>
-            </a:r>
-            <a:r>
-              <a:rPr lang="ko-KR" altLang="en-US" b="1" dirty="0"/>
-              <a:t>단계 </a:t>
-            </a:r>
-            <a:r>
-              <a:rPr lang="en-US" altLang="ko-KR" b="1" dirty="0"/>
-              <a:t>: </a:t>
-            </a:r>
-            <a:r>
-              <a:rPr lang="ko-KR" altLang="en-US" b="1" dirty="0"/>
-              <a:t>운영기획 </a:t>
-            </a:r>
-            <a:r>
-              <a:rPr lang="en-US" altLang="ko-KR" dirty="0"/>
-              <a:t>=&gt; </a:t>
-            </a:r>
-            <a:r>
-              <a:rPr lang="ko-KR" altLang="en-US" dirty="0"/>
-              <a:t>출시 이후의 이벤트 설계</a:t>
-            </a:r>
-            <a:r>
-              <a:rPr lang="en-US" altLang="ko-KR" dirty="0"/>
-              <a:t>, </a:t>
-            </a:r>
-            <a:r>
-              <a:rPr lang="ko-KR" altLang="en-US" dirty="0"/>
-              <a:t>게임 운영 </a:t>
-            </a:r>
-            <a:endParaRPr lang="en-US" altLang="ko-KR" dirty="0"/>
-          </a:p>
-          <a:p>
-            <a:endParaRPr lang="en-US" altLang="ko-KR" dirty="0"/>
-          </a:p>
-          <a:p>
-            <a:r>
-              <a:rPr lang="en-US" altLang="ko-KR" b="1" dirty="0"/>
-              <a:t>8</a:t>
-            </a:r>
-            <a:r>
-              <a:rPr lang="ko-KR" altLang="en-US" b="1" dirty="0"/>
-              <a:t>단계 </a:t>
-            </a:r>
-            <a:r>
-              <a:rPr lang="en-US" altLang="ko-KR" b="1" dirty="0"/>
-              <a:t>: </a:t>
-            </a:r>
-            <a:r>
-              <a:rPr lang="ko-KR" altLang="en-US" b="1" dirty="0"/>
-              <a:t>출시 및 운영보수 </a:t>
-            </a:r>
-            <a:r>
-              <a:rPr lang="en-US" altLang="ko-KR" dirty="0"/>
-              <a:t>=&gt; </a:t>
-            </a:r>
-            <a:r>
-              <a:rPr lang="ko-KR" altLang="en-US" dirty="0"/>
-              <a:t>지속 가능한 운영 기반 구축</a:t>
-            </a:r>
-            <a:endParaRPr lang="en-US" altLang="ko-KR" dirty="0"/>
-          </a:p>
-          <a:p>
-            <a:endParaRPr lang="en-US" altLang="ko-KR" dirty="0"/>
-          </a:p>
-          <a:p>
-            <a:r>
-              <a:rPr lang="ko-KR" altLang="en-US" dirty="0"/>
-              <a:t>해당 단계는 실제로 출시되면 각종 이벤트도 하고</a:t>
-            </a:r>
-            <a:r>
-              <a:rPr lang="en-US" altLang="ko-KR" dirty="0"/>
-              <a:t>, </a:t>
-            </a:r>
-            <a:r>
-              <a:rPr lang="ko-KR" altLang="en-US" dirty="0" err="1"/>
-              <a:t>벨런싱도</a:t>
-            </a:r>
-            <a:r>
-              <a:rPr lang="ko-KR" altLang="en-US" dirty="0"/>
-              <a:t> 맞추고 하는 단계입니다</a:t>
-            </a:r>
-            <a:r>
-              <a:rPr lang="en-US" altLang="ko-KR" dirty="0"/>
-              <a:t>.</a:t>
-            </a:r>
-          </a:p>
-        </p:txBody>
-      </p:sp>
-      <p:sp>
-        <p:nvSpPr>
-          <p:cNvPr id="8" name="TextBox 7">
-            <a:extLst>
-              <a:ext uri="{FF2B5EF4-FFF2-40B4-BE49-F238E27FC236}">
-                <a16:creationId xmlns:a16="http://schemas.microsoft.com/office/drawing/2014/main" id="{18F2EAD5-B8A6-F219-87CB-F04D3D0827B8}"/>
-              </a:ext>
-            </a:extLst>
-          </p:cNvPr>
-          <p:cNvSpPr txBox="1"/>
-          <p:nvPr/>
-        </p:nvSpPr>
-        <p:spPr>
-          <a:xfrm>
-            <a:off x="640079" y="658368"/>
-            <a:ext cx="6094878" cy="369332"/>
-          </a:xfrm>
-          <a:prstGeom prst="rect">
-            <a:avLst/>
-          </a:prstGeom>
-          <a:noFill/>
-        </p:spPr>
-        <p:txBody>
-          <a:bodyPr wrap="square">
-            <a:spAutoFit/>
-          </a:bodyPr>
-          <a:lstStyle/>
-          <a:p>
-            <a:r>
-              <a:rPr lang="ko-KR" altLang="en-US" b="1" dirty="0"/>
-              <a:t>게임기획</a:t>
-            </a:r>
-          </a:p>
-        </p:txBody>
-      </p:sp>
-    </p:spTree>
-    <p:extLst>
-      <p:ext uri="{BB962C8B-B14F-4D97-AF65-F5344CB8AC3E}">
-        <p14:creationId xmlns:p14="http://schemas.microsoft.com/office/powerpoint/2010/main" val="2931457153"/>
-      </p:ext>
-    </p:extLst>
-  </p:cSld>
-  <p:clrMapOvr>
-    <a:masterClrMapping/>
-  </p:clrMapOvr>
-</p:sld>
-</file>
-
-<file path=ppt/slides/slide11.xml><?xml version="1.0" encoding="utf-8"?>
-<p:sld xmlns:a="http://schemas.openxmlformats.org/drawingml/2006/main" xmlns:r="http://schemas.openxmlformats.org/officeDocument/2006/relationships" xmlns:p="http://schemas.openxmlformats.org/presentationml/2006/main">
-  <p:cSld>
-    <p:spTree>
-      <p:nvGrpSpPr>
-        <p:cNvPr id="1" name=""/>
-        <p:cNvGrpSpPr/>
-        <p:nvPr/>
-      </p:nvGrpSpPr>
-      <p:grpSpPr>
-        <a:xfrm>
-          <a:off x="0" y="0"/>
-          <a:ext cx="0" cy="0"/>
-          <a:chOff x="0" y="0"/>
-          <a:chExt cx="0" cy="0"/>
-        </a:xfrm>
-      </p:grpSpPr>
-      <p:sp>
-        <p:nvSpPr>
           <p:cNvPr id="4" name="TextBox 3">
             <a:extLst>
               <a:ext uri="{FF2B5EF4-FFF2-40B4-BE49-F238E27FC236}">
@@ -4890,7 +4575,7 @@
 </p:sld>
 </file>
 
-<file path=ppt/slides/slide12.xml><?xml version="1.0" encoding="utf-8"?>
+<file path=ppt/slides/slide11.xml><?xml version="1.0" encoding="utf-8"?>
 <p:sld xmlns:a="http://schemas.openxmlformats.org/drawingml/2006/main" xmlns:r="http://schemas.openxmlformats.org/officeDocument/2006/relationships" xmlns:p="http://schemas.openxmlformats.org/presentationml/2006/main">
   <p:cSld>
     <p:spTree>
@@ -5190,7 +4875,7 @@
 </p:sld>
 </file>
 
-<file path=ppt/slides/slide13.xml><?xml version="1.0" encoding="utf-8"?>
+<file path=ppt/slides/slide12.xml><?xml version="1.0" encoding="utf-8"?>
 <p:sld xmlns:a="http://schemas.openxmlformats.org/drawingml/2006/main" xmlns:r="http://schemas.openxmlformats.org/officeDocument/2006/relationships" xmlns:p="http://schemas.openxmlformats.org/presentationml/2006/main">
   <p:cSld>
     <p:spTree>
@@ -5471,7 +5156,7 @@
 </p:sld>
 </file>
 
-<file path=ppt/slides/slide14.xml><?xml version="1.0" encoding="utf-8"?>
+<file path=ppt/slides/slide13.xml><?xml version="1.0" encoding="utf-8"?>
 <p:sld xmlns:a="http://schemas.openxmlformats.org/drawingml/2006/main" xmlns:r="http://schemas.openxmlformats.org/officeDocument/2006/relationships" xmlns:p="http://schemas.openxmlformats.org/presentationml/2006/main">
   <p:cSld>
     <p:spTree>
@@ -6086,7 +5771,7 @@
         <p:spPr>
           <a:xfrm>
             <a:off x="609600" y="1191491"/>
-            <a:ext cx="10464800" cy="3970318"/>
+            <a:ext cx="10464800" cy="5355312"/>
           </a:xfrm>
           <a:prstGeom prst="rect">
             <a:avLst/>
@@ -6270,6 +5955,72 @@
               </a:rPr>
               <a:t>움직임 제어</a:t>
             </a:r>
+            <a:r>
+              <a:rPr lang="en-US" altLang="ko-KR" b="1" dirty="0"/>
+              <a:t>,</a:t>
+            </a:r>
+            <a:r>
+              <a:rPr lang="en-US" altLang="ko-KR" dirty="0">
+                <a:sym typeface="Wingdings" panose="05000000000000000000" pitchFamily="2" charset="2"/>
+              </a:rPr>
+              <a:t>  Prefabs </a:t>
+            </a:r>
+            <a:r>
+              <a:rPr lang="ko-KR" altLang="en-US" dirty="0">
+                <a:sym typeface="Wingdings" panose="05000000000000000000" pitchFamily="2" charset="2"/>
+              </a:rPr>
+              <a:t>사용하여 </a:t>
+            </a:r>
+            <a:r>
+              <a:rPr lang="en-US" altLang="ko-KR" dirty="0">
+                <a:sym typeface="Wingdings" panose="05000000000000000000" pitchFamily="2" charset="2"/>
+              </a:rPr>
+              <a:t> </a:t>
+            </a:r>
+          </a:p>
+          <a:p>
+            <a:r>
+              <a:rPr lang="en-US" altLang="ko-KR" b="1" dirty="0">
+                <a:sym typeface="Wingdings" panose="05000000000000000000" pitchFamily="2" charset="2"/>
+              </a:rPr>
+              <a:t>	</a:t>
+            </a:r>
+            <a:r>
+              <a:rPr lang="ko-KR" altLang="en-US" b="1" dirty="0">
+                <a:highlight>
+                  <a:srgbClr val="FFFF00"/>
+                </a:highlight>
+                <a:sym typeface="Wingdings" panose="05000000000000000000" pitchFamily="2" charset="2"/>
+              </a:rPr>
+              <a:t>재사용 가능</a:t>
+            </a:r>
+            <a:r>
+              <a:rPr lang="ko-KR" altLang="en-US" dirty="0">
+                <a:highlight>
+                  <a:srgbClr val="FFFF00"/>
+                </a:highlight>
+                <a:sym typeface="Wingdings" panose="05000000000000000000" pitchFamily="2" charset="2"/>
+              </a:rPr>
+              <a:t>한 </a:t>
+            </a:r>
+            <a:r>
+              <a:rPr lang="en-US" altLang="ko-KR" dirty="0">
+                <a:highlight>
+                  <a:srgbClr val="FFFF00"/>
+                </a:highlight>
+                <a:sym typeface="Wingdings" panose="05000000000000000000" pitchFamily="2" charset="2"/>
+              </a:rPr>
+              <a:t>Object </a:t>
+            </a:r>
+            <a:r>
+              <a:rPr lang="ko-KR" altLang="en-US" dirty="0">
+                <a:highlight>
+                  <a:srgbClr val="FFFF00"/>
+                </a:highlight>
+                <a:sym typeface="Wingdings" panose="05000000000000000000" pitchFamily="2" charset="2"/>
+              </a:rPr>
+              <a:t>제작</a:t>
+            </a:r>
             <a:endParaRPr lang="en-US" altLang="ko-KR" b="1" dirty="0">
               <a:highlight>
                 <a:srgbClr val="FFFF00"/>
@@ -6317,11 +6068,19 @@
             </a:r>
             <a:r>
               <a:rPr lang="en-US" altLang="ko-KR" dirty="0"/>
-              <a:t>2 – image </a:t>
-            </a:r>
-            <a:r>
-              <a:rPr lang="ko-KR" altLang="en-US" dirty="0"/>
-              <a:t>움직임</a:t>
+              <a:t>2  and </a:t>
+            </a:r>
+            <a:r>
+              <a:rPr lang="en-US" altLang="ko-KR" dirty="0">
+                <a:sym typeface="Wingdings" panose="05000000000000000000" pitchFamily="2" charset="2"/>
+              </a:rPr>
+              <a:t>Ui </a:t>
+            </a:r>
+            <a:r>
+              <a:rPr lang="ko-KR" altLang="en-US" dirty="0">
+                <a:sym typeface="Wingdings" panose="05000000000000000000" pitchFamily="2" charset="2"/>
+              </a:rPr>
+              <a:t>기본 요소</a:t>
             </a:r>
             <a:endParaRPr lang="en-US" altLang="ko-KR" dirty="0"/>
           </a:p>
@@ -6334,19 +6093,25 @@
               <a:rPr lang="en-US" altLang="ko-KR" dirty="0">
                 <a:sym typeface="Wingdings" panose="05000000000000000000" pitchFamily="2" charset="2"/>
               </a:rPr>
-              <a:t>Prefabs </a:t>
+              <a:t>Sprite Render, Animation &amp; Animator</a:t>
             </a:r>
             <a:r>
               <a:rPr lang="ko-KR" altLang="en-US" dirty="0">
                 <a:sym typeface="Wingdings" panose="05000000000000000000" pitchFamily="2" charset="2"/>
               </a:rPr>
-              <a:t>사용하여 </a:t>
+              <a:t>를 사용하여 </a:t>
             </a:r>
             <a:r>
               <a:rPr lang="en-US" altLang="ko-KR" dirty="0">
                 <a:sym typeface="Wingdings" panose="05000000000000000000" pitchFamily="2" charset="2"/>
               </a:rPr>
-              <a:t> </a:t>
+              <a:t>Object </a:t>
+            </a:r>
+            <a:r>
+              <a:rPr lang="ko-KR" altLang="en-US" dirty="0">
+                <a:sym typeface="Wingdings" panose="05000000000000000000" pitchFamily="2" charset="2"/>
+              </a:rPr>
+              <a:t>이미지 </a:t>
             </a:r>
             <a:r>
               <a:rPr lang="ko-KR" altLang="en-US" b="1" dirty="0">
@@ -6355,66 +6120,42 @@
                 </a:highlight>
                 <a:sym typeface="Wingdings" panose="05000000000000000000" pitchFamily="2" charset="2"/>
               </a:rPr>
-              <a:t>재사용 가능</a:t>
+              <a:t>움직임 제어</a:t>
+            </a:r>
+            <a:r>
+              <a:rPr lang="en-US" altLang="ko-KR" b="1" dirty="0">
+                <a:highlight>
+                  <a:srgbClr val="FFFF00"/>
+                </a:highlight>
+                <a:sym typeface="Wingdings" panose="05000000000000000000" pitchFamily="2" charset="2"/>
+              </a:rPr>
+              <a:t> </a:t>
+            </a:r>
+          </a:p>
+          <a:p>
+            <a:r>
+              <a:rPr lang="en-US" altLang="ko-KR" b="1" dirty="0">
+                <a:sym typeface="Wingdings" panose="05000000000000000000" pitchFamily="2" charset="2"/>
+              </a:rPr>
+              <a:t>   </a:t>
             </a:r>
             <a:r>
               <a:rPr lang="ko-KR" altLang="en-US" dirty="0">
                 <a:sym typeface="Wingdings" panose="05000000000000000000" pitchFamily="2" charset="2"/>
               </a:rPr>
-              <a:t>한 </a:t>
+              <a:t>및 </a:t>
             </a:r>
             <a:r>
               <a:rPr lang="en-US" altLang="ko-KR" dirty="0">
                 <a:sym typeface="Wingdings" panose="05000000000000000000" pitchFamily="2" charset="2"/>
               </a:rPr>
-              <a:t>Object </a:t>
+              <a:t>Audio Source</a:t>
             </a:r>
             <a:r>
               <a:rPr lang="ko-KR" altLang="en-US" dirty="0">
                 <a:sym typeface="Wingdings" panose="05000000000000000000" pitchFamily="2" charset="2"/>
               </a:rPr>
-              <a:t>제작하고</a:t>
-            </a:r>
-            <a:r>
-              <a:rPr lang="en-US" altLang="ko-KR" dirty="0">
-                <a:sym typeface="Wingdings" panose="05000000000000000000" pitchFamily="2" charset="2"/>
-              </a:rPr>
-              <a:t>, Sprite Render, Animation &amp; Animator</a:t>
-            </a:r>
-            <a:r>
-              <a:rPr lang="ko-KR" altLang="en-US" dirty="0">
-                <a:sym typeface="Wingdings" panose="05000000000000000000" pitchFamily="2" charset="2"/>
-              </a:rPr>
-              <a:t>를 </a:t>
-            </a:r>
-            <a:endParaRPr lang="en-US" altLang="ko-KR" dirty="0">
-              <a:sym typeface="Wingdings" panose="05000000000000000000" pitchFamily="2" charset="2"/>
-            </a:endParaRPr>
-          </a:p>
-          <a:p>
-            <a:r>
-              <a:rPr lang="en-US" altLang="ko-KR" dirty="0">
-                <a:sym typeface="Wingdings" panose="05000000000000000000" pitchFamily="2" charset="2"/>
-              </a:rPr>
-              <a:t>	</a:t>
-            </a:r>
-            <a:r>
-              <a:rPr lang="ko-KR" altLang="en-US" dirty="0">
-                <a:sym typeface="Wingdings" panose="05000000000000000000" pitchFamily="2" charset="2"/>
-              </a:rPr>
-              <a:t>사용하여 </a:t>
-            </a:r>
-            <a:r>
-              <a:rPr lang="en-US" altLang="ko-KR" dirty="0">
-                <a:sym typeface="Wingdings" panose="05000000000000000000" pitchFamily="2" charset="2"/>
-              </a:rPr>
-              <a:t>Object </a:t>
-            </a:r>
-            <a:r>
-              <a:rPr lang="ko-KR" altLang="en-US" dirty="0">
-                <a:sym typeface="Wingdings" panose="05000000000000000000" pitchFamily="2" charset="2"/>
-              </a:rPr>
-              <a:t>이미지 </a:t>
+              <a:t>를 이용하여 </a:t>
             </a:r>
             <a:r>
               <a:rPr lang="ko-KR" altLang="en-US" b="1" dirty="0">
@@ -6423,7 +6164,72 @@
                 </a:highlight>
                 <a:sym typeface="Wingdings" panose="05000000000000000000" pitchFamily="2" charset="2"/>
               </a:rPr>
-              <a:t>움직임 제어</a:t>
+              <a:t>사운드 제어</a:t>
+            </a:r>
+            <a:r>
+              <a:rPr lang="en-US" altLang="ko-KR" dirty="0">
+                <a:sym typeface="Wingdings" panose="05000000000000000000" pitchFamily="2" charset="2"/>
+              </a:rPr>
+              <a:t>Canvas</a:t>
+            </a:r>
+            <a:r>
+              <a:rPr lang="ko-KR" altLang="en-US" dirty="0">
+                <a:sym typeface="Wingdings" panose="05000000000000000000" pitchFamily="2" charset="2"/>
+              </a:rPr>
+              <a:t>에서 </a:t>
+            </a:r>
+            <a:r>
+              <a:rPr lang="en-US" altLang="ko-KR" dirty="0">
+                <a:sym typeface="Wingdings" panose="05000000000000000000" pitchFamily="2" charset="2"/>
+              </a:rPr>
+              <a:t>UI</a:t>
+            </a:r>
+            <a:r>
+              <a:rPr lang="ko-KR" altLang="en-US" dirty="0">
+                <a:sym typeface="Wingdings" panose="05000000000000000000" pitchFamily="2" charset="2"/>
+              </a:rPr>
+              <a:t>인 요소들</a:t>
+            </a:r>
+            <a:r>
+              <a:rPr lang="en-US" altLang="ko-KR" dirty="0">
+                <a:sym typeface="Wingdings" panose="05000000000000000000" pitchFamily="2" charset="2"/>
+              </a:rPr>
+              <a:t>(UI</a:t>
+            </a:r>
+            <a:r>
+              <a:rPr lang="ko-KR" altLang="en-US" dirty="0">
+                <a:sym typeface="Wingdings" panose="05000000000000000000" pitchFamily="2" charset="2"/>
+              </a:rPr>
+              <a:t> </a:t>
+            </a:r>
+            <a:r>
+              <a:rPr lang="en-US" altLang="ko-KR" dirty="0">
+                <a:sym typeface="Wingdings" panose="05000000000000000000" pitchFamily="2" charset="2"/>
+              </a:rPr>
+              <a:t>Image, Button, Slider)</a:t>
+            </a:r>
+            <a:r>
+              <a:rPr lang="ko-KR" altLang="en-US" dirty="0">
+                <a:sym typeface="Wingdings" panose="05000000000000000000" pitchFamily="2" charset="2"/>
+              </a:rPr>
+              <a:t>를 </a:t>
+            </a:r>
+            <a:endParaRPr lang="en-US" altLang="ko-KR" dirty="0">
+              <a:sym typeface="Wingdings" panose="05000000000000000000" pitchFamily="2" charset="2"/>
+            </a:endParaRPr>
+          </a:p>
+          <a:p>
+            <a:r>
+              <a:rPr lang="en-US" altLang="ko-KR" dirty="0">
+                <a:sym typeface="Wingdings" panose="05000000000000000000" pitchFamily="2" charset="2"/>
+              </a:rPr>
+              <a:t>   </a:t>
+            </a:r>
+            <a:r>
+              <a:rPr lang="ko-KR" altLang="en-US" dirty="0">
+                <a:sym typeface="Wingdings" panose="05000000000000000000" pitchFamily="2" charset="2"/>
+              </a:rPr>
+              <a:t>제작하여 </a:t>
             </a:r>
             <a:r>
               <a:rPr lang="en-US" altLang="ko-KR" b="1" dirty="0">
@@ -6432,25 +6238,7 @@
                 </a:highlight>
                 <a:sym typeface="Wingdings" panose="05000000000000000000" pitchFamily="2" charset="2"/>
               </a:rPr>
-              <a:t> </a:t>
-            </a:r>
-            <a:r>
-              <a:rPr lang="ko-KR" altLang="en-US" dirty="0">
-                <a:sym typeface="Wingdings" panose="05000000000000000000" pitchFamily="2" charset="2"/>
-              </a:rPr>
-              <a:t>및 </a:t>
-            </a:r>
-            <a:r>
-              <a:rPr lang="en-US" altLang="ko-KR" dirty="0">
-                <a:sym typeface="Wingdings" panose="05000000000000000000" pitchFamily="2" charset="2"/>
-              </a:rPr>
-              <a:t>Audio Source</a:t>
-            </a:r>
-            <a:r>
-              <a:rPr lang="ko-KR" altLang="en-US" dirty="0">
-                <a:sym typeface="Wingdings" panose="05000000000000000000" pitchFamily="2" charset="2"/>
-              </a:rPr>
-              <a:t>를 이용하여 </a:t>
+              <a:t>UI </a:t>
             </a:r>
             <a:r>
               <a:rPr lang="ko-KR" altLang="en-US" b="1" dirty="0">
@@ -6459,7 +6247,7 @@
                 </a:highlight>
                 <a:sym typeface="Wingdings" panose="05000000000000000000" pitchFamily="2" charset="2"/>
               </a:rPr>
-              <a:t>사운드 제어</a:t>
+              <a:t>기능 구현</a:t>
             </a:r>
             <a:endParaRPr lang="en-US" altLang="ko-KR" b="1" dirty="0">
               <a:highlight>
@@ -6469,38 +6257,43 @@
             </a:endParaRPr>
           </a:p>
           <a:p>
-            <a:endParaRPr lang="en-US" altLang="ko-KR" dirty="0">
+            <a:endParaRPr lang="en-US" altLang="ko-KR" b="1" dirty="0">
+              <a:highlight>
+                <a:srgbClr val="FFFF00"/>
+              </a:highlight>
               <a:sym typeface="Wingdings" panose="05000000000000000000" pitchFamily="2" charset="2"/>
             </a:endParaRPr>
           </a:p>
           <a:p>
             <a:r>
-              <a:rPr lang="en-US" altLang="ko-KR" b="1" dirty="0">
-                <a:sym typeface="Wingdings" panose="05000000000000000000" pitchFamily="2" charset="2"/>
-              </a:rPr>
+              <a:rPr lang="en-US" altLang="ko-KR" b="1" dirty="0"/>
               <a:t>4</a:t>
             </a:r>
             <a:r>
-              <a:rPr lang="ko-KR" altLang="en-US" b="1" dirty="0">
-                <a:sym typeface="Wingdings" panose="05000000000000000000" pitchFamily="2" charset="2"/>
-              </a:rPr>
+              <a:rPr lang="ko-KR" altLang="en-US" b="1" dirty="0"/>
               <a:t>주차 </a:t>
             </a:r>
             <a:r>
-              <a:rPr lang="en-US" altLang="ko-KR" dirty="0">
-                <a:sym typeface="Wingdings" panose="05000000000000000000" pitchFamily="2" charset="2"/>
-              </a:rPr>
-              <a:t>:  Ui </a:t>
-            </a:r>
-            <a:r>
-              <a:rPr lang="ko-KR" altLang="en-US" dirty="0">
-                <a:sym typeface="Wingdings" panose="05000000000000000000" pitchFamily="2" charset="2"/>
-              </a:rPr>
-              <a:t>기본 요소</a:t>
-            </a:r>
-            <a:endParaRPr lang="en-US" altLang="ko-KR" dirty="0">
-              <a:sym typeface="Wingdings" panose="05000000000000000000" pitchFamily="2" charset="2"/>
-            </a:endParaRPr>
+              <a:rPr lang="en-US" altLang="ko-KR" b="1" dirty="0"/>
+              <a:t>: </a:t>
+            </a:r>
+            <a:r>
+              <a:rPr lang="en-US" altLang="ko-KR" dirty="0"/>
+              <a:t>Save </a:t>
+            </a:r>
+            <a:r>
+              <a:rPr lang="ko-KR" altLang="en-US" dirty="0"/>
+              <a:t>파일에 관련한 요소 및 </a:t>
+            </a:r>
+            <a:r>
+              <a:rPr lang="en-US" altLang="ko-KR" dirty="0"/>
+              <a:t>Photon </a:t>
+            </a:r>
+            <a:r>
+              <a:rPr lang="ko-KR" altLang="en-US" dirty="0"/>
+              <a:t>서버를 이용한 멀티요소 추가</a:t>
+            </a:r>
+            <a:endParaRPr lang="en-US" altLang="ko-KR" dirty="0"/>
           </a:p>
           <a:p>
             <a:pPr marL="285750" indent="-285750">
@@ -6511,58 +6304,25 @@
               <a:rPr lang="en-US" altLang="ko-KR" dirty="0">
                 <a:sym typeface="Wingdings" panose="05000000000000000000" pitchFamily="2" charset="2"/>
               </a:rPr>
-              <a:t>Canvas</a:t>
+              <a:t>Json </a:t>
             </a:r>
             <a:r>
               <a:rPr lang="ko-KR" altLang="en-US" dirty="0">
                 <a:sym typeface="Wingdings" panose="05000000000000000000" pitchFamily="2" charset="2"/>
               </a:rPr>
-              <a:t>에서 </a:t>
-            </a:r>
-            <a:r>
-              <a:rPr lang="en-US" altLang="ko-KR" dirty="0">
-                <a:sym typeface="Wingdings" panose="05000000000000000000" pitchFamily="2" charset="2"/>
-              </a:rPr>
-              <a:t>UI</a:t>
+              <a:t>파일 사용 또는 </a:t>
+            </a:r>
+            <a:r>
+              <a:rPr lang="en-US" altLang="ko-KR" dirty="0" err="1">
+                <a:sym typeface="Wingdings" panose="05000000000000000000" pitchFamily="2" charset="2"/>
+              </a:rPr>
+              <a:t>PlayerPrefabs</a:t>
             </a:r>
             <a:r>
               <a:rPr lang="ko-KR" altLang="en-US" dirty="0">
                 <a:sym typeface="Wingdings" panose="05000000000000000000" pitchFamily="2" charset="2"/>
               </a:rPr>
-              <a:t>인 요소들</a:t>
-            </a:r>
-            <a:r>
-              <a:rPr lang="en-US" altLang="ko-KR" dirty="0">
-                <a:sym typeface="Wingdings" panose="05000000000000000000" pitchFamily="2" charset="2"/>
-              </a:rPr>
-              <a:t>(UI</a:t>
-            </a:r>
-            <a:r>
-              <a:rPr lang="ko-KR" altLang="en-US" dirty="0">
-                <a:sym typeface="Wingdings" panose="05000000000000000000" pitchFamily="2" charset="2"/>
-              </a:rPr>
-              <a:t> </a:t>
-            </a:r>
-            <a:r>
-              <a:rPr lang="en-US" altLang="ko-KR" dirty="0">
-                <a:sym typeface="Wingdings" panose="05000000000000000000" pitchFamily="2" charset="2"/>
-              </a:rPr>
-              <a:t>Image, Button, Slider)</a:t>
-            </a:r>
-            <a:r>
-              <a:rPr lang="ko-KR" altLang="en-US" dirty="0">
-                <a:sym typeface="Wingdings" panose="05000000000000000000" pitchFamily="2" charset="2"/>
-              </a:rPr>
-              <a:t>를 제작하여 </a:t>
-            </a:r>
-            <a:r>
-              <a:rPr lang="en-US" altLang="ko-KR" b="1" dirty="0">
-                <a:highlight>
-                  <a:srgbClr val="FFFF00"/>
-                </a:highlight>
-                <a:sym typeface="Wingdings" panose="05000000000000000000" pitchFamily="2" charset="2"/>
-              </a:rPr>
-              <a:t>UI </a:t>
+              <a:t>를 이용한 </a:t>
             </a:r>
             <a:r>
               <a:rPr lang="ko-KR" altLang="en-US" b="1" dirty="0">
@@ -6571,8 +6331,65 @@
                 </a:highlight>
                 <a:sym typeface="Wingdings" panose="05000000000000000000" pitchFamily="2" charset="2"/>
               </a:rPr>
-              <a:t>기능 구현</a:t>
-            </a:r>
+              <a:t>세이브 파일 제작 </a:t>
+            </a:r>
+            <a:endParaRPr lang="en-US" altLang="ko-KR" b="1" dirty="0">
+              <a:highlight>
+                <a:srgbClr val="FFFF00"/>
+              </a:highlight>
+              <a:sym typeface="Wingdings" panose="05000000000000000000" pitchFamily="2" charset="2"/>
+            </a:endParaRPr>
+          </a:p>
+          <a:p>
+            <a:r>
+              <a:rPr lang="en-US" altLang="ko-KR" dirty="0">
+                <a:sym typeface="Wingdings" panose="05000000000000000000" pitchFamily="2" charset="2"/>
+              </a:rPr>
+              <a:t>   </a:t>
+            </a:r>
+            <a:r>
+              <a:rPr lang="ko-KR" altLang="en-US" dirty="0">
+                <a:sym typeface="Wingdings" panose="05000000000000000000" pitchFamily="2" charset="2"/>
+              </a:rPr>
+              <a:t> </a:t>
+            </a:r>
+            <a:r>
+              <a:rPr lang="en-US" altLang="ko-KR" dirty="0">
+                <a:sym typeface="Wingdings" panose="05000000000000000000" pitchFamily="2" charset="2"/>
+              </a:rPr>
+              <a:t>photon </a:t>
+            </a:r>
+            <a:r>
+              <a:rPr lang="ko-KR" altLang="en-US" dirty="0">
+                <a:sym typeface="Wingdings" panose="05000000000000000000" pitchFamily="2" charset="2"/>
+              </a:rPr>
+              <a:t>서버를 이용한 </a:t>
+            </a:r>
+            <a:r>
+              <a:rPr lang="ko-KR" altLang="en-US" b="1" dirty="0">
+                <a:highlight>
+                  <a:srgbClr val="FFFF00"/>
+                </a:highlight>
+                <a:sym typeface="Wingdings" panose="05000000000000000000" pitchFamily="2" charset="2"/>
+              </a:rPr>
+              <a:t>멀티 요소 추가</a:t>
+            </a:r>
+            <a:endParaRPr lang="en-US" altLang="ko-KR" b="1" dirty="0">
+              <a:highlight>
+                <a:srgbClr val="FFFF00"/>
+              </a:highlight>
+              <a:sym typeface="Wingdings" panose="05000000000000000000" pitchFamily="2" charset="2"/>
+            </a:endParaRPr>
+          </a:p>
+          <a:p>
+            <a:endParaRPr lang="en-US" altLang="ko-KR" b="1" dirty="0">
+              <a:highlight>
+                <a:srgbClr val="FFFF00"/>
+              </a:highlight>
+              <a:sym typeface="Wingdings" panose="05000000000000000000" pitchFamily="2" charset="2"/>
+            </a:endParaRPr>
+          </a:p>
+          <a:p>
             <a:endParaRPr lang="en-US" altLang="ko-KR" b="1" dirty="0">
               <a:highlight>
                 <a:srgbClr val="FFFF00"/>
@@ -6626,7 +6443,7 @@
           <p:cNvPr id="4" name="TextBox 3">
             <a:extLst>
               <a:ext uri="{FF2B5EF4-FFF2-40B4-BE49-F238E27FC236}">
-                <a16:creationId xmlns:a16="http://schemas.microsoft.com/office/drawing/2014/main" id="{2A836563-F64B-37C1-87FC-30B3CC60DFA7}"/>
+                <a16:creationId xmlns:a16="http://schemas.microsoft.com/office/drawing/2014/main" id="{A5F167BA-0E5C-B8D0-0608-9796B2E6B0F4}"/>
               </a:ext>
             </a:extLst>
           </p:cNvPr>
@@ -6635,8 +6452,8 @@
         </p:nvSpPr>
         <p:spPr>
           <a:xfrm>
-            <a:off x="517237" y="581829"/>
-            <a:ext cx="2410691" cy="400110"/>
+            <a:off x="591671" y="611379"/>
+            <a:ext cx="2608729" cy="369332"/>
           </a:xfrm>
           <a:prstGeom prst="rect">
             <a:avLst/>
@@ -6650,18 +6467,9 @@
           <a:lstStyle/>
           <a:p>
             <a:r>
-              <a:rPr lang="en-US" altLang="ko-KR" sz="2000" b="1" dirty="0"/>
-              <a:t>Study </a:t>
-            </a:r>
-            <a:r>
-              <a:rPr lang="ko-KR" altLang="en-US" sz="2000" b="1" dirty="0"/>
-              <a:t>일정</a:t>
-            </a:r>
-            <a:r>
-              <a:rPr lang="en-US" altLang="ko-KR" sz="2000" b="1" dirty="0"/>
-              <a:t>2</a:t>
-            </a:r>
-            <a:endParaRPr lang="ko-KR" altLang="en-US" sz="2000" b="1" dirty="0"/>
+              <a:rPr lang="ko-KR" altLang="en-US" b="1" dirty="0"/>
+              <a:t>게임 개발</a:t>
+            </a:r>
           </a:p>
         </p:txBody>
       </p:sp>
@@ -6670,7 +6478,7 @@
           <p:cNvPr id="5" name="TextBox 4">
             <a:extLst>
               <a:ext uri="{FF2B5EF4-FFF2-40B4-BE49-F238E27FC236}">
-                <a16:creationId xmlns:a16="http://schemas.microsoft.com/office/drawing/2014/main" id="{5F32D812-D147-DEDD-57F9-9AA5EDDD2659}"/>
+                <a16:creationId xmlns:a16="http://schemas.microsoft.com/office/drawing/2014/main" id="{AC34D1AF-9E31-DD58-349F-83B66975F815}"/>
               </a:ext>
             </a:extLst>
           </p:cNvPr>
@@ -6679,8 +6487,8 @@
         </p:nvSpPr>
         <p:spPr>
           <a:xfrm>
-            <a:off x="609600" y="1191491"/>
-            <a:ext cx="10464800" cy="923330"/>
+            <a:off x="457200" y="1223681"/>
+            <a:ext cx="10643347" cy="2585323"/>
           </a:xfrm>
           <a:prstGeom prst="rect">
             <a:avLst/>
@@ -6694,63 +6502,120 @@
           <a:lstStyle/>
           <a:p>
             <a:r>
-              <a:rPr lang="en-US" altLang="ko-KR" b="1" dirty="0"/>
-              <a:t>5</a:t>
-            </a:r>
-            <a:r>
-              <a:rPr lang="ko-KR" altLang="en-US" b="1" dirty="0"/>
-              <a:t>주차 </a:t>
-            </a:r>
-            <a:r>
-              <a:rPr lang="en-US" altLang="ko-KR" b="1" dirty="0"/>
-              <a:t>: </a:t>
+              <a:rPr lang="ko-KR" altLang="en-US" dirty="0"/>
+              <a:t>게임 개발 </a:t>
             </a:r>
             <a:r>
               <a:rPr lang="en-US" altLang="ko-KR" dirty="0"/>
-              <a:t>Save </a:t>
+              <a:t>= </a:t>
             </a:r>
             <a:r>
               <a:rPr lang="ko-KR" altLang="en-US" dirty="0"/>
-              <a:t>파일에 관련한 요소 및 </a:t>
+              <a:t>프로그램 개발</a:t>
             </a:r>
             <a:r>
               <a:rPr lang="en-US" altLang="ko-KR" dirty="0"/>
-              <a:t>Photon </a:t>
+              <a:t>(Unity) + </a:t>
             </a:r>
             <a:r>
               <a:rPr lang="ko-KR" altLang="en-US" dirty="0"/>
-              <a:t>서버를 이용한 멀티요소 추가</a:t>
-            </a:r>
+              <a:t>게임 기획 파트  </a:t>
+            </a:r>
+            <a:r>
+              <a:rPr lang="en-US" altLang="ko-KR" dirty="0"/>
+              <a:t>+ </a:t>
+            </a:r>
+            <a:r>
+              <a:rPr lang="ko-KR" altLang="en-US" dirty="0"/>
+              <a:t>디자인 파트</a:t>
+            </a:r>
+            <a:r>
+              <a:rPr lang="en-US" altLang="ko-KR" dirty="0"/>
+              <a:t> + </a:t>
+            </a:r>
+            <a:r>
+              <a:rPr lang="ko-KR" altLang="en-US" dirty="0"/>
+              <a:t>등등으로 구성 </a:t>
+            </a:r>
+            <a:endParaRPr lang="en-US" altLang="ko-KR" dirty="0"/>
+          </a:p>
+          <a:p>
             <a:endParaRPr lang="en-US" altLang="ko-KR" dirty="0"/>
           </a:p>
           <a:p>
             <a:pPr marL="285750" indent="-285750">
               <a:buFont typeface="Wingdings" panose="05000000000000000000" pitchFamily="2" charset="2"/>
-              <a:buChar char="à"/>
+              <a:buChar char="è"/>
             </a:pPr>
             <a:r>
+              <a:rPr lang="ko-KR" altLang="en-US" dirty="0">
+                <a:sym typeface="Wingdings" panose="05000000000000000000" pitchFamily="2" charset="2"/>
+              </a:rPr>
+              <a:t>중요도 </a:t>
+            </a:r>
+            <a:r>
               <a:rPr lang="en-US" altLang="ko-KR" dirty="0">
                 <a:sym typeface="Wingdings" panose="05000000000000000000" pitchFamily="2" charset="2"/>
               </a:rPr>
-              <a:t>Json </a:t>
+              <a:t>: </a:t>
             </a:r>
             <a:r>
               <a:rPr lang="ko-KR" altLang="en-US" dirty="0">
                 <a:sym typeface="Wingdings" panose="05000000000000000000" pitchFamily="2" charset="2"/>
               </a:rPr>
-              <a:t>파일 사용 또는 </a:t>
-            </a:r>
-            <a:r>
-              <a:rPr lang="en-US" altLang="ko-KR" dirty="0" err="1">
-                <a:sym typeface="Wingdings" panose="05000000000000000000" pitchFamily="2" charset="2"/>
-              </a:rPr>
-              <a:t>PlayerPrefabs</a:t>
+              <a:t>디자인 </a:t>
+            </a:r>
+            <a:r>
+              <a:rPr lang="en-US" altLang="ko-KR" dirty="0">
+                <a:sym typeface="Wingdings" panose="05000000000000000000" pitchFamily="2" charset="2"/>
+              </a:rPr>
+              <a:t>&gt; </a:t>
             </a:r>
             <a:r>
               <a:rPr lang="ko-KR" altLang="en-US" dirty="0">
                 <a:sym typeface="Wingdings" panose="05000000000000000000" pitchFamily="2" charset="2"/>
               </a:rPr>
-              <a:t>를 이용한 </a:t>
+              <a:t>게임 기획 </a:t>
+            </a:r>
+            <a:r>
+              <a:rPr lang="en-US" altLang="ko-KR" dirty="0">
+                <a:sym typeface="Wingdings" panose="05000000000000000000" pitchFamily="2" charset="2"/>
+              </a:rPr>
+              <a:t>&gt; </a:t>
+            </a:r>
+            <a:r>
+              <a:rPr lang="ko-KR" altLang="en-US" dirty="0">
+                <a:sym typeface="Wingdings" panose="05000000000000000000" pitchFamily="2" charset="2"/>
+              </a:rPr>
+              <a:t>프로그램 개발</a:t>
+            </a:r>
+            <a:endParaRPr lang="en-US" altLang="ko-KR" dirty="0">
+              <a:sym typeface="Wingdings" panose="05000000000000000000" pitchFamily="2" charset="2"/>
+            </a:endParaRPr>
+          </a:p>
+          <a:p>
+            <a:endParaRPr lang="en-US" altLang="ko-KR" dirty="0">
+              <a:sym typeface="Wingdings" panose="05000000000000000000" pitchFamily="2" charset="2"/>
+            </a:endParaRPr>
+          </a:p>
+          <a:p>
+            <a:r>
+              <a:rPr lang="ko-KR" altLang="en-US" b="1" dirty="0">
+                <a:sym typeface="Wingdings" panose="05000000000000000000" pitchFamily="2" charset="2"/>
+              </a:rPr>
+              <a:t>디자인</a:t>
+            </a:r>
+            <a:r>
+              <a:rPr lang="ko-KR" altLang="en-US" dirty="0">
+                <a:sym typeface="Wingdings" panose="05000000000000000000" pitchFamily="2" charset="2"/>
+              </a:rPr>
+              <a:t>이 결국 </a:t>
+            </a:r>
+            <a:r>
+              <a:rPr lang="en-US" altLang="ko-KR" dirty="0">
+                <a:sym typeface="Wingdings" panose="05000000000000000000" pitchFamily="2" charset="2"/>
+              </a:rPr>
+              <a:t>“</a:t>
             </a:r>
             <a:r>
               <a:rPr lang="ko-KR" altLang="en-US" b="1" dirty="0">
@@ -6759,39 +6624,43 @@
                 </a:highlight>
                 <a:sym typeface="Wingdings" panose="05000000000000000000" pitchFamily="2" charset="2"/>
               </a:rPr>
-              <a:t>세이브 파일 제작 </a:t>
-            </a:r>
-            <a:endParaRPr lang="en-US" altLang="ko-KR" b="1" dirty="0">
-              <a:highlight>
-                <a:srgbClr val="FFFF00"/>
-              </a:highlight>
-              <a:sym typeface="Wingdings" panose="05000000000000000000" pitchFamily="2" charset="2"/>
-            </a:endParaRPr>
-          </a:p>
-          <a:p>
+              <a:t>유입 관문</a:t>
+            </a:r>
             <a:r>
               <a:rPr lang="en-US" altLang="ko-KR" dirty="0">
                 <a:sym typeface="Wingdings" panose="05000000000000000000" pitchFamily="2" charset="2"/>
               </a:rPr>
-              <a:t>   </a:t>
+              <a:t>”</a:t>
             </a:r>
             <a:r>
               <a:rPr lang="ko-KR" altLang="en-US" dirty="0">
                 <a:sym typeface="Wingdings" panose="05000000000000000000" pitchFamily="2" charset="2"/>
               </a:rPr>
-              <a:t> </a:t>
+              <a:t>이 되고</a:t>
             </a:r>
             <a:r>
               <a:rPr lang="en-US" altLang="ko-KR" dirty="0">
                 <a:sym typeface="Wingdings" panose="05000000000000000000" pitchFamily="2" charset="2"/>
               </a:rPr>
-              <a:t>photon </a:t>
+              <a:t>, </a:t>
+            </a:r>
+            <a:r>
+              <a:rPr lang="ko-KR" altLang="en-US" b="1" dirty="0">
+                <a:sym typeface="Wingdings" panose="05000000000000000000" pitchFamily="2" charset="2"/>
+              </a:rPr>
+              <a:t>기획 파트</a:t>
             </a:r>
             <a:r>
               <a:rPr lang="ko-KR" altLang="en-US" dirty="0">
                 <a:sym typeface="Wingdings" panose="05000000000000000000" pitchFamily="2" charset="2"/>
               </a:rPr>
-              <a:t>서버를 이용한 </a:t>
+              <a:t>가 </a:t>
+            </a:r>
+            <a:r>
+              <a:rPr lang="en-US" altLang="ko-KR" dirty="0">
+                <a:sym typeface="Wingdings" panose="05000000000000000000" pitchFamily="2" charset="2"/>
+              </a:rPr>
+              <a:t>“</a:t>
             </a:r>
             <a:r>
               <a:rPr lang="ko-KR" altLang="en-US" b="1" dirty="0">
@@ -6800,21 +6669,312 @@
                 </a:highlight>
                 <a:sym typeface="Wingdings" panose="05000000000000000000" pitchFamily="2" charset="2"/>
               </a:rPr>
-              <a:t>멀티 요소 추가</a:t>
-            </a:r>
-            <a:endParaRPr lang="en-US" altLang="ko-KR" b="1" dirty="0">
-              <a:highlight>
-                <a:srgbClr val="FFFF00"/>
-              </a:highlight>
+              <a:t>유지와 성장 동력</a:t>
+            </a:r>
+            <a:r>
+              <a:rPr lang="en-US" altLang="ko-KR" dirty="0">
+                <a:sym typeface="Wingdings" panose="05000000000000000000" pitchFamily="2" charset="2"/>
+              </a:rPr>
+              <a:t>＂</a:t>
+            </a:r>
+            <a:r>
+              <a:rPr lang="ko-KR" altLang="en-US" dirty="0">
+                <a:sym typeface="Wingdings" panose="05000000000000000000" pitchFamily="2" charset="2"/>
+              </a:rPr>
+              <a:t>이라고 생각하며</a:t>
+            </a:r>
+            <a:r>
+              <a:rPr lang="en-US" altLang="ko-KR" dirty="0">
+                <a:sym typeface="Wingdings" panose="05000000000000000000" pitchFamily="2" charset="2"/>
+              </a:rPr>
+              <a:t>, </a:t>
+            </a:r>
+            <a:r>
+              <a:rPr lang="ko-KR" altLang="en-US" dirty="0">
+                <a:sym typeface="Wingdings" panose="05000000000000000000" pitchFamily="2" charset="2"/>
+              </a:rPr>
+              <a:t>개발 파트는 게임을 흥행 시키는데 중요한 역할을 하지 못한다</a:t>
+            </a:r>
+            <a:r>
+              <a:rPr lang="en-US" altLang="ko-KR" dirty="0">
+                <a:sym typeface="Wingdings" panose="05000000000000000000" pitchFamily="2" charset="2"/>
+              </a:rPr>
+              <a:t>.</a:t>
+            </a:r>
+          </a:p>
+          <a:p>
+            <a:endParaRPr lang="en-US" altLang="ko-KR" dirty="0">
               <a:sym typeface="Wingdings" panose="05000000000000000000" pitchFamily="2" charset="2"/>
             </a:endParaRPr>
+          </a:p>
+          <a:p>
+            <a:endParaRPr lang="en-US" altLang="ko-KR" dirty="0">
+              <a:sym typeface="Wingdings" panose="05000000000000000000" pitchFamily="2" charset="2"/>
+            </a:endParaRPr>
+          </a:p>
+          <a:p>
+            <a:pPr marL="285750" indent="-285750">
+              <a:buFont typeface="Wingdings" panose="05000000000000000000" pitchFamily="2" charset="2"/>
+              <a:buChar char="è"/>
+            </a:pPr>
+            <a:endParaRPr lang="en-US" altLang="ko-KR" dirty="0">
+              <a:sym typeface="Wingdings" panose="05000000000000000000" pitchFamily="2" charset="2"/>
+            </a:endParaRPr>
+          </a:p>
+        </p:txBody>
+      </p:sp>
+      <p:pic>
+        <p:nvPicPr>
+          <p:cNvPr id="7" name="그림 6">
+            <a:extLst>
+              <a:ext uri="{FF2B5EF4-FFF2-40B4-BE49-F238E27FC236}">
+                <a16:creationId xmlns:a16="http://schemas.microsoft.com/office/drawing/2014/main" id="{1C8114DC-EAE6-C989-E1EA-97C46B8F4F05}"/>
+              </a:ext>
+            </a:extLst>
+          </p:cNvPr>
+          <p:cNvPicPr>
+            <a:picLocks noChangeAspect="1"/>
+          </p:cNvPicPr>
+          <p:nvPr/>
+        </p:nvPicPr>
+        <p:blipFill>
+          <a:blip r:embed="rId2"/>
+          <a:stretch>
+            <a:fillRect/>
+          </a:stretch>
+        </p:blipFill>
+        <p:spPr>
+          <a:xfrm>
+            <a:off x="591671" y="3242236"/>
+            <a:ext cx="828791" cy="809738"/>
+          </a:xfrm>
+          <a:prstGeom prst="rect">
+            <a:avLst/>
+          </a:prstGeom>
+        </p:spPr>
+      </p:pic>
+      <p:pic>
+        <p:nvPicPr>
+          <p:cNvPr id="9" name="그림 8">
+            <a:extLst>
+              <a:ext uri="{FF2B5EF4-FFF2-40B4-BE49-F238E27FC236}">
+                <a16:creationId xmlns:a16="http://schemas.microsoft.com/office/drawing/2014/main" id="{0B9B944D-CBEB-EDB7-9862-8B8F851EF449}"/>
+              </a:ext>
+            </a:extLst>
+          </p:cNvPr>
+          <p:cNvPicPr>
+            <a:picLocks noChangeAspect="1"/>
+          </p:cNvPicPr>
+          <p:nvPr/>
+        </p:nvPicPr>
+        <p:blipFill>
+          <a:blip r:embed="rId3"/>
+          <a:stretch>
+            <a:fillRect/>
+          </a:stretch>
+        </p:blipFill>
+        <p:spPr>
+          <a:xfrm>
+            <a:off x="2527722" y="3242236"/>
+            <a:ext cx="905000" cy="855274"/>
+          </a:xfrm>
+          <a:prstGeom prst="rect">
+            <a:avLst/>
+          </a:prstGeom>
+        </p:spPr>
+      </p:pic>
+      <p:pic>
+        <p:nvPicPr>
+          <p:cNvPr id="13" name="그림 12">
+            <a:extLst>
+              <a:ext uri="{FF2B5EF4-FFF2-40B4-BE49-F238E27FC236}">
+                <a16:creationId xmlns:a16="http://schemas.microsoft.com/office/drawing/2014/main" id="{C53C8D1E-CFC1-90C8-F119-7D95C89EFB0C}"/>
+              </a:ext>
+            </a:extLst>
+          </p:cNvPr>
+          <p:cNvPicPr>
+            <a:picLocks noChangeAspect="1"/>
+          </p:cNvPicPr>
+          <p:nvPr/>
+        </p:nvPicPr>
+        <p:blipFill>
+          <a:blip r:embed="rId4"/>
+          <a:stretch>
+            <a:fillRect/>
+          </a:stretch>
+        </p:blipFill>
+        <p:spPr>
+          <a:xfrm>
+            <a:off x="1564459" y="3223183"/>
+            <a:ext cx="905001" cy="847843"/>
+          </a:xfrm>
+          <a:prstGeom prst="rect">
+            <a:avLst/>
+          </a:prstGeom>
+        </p:spPr>
+      </p:pic>
+      <p:pic>
+        <p:nvPicPr>
+          <p:cNvPr id="15" name="그림 14">
+            <a:extLst>
+              <a:ext uri="{FF2B5EF4-FFF2-40B4-BE49-F238E27FC236}">
+                <a16:creationId xmlns:a16="http://schemas.microsoft.com/office/drawing/2014/main" id="{72C64F46-D7AE-56AF-EB54-50F9AEF7156E}"/>
+              </a:ext>
+            </a:extLst>
+          </p:cNvPr>
+          <p:cNvPicPr>
+            <a:picLocks noChangeAspect="1"/>
+          </p:cNvPicPr>
+          <p:nvPr/>
+        </p:nvPicPr>
+        <p:blipFill>
+          <a:blip r:embed="rId5"/>
+          <a:stretch>
+            <a:fillRect/>
+          </a:stretch>
+        </p:blipFill>
+        <p:spPr>
+          <a:xfrm>
+            <a:off x="3490984" y="3223183"/>
+            <a:ext cx="855274" cy="855274"/>
+          </a:xfrm>
+          <a:prstGeom prst="rect">
+            <a:avLst/>
+          </a:prstGeom>
+        </p:spPr>
+      </p:pic>
+      <p:sp>
+        <p:nvSpPr>
+          <p:cNvPr id="16" name="TextBox 15">
+            <a:extLst>
+              <a:ext uri="{FF2B5EF4-FFF2-40B4-BE49-F238E27FC236}">
+                <a16:creationId xmlns:a16="http://schemas.microsoft.com/office/drawing/2014/main" id="{8BEAA795-B379-8EA3-A49C-278C64D6B3AD}"/>
+              </a:ext>
+            </a:extLst>
+          </p:cNvPr>
+          <p:cNvSpPr txBox="1"/>
+          <p:nvPr/>
+        </p:nvSpPr>
+        <p:spPr>
+          <a:xfrm>
+            <a:off x="517712" y="4343400"/>
+            <a:ext cx="10744200" cy="369332"/>
+          </a:xfrm>
+          <a:prstGeom prst="rect">
+            <a:avLst/>
+          </a:prstGeom>
+          <a:noFill/>
+        </p:spPr>
+        <p:txBody>
+          <a:bodyPr wrap="square" rtlCol="0">
+            <a:spAutoFit/>
+          </a:bodyPr>
+          <a:lstStyle/>
+          <a:p>
+            <a:r>
+              <a:rPr lang="ko-KR" altLang="en-US" dirty="0"/>
+              <a:t>위 게임들</a:t>
+            </a:r>
+            <a:r>
+              <a:rPr lang="en-US" altLang="ko-KR" dirty="0"/>
+              <a:t>, </a:t>
+            </a:r>
+            <a:r>
+              <a:rPr lang="ko-KR" altLang="en-US" dirty="0"/>
+              <a:t>원신</a:t>
+            </a:r>
+            <a:r>
+              <a:rPr lang="en-US" altLang="ko-KR" dirty="0"/>
+              <a:t>, </a:t>
+            </a:r>
+            <a:r>
+              <a:rPr lang="ko-KR" altLang="en-US" dirty="0"/>
+              <a:t>명조</a:t>
+            </a:r>
+            <a:r>
+              <a:rPr lang="en-US" altLang="ko-KR" dirty="0"/>
+              <a:t>, </a:t>
+            </a:r>
+            <a:r>
+              <a:rPr lang="ko-KR" altLang="en-US" dirty="0" err="1"/>
+              <a:t>젠존제</a:t>
+            </a:r>
+            <a:r>
+              <a:rPr lang="en-US" altLang="ko-KR" dirty="0"/>
+              <a:t>, </a:t>
+            </a:r>
+            <a:r>
+              <a:rPr lang="ko-KR" altLang="en-US" dirty="0" err="1"/>
+              <a:t>니케</a:t>
+            </a:r>
+            <a:r>
+              <a:rPr lang="ko-KR" altLang="en-US" dirty="0"/>
+              <a:t> 등등 많은 게임들이 </a:t>
+            </a:r>
+            <a:r>
+              <a:rPr lang="ko-KR" altLang="en-US" b="1" dirty="0">
+                <a:highlight>
+                  <a:srgbClr val="FFFF00"/>
+                </a:highlight>
+              </a:rPr>
+              <a:t>디자인</a:t>
+            </a:r>
+            <a:r>
+              <a:rPr lang="ko-KR" altLang="en-US" dirty="0">
+                <a:highlight>
+                  <a:srgbClr val="FFFF00"/>
+                </a:highlight>
+              </a:rPr>
+              <a:t>과 </a:t>
+            </a:r>
+            <a:r>
+              <a:rPr lang="ko-KR" altLang="en-US" b="1" dirty="0">
+                <a:highlight>
+                  <a:srgbClr val="FFFF00"/>
+                </a:highlight>
+              </a:rPr>
+              <a:t>기획</a:t>
+            </a:r>
+            <a:r>
+              <a:rPr lang="en-US" altLang="ko-KR" b="1" dirty="0">
+                <a:highlight>
+                  <a:srgbClr val="FFFF00"/>
+                </a:highlight>
+              </a:rPr>
+              <a:t>(</a:t>
+            </a:r>
+            <a:r>
+              <a:rPr lang="ko-KR" altLang="en-US" b="1" dirty="0">
+                <a:highlight>
+                  <a:srgbClr val="FFFF00"/>
+                </a:highlight>
+              </a:rPr>
+              <a:t>컨텐츠</a:t>
+            </a:r>
+            <a:r>
+              <a:rPr lang="en-US" altLang="ko-KR" b="1" dirty="0">
+                <a:highlight>
+                  <a:srgbClr val="FFFF00"/>
+                </a:highlight>
+              </a:rPr>
+              <a:t>)</a:t>
+            </a:r>
+            <a:r>
+              <a:rPr lang="ko-KR" altLang="en-US" dirty="0"/>
+              <a:t>로 성공한 케이스이다</a:t>
+            </a:r>
+            <a:r>
+              <a:rPr lang="en-US" altLang="ko-KR" dirty="0"/>
+              <a:t>.</a:t>
+            </a:r>
+            <a:endParaRPr lang="ko-KR" altLang="en-US" dirty="0"/>
           </a:p>
         </p:txBody>
       </p:sp>
     </p:spTree>
     <p:extLst>
       <p:ext uri="{BB962C8B-B14F-4D97-AF65-F5344CB8AC3E}">
-        <p14:creationId xmlns:p14="http://schemas.microsoft.com/office/powerpoint/2010/main" val="4274668901"/>
+        <p14:creationId xmlns:p14="http://schemas.microsoft.com/office/powerpoint/2010/main" val="1981123653"/>
       </p:ext>
     </p:extLst>
   </p:cSld>
@@ -6843,10 +7003,10 @@
       </p:grpSpPr>
       <p:sp>
         <p:nvSpPr>
-          <p:cNvPr id="4" name="TextBox 3">
-            <a:extLst>
-              <a:ext uri="{FF2B5EF4-FFF2-40B4-BE49-F238E27FC236}">
-                <a16:creationId xmlns:a16="http://schemas.microsoft.com/office/drawing/2014/main" id="{A5F167BA-0E5C-B8D0-0608-9796B2E6B0F4}"/>
+          <p:cNvPr id="5" name="TextBox 4">
+            <a:extLst>
+              <a:ext uri="{FF2B5EF4-FFF2-40B4-BE49-F238E27FC236}">
+                <a16:creationId xmlns:a16="http://schemas.microsoft.com/office/drawing/2014/main" id="{7052F05D-3B20-858A-0F79-D0ACC6C2DDF9}"/>
               </a:ext>
             </a:extLst>
           </p:cNvPr>
@@ -6855,8 +7015,8 @@
         </p:nvSpPr>
         <p:spPr>
           <a:xfrm>
-            <a:off x="591671" y="611379"/>
-            <a:ext cx="2608729" cy="369332"/>
+            <a:off x="579905" y="662498"/>
+            <a:ext cx="6094878" cy="369332"/>
           </a:xfrm>
           <a:prstGeom prst="rect">
             <a:avLst/>
@@ -6864,7 +7024,7 @@
           <a:noFill/>
         </p:spPr>
         <p:txBody>
-          <a:bodyPr wrap="square" rtlCol="0">
+          <a:bodyPr wrap="square">
             <a:spAutoFit/>
           </a:bodyPr>
           <a:lstStyle/>
@@ -6878,10 +7038,10 @@
       </p:sp>
       <p:sp>
         <p:nvSpPr>
-          <p:cNvPr id="5" name="TextBox 4">
-            <a:extLst>
-              <a:ext uri="{FF2B5EF4-FFF2-40B4-BE49-F238E27FC236}">
-                <a16:creationId xmlns:a16="http://schemas.microsoft.com/office/drawing/2014/main" id="{AC34D1AF-9E31-DD58-349F-83B66975F815}"/>
+          <p:cNvPr id="6" name="TextBox 5">
+            <a:extLst>
+              <a:ext uri="{FF2B5EF4-FFF2-40B4-BE49-F238E27FC236}">
+                <a16:creationId xmlns:a16="http://schemas.microsoft.com/office/drawing/2014/main" id="{870B89C0-E3C4-AF86-2780-8B0955A14622}"/>
               </a:ext>
             </a:extLst>
           </p:cNvPr>
@@ -6890,8 +7050,8 @@
         </p:nvSpPr>
         <p:spPr>
           <a:xfrm>
-            <a:off x="457200" y="1223681"/>
-            <a:ext cx="10643347" cy="2585323"/>
+            <a:off x="705971" y="1129553"/>
+            <a:ext cx="10246658" cy="923330"/>
           </a:xfrm>
           <a:prstGeom prst="rect">
             <a:avLst/>
@@ -6906,232 +7066,68 @@
           <a:p>
             <a:r>
               <a:rPr lang="ko-KR" altLang="en-US" dirty="0"/>
-              <a:t>게임 개발 </a:t>
+              <a:t>그렇다고 프로그램 개발이 없어도 되는가</a:t>
             </a:r>
             <a:r>
               <a:rPr lang="en-US" altLang="ko-KR" dirty="0"/>
-              <a:t>= </a:t>
-            </a:r>
-            <a:r>
-              <a:rPr lang="ko-KR" altLang="en-US" dirty="0"/>
-              <a:t>프로그램 개발</a:t>
-            </a:r>
-            <a:r>
-              <a:rPr lang="en-US" altLang="ko-KR" dirty="0"/>
-              <a:t>(Unity) + </a:t>
-            </a:r>
-            <a:r>
-              <a:rPr lang="ko-KR" altLang="en-US" dirty="0"/>
-              <a:t>게임 기획 파트  </a:t>
-            </a:r>
-            <a:r>
-              <a:rPr lang="en-US" altLang="ko-KR" dirty="0"/>
-              <a:t>+ </a:t>
-            </a:r>
-            <a:r>
-              <a:rPr lang="ko-KR" altLang="en-US" dirty="0"/>
-              <a:t>디자인 파트</a:t>
-            </a:r>
-            <a:r>
-              <a:rPr lang="en-US" altLang="ko-KR" dirty="0"/>
-              <a:t> + </a:t>
-            </a:r>
-            <a:r>
-              <a:rPr lang="ko-KR" altLang="en-US" dirty="0"/>
-              <a:t>등등으로 구성 </a:t>
-            </a:r>
-            <a:endParaRPr lang="en-US" altLang="ko-KR" dirty="0"/>
-          </a:p>
-          <a:p>
-            <a:endParaRPr lang="en-US" altLang="ko-KR" dirty="0"/>
-          </a:p>
-          <a:p>
-            <a:pPr marL="285750" indent="-285750">
-              <a:buFont typeface="Wingdings" panose="05000000000000000000" pitchFamily="2" charset="2"/>
-              <a:buChar char="è"/>
-            </a:pPr>
+              <a:t>? </a:t>
+            </a:r>
+            <a:r>
+              <a:rPr lang="en-US" altLang="ko-KR" dirty="0">
+                <a:sym typeface="Wingdings" panose="05000000000000000000" pitchFamily="2" charset="2"/>
+              </a:rPr>
+              <a:t> </a:t>
+            </a:r>
             <a:r>
               <a:rPr lang="ko-KR" altLang="en-US" dirty="0">
                 <a:sym typeface="Wingdings" panose="05000000000000000000" pitchFamily="2" charset="2"/>
               </a:rPr>
-              <a:t>중요도 </a:t>
+              <a:t>이것은 아니다</a:t>
             </a:r>
             <a:r>
               <a:rPr lang="en-US" altLang="ko-KR" dirty="0">
                 <a:sym typeface="Wingdings" panose="05000000000000000000" pitchFamily="2" charset="2"/>
               </a:rPr>
-              <a:t>: </a:t>
-            </a:r>
+              <a:t>.</a:t>
+            </a:r>
+          </a:p>
+          <a:p>
             <a:r>
               <a:rPr lang="ko-KR" altLang="en-US" dirty="0">
                 <a:sym typeface="Wingdings" panose="05000000000000000000" pitchFamily="2" charset="2"/>
               </a:rPr>
-              <a:t>디자인 </a:t>
+              <a:t>흥행을 시키고도 프로그램 개발</a:t>
             </a:r>
             <a:r>
               <a:rPr lang="en-US" altLang="ko-KR" dirty="0">
                 <a:sym typeface="Wingdings" panose="05000000000000000000" pitchFamily="2" charset="2"/>
               </a:rPr>
-              <a:t>&gt; </a:t>
+              <a:t>, </a:t>
             </a:r>
             <a:r>
               <a:rPr lang="ko-KR" altLang="en-US" dirty="0">
                 <a:sym typeface="Wingdings" panose="05000000000000000000" pitchFamily="2" charset="2"/>
               </a:rPr>
-              <a:t>게임 기획 </a:t>
+              <a:t>유지 보수를 못해서 나락의 길을 걸었던 게임들도 많다</a:t>
             </a:r>
             <a:r>
               <a:rPr lang="en-US" altLang="ko-KR" dirty="0">
                 <a:sym typeface="Wingdings" panose="05000000000000000000" pitchFamily="2" charset="2"/>
               </a:rPr>
-              <a:t>&gt; </a:t>
-            </a:r>
-            <a:r>
-              <a:rPr lang="ko-KR" altLang="en-US" dirty="0">
-                <a:sym typeface="Wingdings" panose="05000000000000000000" pitchFamily="2" charset="2"/>
-              </a:rPr>
-              <a:t>프로그램 개발</a:t>
-            </a:r>
-            <a:endParaRPr lang="en-US" altLang="ko-KR" dirty="0">
-              <a:sym typeface="Wingdings" panose="05000000000000000000" pitchFamily="2" charset="2"/>
-            </a:endParaRPr>
-          </a:p>
-          <a:p>
-            <a:endParaRPr lang="en-US" altLang="ko-KR" dirty="0">
-              <a:sym typeface="Wingdings" panose="05000000000000000000" pitchFamily="2" charset="2"/>
-            </a:endParaRPr>
-          </a:p>
-          <a:p>
-            <a:r>
-              <a:rPr lang="ko-KR" altLang="en-US" b="1" dirty="0">
-                <a:sym typeface="Wingdings" panose="05000000000000000000" pitchFamily="2" charset="2"/>
-              </a:rPr>
-              <a:t>디자인</a:t>
-            </a:r>
-            <a:r>
-              <a:rPr lang="ko-KR" altLang="en-US" dirty="0">
-                <a:sym typeface="Wingdings" panose="05000000000000000000" pitchFamily="2" charset="2"/>
-              </a:rPr>
-              <a:t>이 결국 </a:t>
-            </a:r>
-            <a:r>
-              <a:rPr lang="en-US" altLang="ko-KR" dirty="0">
-                <a:sym typeface="Wingdings" panose="05000000000000000000" pitchFamily="2" charset="2"/>
-              </a:rPr>
-              <a:t>“</a:t>
-            </a:r>
-            <a:r>
-              <a:rPr lang="ko-KR" altLang="en-US" b="1" dirty="0">
-                <a:highlight>
-                  <a:srgbClr val="FFFF00"/>
-                </a:highlight>
-                <a:sym typeface="Wingdings" panose="05000000000000000000" pitchFamily="2" charset="2"/>
-              </a:rPr>
-              <a:t>유입 관문</a:t>
-            </a:r>
-            <a:r>
-              <a:rPr lang="en-US" altLang="ko-KR" dirty="0">
-                <a:sym typeface="Wingdings" panose="05000000000000000000" pitchFamily="2" charset="2"/>
-              </a:rPr>
-              <a:t>”</a:t>
-            </a:r>
-            <a:r>
-              <a:rPr lang="ko-KR" altLang="en-US" dirty="0">
-                <a:sym typeface="Wingdings" panose="05000000000000000000" pitchFamily="2" charset="2"/>
-              </a:rPr>
-              <a:t>이 되고</a:t>
-            </a:r>
-            <a:r>
-              <a:rPr lang="en-US" altLang="ko-KR" dirty="0">
-                <a:sym typeface="Wingdings" panose="05000000000000000000" pitchFamily="2" charset="2"/>
-              </a:rPr>
-              <a:t>, </a:t>
-            </a:r>
-            <a:r>
-              <a:rPr lang="ko-KR" altLang="en-US" b="1" dirty="0">
-                <a:sym typeface="Wingdings" panose="05000000000000000000" pitchFamily="2" charset="2"/>
-              </a:rPr>
-              <a:t>기획 파트</a:t>
-            </a:r>
-            <a:r>
-              <a:rPr lang="ko-KR" altLang="en-US" dirty="0">
-                <a:sym typeface="Wingdings" panose="05000000000000000000" pitchFamily="2" charset="2"/>
-              </a:rPr>
-              <a:t>가 </a:t>
-            </a:r>
-            <a:r>
-              <a:rPr lang="en-US" altLang="ko-KR" dirty="0">
-                <a:sym typeface="Wingdings" panose="05000000000000000000" pitchFamily="2" charset="2"/>
-              </a:rPr>
-              <a:t>“</a:t>
-            </a:r>
-            <a:r>
-              <a:rPr lang="ko-KR" altLang="en-US" b="1" dirty="0">
-                <a:highlight>
-                  <a:srgbClr val="FFFF00"/>
-                </a:highlight>
-                <a:sym typeface="Wingdings" panose="05000000000000000000" pitchFamily="2" charset="2"/>
-              </a:rPr>
-              <a:t>유지와 성장 동력</a:t>
-            </a:r>
-            <a:r>
-              <a:rPr lang="en-US" altLang="ko-KR" dirty="0">
-                <a:sym typeface="Wingdings" panose="05000000000000000000" pitchFamily="2" charset="2"/>
-              </a:rPr>
-              <a:t>＂</a:t>
-            </a:r>
-            <a:r>
-              <a:rPr lang="ko-KR" altLang="en-US" dirty="0">
-                <a:sym typeface="Wingdings" panose="05000000000000000000" pitchFamily="2" charset="2"/>
-              </a:rPr>
-              <a:t>이라고 생각하며</a:t>
-            </a:r>
-            <a:r>
-              <a:rPr lang="en-US" altLang="ko-KR" dirty="0">
-                <a:sym typeface="Wingdings" panose="05000000000000000000" pitchFamily="2" charset="2"/>
-              </a:rPr>
-              <a:t>, </a:t>
-            </a:r>
-            <a:r>
-              <a:rPr lang="ko-KR" altLang="en-US" dirty="0">
-                <a:sym typeface="Wingdings" panose="05000000000000000000" pitchFamily="2" charset="2"/>
-              </a:rPr>
-              <a:t>개발 파트는 게임을 흥행 시키는데 중요한 역할을 하지 못한다</a:t>
-            </a:r>
-            <a:r>
-              <a:rPr lang="en-US" altLang="ko-KR" dirty="0">
-                <a:sym typeface="Wingdings" panose="05000000000000000000" pitchFamily="2" charset="2"/>
-              </a:rPr>
               <a:t>.</a:t>
             </a:r>
           </a:p>
           <a:p>
-            <a:endParaRPr lang="en-US" altLang="ko-KR" dirty="0">
-              <a:sym typeface="Wingdings" panose="05000000000000000000" pitchFamily="2" charset="2"/>
-            </a:endParaRPr>
-          </a:p>
-          <a:p>
-            <a:endParaRPr lang="en-US" altLang="ko-KR" dirty="0">
-              <a:sym typeface="Wingdings" panose="05000000000000000000" pitchFamily="2" charset="2"/>
-            </a:endParaRPr>
-          </a:p>
-          <a:p>
-            <a:pPr marL="285750" indent="-285750">
-              <a:buFont typeface="Wingdings" panose="05000000000000000000" pitchFamily="2" charset="2"/>
-              <a:buChar char="è"/>
-            </a:pPr>
-            <a:endParaRPr lang="en-US" altLang="ko-KR" dirty="0">
-              <a:sym typeface="Wingdings" panose="05000000000000000000" pitchFamily="2" charset="2"/>
-            </a:endParaRPr>
+            <a:endParaRPr lang="ko-KR" altLang="en-US" dirty="0"/>
           </a:p>
         </p:txBody>
       </p:sp>
       <p:pic>
         <p:nvPicPr>
-          <p:cNvPr id="7" name="그림 6">
-            <a:extLst>
-              <a:ext uri="{FF2B5EF4-FFF2-40B4-BE49-F238E27FC236}">
-                <a16:creationId xmlns:a16="http://schemas.microsoft.com/office/drawing/2014/main" id="{1C8114DC-EAE6-C989-E1EA-97C46B8F4F05}"/>
+          <p:cNvPr id="8" name="그림 7">
+            <a:extLst>
+              <a:ext uri="{FF2B5EF4-FFF2-40B4-BE49-F238E27FC236}">
+                <a16:creationId xmlns:a16="http://schemas.microsoft.com/office/drawing/2014/main" id="{B6436D6E-76A1-A58A-3997-D1BD436DB52D}"/>
               </a:ext>
             </a:extLst>
           </p:cNvPr>
@@ -7148,8 +7144,8 @@
         </p:blipFill>
         <p:spPr>
           <a:xfrm>
-            <a:off x="591671" y="3242236"/>
-            <a:ext cx="828791" cy="809738"/>
+            <a:off x="829738" y="1831263"/>
+            <a:ext cx="1274727" cy="1289550"/>
           </a:xfrm>
           <a:prstGeom prst="rect">
             <a:avLst/>
@@ -7158,10 +7154,10 @@
       </p:pic>
       <p:pic>
         <p:nvPicPr>
-          <p:cNvPr id="9" name="그림 8">
-            <a:extLst>
-              <a:ext uri="{FF2B5EF4-FFF2-40B4-BE49-F238E27FC236}">
-                <a16:creationId xmlns:a16="http://schemas.microsoft.com/office/drawing/2014/main" id="{0B9B944D-CBEB-EDB7-9862-8B8F851EF449}"/>
+          <p:cNvPr id="10" name="그림 9">
+            <a:extLst>
+              <a:ext uri="{FF2B5EF4-FFF2-40B4-BE49-F238E27FC236}">
+                <a16:creationId xmlns:a16="http://schemas.microsoft.com/office/drawing/2014/main" id="{BA3EE6B4-E67D-2631-BB8E-3813FC8F67C9}"/>
               </a:ext>
             </a:extLst>
           </p:cNvPr>
@@ -7178,20 +7174,174 @@
         </p:blipFill>
         <p:spPr>
           <a:xfrm>
-            <a:off x="2527722" y="3242236"/>
-            <a:ext cx="905000" cy="855274"/>
+            <a:off x="786034" y="3153099"/>
+            <a:ext cx="1362133" cy="1338848"/>
           </a:xfrm>
           <a:prstGeom prst="rect">
             <a:avLst/>
           </a:prstGeom>
         </p:spPr>
       </p:pic>
+      <p:sp>
+        <p:nvSpPr>
+          <p:cNvPr id="11" name="TextBox 10">
+            <a:extLst>
+              <a:ext uri="{FF2B5EF4-FFF2-40B4-BE49-F238E27FC236}">
+                <a16:creationId xmlns:a16="http://schemas.microsoft.com/office/drawing/2014/main" id="{D5E5DDAD-4F4B-848D-45CC-A05B114E1BD1}"/>
+              </a:ext>
+            </a:extLst>
+          </p:cNvPr>
+          <p:cNvSpPr txBox="1"/>
+          <p:nvPr/>
+        </p:nvSpPr>
+        <p:spPr>
+          <a:xfrm>
+            <a:off x="2148167" y="1831263"/>
+            <a:ext cx="8054789" cy="646331"/>
+          </a:xfrm>
+          <a:prstGeom prst="rect">
+            <a:avLst/>
+          </a:prstGeom>
+          <a:noFill/>
+        </p:spPr>
+        <p:txBody>
+          <a:bodyPr wrap="square" rtlCol="0">
+            <a:spAutoFit/>
+          </a:bodyPr>
+          <a:lstStyle/>
+          <a:p>
+            <a:r>
+              <a:rPr lang="en-US" altLang="ko-KR" dirty="0"/>
+              <a:t>2018</a:t>
+            </a:r>
+            <a:r>
+              <a:rPr lang="ko-KR" altLang="en-US" dirty="0"/>
+              <a:t>년도 </a:t>
+            </a:r>
+            <a:r>
+              <a:rPr lang="ko-KR" altLang="en-US" b="1" dirty="0" err="1"/>
+              <a:t>배그</a:t>
+            </a:r>
+            <a:r>
+              <a:rPr lang="ko-KR" altLang="en-US" b="1" dirty="0"/>
+              <a:t> 핵 이슈</a:t>
+            </a:r>
+            <a:endParaRPr lang="en-US" altLang="ko-KR" b="1" dirty="0"/>
+          </a:p>
+          <a:p>
+            <a:r>
+              <a:rPr lang="ko-KR" altLang="en-US" dirty="0" err="1"/>
+              <a:t>동접자</a:t>
+            </a:r>
+            <a:r>
+              <a:rPr lang="ko-KR" altLang="en-US" dirty="0"/>
+              <a:t> </a:t>
+            </a:r>
+            <a:r>
+              <a:rPr lang="en-US" altLang="ko-KR" dirty="0"/>
+              <a:t>200</a:t>
+            </a:r>
+            <a:r>
+              <a:rPr lang="ko-KR" altLang="en-US" dirty="0"/>
+              <a:t>만 </a:t>
+            </a:r>
+            <a:r>
+              <a:rPr lang="en-US" altLang="ko-KR" dirty="0">
+                <a:sym typeface="Wingdings" panose="05000000000000000000" pitchFamily="2" charset="2"/>
+              </a:rPr>
+              <a:t> 120</a:t>
+            </a:r>
+            <a:r>
+              <a:rPr lang="ko-KR" altLang="en-US" dirty="0">
+                <a:sym typeface="Wingdings" panose="05000000000000000000" pitchFamily="2" charset="2"/>
+              </a:rPr>
+              <a:t>만 이하</a:t>
+            </a:r>
+            <a:endParaRPr lang="ko-KR" altLang="en-US" dirty="0"/>
+          </a:p>
+        </p:txBody>
+      </p:sp>
+      <p:sp>
+        <p:nvSpPr>
+          <p:cNvPr id="12" name="TextBox 11">
+            <a:extLst>
+              <a:ext uri="{FF2B5EF4-FFF2-40B4-BE49-F238E27FC236}">
+                <a16:creationId xmlns:a16="http://schemas.microsoft.com/office/drawing/2014/main" id="{77EE5360-A29D-F2B6-198D-DE3F0C2E14FD}"/>
+              </a:ext>
+            </a:extLst>
+          </p:cNvPr>
+          <p:cNvSpPr txBox="1"/>
+          <p:nvPr/>
+        </p:nvSpPr>
+        <p:spPr>
+          <a:xfrm>
+            <a:off x="2148166" y="3179304"/>
+            <a:ext cx="8054789" cy="646331"/>
+          </a:xfrm>
+          <a:prstGeom prst="rect">
+            <a:avLst/>
+          </a:prstGeom>
+          <a:noFill/>
+        </p:spPr>
+        <p:txBody>
+          <a:bodyPr wrap="square" rtlCol="0">
+            <a:spAutoFit/>
+          </a:bodyPr>
+          <a:lstStyle/>
+          <a:p>
+            <a:r>
+              <a:rPr lang="ko-KR" altLang="en-US" b="1" dirty="0" err="1"/>
+              <a:t>오버워치</a:t>
+            </a:r>
+            <a:r>
+              <a:rPr lang="ko-KR" altLang="en-US" b="1" dirty="0"/>
+              <a:t> 핵 이슈</a:t>
+            </a:r>
+            <a:endParaRPr lang="en-US" altLang="ko-KR" b="1" dirty="0"/>
+          </a:p>
+          <a:p>
+            <a:r>
+              <a:rPr lang="ko-KR" altLang="en-US" dirty="0" err="1"/>
+              <a:t>동접자</a:t>
+            </a:r>
+            <a:r>
+              <a:rPr lang="ko-KR" altLang="en-US" dirty="0"/>
+              <a:t> 꾸준히 감소 </a:t>
+            </a:r>
+            <a:r>
+              <a:rPr lang="en-US" altLang="ko-KR" dirty="0"/>
+              <a:t>-&gt; </a:t>
+            </a:r>
+            <a:r>
+              <a:rPr lang="ko-KR" altLang="en-US" dirty="0"/>
+              <a:t>망하고 </a:t>
+            </a:r>
+            <a:r>
+              <a:rPr lang="ko-KR" altLang="en-US" dirty="0" err="1"/>
+              <a:t>오버워치</a:t>
+            </a:r>
+            <a:r>
+              <a:rPr lang="en-US" altLang="ko-KR" dirty="0"/>
+              <a:t>2</a:t>
+            </a:r>
+            <a:r>
+              <a:rPr lang="ko-KR" altLang="en-US" dirty="0"/>
+              <a:t>로 </a:t>
+            </a:r>
+            <a:r>
+              <a:rPr lang="ko-KR" altLang="en-US" dirty="0" err="1"/>
+              <a:t>넘어감</a:t>
+            </a:r>
+            <a:endParaRPr lang="en-US" altLang="ko-KR" dirty="0"/>
+          </a:p>
+        </p:txBody>
+      </p:sp>
       <p:pic>
         <p:nvPicPr>
-          <p:cNvPr id="13" name="그림 12">
-            <a:extLst>
-              <a:ext uri="{FF2B5EF4-FFF2-40B4-BE49-F238E27FC236}">
-                <a16:creationId xmlns:a16="http://schemas.microsoft.com/office/drawing/2014/main" id="{C53C8D1E-CFC1-90C8-F119-7D95C89EFB0C}"/>
+          <p:cNvPr id="14" name="그림 13">
+            <a:extLst>
+              <a:ext uri="{FF2B5EF4-FFF2-40B4-BE49-F238E27FC236}">
+                <a16:creationId xmlns:a16="http://schemas.microsoft.com/office/drawing/2014/main" id="{7EB17100-11BE-DDB5-4269-62798E7C341F}"/>
               </a:ext>
             </a:extLst>
           </p:cNvPr>
@@ -7208,8 +7358,8 @@
         </p:blipFill>
         <p:spPr>
           <a:xfrm>
-            <a:off x="1564459" y="3223183"/>
-            <a:ext cx="905001" cy="847843"/>
+            <a:off x="829738" y="4725267"/>
+            <a:ext cx="876422" cy="866896"/>
           </a:xfrm>
           <a:prstGeom prst="rect">
             <a:avLst/>
@@ -7218,10 +7368,10 @@
       </p:pic>
       <p:pic>
         <p:nvPicPr>
-          <p:cNvPr id="15" name="그림 14">
-            <a:extLst>
-              <a:ext uri="{FF2B5EF4-FFF2-40B4-BE49-F238E27FC236}">
-                <a16:creationId xmlns:a16="http://schemas.microsoft.com/office/drawing/2014/main" id="{72C64F46-D7AE-56AF-EB54-50F9AEF7156E}"/>
+          <p:cNvPr id="16" name="그림 15">
+            <a:extLst>
+              <a:ext uri="{FF2B5EF4-FFF2-40B4-BE49-F238E27FC236}">
+                <a16:creationId xmlns:a16="http://schemas.microsoft.com/office/drawing/2014/main" id="{C5EE4EF9-4062-41B3-47B6-F8BBF9259FD1}"/>
               </a:ext>
             </a:extLst>
           </p:cNvPr>
@@ -7238,8 +7388,8 @@
         </p:blipFill>
         <p:spPr>
           <a:xfrm>
-            <a:off x="3490984" y="3223183"/>
-            <a:ext cx="855274" cy="855274"/>
+            <a:off x="1796231" y="4711330"/>
+            <a:ext cx="1028844" cy="962159"/>
           </a:xfrm>
           <a:prstGeom prst="rect">
             <a:avLst/>
@@ -7248,10 +7398,10 @@
       </p:pic>
       <p:sp>
         <p:nvSpPr>
-          <p:cNvPr id="16" name="TextBox 15">
-            <a:extLst>
-              <a:ext uri="{FF2B5EF4-FFF2-40B4-BE49-F238E27FC236}">
-                <a16:creationId xmlns:a16="http://schemas.microsoft.com/office/drawing/2014/main" id="{8BEAA795-B379-8EA3-A49C-278C64D6B3AD}"/>
+          <p:cNvPr id="17" name="TextBox 16">
+            <a:extLst>
+              <a:ext uri="{FF2B5EF4-FFF2-40B4-BE49-F238E27FC236}">
+                <a16:creationId xmlns:a16="http://schemas.microsoft.com/office/drawing/2014/main" id="{9347DEBE-F858-5D8E-7CDA-A81D737CA0A6}"/>
               </a:ext>
             </a:extLst>
           </p:cNvPr>
@@ -7260,8 +7410,8 @@
         </p:nvSpPr>
         <p:spPr>
           <a:xfrm>
-            <a:off x="517712" y="4343400"/>
-            <a:ext cx="10744200" cy="369332"/>
+            <a:off x="2717986" y="4711330"/>
+            <a:ext cx="7913594" cy="646331"/>
           </a:xfrm>
           <a:prstGeom prst="rect">
             <a:avLst/>
@@ -7275,109 +7425,31 @@
           <a:lstStyle/>
           <a:p>
             <a:r>
+              <a:rPr lang="ko-KR" altLang="en-US" b="1" dirty="0"/>
+              <a:t>도타</a:t>
+            </a:r>
+            <a:r>
+              <a:rPr lang="en-US" altLang="ko-KR" b="1" dirty="0"/>
+              <a:t>2/ </a:t>
+            </a:r>
+            <a:r>
+              <a:rPr lang="ko-KR" altLang="en-US" b="1" dirty="0"/>
+              <a:t>롤 특정 챔피언 버그</a:t>
+            </a:r>
+            <a:endParaRPr lang="en-US" altLang="ko-KR" b="1" dirty="0"/>
+          </a:p>
+          <a:p>
+            <a:r>
               <a:rPr lang="ko-KR" altLang="en-US" dirty="0"/>
-              <a:t>위 게임들</a:t>
-            </a:r>
-            <a:r>
-              <a:rPr lang="en-US" altLang="ko-KR" dirty="0"/>
-              <a:t>, </a:t>
-            </a:r>
-            <a:r>
-              <a:rPr lang="ko-KR" altLang="en-US" dirty="0"/>
-              <a:t>원신</a:t>
-            </a:r>
-            <a:r>
-              <a:rPr lang="en-US" altLang="ko-KR" dirty="0"/>
-              <a:t>, </a:t>
-            </a:r>
-            <a:r>
-              <a:rPr lang="ko-KR" altLang="en-US" dirty="0"/>
-              <a:t>명조</a:t>
-            </a:r>
-            <a:r>
-              <a:rPr lang="en-US" altLang="ko-KR" dirty="0"/>
-              <a:t>, </a:t>
-            </a:r>
-            <a:r>
-              <a:rPr lang="ko-KR" altLang="en-US" dirty="0" err="1"/>
-              <a:t>젠존제</a:t>
-            </a:r>
-            <a:r>
-              <a:rPr lang="en-US" altLang="ko-KR" dirty="0"/>
-              <a:t>, </a:t>
-            </a:r>
-            <a:r>
-              <a:rPr lang="ko-KR" altLang="en-US" dirty="0" err="1"/>
-              <a:t>니케</a:t>
-            </a:r>
-            <a:r>
-              <a:rPr lang="ko-KR" altLang="en-US" dirty="0"/>
-              <a:t> 등등 많은 게임들이 </a:t>
-            </a:r>
-            <a:r>
-              <a:rPr lang="ko-KR" altLang="en-US" b="1" dirty="0">
-                <a:highlight>
-                  <a:srgbClr val="FFFF00"/>
-                </a:highlight>
-              </a:rPr>
-              <a:t>디자인</a:t>
-            </a:r>
-            <a:r>
-              <a:rPr lang="ko-KR" altLang="en-US" dirty="0">
-                <a:highlight>
-                  <a:srgbClr val="FFFF00"/>
-                </a:highlight>
-              </a:rPr>
-              <a:t>과 </a:t>
-            </a:r>
-            <a:r>
-              <a:rPr lang="ko-KR" altLang="en-US" b="1" dirty="0">
-                <a:highlight>
-                  <a:srgbClr val="FFFF00"/>
-                </a:highlight>
-              </a:rPr>
-              <a:t>기획</a:t>
-            </a:r>
-            <a:r>
-              <a:rPr lang="en-US" altLang="ko-KR" b="1" dirty="0">
-                <a:highlight>
-                  <a:srgbClr val="FFFF00"/>
-                </a:highlight>
-              </a:rPr>
-              <a:t>(</a:t>
-            </a:r>
-            <a:r>
-              <a:rPr lang="ko-KR" altLang="en-US" b="1" dirty="0">
-                <a:highlight>
-                  <a:srgbClr val="FFFF00"/>
-                </a:highlight>
-              </a:rPr>
-              <a:t>컨텐츠</a:t>
-            </a:r>
-            <a:r>
-              <a:rPr lang="en-US" altLang="ko-KR" b="1" dirty="0">
-                <a:highlight>
-                  <a:srgbClr val="FFFF00"/>
-                </a:highlight>
-              </a:rPr>
-              <a:t>)</a:t>
-            </a:r>
-            <a:r>
-              <a:rPr lang="ko-KR" altLang="en-US" dirty="0"/>
-              <a:t>로 성공한 케이스이다</a:t>
-            </a:r>
-            <a:r>
-              <a:rPr lang="en-US" altLang="ko-KR" dirty="0"/>
-              <a:t>.</a:t>
-            </a:r>
-            <a:endParaRPr lang="ko-KR" altLang="en-US" dirty="0"/>
+              <a:t>대회에서 버그로 인한 글로벌 밴 등의 조치를 취함 </a:t>
+            </a:r>
           </a:p>
         </p:txBody>
       </p:sp>
     </p:spTree>
     <p:extLst>
       <p:ext uri="{BB962C8B-B14F-4D97-AF65-F5344CB8AC3E}">
-        <p14:creationId xmlns:p14="http://schemas.microsoft.com/office/powerpoint/2010/main" val="1981123653"/>
+        <p14:creationId xmlns:p14="http://schemas.microsoft.com/office/powerpoint/2010/main" val="2048155036"/>
       </p:ext>
     </p:extLst>
   </p:cSld>
@@ -7409,7 +7481,7 @@
           <p:cNvPr id="5" name="TextBox 4">
             <a:extLst>
               <a:ext uri="{FF2B5EF4-FFF2-40B4-BE49-F238E27FC236}">
-                <a16:creationId xmlns:a16="http://schemas.microsoft.com/office/drawing/2014/main" id="{7052F05D-3B20-858A-0F79-D0ACC6C2DDF9}"/>
+                <a16:creationId xmlns:a16="http://schemas.microsoft.com/office/drawing/2014/main" id="{02391413-6ECB-2AB1-0EAC-844359F3C1C3}"/>
               </a:ext>
             </a:extLst>
           </p:cNvPr>
@@ -7418,7 +7490,7 @@
         </p:nvSpPr>
         <p:spPr>
           <a:xfrm>
-            <a:off x="579905" y="662498"/>
+            <a:off x="640079" y="658368"/>
             <a:ext cx="6094878" cy="369332"/>
           </a:xfrm>
           <a:prstGeom prst="rect">
@@ -7434,7 +7506,7 @@
           <a:p>
             <a:r>
               <a:rPr lang="ko-KR" altLang="en-US" b="1" dirty="0"/>
-              <a:t>게임 개발</a:t>
+              <a:t>게임기획</a:t>
             </a:r>
           </a:p>
         </p:txBody>
@@ -7444,7 +7516,7 @@
           <p:cNvPr id="6" name="TextBox 5">
             <a:extLst>
               <a:ext uri="{FF2B5EF4-FFF2-40B4-BE49-F238E27FC236}">
-                <a16:creationId xmlns:a16="http://schemas.microsoft.com/office/drawing/2014/main" id="{870B89C0-E3C4-AF86-2780-8B0955A14622}"/>
+                <a16:creationId xmlns:a16="http://schemas.microsoft.com/office/drawing/2014/main" id="{D9262804-066D-770A-8AEE-5DEBB1FF4F63}"/>
               </a:ext>
             </a:extLst>
           </p:cNvPr>
@@ -7453,8 +7525,8 @@
         </p:nvSpPr>
         <p:spPr>
           <a:xfrm>
-            <a:off x="705971" y="1129553"/>
-            <a:ext cx="10246658" cy="923330"/>
+            <a:off x="640079" y="1095931"/>
+            <a:ext cx="8565776" cy="2308324"/>
           </a:xfrm>
           <a:prstGeom prst="rect">
             <a:avLst/>
@@ -7468,38 +7540,167 @@
           <a:lstStyle/>
           <a:p>
             <a:r>
+              <a:rPr lang="en-US" altLang="ko-KR" b="1" dirty="0"/>
+              <a:t>1</a:t>
+            </a:r>
+            <a:r>
+              <a:rPr lang="ko-KR" altLang="en-US" b="1" dirty="0"/>
+              <a:t>단계 </a:t>
+            </a:r>
+            <a:r>
+              <a:rPr lang="en-US" altLang="ko-KR" b="1" dirty="0"/>
+              <a:t>:  </a:t>
+            </a:r>
+            <a:r>
+              <a:rPr lang="ko-KR" altLang="en-US" b="1" dirty="0"/>
+              <a:t>기획 전 컨셉 확립 </a:t>
+            </a:r>
+            <a:r>
+              <a:rPr lang="en-US" altLang="ko-KR" dirty="0"/>
+              <a:t>=&gt; </a:t>
+            </a:r>
+            <a:r>
               <a:rPr lang="ko-KR" altLang="en-US" dirty="0"/>
-              <a:t>그렇다고 프로그램 개발이 없어도 되는가</a:t>
+              <a:t>무슨 게임을 만들 것 인가</a:t>
             </a:r>
             <a:r>
               <a:rPr lang="en-US" altLang="ko-KR" dirty="0"/>
-              <a:t>? </a:t>
+              <a:t>?</a:t>
+            </a:r>
+          </a:p>
+          <a:p>
+            <a:pPr marL="285750" indent="-285750">
+              <a:buFont typeface="Wingdings" panose="05000000000000000000" pitchFamily="2" charset="2"/>
+              <a:buChar char="è"/>
+            </a:pPr>
+            <a:r>
+              <a:rPr lang="ko-KR" altLang="en-US" dirty="0">
+                <a:sym typeface="Wingdings" panose="05000000000000000000" pitchFamily="2" charset="2"/>
+              </a:rPr>
+              <a:t>게임의 목표를 정의하고</a:t>
             </a:r>
             <a:r>
               <a:rPr lang="en-US" altLang="ko-KR" dirty="0">
                 <a:sym typeface="Wingdings" panose="05000000000000000000" pitchFamily="2" charset="2"/>
               </a:rPr>
+              <a:t>, </a:t>
+            </a:r>
+            <a:r>
+              <a:rPr lang="ko-KR" altLang="en-US" dirty="0" err="1">
+                <a:sym typeface="Wingdings" panose="05000000000000000000" pitchFamily="2" charset="2"/>
+              </a:rPr>
+              <a:t>경쟁작</a:t>
+            </a:r>
+            <a:r>
+              <a:rPr lang="ko-KR" altLang="en-US" dirty="0">
+                <a:sym typeface="Wingdings" panose="05000000000000000000" pitchFamily="2" charset="2"/>
+              </a:rPr>
+              <a:t> 조사 </a:t>
+            </a:r>
+            <a:r>
+              <a:rPr lang="en-US" altLang="ko-KR" dirty="0">
+                <a:sym typeface="Wingdings" panose="05000000000000000000" pitchFamily="2" charset="2"/>
+              </a:rPr>
+              <a:t>, </a:t>
+            </a:r>
+            <a:r>
+              <a:rPr lang="ko-KR" altLang="en-US" dirty="0">
+                <a:sym typeface="Wingdings" panose="05000000000000000000" pitchFamily="2" charset="2"/>
+              </a:rPr>
+              <a:t>콘텐츠 개발</a:t>
+            </a:r>
+            <a:r>
+              <a:rPr lang="en-US" altLang="ko-KR" dirty="0">
+                <a:sym typeface="Wingdings" panose="05000000000000000000" pitchFamily="2" charset="2"/>
+              </a:rPr>
+              <a:t>, </a:t>
+            </a:r>
+            <a:r>
+              <a:rPr lang="ko-KR" altLang="en-US" dirty="0">
+                <a:sym typeface="Wingdings" panose="05000000000000000000" pitchFamily="2" charset="2"/>
+              </a:rPr>
+              <a:t>세계관</a:t>
+            </a:r>
+            <a:r>
+              <a:rPr lang="en-US" altLang="ko-KR" dirty="0">
+                <a:sym typeface="Wingdings" panose="05000000000000000000" pitchFamily="2" charset="2"/>
+              </a:rPr>
+              <a:t>/</a:t>
+            </a:r>
+            <a:r>
+              <a:rPr lang="ko-KR" altLang="en-US" dirty="0">
+                <a:sym typeface="Wingdings" panose="05000000000000000000" pitchFamily="2" charset="2"/>
+              </a:rPr>
+              <a:t>배경 등 확립한다</a:t>
+            </a:r>
+            <a:r>
+              <a:rPr lang="en-US" altLang="ko-KR" dirty="0">
+                <a:sym typeface="Wingdings" panose="05000000000000000000" pitchFamily="2" charset="2"/>
+              </a:rPr>
+              <a:t>.</a:t>
+            </a:r>
+            <a:endParaRPr lang="en-US" altLang="ko-KR" dirty="0"/>
+          </a:p>
+          <a:p>
+            <a:endParaRPr lang="en-US" altLang="ko-KR" dirty="0"/>
+          </a:p>
+          <a:p>
+            <a:endParaRPr lang="en-US" altLang="ko-KR" dirty="0"/>
+          </a:p>
+          <a:p>
+            <a:endParaRPr lang="en-US" altLang="ko-KR" dirty="0"/>
+          </a:p>
+          <a:p>
+            <a:r>
+              <a:rPr lang="en-US" altLang="ko-KR" b="1" dirty="0"/>
+              <a:t>2</a:t>
+            </a:r>
+            <a:r>
+              <a:rPr lang="ko-KR" altLang="en-US" b="1" dirty="0"/>
+              <a:t>단계 </a:t>
+            </a:r>
+            <a:r>
+              <a:rPr lang="en-US" altLang="ko-KR" b="1" dirty="0"/>
+              <a:t>:</a:t>
+            </a:r>
+            <a:r>
+              <a:rPr lang="ko-KR" altLang="en-US" b="1" dirty="0"/>
+              <a:t> 핵심 구조 기획 </a:t>
+            </a:r>
+            <a:r>
+              <a:rPr lang="en-US" altLang="ko-KR" dirty="0"/>
+              <a:t>=&gt; </a:t>
+            </a:r>
+            <a:r>
+              <a:rPr lang="ko-KR" altLang="en-US" dirty="0"/>
+              <a:t>게임의 뼈대를 잡기</a:t>
+            </a:r>
+            <a:endParaRPr lang="en-US" altLang="ko-KR" dirty="0"/>
+          </a:p>
+          <a:p>
+            <a:r>
+              <a:rPr lang="en-US" altLang="ko-KR" dirty="0">
+                <a:sym typeface="Wingdings" panose="05000000000000000000" pitchFamily="2" charset="2"/>
+              </a:rPr>
               <a:t> </a:t>
             </a:r>
             <a:r>
               <a:rPr lang="ko-KR" altLang="en-US" dirty="0">
                 <a:sym typeface="Wingdings" panose="05000000000000000000" pitchFamily="2" charset="2"/>
               </a:rPr>
-              <a:t>이것은 아니다</a:t>
+              <a:t>게임 전반적인 플레이 방식을 구성하고</a:t>
             </a:r>
             <a:r>
               <a:rPr lang="en-US" altLang="ko-KR" dirty="0">
                 <a:sym typeface="Wingdings" panose="05000000000000000000" pitchFamily="2" charset="2"/>
               </a:rPr>
-              <a:t>.</a:t>
-            </a:r>
-          </a:p>
-          <a:p>
+              <a:t>, </a:t>
+            </a:r>
             <a:r>
               <a:rPr lang="ko-KR" altLang="en-US" dirty="0">
                 <a:sym typeface="Wingdings" panose="05000000000000000000" pitchFamily="2" charset="2"/>
               </a:rPr>
-              <a:t>흥행을 시키고도 프로그램 개발</a:t>
+              <a:t>게임 시스템 목록</a:t>
             </a:r>
             <a:r>
               <a:rPr lang="en-US" altLang="ko-KR" dirty="0">
@@ -7511,348 +7712,34 @@
               <a:rPr lang="ko-KR" altLang="en-US" dirty="0">
                 <a:sym typeface="Wingdings" panose="05000000000000000000" pitchFamily="2" charset="2"/>
               </a:rPr>
-              <a:t>유지 보수를 못해서 나락의 길을 걸었던 게임들도 많다</a:t>
+              <a:t>재화 </a:t>
+            </a:r>
+            <a:r>
+              <a:rPr lang="ko-KR" altLang="en-US" dirty="0" err="1">
+                <a:sym typeface="Wingdings" panose="05000000000000000000" pitchFamily="2" charset="2"/>
+              </a:rPr>
+              <a:t>구조등을</a:t>
+            </a:r>
+            <a:r>
+              <a:rPr lang="ko-KR" altLang="en-US" dirty="0">
+                <a:sym typeface="Wingdings" panose="05000000000000000000" pitchFamily="2" charset="2"/>
+              </a:rPr>
+              <a:t> 확립한다</a:t>
             </a:r>
             <a:r>
               <a:rPr lang="en-US" altLang="ko-KR" dirty="0">
                 <a:sym typeface="Wingdings" panose="05000000000000000000" pitchFamily="2" charset="2"/>
               </a:rPr>
-              <a:t>.</a:t>
-            </a:r>
-          </a:p>
-          <a:p>
-            <a:endParaRPr lang="ko-KR" altLang="en-US" dirty="0"/>
-          </a:p>
-        </p:txBody>
-      </p:sp>
-      <p:pic>
-        <p:nvPicPr>
-          <p:cNvPr id="8" name="그림 7">
-            <a:extLst>
-              <a:ext uri="{FF2B5EF4-FFF2-40B4-BE49-F238E27FC236}">
-                <a16:creationId xmlns:a16="http://schemas.microsoft.com/office/drawing/2014/main" id="{B6436D6E-76A1-A58A-3997-D1BD436DB52D}"/>
-              </a:ext>
-            </a:extLst>
-          </p:cNvPr>
-          <p:cNvPicPr>
-            <a:picLocks noChangeAspect="1"/>
-          </p:cNvPicPr>
-          <p:nvPr/>
-        </p:nvPicPr>
-        <p:blipFill>
-          <a:blip r:embed="rId2"/>
-          <a:stretch>
-            <a:fillRect/>
-          </a:stretch>
-        </p:blipFill>
-        <p:spPr>
-          <a:xfrm>
-            <a:off x="829738" y="1831263"/>
-            <a:ext cx="1274727" cy="1289550"/>
-          </a:xfrm>
-          <a:prstGeom prst="rect">
-            <a:avLst/>
-          </a:prstGeom>
-        </p:spPr>
-      </p:pic>
-      <p:pic>
-        <p:nvPicPr>
-          <p:cNvPr id="10" name="그림 9">
-            <a:extLst>
-              <a:ext uri="{FF2B5EF4-FFF2-40B4-BE49-F238E27FC236}">
-                <a16:creationId xmlns:a16="http://schemas.microsoft.com/office/drawing/2014/main" id="{BA3EE6B4-E67D-2631-BB8E-3813FC8F67C9}"/>
-              </a:ext>
-            </a:extLst>
-          </p:cNvPr>
-          <p:cNvPicPr>
-            <a:picLocks noChangeAspect="1"/>
-          </p:cNvPicPr>
-          <p:nvPr/>
-        </p:nvPicPr>
-        <p:blipFill>
-          <a:blip r:embed="rId3"/>
-          <a:stretch>
-            <a:fillRect/>
-          </a:stretch>
-        </p:blipFill>
-        <p:spPr>
-          <a:xfrm>
-            <a:off x="786034" y="3153099"/>
-            <a:ext cx="1362133" cy="1338848"/>
-          </a:xfrm>
-          <a:prstGeom prst="rect">
-            <a:avLst/>
-          </a:prstGeom>
-        </p:spPr>
-      </p:pic>
-      <p:sp>
-        <p:nvSpPr>
-          <p:cNvPr id="11" name="TextBox 10">
-            <a:extLst>
-              <a:ext uri="{FF2B5EF4-FFF2-40B4-BE49-F238E27FC236}">
-                <a16:creationId xmlns:a16="http://schemas.microsoft.com/office/drawing/2014/main" id="{D5E5DDAD-4F4B-848D-45CC-A05B114E1BD1}"/>
-              </a:ext>
-            </a:extLst>
-          </p:cNvPr>
-          <p:cNvSpPr txBox="1"/>
-          <p:nvPr/>
-        </p:nvSpPr>
-        <p:spPr>
-          <a:xfrm>
-            <a:off x="2148167" y="1831263"/>
-            <a:ext cx="8054789" cy="646331"/>
-          </a:xfrm>
-          <a:prstGeom prst="rect">
-            <a:avLst/>
-          </a:prstGeom>
-          <a:noFill/>
-        </p:spPr>
-        <p:txBody>
-          <a:bodyPr wrap="square" rtlCol="0">
-            <a:spAutoFit/>
-          </a:bodyPr>
-          <a:lstStyle/>
-          <a:p>
-            <a:r>
-              <a:rPr lang="en-US" altLang="ko-KR" dirty="0"/>
-              <a:t>2018</a:t>
-            </a:r>
-            <a:r>
-              <a:rPr lang="ko-KR" altLang="en-US" dirty="0"/>
-              <a:t>년도 </a:t>
-            </a:r>
-            <a:r>
-              <a:rPr lang="ko-KR" altLang="en-US" b="1" dirty="0" err="1"/>
-              <a:t>배그</a:t>
-            </a:r>
-            <a:r>
-              <a:rPr lang="ko-KR" altLang="en-US" b="1" dirty="0"/>
-              <a:t> 핵 이슈</a:t>
-            </a:r>
-            <a:endParaRPr lang="en-US" altLang="ko-KR" b="1" dirty="0"/>
-          </a:p>
-          <a:p>
-            <a:r>
-              <a:rPr lang="ko-KR" altLang="en-US" dirty="0" err="1"/>
-              <a:t>동접자</a:t>
-            </a:r>
-            <a:r>
-              <a:rPr lang="ko-KR" altLang="en-US" dirty="0"/>
-              <a:t> </a:t>
-            </a:r>
-            <a:r>
-              <a:rPr lang="en-US" altLang="ko-KR" dirty="0"/>
-              <a:t>200</a:t>
-            </a:r>
-            <a:r>
-              <a:rPr lang="ko-KR" altLang="en-US" dirty="0"/>
-              <a:t>만 </a:t>
-            </a:r>
-            <a:r>
-              <a:rPr lang="en-US" altLang="ko-KR" dirty="0">
-                <a:sym typeface="Wingdings" panose="05000000000000000000" pitchFamily="2" charset="2"/>
-              </a:rPr>
-              <a:t> 120</a:t>
-            </a:r>
-            <a:r>
-              <a:rPr lang="ko-KR" altLang="en-US" dirty="0">
-                <a:sym typeface="Wingdings" panose="05000000000000000000" pitchFamily="2" charset="2"/>
-              </a:rPr>
-              <a:t>만 이하</a:t>
-            </a:r>
-            <a:endParaRPr lang="ko-KR" altLang="en-US" dirty="0"/>
-          </a:p>
-        </p:txBody>
-      </p:sp>
-      <p:sp>
-        <p:nvSpPr>
-          <p:cNvPr id="12" name="TextBox 11">
-            <a:extLst>
-              <a:ext uri="{FF2B5EF4-FFF2-40B4-BE49-F238E27FC236}">
-                <a16:creationId xmlns:a16="http://schemas.microsoft.com/office/drawing/2014/main" id="{77EE5360-A29D-F2B6-198D-DE3F0C2E14FD}"/>
-              </a:ext>
-            </a:extLst>
-          </p:cNvPr>
-          <p:cNvSpPr txBox="1"/>
-          <p:nvPr/>
-        </p:nvSpPr>
-        <p:spPr>
-          <a:xfrm>
-            <a:off x="2148166" y="3179304"/>
-            <a:ext cx="8054789" cy="646331"/>
-          </a:xfrm>
-          <a:prstGeom prst="rect">
-            <a:avLst/>
-          </a:prstGeom>
-          <a:noFill/>
-        </p:spPr>
-        <p:txBody>
-          <a:bodyPr wrap="square" rtlCol="0">
-            <a:spAutoFit/>
-          </a:bodyPr>
-          <a:lstStyle/>
-          <a:p>
-            <a:r>
-              <a:rPr lang="ko-KR" altLang="en-US" b="1" dirty="0" err="1"/>
-              <a:t>오버워치</a:t>
-            </a:r>
-            <a:r>
-              <a:rPr lang="ko-KR" altLang="en-US" b="1" dirty="0"/>
-              <a:t> 핵 이슈</a:t>
-            </a:r>
-            <a:endParaRPr lang="en-US" altLang="ko-KR" b="1" dirty="0"/>
-          </a:p>
-          <a:p>
-            <a:r>
-              <a:rPr lang="ko-KR" altLang="en-US" dirty="0" err="1"/>
-              <a:t>동접자</a:t>
-            </a:r>
-            <a:r>
-              <a:rPr lang="ko-KR" altLang="en-US" dirty="0"/>
-              <a:t> 꾸준히 감소 </a:t>
-            </a:r>
-            <a:r>
-              <a:rPr lang="en-US" altLang="ko-KR" dirty="0"/>
-              <a:t>-&gt; </a:t>
-            </a:r>
-            <a:r>
-              <a:rPr lang="ko-KR" altLang="en-US" dirty="0"/>
-              <a:t>망하고 </a:t>
-            </a:r>
-            <a:r>
-              <a:rPr lang="ko-KR" altLang="en-US" dirty="0" err="1"/>
-              <a:t>오버워치</a:t>
-            </a:r>
-            <a:r>
-              <a:rPr lang="en-US" altLang="ko-KR" dirty="0"/>
-              <a:t>2</a:t>
-            </a:r>
-            <a:r>
-              <a:rPr lang="ko-KR" altLang="en-US" dirty="0"/>
-              <a:t>로 </a:t>
-            </a:r>
-            <a:r>
-              <a:rPr lang="ko-KR" altLang="en-US" dirty="0" err="1"/>
-              <a:t>넘어감</a:t>
+              <a:t>. </a:t>
             </a:r>
             <a:endParaRPr lang="en-US" altLang="ko-KR" dirty="0"/>
-          </a:p>
-        </p:txBody>
-      </p:sp>
-      <p:pic>
-        <p:nvPicPr>
-          <p:cNvPr id="14" name="그림 13">
-            <a:extLst>
-              <a:ext uri="{FF2B5EF4-FFF2-40B4-BE49-F238E27FC236}">
-                <a16:creationId xmlns:a16="http://schemas.microsoft.com/office/drawing/2014/main" id="{7EB17100-11BE-DDB5-4269-62798E7C341F}"/>
-              </a:ext>
-            </a:extLst>
-          </p:cNvPr>
-          <p:cNvPicPr>
-            <a:picLocks noChangeAspect="1"/>
-          </p:cNvPicPr>
-          <p:nvPr/>
-        </p:nvPicPr>
-        <p:blipFill>
-          <a:blip r:embed="rId4"/>
-          <a:stretch>
-            <a:fillRect/>
-          </a:stretch>
-        </p:blipFill>
-        <p:spPr>
-          <a:xfrm>
-            <a:off x="829738" y="4725267"/>
-            <a:ext cx="876422" cy="866896"/>
-          </a:xfrm>
-          <a:prstGeom prst="rect">
-            <a:avLst/>
-          </a:prstGeom>
-        </p:spPr>
-      </p:pic>
-      <p:pic>
-        <p:nvPicPr>
-          <p:cNvPr id="16" name="그림 15">
-            <a:extLst>
-              <a:ext uri="{FF2B5EF4-FFF2-40B4-BE49-F238E27FC236}">
-                <a16:creationId xmlns:a16="http://schemas.microsoft.com/office/drawing/2014/main" id="{C5EE4EF9-4062-41B3-47B6-F8BBF9259FD1}"/>
-              </a:ext>
-            </a:extLst>
-          </p:cNvPr>
-          <p:cNvPicPr>
-            <a:picLocks noChangeAspect="1"/>
-          </p:cNvPicPr>
-          <p:nvPr/>
-        </p:nvPicPr>
-        <p:blipFill>
-          <a:blip r:embed="rId5"/>
-          <a:stretch>
-            <a:fillRect/>
-          </a:stretch>
-        </p:blipFill>
-        <p:spPr>
-          <a:xfrm>
-            <a:off x="1796231" y="4711330"/>
-            <a:ext cx="1028844" cy="962159"/>
-          </a:xfrm>
-          <a:prstGeom prst="rect">
-            <a:avLst/>
-          </a:prstGeom>
-        </p:spPr>
-      </p:pic>
-      <p:sp>
-        <p:nvSpPr>
-          <p:cNvPr id="17" name="TextBox 16">
-            <a:extLst>
-              <a:ext uri="{FF2B5EF4-FFF2-40B4-BE49-F238E27FC236}">
-                <a16:creationId xmlns:a16="http://schemas.microsoft.com/office/drawing/2014/main" id="{9347DEBE-F858-5D8E-7CDA-A81D737CA0A6}"/>
-              </a:ext>
-            </a:extLst>
-          </p:cNvPr>
-          <p:cNvSpPr txBox="1"/>
-          <p:nvPr/>
-        </p:nvSpPr>
-        <p:spPr>
-          <a:xfrm>
-            <a:off x="2717986" y="4711330"/>
-            <a:ext cx="7913594" cy="646331"/>
-          </a:xfrm>
-          <a:prstGeom prst="rect">
-            <a:avLst/>
-          </a:prstGeom>
-          <a:noFill/>
-        </p:spPr>
-        <p:txBody>
-          <a:bodyPr wrap="square" rtlCol="0">
-            <a:spAutoFit/>
-          </a:bodyPr>
-          <a:lstStyle/>
-          <a:p>
-            <a:r>
-              <a:rPr lang="ko-KR" altLang="en-US" b="1" dirty="0"/>
-              <a:t>도타</a:t>
-            </a:r>
-            <a:r>
-              <a:rPr lang="en-US" altLang="ko-KR" b="1" dirty="0"/>
-              <a:t>2/ </a:t>
-            </a:r>
-            <a:r>
-              <a:rPr lang="ko-KR" altLang="en-US" b="1" dirty="0"/>
-              <a:t>롤 특정 챔피언 버그</a:t>
-            </a:r>
-            <a:endParaRPr lang="en-US" altLang="ko-KR" b="1" dirty="0"/>
-          </a:p>
-          <a:p>
-            <a:r>
-              <a:rPr lang="ko-KR" altLang="en-US" dirty="0"/>
-              <a:t>대회에서 버그로 인한 글로벌 밴 등의 조치를 취함 </a:t>
-            </a:r>
           </a:p>
         </p:txBody>
       </p:sp>
     </p:spTree>
     <p:extLst>
       <p:ext uri="{BB962C8B-B14F-4D97-AF65-F5344CB8AC3E}">
-        <p14:creationId xmlns:p14="http://schemas.microsoft.com/office/powerpoint/2010/main" val="2048155036"/>
+        <p14:creationId xmlns:p14="http://schemas.microsoft.com/office/powerpoint/2010/main" val="820531442"/>
       </p:ext>
     </p:extLst>
   </p:cSld>
@@ -7881,10 +7768,208 @@
       </p:grpSpPr>
       <p:sp>
         <p:nvSpPr>
-          <p:cNvPr id="5" name="TextBox 4">
-            <a:extLst>
-              <a:ext uri="{FF2B5EF4-FFF2-40B4-BE49-F238E27FC236}">
-                <a16:creationId xmlns:a16="http://schemas.microsoft.com/office/drawing/2014/main" id="{02391413-6ECB-2AB1-0EAC-844359F3C1C3}"/>
+          <p:cNvPr id="8" name="TextBox 7">
+            <a:extLst>
+              <a:ext uri="{FF2B5EF4-FFF2-40B4-BE49-F238E27FC236}">
+                <a16:creationId xmlns:a16="http://schemas.microsoft.com/office/drawing/2014/main" id="{9A69A8BF-FD5B-170D-7EC9-C96EDC426C54}"/>
+              </a:ext>
+            </a:extLst>
+          </p:cNvPr>
+          <p:cNvSpPr txBox="1"/>
+          <p:nvPr/>
+        </p:nvSpPr>
+        <p:spPr>
+          <a:xfrm>
+            <a:off x="573181" y="1154677"/>
+            <a:ext cx="9693648" cy="2862322"/>
+          </a:xfrm>
+          <a:prstGeom prst="rect">
+            <a:avLst/>
+          </a:prstGeom>
+          <a:noFill/>
+        </p:spPr>
+        <p:txBody>
+          <a:bodyPr wrap="square">
+            <a:spAutoFit/>
+          </a:bodyPr>
+          <a:lstStyle/>
+          <a:p>
+            <a:r>
+              <a:rPr lang="en-US" altLang="ko-KR" b="1" dirty="0"/>
+              <a:t>3</a:t>
+            </a:r>
+            <a:r>
+              <a:rPr lang="ko-KR" altLang="en-US" b="1" dirty="0"/>
+              <a:t>단계 </a:t>
+            </a:r>
+            <a:r>
+              <a:rPr lang="en-US" altLang="ko-KR" b="1" dirty="0"/>
+              <a:t>: </a:t>
+            </a:r>
+            <a:r>
+              <a:rPr lang="ko-KR" altLang="en-US" b="1" dirty="0"/>
+              <a:t>시스템 상세 설계 </a:t>
+            </a:r>
+            <a:r>
+              <a:rPr lang="en-US" altLang="ko-KR" dirty="0"/>
+              <a:t>=&gt;</a:t>
+            </a:r>
+            <a:r>
+              <a:rPr lang="ko-KR" altLang="en-US" dirty="0"/>
+              <a:t>실제 구현 가능한 수준으로 설계 구체화</a:t>
+            </a:r>
+            <a:endParaRPr lang="en-US" altLang="ko-KR" dirty="0"/>
+          </a:p>
+          <a:p>
+            <a:r>
+              <a:rPr lang="en-US" altLang="ko-KR" dirty="0">
+                <a:sym typeface="Wingdings" panose="05000000000000000000" pitchFamily="2" charset="2"/>
+              </a:rPr>
+              <a:t></a:t>
+            </a:r>
+            <a:r>
+              <a:rPr lang="ko-KR" altLang="en-US" dirty="0">
+                <a:sym typeface="Wingdings" panose="05000000000000000000" pitchFamily="2" charset="2"/>
+              </a:rPr>
+              <a:t>게임 시스템 내부의 시스템들을 정의</a:t>
+            </a:r>
+            <a:r>
+              <a:rPr lang="en-US" altLang="ko-KR" dirty="0">
+                <a:sym typeface="Wingdings" panose="05000000000000000000" pitchFamily="2" charset="2"/>
+              </a:rPr>
+              <a:t>, </a:t>
+            </a:r>
+            <a:r>
+              <a:rPr lang="ko-KR" altLang="en-US" dirty="0">
+                <a:sym typeface="Wingdings" panose="05000000000000000000" pitchFamily="2" charset="2"/>
+              </a:rPr>
+              <a:t>예를 들어 수집형 </a:t>
+            </a:r>
+            <a:r>
+              <a:rPr lang="en-US" altLang="ko-KR" dirty="0">
+                <a:sym typeface="Wingdings" panose="05000000000000000000" pitchFamily="2" charset="2"/>
+              </a:rPr>
+              <a:t>RPG </a:t>
+            </a:r>
+            <a:r>
+              <a:rPr lang="ko-KR" altLang="en-US" dirty="0">
+                <a:sym typeface="Wingdings" panose="05000000000000000000" pitchFamily="2" charset="2"/>
+              </a:rPr>
+              <a:t>게임에서도 전투 시스템이 있을 것이고</a:t>
+            </a:r>
+            <a:r>
+              <a:rPr lang="en-US" altLang="ko-KR" dirty="0">
+                <a:sym typeface="Wingdings" panose="05000000000000000000" pitchFamily="2" charset="2"/>
+              </a:rPr>
+              <a:t>, </a:t>
+            </a:r>
+            <a:r>
+              <a:rPr lang="ko-KR" altLang="en-US" dirty="0">
+                <a:sym typeface="Wingdings" panose="05000000000000000000" pitchFamily="2" charset="2"/>
+              </a:rPr>
+              <a:t>성장 시스템</a:t>
+            </a:r>
+            <a:r>
+              <a:rPr lang="en-US" altLang="ko-KR" dirty="0">
+                <a:sym typeface="Wingdings" panose="05000000000000000000" pitchFamily="2" charset="2"/>
+              </a:rPr>
+              <a:t>, </a:t>
+            </a:r>
+            <a:r>
+              <a:rPr lang="ko-KR" altLang="en-US" dirty="0">
+                <a:sym typeface="Wingdings" panose="05000000000000000000" pitchFamily="2" charset="2"/>
+              </a:rPr>
+              <a:t>가챠 시스템</a:t>
+            </a:r>
+            <a:r>
+              <a:rPr lang="en-US" altLang="ko-KR" dirty="0">
+                <a:sym typeface="Wingdings" panose="05000000000000000000" pitchFamily="2" charset="2"/>
+              </a:rPr>
+              <a:t>, UI</a:t>
+            </a:r>
+            <a:r>
+              <a:rPr lang="ko-KR" altLang="en-US" dirty="0">
+                <a:sym typeface="Wingdings" panose="05000000000000000000" pitchFamily="2" charset="2"/>
+              </a:rPr>
+              <a:t> 시스템 등 여러 시스템이 존재하는데 그런 시스템들을 정리</a:t>
+            </a:r>
+            <a:endParaRPr lang="en-US" altLang="ko-KR" dirty="0">
+              <a:sym typeface="Wingdings" panose="05000000000000000000" pitchFamily="2" charset="2"/>
+            </a:endParaRPr>
+          </a:p>
+          <a:p>
+            <a:endParaRPr lang="en-US" altLang="ko-KR" dirty="0">
+              <a:sym typeface="Wingdings" panose="05000000000000000000" pitchFamily="2" charset="2"/>
+            </a:endParaRPr>
+          </a:p>
+          <a:p>
+            <a:endParaRPr lang="en-US" altLang="ko-KR" dirty="0"/>
+          </a:p>
+          <a:p>
+            <a:endParaRPr lang="en-US" altLang="ko-KR" dirty="0"/>
+          </a:p>
+          <a:p>
+            <a:r>
+              <a:rPr lang="en-US" altLang="ko-KR" b="1" dirty="0"/>
+              <a:t>4</a:t>
+            </a:r>
+            <a:r>
+              <a:rPr lang="ko-KR" altLang="en-US" b="1" dirty="0"/>
+              <a:t>단계 </a:t>
+            </a:r>
+            <a:r>
+              <a:rPr lang="en-US" altLang="ko-KR" b="1" dirty="0"/>
+              <a:t>: </a:t>
+            </a:r>
+            <a:r>
+              <a:rPr lang="ko-KR" altLang="en-US" b="1" dirty="0"/>
+              <a:t>데이터 및 밸런스 설계 </a:t>
+            </a:r>
+            <a:r>
+              <a:rPr lang="en-US" altLang="ko-KR" dirty="0"/>
+              <a:t>=&gt; </a:t>
+            </a:r>
+            <a:r>
+              <a:rPr lang="ko-KR" altLang="en-US" dirty="0"/>
+              <a:t>수치화 시키는 작업</a:t>
+            </a:r>
+            <a:endParaRPr lang="en-US" altLang="ko-KR" dirty="0"/>
+          </a:p>
+          <a:p>
+            <a:r>
+              <a:rPr lang="en-US" altLang="ko-KR" dirty="0">
+                <a:sym typeface="Wingdings" panose="05000000000000000000" pitchFamily="2" charset="2"/>
+              </a:rPr>
+              <a:t> </a:t>
+            </a:r>
+            <a:r>
+              <a:rPr lang="ko-KR" altLang="en-US" dirty="0">
+                <a:sym typeface="Wingdings" panose="05000000000000000000" pitchFamily="2" charset="2"/>
+              </a:rPr>
+              <a:t>정해진 시스템을 수치화</a:t>
+            </a:r>
+            <a:r>
+              <a:rPr lang="en-US" altLang="ko-KR" dirty="0">
+                <a:sym typeface="Wingdings" panose="05000000000000000000" pitchFamily="2" charset="2"/>
+              </a:rPr>
+              <a:t>, </a:t>
+            </a:r>
+            <a:r>
+              <a:rPr lang="ko-KR" altLang="en-US" dirty="0">
+                <a:sym typeface="Wingdings" panose="05000000000000000000" pitchFamily="2" charset="2"/>
+              </a:rPr>
+              <a:t>예를 들어 롤 같은 게임에서 스킬의 계수와 기본 데미지를 정하는 과정</a:t>
+            </a:r>
+            <a:endParaRPr lang="en-US" altLang="ko-KR" dirty="0"/>
+          </a:p>
+        </p:txBody>
+      </p:sp>
+      <p:sp>
+        <p:nvSpPr>
+          <p:cNvPr id="9" name="TextBox 8">
+            <a:extLst>
+              <a:ext uri="{FF2B5EF4-FFF2-40B4-BE49-F238E27FC236}">
+                <a16:creationId xmlns:a16="http://schemas.microsoft.com/office/drawing/2014/main" id="{4ECC6F38-47AE-D6C7-1492-F8954B42CDA1}"/>
               </a:ext>
             </a:extLst>
           </p:cNvPr>
@@ -7914,235 +7999,10 @@
           </a:p>
         </p:txBody>
       </p:sp>
-      <p:sp>
-        <p:nvSpPr>
-          <p:cNvPr id="6" name="TextBox 5">
-            <a:extLst>
-              <a:ext uri="{FF2B5EF4-FFF2-40B4-BE49-F238E27FC236}">
-                <a16:creationId xmlns:a16="http://schemas.microsoft.com/office/drawing/2014/main" id="{D9262804-066D-770A-8AEE-5DEBB1FF4F63}"/>
-              </a:ext>
-            </a:extLst>
-          </p:cNvPr>
-          <p:cNvSpPr txBox="1"/>
-          <p:nvPr/>
-        </p:nvSpPr>
-        <p:spPr>
-          <a:xfrm>
-            <a:off x="640079" y="1095931"/>
-            <a:ext cx="8565776" cy="2308324"/>
-          </a:xfrm>
-          <a:prstGeom prst="rect">
-            <a:avLst/>
-          </a:prstGeom>
-          <a:noFill/>
-        </p:spPr>
-        <p:txBody>
-          <a:bodyPr wrap="square" rtlCol="0">
-            <a:spAutoFit/>
-          </a:bodyPr>
-          <a:lstStyle/>
-          <a:p>
-            <a:r>
-              <a:rPr lang="en-US" altLang="ko-KR" b="1" dirty="0"/>
-              <a:t>1</a:t>
-            </a:r>
-            <a:r>
-              <a:rPr lang="ko-KR" altLang="en-US" b="1" dirty="0"/>
-              <a:t>단계 </a:t>
-            </a:r>
-            <a:r>
-              <a:rPr lang="en-US" altLang="ko-KR" b="1" dirty="0"/>
-              <a:t>:  </a:t>
-            </a:r>
-            <a:r>
-              <a:rPr lang="ko-KR" altLang="en-US" b="1" dirty="0"/>
-              <a:t>기획 전 컨셉 확립 </a:t>
-            </a:r>
-            <a:r>
-              <a:rPr lang="en-US" altLang="ko-KR" dirty="0"/>
-              <a:t>=&gt; </a:t>
-            </a:r>
-            <a:r>
-              <a:rPr lang="ko-KR" altLang="en-US" dirty="0"/>
-              <a:t>무슨 게임을 만들 것 인가</a:t>
-            </a:r>
-            <a:r>
-              <a:rPr lang="en-US" altLang="ko-KR" dirty="0"/>
-              <a:t>?</a:t>
-            </a:r>
-          </a:p>
-          <a:p>
-            <a:pPr marL="285750" indent="-285750">
-              <a:buFont typeface="Wingdings" panose="05000000000000000000" pitchFamily="2" charset="2"/>
-              <a:buChar char="è"/>
-            </a:pPr>
-            <a:r>
-              <a:rPr lang="ko-KR" altLang="en-US" dirty="0">
-                <a:sym typeface="Wingdings" panose="05000000000000000000" pitchFamily="2" charset="2"/>
-              </a:rPr>
-              <a:t>게임의 목표를 정의하고</a:t>
-            </a:r>
-            <a:r>
-              <a:rPr lang="en-US" altLang="ko-KR" dirty="0">
-                <a:sym typeface="Wingdings" panose="05000000000000000000" pitchFamily="2" charset="2"/>
-              </a:rPr>
-              <a:t>, </a:t>
-            </a:r>
-            <a:r>
-              <a:rPr lang="ko-KR" altLang="en-US" dirty="0" err="1">
-                <a:sym typeface="Wingdings" panose="05000000000000000000" pitchFamily="2" charset="2"/>
-              </a:rPr>
-              <a:t>경쟁작</a:t>
-            </a:r>
-            <a:r>
-              <a:rPr lang="ko-KR" altLang="en-US" dirty="0">
-                <a:sym typeface="Wingdings" panose="05000000000000000000" pitchFamily="2" charset="2"/>
-              </a:rPr>
-              <a:t> 조사 </a:t>
-            </a:r>
-            <a:r>
-              <a:rPr lang="en-US" altLang="ko-KR" dirty="0">
-                <a:sym typeface="Wingdings" panose="05000000000000000000" pitchFamily="2" charset="2"/>
-              </a:rPr>
-              <a:t>, </a:t>
-            </a:r>
-            <a:r>
-              <a:rPr lang="ko-KR" altLang="en-US" dirty="0">
-                <a:sym typeface="Wingdings" panose="05000000000000000000" pitchFamily="2" charset="2"/>
-              </a:rPr>
-              <a:t>콘텐츠 개발</a:t>
-            </a:r>
-            <a:r>
-              <a:rPr lang="en-US" altLang="ko-KR" dirty="0">
-                <a:sym typeface="Wingdings" panose="05000000000000000000" pitchFamily="2" charset="2"/>
-              </a:rPr>
-              <a:t>, </a:t>
-            </a:r>
-            <a:r>
-              <a:rPr lang="ko-KR" altLang="en-US" dirty="0">
-                <a:sym typeface="Wingdings" panose="05000000000000000000" pitchFamily="2" charset="2"/>
-              </a:rPr>
-              <a:t>세계관</a:t>
-            </a:r>
-            <a:r>
-              <a:rPr lang="en-US" altLang="ko-KR" dirty="0">
-                <a:sym typeface="Wingdings" panose="05000000000000000000" pitchFamily="2" charset="2"/>
-              </a:rPr>
-              <a:t>/</a:t>
-            </a:r>
-            <a:r>
-              <a:rPr lang="ko-KR" altLang="en-US" dirty="0">
-                <a:sym typeface="Wingdings" panose="05000000000000000000" pitchFamily="2" charset="2"/>
-              </a:rPr>
-              <a:t>배경 등 확립한다</a:t>
-            </a:r>
-            <a:r>
-              <a:rPr lang="en-US" altLang="ko-KR" dirty="0">
-                <a:sym typeface="Wingdings" panose="05000000000000000000" pitchFamily="2" charset="2"/>
-              </a:rPr>
-              <a:t>.</a:t>
-            </a:r>
-            <a:endParaRPr lang="en-US" altLang="ko-KR" dirty="0"/>
-          </a:p>
-          <a:p>
-            <a:endParaRPr lang="en-US" altLang="ko-KR" dirty="0"/>
-          </a:p>
-          <a:p>
-            <a:endParaRPr lang="en-US" altLang="ko-KR" dirty="0"/>
-          </a:p>
-          <a:p>
-            <a:endParaRPr lang="en-US" altLang="ko-KR" dirty="0"/>
-          </a:p>
-          <a:p>
-            <a:r>
-              <a:rPr lang="en-US" altLang="ko-KR" b="1" dirty="0"/>
-              <a:t>2</a:t>
-            </a:r>
-            <a:r>
-              <a:rPr lang="ko-KR" altLang="en-US" b="1" dirty="0"/>
-              <a:t>단계 </a:t>
-            </a:r>
-            <a:r>
-              <a:rPr lang="en-US" altLang="ko-KR" b="1" dirty="0"/>
-              <a:t>:</a:t>
-            </a:r>
-            <a:r>
-              <a:rPr lang="ko-KR" altLang="en-US" b="1" dirty="0"/>
-              <a:t> 핵심 구조 기획 </a:t>
-            </a:r>
-            <a:r>
-              <a:rPr lang="en-US" altLang="ko-KR" dirty="0"/>
-              <a:t>=&gt; </a:t>
-            </a:r>
-            <a:r>
-              <a:rPr lang="ko-KR" altLang="en-US" dirty="0"/>
-              <a:t>게임의 뼈대를 잡기</a:t>
-            </a:r>
-            <a:endParaRPr lang="en-US" altLang="ko-KR" dirty="0"/>
-          </a:p>
-          <a:p>
-            <a:r>
-              <a:rPr lang="en-US" altLang="ko-KR" dirty="0">
-                <a:sym typeface="Wingdings" panose="05000000000000000000" pitchFamily="2" charset="2"/>
-              </a:rPr>
-              <a:t> </a:t>
-            </a:r>
-            <a:r>
-              <a:rPr lang="ko-KR" altLang="en-US" dirty="0">
-                <a:sym typeface="Wingdings" panose="05000000000000000000" pitchFamily="2" charset="2"/>
-              </a:rPr>
-              <a:t>게임 전반적인 플레이 방식을 구성하고</a:t>
-            </a:r>
-            <a:r>
-              <a:rPr lang="en-US" altLang="ko-KR" dirty="0">
-                <a:sym typeface="Wingdings" panose="05000000000000000000" pitchFamily="2" charset="2"/>
-              </a:rPr>
-              <a:t>, </a:t>
-            </a:r>
-            <a:r>
-              <a:rPr lang="ko-KR" altLang="en-US" dirty="0">
-                <a:sym typeface="Wingdings" panose="05000000000000000000" pitchFamily="2" charset="2"/>
-              </a:rPr>
-              <a:t>게임 시스템 목록</a:t>
-            </a:r>
-            <a:r>
-              <a:rPr lang="en-US" altLang="ko-KR" dirty="0">
-                <a:sym typeface="Wingdings" panose="05000000000000000000" pitchFamily="2" charset="2"/>
-              </a:rPr>
-              <a:t>, </a:t>
-            </a:r>
-            <a:r>
-              <a:rPr lang="ko-KR" altLang="en-US" dirty="0">
-                <a:sym typeface="Wingdings" panose="05000000000000000000" pitchFamily="2" charset="2"/>
-              </a:rPr>
-              <a:t>재화 </a:t>
-            </a:r>
-            <a:r>
-              <a:rPr lang="ko-KR" altLang="en-US" dirty="0" err="1">
-                <a:sym typeface="Wingdings" panose="05000000000000000000" pitchFamily="2" charset="2"/>
-              </a:rPr>
-              <a:t>구조등을</a:t>
-            </a:r>
-            <a:r>
-              <a:rPr lang="ko-KR" altLang="en-US" dirty="0">
-                <a:sym typeface="Wingdings" panose="05000000000000000000" pitchFamily="2" charset="2"/>
-              </a:rPr>
-              <a:t> 확립한다</a:t>
-            </a:r>
-            <a:r>
-              <a:rPr lang="en-US" altLang="ko-KR" dirty="0">
-                <a:sym typeface="Wingdings" panose="05000000000000000000" pitchFamily="2" charset="2"/>
-              </a:rPr>
-              <a:t>. </a:t>
-            </a:r>
-            <a:endParaRPr lang="en-US" altLang="ko-KR" dirty="0"/>
-          </a:p>
-        </p:txBody>
-      </p:sp>
     </p:spTree>
     <p:extLst>
       <p:ext uri="{BB962C8B-B14F-4D97-AF65-F5344CB8AC3E}">
-        <p14:creationId xmlns:p14="http://schemas.microsoft.com/office/powerpoint/2010/main" val="820531442"/>
+        <p14:creationId xmlns:p14="http://schemas.microsoft.com/office/powerpoint/2010/main" val="1706506848"/>
       </p:ext>
     </p:extLst>
   </p:cSld>
@@ -8171,10 +8031,10 @@
       </p:grpSpPr>
       <p:sp>
         <p:nvSpPr>
-          <p:cNvPr id="8" name="TextBox 7">
-            <a:extLst>
-              <a:ext uri="{FF2B5EF4-FFF2-40B4-BE49-F238E27FC236}">
-                <a16:creationId xmlns:a16="http://schemas.microsoft.com/office/drawing/2014/main" id="{9A69A8BF-FD5B-170D-7EC9-C96EDC426C54}"/>
+          <p:cNvPr id="5" name="TextBox 4">
+            <a:extLst>
+              <a:ext uri="{FF2B5EF4-FFF2-40B4-BE49-F238E27FC236}">
+                <a16:creationId xmlns:a16="http://schemas.microsoft.com/office/drawing/2014/main" id="{C255502B-4D54-6605-1E66-F5C7C2600D9B}"/>
               </a:ext>
             </a:extLst>
           </p:cNvPr>
@@ -8183,8 +8043,8 @@
         </p:nvSpPr>
         <p:spPr>
           <a:xfrm>
-            <a:off x="573181" y="1154677"/>
-            <a:ext cx="9693648" cy="2862322"/>
+            <a:off x="640079" y="1117029"/>
+            <a:ext cx="10083950" cy="1754326"/>
           </a:xfrm>
           <a:prstGeom prst="rect">
             <a:avLst/>
@@ -8199,7 +8059,7 @@
           <a:p>
             <a:r>
               <a:rPr lang="en-US" altLang="ko-KR" b="1" dirty="0"/>
-              <a:t>3</a:t>
+              <a:t>5</a:t>
             </a:r>
             <a:r>
               <a:rPr lang="ko-KR" altLang="en-US" b="1" dirty="0"/>
@@ -8211,101 +8071,35 @@
             </a:r>
             <a:r>
               <a:rPr lang="ko-KR" altLang="en-US" b="1" dirty="0"/>
-              <a:t>시스템 상세 설계 </a:t>
+              <a:t>프로토타이핑</a:t>
+            </a:r>
+            <a:r>
+              <a:rPr lang="en-US" altLang="ko-KR" b="1" dirty="0"/>
+              <a:t> </a:t>
             </a:r>
             <a:r>
               <a:rPr lang="en-US" altLang="ko-KR" dirty="0"/>
-              <a:t>=&gt;</a:t>
+              <a:t>=&gt; </a:t>
             </a:r>
             <a:r>
               <a:rPr lang="ko-KR" altLang="en-US" dirty="0"/>
-              <a:t>실제 구현 가능한 수준으로 설계 구체화</a:t>
+              <a:t>기획한 것을 프로그램으로 만들고 테스트</a:t>
             </a:r>
             <a:endParaRPr lang="en-US" altLang="ko-KR" dirty="0"/>
           </a:p>
           <a:p>
             <a:r>
-              <a:rPr lang="en-US" altLang="ko-KR" dirty="0">
-                <a:sym typeface="Wingdings" panose="05000000000000000000" pitchFamily="2" charset="2"/>
-              </a:rPr>
-              <a:t></a:t>
-            </a:r>
-            <a:r>
-              <a:rPr lang="ko-KR" altLang="en-US" dirty="0">
-                <a:sym typeface="Wingdings" panose="05000000000000000000" pitchFamily="2" charset="2"/>
-              </a:rPr>
-              <a:t>게임 시스템 내부의 시스템들을 정의</a:t>
-            </a:r>
-            <a:r>
-              <a:rPr lang="en-US" altLang="ko-KR" dirty="0">
-                <a:sym typeface="Wingdings" panose="05000000000000000000" pitchFamily="2" charset="2"/>
-              </a:rPr>
+              <a:rPr lang="ko-KR" altLang="en-US" dirty="0"/>
+              <a:t>말 그대로 기획서에 쓰여진 핵심 시스템을 개발하여 체험해보고 재미있는지 없는지</a:t>
+            </a:r>
+            <a:r>
+              <a:rPr lang="en-US" altLang="ko-KR" dirty="0"/>
               <a:t>, </a:t>
             </a:r>
             <a:r>
-              <a:rPr lang="ko-KR" altLang="en-US" dirty="0">
-                <a:sym typeface="Wingdings" panose="05000000000000000000" pitchFamily="2" charset="2"/>
-              </a:rPr>
-              <a:t>예를 들어 수집형 </a:t>
-            </a:r>
-            <a:r>
-              <a:rPr lang="en-US" altLang="ko-KR" dirty="0">
-                <a:sym typeface="Wingdings" panose="05000000000000000000" pitchFamily="2" charset="2"/>
-              </a:rPr>
-              <a:t>RPG </a:t>
-            </a:r>
-            <a:r>
-              <a:rPr lang="ko-KR" altLang="en-US" dirty="0">
-                <a:sym typeface="Wingdings" panose="05000000000000000000" pitchFamily="2" charset="2"/>
-              </a:rPr>
-              <a:t>게임에서도 전투 시스템이 있을 것이고</a:t>
-            </a:r>
-            <a:r>
-              <a:rPr lang="en-US" altLang="ko-KR" dirty="0">
-                <a:sym typeface="Wingdings" panose="05000000000000000000" pitchFamily="2" charset="2"/>
-              </a:rPr>
-              <a:t>, </a:t>
-            </a:r>
-            <a:r>
-              <a:rPr lang="ko-KR" altLang="en-US" dirty="0">
-                <a:sym typeface="Wingdings" panose="05000000000000000000" pitchFamily="2" charset="2"/>
-              </a:rPr>
-              <a:t>성장 시스템</a:t>
-            </a:r>
-            <a:r>
-              <a:rPr lang="en-US" altLang="ko-KR" dirty="0">
-                <a:sym typeface="Wingdings" panose="05000000000000000000" pitchFamily="2" charset="2"/>
-              </a:rPr>
-              <a:t>, </a:t>
-            </a:r>
-            <a:r>
-              <a:rPr lang="ko-KR" altLang="en-US" dirty="0">
-                <a:sym typeface="Wingdings" panose="05000000000000000000" pitchFamily="2" charset="2"/>
-              </a:rPr>
-              <a:t>가챠 시스템</a:t>
-            </a:r>
-            <a:r>
-              <a:rPr lang="en-US" altLang="ko-KR" dirty="0">
-                <a:sym typeface="Wingdings" panose="05000000000000000000" pitchFamily="2" charset="2"/>
-              </a:rPr>
-              <a:t>, UI</a:t>
-            </a:r>
-            <a:r>
-              <a:rPr lang="ko-KR" altLang="en-US" dirty="0">
-                <a:sym typeface="Wingdings" panose="05000000000000000000" pitchFamily="2" charset="2"/>
-              </a:rPr>
-              <a:t> 시스템 등 여러 시스템이 존재하는데 그런 시스템들을 정리</a:t>
-            </a:r>
-            <a:endParaRPr lang="en-US" altLang="ko-KR" dirty="0">
-              <a:sym typeface="Wingdings" panose="05000000000000000000" pitchFamily="2" charset="2"/>
-            </a:endParaRPr>
-          </a:p>
-          <a:p>
-            <a:endParaRPr lang="en-US" altLang="ko-KR" dirty="0">
-              <a:sym typeface="Wingdings" panose="05000000000000000000" pitchFamily="2" charset="2"/>
-            </a:endParaRPr>
-          </a:p>
-          <a:p>
+              <a:rPr lang="ko-KR" altLang="en-US" dirty="0"/>
+              <a:t>어떤 점을 추가 하면 좋을지 등을 정하는 과정</a:t>
+            </a:r>
             <a:endParaRPr lang="en-US" altLang="ko-KR" dirty="0"/>
           </a:p>
           <a:p>
@@ -8314,7 +8108,7 @@
           <a:p>
             <a:r>
               <a:rPr lang="en-US" altLang="ko-KR" b="1" dirty="0"/>
-              <a:t>4</a:t>
+              <a:t>6</a:t>
             </a:r>
             <a:r>
               <a:rPr lang="ko-KR" altLang="en-US" b="1" dirty="0"/>
@@ -8326,7 +8120,7 @@
             </a:r>
             <a:r>
               <a:rPr lang="ko-KR" altLang="en-US" b="1" dirty="0"/>
-              <a:t>데이터 및 밸런스 설계 </a:t>
+              <a:t>통합 개발 및 시스템 완성 </a:t>
             </a:r>
             <a:r>
               <a:rPr lang="en-US" altLang="ko-KR" dirty="0"/>
@@ -8334,34 +8128,14 @@
             </a:r>
             <a:r>
               <a:rPr lang="ko-KR" altLang="en-US" dirty="0"/>
-              <a:t>수치화 시키는 작업</a:t>
+              <a:t>모든 컨텐츠의 통합 구현과 관리</a:t>
             </a:r>
             <a:endParaRPr lang="en-US" altLang="ko-KR" dirty="0"/>
           </a:p>
           <a:p>
             <a:r>
-              <a:rPr lang="en-US" altLang="ko-KR" dirty="0">
-                <a:sym typeface="Wingdings" panose="05000000000000000000" pitchFamily="2" charset="2"/>
-              </a:rPr>
-              <a:t> </a:t>
-            </a:r>
-            <a:r>
-              <a:rPr lang="ko-KR" altLang="en-US" dirty="0">
-                <a:sym typeface="Wingdings" panose="05000000000000000000" pitchFamily="2" charset="2"/>
-              </a:rPr>
-              <a:t>정해진 시스템을 수치화</a:t>
-            </a:r>
-            <a:r>
-              <a:rPr lang="en-US" altLang="ko-KR" dirty="0">
-                <a:sym typeface="Wingdings" panose="05000000000000000000" pitchFamily="2" charset="2"/>
-              </a:rPr>
-              <a:t>, </a:t>
-            </a:r>
-            <a:r>
-              <a:rPr lang="ko-KR" altLang="en-US" dirty="0">
-                <a:sym typeface="Wingdings" panose="05000000000000000000" pitchFamily="2" charset="2"/>
-              </a:rPr>
-              <a:t>예를 들어 롤 같은 게임에서 스킬의 계수와 기본 데미지를 정하는 과정</a:t>
+              <a:rPr lang="ko-KR" altLang="en-US" dirty="0"/>
+              <a:t>전반적으로 짰던 콘텐츠를 개발하여 전반적인 게임 완성</a:t>
             </a:r>
             <a:endParaRPr lang="en-US" altLang="ko-KR" dirty="0"/>
           </a:p>
@@ -8369,10 +8143,10 @@
       </p:sp>
       <p:sp>
         <p:nvSpPr>
-          <p:cNvPr id="9" name="TextBox 8">
-            <a:extLst>
-              <a:ext uri="{FF2B5EF4-FFF2-40B4-BE49-F238E27FC236}">
-                <a16:creationId xmlns:a16="http://schemas.microsoft.com/office/drawing/2014/main" id="{4ECC6F38-47AE-D6C7-1492-F8954B42CDA1}"/>
+          <p:cNvPr id="8" name="TextBox 7">
+            <a:extLst>
+              <a:ext uri="{FF2B5EF4-FFF2-40B4-BE49-F238E27FC236}">
+                <a16:creationId xmlns:a16="http://schemas.microsoft.com/office/drawing/2014/main" id="{7D8E1463-2618-A1D7-9E52-7CEEA21511FB}"/>
               </a:ext>
             </a:extLst>
           </p:cNvPr>
@@ -8405,7 +8179,7 @@
     </p:spTree>
     <p:extLst>
       <p:ext uri="{BB962C8B-B14F-4D97-AF65-F5344CB8AC3E}">
-        <p14:creationId xmlns:p14="http://schemas.microsoft.com/office/powerpoint/2010/main" val="1706506848"/>
+        <p14:creationId xmlns:p14="http://schemas.microsoft.com/office/powerpoint/2010/main" val="961326448"/>
       </p:ext>
     </p:extLst>
   </p:cSld>
@@ -8434,10 +8208,10 @@
       </p:grpSpPr>
       <p:sp>
         <p:nvSpPr>
-          <p:cNvPr id="5" name="TextBox 4">
-            <a:extLst>
-              <a:ext uri="{FF2B5EF4-FFF2-40B4-BE49-F238E27FC236}">
-                <a16:creationId xmlns:a16="http://schemas.microsoft.com/office/drawing/2014/main" id="{C255502B-4D54-6605-1E66-F5C7C2600D9B}"/>
+          <p:cNvPr id="7" name="TextBox 6">
+            <a:extLst>
+              <a:ext uri="{FF2B5EF4-FFF2-40B4-BE49-F238E27FC236}">
+                <a16:creationId xmlns:a16="http://schemas.microsoft.com/office/drawing/2014/main" id="{61124965-B66F-F048-45EA-F2A36B2075E8}"/>
               </a:ext>
             </a:extLst>
           </p:cNvPr>
@@ -8446,8 +8220,8 @@
         </p:nvSpPr>
         <p:spPr>
           <a:xfrm>
-            <a:off x="640079" y="1117029"/>
-            <a:ext cx="10083950" cy="1754326"/>
+            <a:off x="640078" y="1106277"/>
+            <a:ext cx="10070503" cy="1477328"/>
           </a:xfrm>
           <a:prstGeom prst="rect">
             <a:avLst/>
@@ -8462,7 +8236,7 @@
           <a:p>
             <a:r>
               <a:rPr lang="en-US" altLang="ko-KR" b="1" dirty="0"/>
-              <a:t>5</a:t>
+              <a:t>7</a:t>
             </a:r>
             <a:r>
               <a:rPr lang="ko-KR" altLang="en-US" b="1" dirty="0"/>
@@ -8474,11 +8248,7 @@
             </a:r>
             <a:r>
               <a:rPr lang="ko-KR" altLang="en-US" b="1" dirty="0"/>
-              <a:t>프로토타이핑</a:t>
-            </a:r>
-            <a:r>
-              <a:rPr lang="en-US" altLang="ko-KR" b="1" dirty="0"/>
-              <a:t> </a:t>
+              <a:t>운영기획 </a:t>
             </a:r>
             <a:r>
               <a:rPr lang="en-US" altLang="ko-KR" dirty="0"/>
@@ -8486,14 +8256,7 @@
             </a:r>
             <a:r>
               <a:rPr lang="ko-KR" altLang="en-US" dirty="0"/>
-              <a:t>기획한 것을 프로그램으로 만들고 테스트</a:t>
-            </a:r>
-            <a:endParaRPr lang="en-US" altLang="ko-KR" dirty="0"/>
-          </a:p>
-          <a:p>
-            <a:r>
-              <a:rPr lang="ko-KR" altLang="en-US" dirty="0"/>
-              <a:t>말 그대로 기획서에 쓰여진 핵심 시스템을 개발하여 체험해보고 재미있는지 없는지</a:t>
+              <a:t>출시 이후의 이벤트 설계</a:t>
             </a:r>
             <a:r>
               <a:rPr lang="en-US" altLang="ko-KR" dirty="0"/>
@@ -8501,7 +8264,7 @@
             </a:r>
             <a:r>
               <a:rPr lang="ko-KR" altLang="en-US" dirty="0"/>
-              <a:t>어떤 점을 추가 하면 좋을지 등을 정하는 과정</a:t>
+              <a:t>게임 운영 </a:t>
             </a:r>
             <a:endParaRPr lang="en-US" altLang="ko-KR" dirty="0"/>
           </a:p>
@@ -8511,7 +8274,7 @@
           <a:p>
             <a:r>
               <a:rPr lang="en-US" altLang="ko-KR" b="1" dirty="0"/>
-              <a:t>6</a:t>
+              <a:t>8</a:t>
             </a:r>
             <a:r>
               <a:rPr lang="ko-KR" altLang="en-US" b="1" dirty="0"/>
@@ -8523,7 +8286,7 @@
             </a:r>
             <a:r>
               <a:rPr lang="ko-KR" altLang="en-US" b="1" dirty="0"/>
-              <a:t>통합 개발 및 시스템 완성 </a:t>
+              <a:t>출시 및 운영보수 </a:t>
             </a:r>
             <a:r>
               <a:rPr lang="en-US" altLang="ko-KR" dirty="0"/>
@@ -8531,16 +8294,34 @@
             </a:r>
             <a:r>
               <a:rPr lang="ko-KR" altLang="en-US" dirty="0"/>
-              <a:t>모든 컨텐츠의 통합 구현과 관리</a:t>
+              <a:t>지속 가능한 운영 기반 구축</a:t>
             </a:r>
             <a:endParaRPr lang="en-US" altLang="ko-KR" dirty="0"/>
           </a:p>
           <a:p>
+            <a:endParaRPr lang="en-US" altLang="ko-KR" dirty="0"/>
+          </a:p>
+          <a:p>
             <a:r>
               <a:rPr lang="ko-KR" altLang="en-US" dirty="0"/>
-              <a:t>전반적으로 짰던 콘텐츠를 개발하여 전반적인 게임 완성</a:t>
-            </a:r>
-            <a:endParaRPr lang="en-US" altLang="ko-KR" dirty="0"/>
+              <a:t>해당 단계는 실제로 출시되면 각종 이벤트도 하고</a:t>
+            </a:r>
+            <a:r>
+              <a:rPr lang="en-US" altLang="ko-KR" dirty="0"/>
+              <a:t>, </a:t>
+            </a:r>
+            <a:r>
+              <a:rPr lang="ko-KR" altLang="en-US" dirty="0" err="1"/>
+              <a:t>벨런싱도</a:t>
+            </a:r>
+            <a:r>
+              <a:rPr lang="ko-KR" altLang="en-US" dirty="0"/>
+              <a:t> 맞추고 하는 단계입니다</a:t>
+            </a:r>
+            <a:r>
+              <a:rPr lang="en-US" altLang="ko-KR" dirty="0"/>
+              <a:t>.</a:t>
+            </a:r>
           </a:p>
         </p:txBody>
       </p:sp>
@@ -8549,7 +8330,7 @@
           <p:cNvPr id="8" name="TextBox 7">
             <a:extLst>
               <a:ext uri="{FF2B5EF4-FFF2-40B4-BE49-F238E27FC236}">
-                <a16:creationId xmlns:a16="http://schemas.microsoft.com/office/drawing/2014/main" id="{7D8E1463-2618-A1D7-9E52-7CEEA21511FB}"/>
+                <a16:creationId xmlns:a16="http://schemas.microsoft.com/office/drawing/2014/main" id="{18F2EAD5-B8A6-F219-87CB-F04D3D0827B8}"/>
               </a:ext>
             </a:extLst>
           </p:cNvPr>
@@ -8582,7 +8363,7 @@
     </p:spTree>
     <p:extLst>
       <p:ext uri="{BB962C8B-B14F-4D97-AF65-F5344CB8AC3E}">
-        <p14:creationId xmlns:p14="http://schemas.microsoft.com/office/powerpoint/2010/main" val="961326448"/>
+        <p14:creationId xmlns:p14="http://schemas.microsoft.com/office/powerpoint/2010/main" val="2931457153"/>
       </p:ext>
     </p:extLst>
   </p:cSld>

--- a/MJsec_게임 개발 멘토링/MJsec_1주차.pptx
+++ b/MJsec_게임 개발 멘토링/MJsec_1주차.pptx
@@ -17,7 +17,6 @@
     <p:sldId id="257" r:id="rId11"/>
     <p:sldId id="259" r:id="rId12"/>
     <p:sldId id="260" r:id="rId13"/>
-    <p:sldId id="270" r:id="rId14"/>
   </p:sldIdLst>
   <p:sldSz cx="12192000" cy="6858000"/>
   <p:notesSz cx="6858000" cy="9144000"/>
@@ -127,7 +126,7 @@
 <file path=ppt/revisionInfo.xml><?xml version="1.0" encoding="utf-8"?>
 <p1510:revInfo xmlns:a="http://schemas.openxmlformats.org/drawingml/2006/main" xmlns:r="http://schemas.openxmlformats.org/officeDocument/2006/relationships" xmlns:p1510="http://schemas.microsoft.com/office/powerpoint/2015/10/main">
   <p1510:revLst>
-    <p1510:client id="{FE17DD06-4F0B-4F09-AC78-2D3F41BE8E98}" v="22" dt="2025-06-30T03:31:58.663"/>
+    <p1510:client id="{FE17DD06-4F0B-4F09-AC78-2D3F41BE8E98}" v="24" dt="2025-07-01T05:43:15.930"/>
   </p1510:revLst>
 </p1510:revInfo>
 </file>
@@ -137,18 +136,18 @@
   <pc:docChgLst>
     <pc:chgData name="상진 전" userId="b279be015be064a7" providerId="LiveId" clId="{FE17DD06-4F0B-4F09-AC78-2D3F41BE8E98}"/>
     <pc:docChg chg="undo custSel addSld delSld modSld sldOrd">
-      <pc:chgData name="상진 전" userId="b279be015be064a7" providerId="LiveId" clId="{FE17DD06-4F0B-4F09-AC78-2D3F41BE8E98}" dt="2025-06-30T03:33:24.853" v="6198" actId="20577"/>
+      <pc:chgData name="상진 전" userId="b279be015be064a7" providerId="LiveId" clId="{FE17DD06-4F0B-4F09-AC78-2D3F41BE8E98}" dt="2025-07-01T05:44:18.725" v="6242" actId="20577"/>
       <pc:docMkLst>
         <pc:docMk/>
       </pc:docMkLst>
       <pc:sldChg chg="modSp mod">
-        <pc:chgData name="상진 전" userId="b279be015be064a7" providerId="LiveId" clId="{FE17DD06-4F0B-4F09-AC78-2D3F41BE8E98}" dt="2025-06-30T03:33:24.853" v="6198" actId="20577"/>
+        <pc:chgData name="상진 전" userId="b279be015be064a7" providerId="LiveId" clId="{FE17DD06-4F0B-4F09-AC78-2D3F41BE8E98}" dt="2025-07-01T05:44:18.725" v="6242" actId="20577"/>
         <pc:sldMkLst>
           <pc:docMk/>
           <pc:sldMk cId="4180307804" sldId="262"/>
         </pc:sldMkLst>
         <pc:spChg chg="mod">
-          <ac:chgData name="상진 전" userId="b279be015be064a7" providerId="LiveId" clId="{FE17DD06-4F0B-4F09-AC78-2D3F41BE8E98}" dt="2025-06-30T03:33:24.853" v="6198" actId="20577"/>
+          <ac:chgData name="상진 전" userId="b279be015be064a7" providerId="LiveId" clId="{FE17DD06-4F0B-4F09-AC78-2D3F41BE8E98}" dt="2025-07-01T05:44:18.725" v="6242" actId="20577"/>
           <ac:spMkLst>
             <pc:docMk/>
             <pc:sldMk cId="4180307804" sldId="262"/>
@@ -397,28 +396,12 @@
           </ac:spMkLst>
         </pc:spChg>
       </pc:sldChg>
-      <pc:sldChg chg="addSp delSp modSp new mod">
-        <pc:chgData name="상진 전" userId="b279be015be064a7" providerId="LiveId" clId="{FE17DD06-4F0B-4F09-AC78-2D3F41BE8E98}" dt="2025-06-26T09:44:19.423" v="6108" actId="20577"/>
+      <pc:sldChg chg="addSp delSp modSp new del mod">
+        <pc:chgData name="상진 전" userId="b279be015be064a7" providerId="LiveId" clId="{FE17DD06-4F0B-4F09-AC78-2D3F41BE8E98}" dt="2025-07-01T03:31:26.596" v="6199" actId="47"/>
         <pc:sldMkLst>
           <pc:docMk/>
           <pc:sldMk cId="3925121638" sldId="270"/>
         </pc:sldMkLst>
-        <pc:spChg chg="add mod">
-          <ac:chgData name="상진 전" userId="b279be015be064a7" providerId="LiveId" clId="{FE17DD06-4F0B-4F09-AC78-2D3F41BE8E98}" dt="2025-06-26T09:41:27.999" v="5366" actId="1076"/>
-          <ac:spMkLst>
-            <pc:docMk/>
-            <pc:sldMk cId="3925121638" sldId="270"/>
-            <ac:spMk id="4" creationId="{6CC4B311-353C-3DBC-4B89-3E8A32F6BE9C}"/>
-          </ac:spMkLst>
-        </pc:spChg>
-        <pc:spChg chg="add mod">
-          <ac:chgData name="상진 전" userId="b279be015be064a7" providerId="LiveId" clId="{FE17DD06-4F0B-4F09-AC78-2D3F41BE8E98}" dt="2025-06-26T09:44:19.423" v="6108" actId="20577"/>
-          <ac:spMkLst>
-            <pc:docMk/>
-            <pc:sldMk cId="3925121638" sldId="270"/>
-            <ac:spMk id="5" creationId="{FDBDCF0A-BCE2-3E67-7BCE-CCE3B3FDE7AC}"/>
-          </ac:spMkLst>
-        </pc:spChg>
       </pc:sldChg>
     </pc:docChg>
   </pc:docChgLst>
@@ -581,7 +564,7 @@
           <a:p>
             <a:fld id="{6444479B-705B-4489-957E-7E8A228BDFA0}" type="datetime1">
               <a:rPr lang="en-US" smtClean="0"/>
-              <a:t>6/30/2025</a:t>
+              <a:t>7/1/2025</a:t>
             </a:fld>
             <a:endParaRPr lang="en-US"/>
           </a:p>
@@ -781,7 +764,7 @@
           <a:p>
             <a:fld id="{C07B66AD-7C08-490A-ADA4-B47E10FB2407}" type="datetime1">
               <a:rPr lang="en-US" smtClean="0"/>
-              <a:t>6/30/2025</a:t>
+              <a:t>7/1/2025</a:t>
             </a:fld>
             <a:endParaRPr lang="en-US"/>
           </a:p>
@@ -1040,7 +1023,7 @@
           <a:p>
             <a:fld id="{05B95027-4255-49E7-9841-CD21BCC99996}" type="datetime1">
               <a:rPr lang="en-US" smtClean="0"/>
-              <a:t>6/30/2025</a:t>
+              <a:t>7/1/2025</a:t>
             </a:fld>
             <a:endParaRPr lang="en-US"/>
           </a:p>
@@ -1281,7 +1264,7 @@
           <a:p>
             <a:fld id="{9F89F774-3FA6-43B8-9241-99959C8FD463}" type="datetime1">
               <a:rPr lang="en-US" smtClean="0"/>
-              <a:t>6/30/2025</a:t>
+              <a:t>7/1/2025</a:t>
             </a:fld>
             <a:endParaRPr lang="en-US"/>
           </a:p>
@@ -1608,7 +1591,7 @@
           <a:p>
             <a:fld id="{F9504452-5DCC-4FE2-A5C9-8A5EF6714D65}" type="datetime1">
               <a:rPr lang="en-US" smtClean="0"/>
-              <a:t>6/30/2025</a:t>
+              <a:t>7/1/2025</a:t>
             </a:fld>
             <a:endParaRPr lang="en-US"/>
           </a:p>
@@ -1918,7 +1901,7 @@
           <a:p>
             <a:fld id="{E579ABC2-0180-4F3A-A895-A85BC724D472}" type="datetime1">
               <a:rPr lang="en-US" smtClean="0"/>
-              <a:t>6/30/2025</a:t>
+              <a:t>7/1/2025</a:t>
             </a:fld>
             <a:endParaRPr lang="en-US"/>
           </a:p>
@@ -2336,7 +2319,7 @@
           <a:p>
             <a:fld id="{6AEEA9BA-4E8F-439E-BEA4-91FBA01E3F5F}" type="datetime1">
               <a:rPr lang="en-US" smtClean="0"/>
-              <a:t>6/30/2025</a:t>
+              <a:t>7/1/2025</a:t>
             </a:fld>
             <a:endParaRPr lang="en-US"/>
           </a:p>
@@ -2478,7 +2461,7 @@
           <a:p>
             <a:fld id="{BE15BF18-0007-481C-AA29-413124BC3EE7}" type="datetime1">
               <a:rPr lang="en-US" smtClean="0"/>
-              <a:t>6/30/2025</a:t>
+              <a:t>7/1/2025</a:t>
             </a:fld>
             <a:endParaRPr lang="en-US"/>
           </a:p>
@@ -2640,7 +2623,7 @@
           <a:p>
             <a:fld id="{09BE9870-3748-43AD-B547-02A075CB4A1D}" type="datetime1">
               <a:rPr lang="en-US" smtClean="0"/>
-              <a:t>6/30/2025</a:t>
+              <a:t>7/1/2025</a:t>
             </a:fld>
             <a:endParaRPr lang="en-US"/>
           </a:p>
@@ -2957,7 +2940,7 @@
           <a:p>
             <a:fld id="{558E7897-33C5-4F1A-9307-D068E37F3DC7}" type="datetime1">
               <a:rPr lang="en-US" smtClean="0"/>
-              <a:t>6/30/2025</a:t>
+              <a:t>7/1/2025</a:t>
             </a:fld>
             <a:endParaRPr lang="en-US"/>
           </a:p>
@@ -3252,7 +3235,7 @@
           <a:p>
             <a:fld id="{82E171BA-CC09-47C8-A6DF-F5C5CB59CEEC}" type="datetime1">
               <a:rPr lang="en-US" smtClean="0"/>
-              <a:t>6/30/2025</a:t>
+              <a:t>7/1/2025</a:t>
             </a:fld>
             <a:endParaRPr lang="en-US"/>
           </a:p>
@@ -3489,7 +3472,7 @@
           <a:p>
             <a:fld id="{7DA38F49-B3E2-4BF0-BEC7-C30D34ABBB8D}" type="datetime1">
               <a:rPr lang="en-US" smtClean="0"/>
-              <a:t>6/30/2025</a:t>
+              <a:t>7/1/2025</a:t>
             </a:fld>
             <a:endParaRPr lang="en-US"/>
           </a:p>
@@ -5156,240 +5139,6 @@
 </p:sld>
 </file>
 
-<file path=ppt/slides/slide13.xml><?xml version="1.0" encoding="utf-8"?>
-<p:sld xmlns:a="http://schemas.openxmlformats.org/drawingml/2006/main" xmlns:r="http://schemas.openxmlformats.org/officeDocument/2006/relationships" xmlns:p="http://schemas.openxmlformats.org/presentationml/2006/main">
-  <p:cSld>
-    <p:spTree>
-      <p:nvGrpSpPr>
-        <p:cNvPr id="1" name=""/>
-        <p:cNvGrpSpPr/>
-        <p:nvPr/>
-      </p:nvGrpSpPr>
-      <p:grpSpPr>
-        <a:xfrm>
-          <a:off x="0" y="0"/>
-          <a:ext cx="0" cy="0"/>
-          <a:chOff x="0" y="0"/>
-          <a:chExt cx="0" cy="0"/>
-        </a:xfrm>
-      </p:grpSpPr>
-      <p:sp>
-        <p:nvSpPr>
-          <p:cNvPr id="4" name="TextBox 3">
-            <a:extLst>
-              <a:ext uri="{FF2B5EF4-FFF2-40B4-BE49-F238E27FC236}">
-                <a16:creationId xmlns:a16="http://schemas.microsoft.com/office/drawing/2014/main" id="{6CC4B311-353C-3DBC-4B89-3E8A32F6BE9C}"/>
-              </a:ext>
-            </a:extLst>
-          </p:cNvPr>
-          <p:cNvSpPr txBox="1"/>
-          <p:nvPr/>
-        </p:nvSpPr>
-        <p:spPr>
-          <a:xfrm>
-            <a:off x="746312" y="625289"/>
-            <a:ext cx="1526241" cy="369332"/>
-          </a:xfrm>
-          <a:prstGeom prst="rect">
-            <a:avLst/>
-          </a:prstGeom>
-          <a:noFill/>
-        </p:spPr>
-        <p:txBody>
-          <a:bodyPr wrap="square" rtlCol="0">
-            <a:spAutoFit/>
-          </a:bodyPr>
-          <a:lstStyle/>
-          <a:p>
-            <a:r>
-              <a:rPr lang="ko-KR" altLang="en-US"/>
-              <a:t>과제</a:t>
-            </a:r>
-          </a:p>
-        </p:txBody>
-      </p:sp>
-      <p:sp>
-        <p:nvSpPr>
-          <p:cNvPr id="5" name="TextBox 4">
-            <a:extLst>
-              <a:ext uri="{FF2B5EF4-FFF2-40B4-BE49-F238E27FC236}">
-                <a16:creationId xmlns:a16="http://schemas.microsoft.com/office/drawing/2014/main" id="{FDBDCF0A-BCE2-3E67-7BCE-CCE3B3FDE7AC}"/>
-              </a:ext>
-            </a:extLst>
-          </p:cNvPr>
-          <p:cNvSpPr txBox="1"/>
-          <p:nvPr/>
-        </p:nvSpPr>
-        <p:spPr>
-          <a:xfrm>
-            <a:off x="719418" y="1264024"/>
-            <a:ext cx="9823076" cy="1477328"/>
-          </a:xfrm>
-          <a:prstGeom prst="rect">
-            <a:avLst/>
-          </a:prstGeom>
-          <a:noFill/>
-        </p:spPr>
-        <p:txBody>
-          <a:bodyPr wrap="square" rtlCol="0">
-            <a:spAutoFit/>
-          </a:bodyPr>
-          <a:lstStyle/>
-          <a:p>
-            <a:r>
-              <a:rPr lang="ko-KR" altLang="en-US" dirty="0"/>
-              <a:t>자신이 하고 싶은 게임 역기획해보기</a:t>
-            </a:r>
-            <a:r>
-              <a:rPr lang="en-US" altLang="ko-KR" dirty="0">
-                <a:sym typeface="Wingdings" panose="05000000000000000000" pitchFamily="2" charset="2"/>
-              </a:rPr>
-              <a:t> </a:t>
-            </a:r>
-            <a:r>
-              <a:rPr lang="ko-KR" altLang="en-US" dirty="0">
-                <a:sym typeface="Wingdings" panose="05000000000000000000" pitchFamily="2" charset="2"/>
-              </a:rPr>
-              <a:t>기존의 게임의 시스템</a:t>
-            </a:r>
-            <a:r>
-              <a:rPr lang="en-US" altLang="ko-KR" dirty="0">
-                <a:sym typeface="Wingdings" panose="05000000000000000000" pitchFamily="2" charset="2"/>
-              </a:rPr>
-              <a:t>,</a:t>
-            </a:r>
-            <a:r>
-              <a:rPr lang="ko-KR" altLang="en-US" dirty="0">
-                <a:sym typeface="Wingdings" panose="05000000000000000000" pitchFamily="2" charset="2"/>
-              </a:rPr>
-              <a:t>구조</a:t>
-            </a:r>
-            <a:r>
-              <a:rPr lang="en-US" altLang="ko-KR" dirty="0">
-                <a:sym typeface="Wingdings" panose="05000000000000000000" pitchFamily="2" charset="2"/>
-              </a:rPr>
-              <a:t>, </a:t>
-            </a:r>
-            <a:r>
-              <a:rPr lang="ko-KR" altLang="en-US" dirty="0">
-                <a:sym typeface="Wingdings" panose="05000000000000000000" pitchFamily="2" charset="2"/>
-              </a:rPr>
-              <a:t>흐름을 분석하고</a:t>
-            </a:r>
-            <a:r>
-              <a:rPr lang="en-US" altLang="ko-KR" dirty="0">
-                <a:sym typeface="Wingdings" panose="05000000000000000000" pitchFamily="2" charset="2"/>
-              </a:rPr>
-              <a:t>, </a:t>
-            </a:r>
-            <a:r>
-              <a:rPr lang="ko-KR" altLang="en-US" dirty="0">
-                <a:sym typeface="Wingdings" panose="05000000000000000000" pitchFamily="2" charset="2"/>
-              </a:rPr>
-              <a:t>원래 기획 문서가 어떻게 생겼을지를 </a:t>
-            </a:r>
-            <a:r>
-              <a:rPr lang="ko-KR" altLang="en-US" dirty="0" err="1">
-                <a:sym typeface="Wingdings" panose="05000000000000000000" pitchFamily="2" charset="2"/>
-              </a:rPr>
-              <a:t>유츄</a:t>
-            </a:r>
-            <a:r>
-              <a:rPr lang="en-US" altLang="ko-KR" dirty="0">
-                <a:sym typeface="Wingdings" panose="05000000000000000000" pitchFamily="2" charset="2"/>
-              </a:rPr>
-              <a:t>, </a:t>
-            </a:r>
-            <a:r>
-              <a:rPr lang="ko-KR" altLang="en-US" dirty="0">
-                <a:sym typeface="Wingdings" panose="05000000000000000000" pitchFamily="2" charset="2"/>
-              </a:rPr>
-              <a:t>재구성하는 기획 </a:t>
-            </a:r>
-            <a:r>
-              <a:rPr lang="ko-KR" altLang="en-US" dirty="0" err="1">
-                <a:sym typeface="Wingdings" panose="05000000000000000000" pitchFamily="2" charset="2"/>
-              </a:rPr>
-              <a:t>훈련방식입니다</a:t>
-            </a:r>
-            <a:r>
-              <a:rPr lang="en-US" altLang="ko-KR" dirty="0">
-                <a:sym typeface="Wingdings" panose="05000000000000000000" pitchFamily="2" charset="2"/>
-              </a:rPr>
-              <a:t>.</a:t>
-            </a:r>
-          </a:p>
-          <a:p>
-            <a:endParaRPr lang="en-US" altLang="ko-KR" dirty="0">
-              <a:sym typeface="Wingdings" panose="05000000000000000000" pitchFamily="2" charset="2"/>
-            </a:endParaRPr>
-          </a:p>
-          <a:p>
-            <a:r>
-              <a:rPr lang="en-US" altLang="ko-KR" dirty="0">
-                <a:sym typeface="Wingdings" panose="05000000000000000000" pitchFamily="2" charset="2"/>
-              </a:rPr>
-              <a:t> </a:t>
-            </a:r>
-            <a:r>
-              <a:rPr lang="ko-KR" altLang="en-US" dirty="0">
-                <a:sym typeface="Wingdings" panose="05000000000000000000" pitchFamily="2" charset="2"/>
-              </a:rPr>
-              <a:t>하는 이유 기획을 알아야 게임을 만들기 더 </a:t>
-            </a:r>
-            <a:r>
-              <a:rPr lang="ko-KR" altLang="en-US" dirty="0" err="1">
-                <a:sym typeface="Wingdings" panose="05000000000000000000" pitchFamily="2" charset="2"/>
-              </a:rPr>
-              <a:t>편해짐</a:t>
-            </a:r>
-            <a:r>
-              <a:rPr lang="en-US" altLang="ko-KR" dirty="0">
-                <a:sym typeface="Wingdings" panose="05000000000000000000" pitchFamily="2" charset="2"/>
-              </a:rPr>
-              <a:t>, </a:t>
-            </a:r>
-            <a:r>
-              <a:rPr lang="ko-KR" altLang="en-US" dirty="0">
-                <a:sym typeface="Wingdings" panose="05000000000000000000" pitchFamily="2" charset="2"/>
-              </a:rPr>
-              <a:t>하지만 본 스터디에서는 게임 제작 기술 위주로 스터디 할 </a:t>
-            </a:r>
-            <a:r>
-              <a:rPr lang="ko-KR" altLang="en-US">
-                <a:sym typeface="Wingdings" panose="05000000000000000000" pitchFamily="2" charset="2"/>
-              </a:rPr>
-              <a:t>예정이라 게임 쪽으로 </a:t>
-            </a:r>
-            <a:r>
-              <a:rPr lang="ko-KR" altLang="en-US" dirty="0">
-                <a:sym typeface="Wingdings" panose="05000000000000000000" pitchFamily="2" charset="2"/>
-              </a:rPr>
-              <a:t>꼭 가고 싶은 사람만 해도 됩니다</a:t>
-            </a:r>
-            <a:r>
-              <a:rPr lang="en-US" altLang="ko-KR" dirty="0">
-                <a:sym typeface="Wingdings" panose="05000000000000000000" pitchFamily="2" charset="2"/>
-              </a:rPr>
-              <a:t>.</a:t>
-            </a:r>
-            <a:endParaRPr lang="ko-KR" altLang="en-US" dirty="0"/>
-          </a:p>
-        </p:txBody>
-      </p:sp>
-    </p:spTree>
-    <p:extLst>
-      <p:ext uri="{BB962C8B-B14F-4D97-AF65-F5344CB8AC3E}">
-        <p14:creationId xmlns:p14="http://schemas.microsoft.com/office/powerpoint/2010/main" val="3925121638"/>
-      </p:ext>
-    </p:extLst>
-  </p:cSld>
-  <p:clrMapOvr>
-    <a:masterClrMapping/>
-  </p:clrMapOvr>
-</p:sld>
-</file>
-
 <file path=ppt/slides/slide2.xml><?xml version="1.0" encoding="utf-8"?>
 <p:sld xmlns:a="http://schemas.openxmlformats.org/drawingml/2006/main" xmlns:r="http://schemas.openxmlformats.org/officeDocument/2006/relationships" xmlns:p="http://schemas.openxmlformats.org/presentationml/2006/main">
   <p:cSld>
@@ -5771,7 +5520,7 @@
         <p:spPr>
           <a:xfrm>
             <a:off x="609600" y="1191491"/>
-            <a:ext cx="10464800" cy="5355312"/>
+            <a:ext cx="10464800" cy="5078313"/>
           </a:xfrm>
           <a:prstGeom prst="rect">
             <a:avLst/>
@@ -6068,21 +5817,8 @@
             </a:r>
             <a:r>
               <a:rPr lang="en-US" altLang="ko-KR" dirty="0"/>
-              <a:t>2  and </a:t>
-            </a:r>
-            <a:r>
-              <a:rPr lang="en-US" altLang="ko-KR" dirty="0">
-                <a:sym typeface="Wingdings" panose="05000000000000000000" pitchFamily="2" charset="2"/>
-              </a:rPr>
-              <a:t>Ui </a:t>
-            </a:r>
-            <a:r>
-              <a:rPr lang="ko-KR" altLang="en-US" dirty="0">
-                <a:sym typeface="Wingdings" panose="05000000000000000000" pitchFamily="2" charset="2"/>
-              </a:rPr>
-              <a:t>기본 요소</a:t>
-            </a:r>
-            <a:endParaRPr lang="en-US" altLang="ko-KR" dirty="0"/>
+              <a:t>2 </a:t>
+            </a:r>
           </a:p>
           <a:p>
             <a:pPr marL="285750" indent="-285750">
@@ -6133,122 +5869,6 @@
             </a:r>
           </a:p>
           <a:p>
-            <a:r>
-              <a:rPr lang="en-US" altLang="ko-KR" b="1" dirty="0">
-                <a:sym typeface="Wingdings" panose="05000000000000000000" pitchFamily="2" charset="2"/>
-              </a:rPr>
-              <a:t>   </a:t>
-            </a:r>
-            <a:r>
-              <a:rPr lang="ko-KR" altLang="en-US" dirty="0">
-                <a:sym typeface="Wingdings" panose="05000000000000000000" pitchFamily="2" charset="2"/>
-              </a:rPr>
-              <a:t>및 </a:t>
-            </a:r>
-            <a:r>
-              <a:rPr lang="en-US" altLang="ko-KR" dirty="0">
-                <a:sym typeface="Wingdings" panose="05000000000000000000" pitchFamily="2" charset="2"/>
-              </a:rPr>
-              <a:t>Audio Source</a:t>
-            </a:r>
-            <a:r>
-              <a:rPr lang="ko-KR" altLang="en-US" dirty="0">
-                <a:sym typeface="Wingdings" panose="05000000000000000000" pitchFamily="2" charset="2"/>
-              </a:rPr>
-              <a:t>를 이용하여 </a:t>
-            </a:r>
-            <a:r>
-              <a:rPr lang="ko-KR" altLang="en-US" b="1" dirty="0">
-                <a:highlight>
-                  <a:srgbClr val="FFFF00"/>
-                </a:highlight>
-                <a:sym typeface="Wingdings" panose="05000000000000000000" pitchFamily="2" charset="2"/>
-              </a:rPr>
-              <a:t>사운드 제어</a:t>
-            </a:r>
-            <a:r>
-              <a:rPr lang="en-US" altLang="ko-KR" dirty="0">
-                <a:sym typeface="Wingdings" panose="05000000000000000000" pitchFamily="2" charset="2"/>
-              </a:rPr>
-              <a:t>Canvas</a:t>
-            </a:r>
-            <a:r>
-              <a:rPr lang="ko-KR" altLang="en-US" dirty="0">
-                <a:sym typeface="Wingdings" panose="05000000000000000000" pitchFamily="2" charset="2"/>
-              </a:rPr>
-              <a:t>에서 </a:t>
-            </a:r>
-            <a:r>
-              <a:rPr lang="en-US" altLang="ko-KR" dirty="0">
-                <a:sym typeface="Wingdings" panose="05000000000000000000" pitchFamily="2" charset="2"/>
-              </a:rPr>
-              <a:t>UI</a:t>
-            </a:r>
-            <a:r>
-              <a:rPr lang="ko-KR" altLang="en-US" dirty="0">
-                <a:sym typeface="Wingdings" panose="05000000000000000000" pitchFamily="2" charset="2"/>
-              </a:rPr>
-              <a:t>인 요소들</a:t>
-            </a:r>
-            <a:r>
-              <a:rPr lang="en-US" altLang="ko-KR" dirty="0">
-                <a:sym typeface="Wingdings" panose="05000000000000000000" pitchFamily="2" charset="2"/>
-              </a:rPr>
-              <a:t>(UI</a:t>
-            </a:r>
-            <a:r>
-              <a:rPr lang="ko-KR" altLang="en-US" dirty="0">
-                <a:sym typeface="Wingdings" panose="05000000000000000000" pitchFamily="2" charset="2"/>
-              </a:rPr>
-              <a:t> </a:t>
-            </a:r>
-            <a:r>
-              <a:rPr lang="en-US" altLang="ko-KR" dirty="0">
-                <a:sym typeface="Wingdings" panose="05000000000000000000" pitchFamily="2" charset="2"/>
-              </a:rPr>
-              <a:t>Image, Button, Slider)</a:t>
-            </a:r>
-            <a:r>
-              <a:rPr lang="ko-KR" altLang="en-US" dirty="0">
-                <a:sym typeface="Wingdings" panose="05000000000000000000" pitchFamily="2" charset="2"/>
-              </a:rPr>
-              <a:t>를 </a:t>
-            </a:r>
-            <a:endParaRPr lang="en-US" altLang="ko-KR" dirty="0">
-              <a:sym typeface="Wingdings" panose="05000000000000000000" pitchFamily="2" charset="2"/>
-            </a:endParaRPr>
-          </a:p>
-          <a:p>
-            <a:r>
-              <a:rPr lang="en-US" altLang="ko-KR" dirty="0">
-                <a:sym typeface="Wingdings" panose="05000000000000000000" pitchFamily="2" charset="2"/>
-              </a:rPr>
-              <a:t>   </a:t>
-            </a:r>
-            <a:r>
-              <a:rPr lang="ko-KR" altLang="en-US" dirty="0">
-                <a:sym typeface="Wingdings" panose="05000000000000000000" pitchFamily="2" charset="2"/>
-              </a:rPr>
-              <a:t>제작하여 </a:t>
-            </a:r>
-            <a:r>
-              <a:rPr lang="en-US" altLang="ko-KR" b="1" dirty="0">
-                <a:highlight>
-                  <a:srgbClr val="FFFF00"/>
-                </a:highlight>
-                <a:sym typeface="Wingdings" panose="05000000000000000000" pitchFamily="2" charset="2"/>
-              </a:rPr>
-              <a:t>UI </a:t>
-            </a:r>
-            <a:r>
-              <a:rPr lang="ko-KR" altLang="en-US" b="1" dirty="0">
-                <a:highlight>
-                  <a:srgbClr val="FFFF00"/>
-                </a:highlight>
-                <a:sym typeface="Wingdings" panose="05000000000000000000" pitchFamily="2" charset="2"/>
-              </a:rPr>
-              <a:t>기능 구현</a:t>
-            </a:r>
             <a:endParaRPr lang="en-US" altLang="ko-KR" b="1" dirty="0">
               <a:highlight>
                 <a:srgbClr val="FFFF00"/>
@@ -6257,6 +5877,194 @@
             </a:endParaRPr>
           </a:p>
           <a:p>
+            <a:r>
+              <a:rPr lang="en-US" altLang="ko-KR" b="1" dirty="0"/>
+              <a:t>4</a:t>
+            </a:r>
+            <a:r>
+              <a:rPr lang="ko-KR" altLang="en-US" b="1" dirty="0"/>
+              <a:t>주차 </a:t>
+            </a:r>
+            <a:r>
+              <a:rPr lang="en-US" altLang="ko-KR" b="1" dirty="0"/>
+              <a:t>: </a:t>
+            </a:r>
+            <a:r>
+              <a:rPr lang="en-US" altLang="ko-KR" dirty="0"/>
+              <a:t>Save </a:t>
+            </a:r>
+            <a:r>
+              <a:rPr lang="ko-KR" altLang="en-US" dirty="0"/>
+              <a:t>파일에 관련한 요소 </a:t>
+            </a:r>
+            <a:r>
+              <a:rPr lang="en-US" altLang="ko-KR" dirty="0"/>
+              <a:t>and </a:t>
+            </a:r>
+            <a:r>
+              <a:rPr lang="en-US" altLang="ko-KR" dirty="0">
+                <a:sym typeface="Wingdings" panose="05000000000000000000" pitchFamily="2" charset="2"/>
+              </a:rPr>
+              <a:t>Ui </a:t>
+            </a:r>
+            <a:r>
+              <a:rPr lang="ko-KR" altLang="en-US" dirty="0">
+                <a:sym typeface="Wingdings" panose="05000000000000000000" pitchFamily="2" charset="2"/>
+              </a:rPr>
+              <a:t>기본 요소</a:t>
+            </a:r>
+            <a:endParaRPr lang="en-US" altLang="ko-KR" dirty="0"/>
+          </a:p>
+          <a:p>
+            <a:r>
+              <a:rPr lang="en-US" altLang="ko-KR" dirty="0">
+                <a:sym typeface="Wingdings" panose="05000000000000000000" pitchFamily="2" charset="2"/>
+              </a:rPr>
+              <a:t>Json </a:t>
+            </a:r>
+            <a:r>
+              <a:rPr lang="ko-KR" altLang="en-US" dirty="0">
+                <a:sym typeface="Wingdings" panose="05000000000000000000" pitchFamily="2" charset="2"/>
+              </a:rPr>
+              <a:t>파일 사용 또는 </a:t>
+            </a:r>
+            <a:r>
+              <a:rPr lang="en-US" altLang="ko-KR" dirty="0" err="1">
+                <a:sym typeface="Wingdings" panose="05000000000000000000" pitchFamily="2" charset="2"/>
+              </a:rPr>
+              <a:t>PlayerPrefabs</a:t>
+            </a:r>
+            <a:r>
+              <a:rPr lang="ko-KR" altLang="en-US" dirty="0">
+                <a:sym typeface="Wingdings" panose="05000000000000000000" pitchFamily="2" charset="2"/>
+              </a:rPr>
+              <a:t>를 이용한 </a:t>
+            </a:r>
+            <a:r>
+              <a:rPr lang="ko-KR" altLang="en-US" b="1" dirty="0">
+                <a:highlight>
+                  <a:srgbClr val="FFFF00"/>
+                </a:highlight>
+                <a:sym typeface="Wingdings" panose="05000000000000000000" pitchFamily="2" charset="2"/>
+              </a:rPr>
+              <a:t>세이브 파일 제작</a:t>
+            </a:r>
+            <a:r>
+              <a:rPr lang="ko-KR" altLang="en-US" b="1" dirty="0">
+                <a:sym typeface="Wingdings" panose="05000000000000000000" pitchFamily="2" charset="2"/>
+              </a:rPr>
+              <a:t> </a:t>
+            </a:r>
+            <a:r>
+              <a:rPr lang="ko-KR" altLang="en-US" dirty="0">
+                <a:sym typeface="Wingdings" panose="05000000000000000000" pitchFamily="2" charset="2"/>
+              </a:rPr>
+              <a:t>및 </a:t>
+            </a:r>
+            <a:r>
+              <a:rPr lang="en-US" altLang="ko-KR" dirty="0">
+                <a:sym typeface="Wingdings" panose="05000000000000000000" pitchFamily="2" charset="2"/>
+              </a:rPr>
+              <a:t>Audio Source</a:t>
+            </a:r>
+            <a:r>
+              <a:rPr lang="ko-KR" altLang="en-US" dirty="0">
+                <a:sym typeface="Wingdings" panose="05000000000000000000" pitchFamily="2" charset="2"/>
+              </a:rPr>
+              <a:t>를 이용하여 </a:t>
+            </a:r>
+            <a:endParaRPr lang="en-US" altLang="ko-KR" dirty="0">
+              <a:sym typeface="Wingdings" panose="05000000000000000000" pitchFamily="2" charset="2"/>
+            </a:endParaRPr>
+          </a:p>
+          <a:p>
+            <a:r>
+              <a:rPr lang="ko-KR" altLang="en-US" b="1" dirty="0">
+                <a:sym typeface="Wingdings" panose="05000000000000000000" pitchFamily="2" charset="2"/>
+              </a:rPr>
+              <a:t>   </a:t>
+            </a:r>
+            <a:r>
+              <a:rPr lang="ko-KR" altLang="en-US" b="1" dirty="0">
+                <a:highlight>
+                  <a:srgbClr val="FFFF00"/>
+                </a:highlight>
+                <a:sym typeface="Wingdings" panose="05000000000000000000" pitchFamily="2" charset="2"/>
+              </a:rPr>
+              <a:t>사운드 제어</a:t>
+            </a:r>
+            <a:r>
+              <a:rPr lang="ko-KR" altLang="en-US" b="1" dirty="0">
+                <a:sym typeface="Wingdings" panose="05000000000000000000" pitchFamily="2" charset="2"/>
+              </a:rPr>
+              <a:t> </a:t>
+            </a:r>
+            <a:r>
+              <a:rPr lang="en-US" altLang="ko-KR" dirty="0">
+                <a:sym typeface="Wingdings" panose="05000000000000000000" pitchFamily="2" charset="2"/>
+              </a:rPr>
+              <a:t>Canvas</a:t>
+            </a:r>
+            <a:r>
+              <a:rPr lang="ko-KR" altLang="en-US" dirty="0">
+                <a:sym typeface="Wingdings" panose="05000000000000000000" pitchFamily="2" charset="2"/>
+              </a:rPr>
+              <a:t>에서 </a:t>
+            </a:r>
+            <a:r>
+              <a:rPr lang="en-US" altLang="ko-KR" dirty="0">
+                <a:sym typeface="Wingdings" panose="05000000000000000000" pitchFamily="2" charset="2"/>
+              </a:rPr>
+              <a:t>UI</a:t>
+            </a:r>
+            <a:r>
+              <a:rPr lang="ko-KR" altLang="en-US" dirty="0">
+                <a:sym typeface="Wingdings" panose="05000000000000000000" pitchFamily="2" charset="2"/>
+              </a:rPr>
+              <a:t>인 요소들</a:t>
+            </a:r>
+            <a:r>
+              <a:rPr lang="en-US" altLang="ko-KR" dirty="0">
+                <a:sym typeface="Wingdings" panose="05000000000000000000" pitchFamily="2" charset="2"/>
+              </a:rPr>
+              <a:t>(UI</a:t>
+            </a:r>
+            <a:r>
+              <a:rPr lang="ko-KR" altLang="en-US" dirty="0">
+                <a:sym typeface="Wingdings" panose="05000000000000000000" pitchFamily="2" charset="2"/>
+              </a:rPr>
+              <a:t> </a:t>
+            </a:r>
+            <a:r>
+              <a:rPr lang="en-US" altLang="ko-KR" dirty="0">
+                <a:sym typeface="Wingdings" panose="05000000000000000000" pitchFamily="2" charset="2"/>
+              </a:rPr>
+              <a:t>Image, Button, Slider)</a:t>
+            </a:r>
+            <a:r>
+              <a:rPr lang="ko-KR" altLang="en-US" dirty="0">
+                <a:sym typeface="Wingdings" panose="05000000000000000000" pitchFamily="2" charset="2"/>
+              </a:rPr>
+              <a:t>를 제작하여 </a:t>
+            </a:r>
+            <a:r>
+              <a:rPr lang="en-US" altLang="ko-KR" b="1" dirty="0">
+                <a:highlight>
+                  <a:srgbClr val="FFFF00"/>
+                </a:highlight>
+                <a:sym typeface="Wingdings" panose="05000000000000000000" pitchFamily="2" charset="2"/>
+              </a:rPr>
+              <a:t>UI </a:t>
+            </a:r>
+            <a:r>
+              <a:rPr lang="ko-KR" altLang="en-US" b="1" dirty="0">
+                <a:highlight>
+                  <a:srgbClr val="FFFF00"/>
+                </a:highlight>
+                <a:sym typeface="Wingdings" panose="05000000000000000000" pitchFamily="2" charset="2"/>
+              </a:rPr>
+              <a:t>기능 구현</a:t>
+            </a:r>
             <a:endParaRPr lang="en-US" altLang="ko-KR" b="1" dirty="0">
               <a:highlight>
                 <a:srgbClr val="FFFF00"/>
@@ -6265,74 +6073,10 @@
             </a:endParaRPr>
           </a:p>
           <a:p>
-            <a:r>
-              <a:rPr lang="en-US" altLang="ko-KR" b="1" dirty="0"/>
-              <a:t>4</a:t>
-            </a:r>
-            <a:r>
-              <a:rPr lang="ko-KR" altLang="en-US" b="1" dirty="0"/>
-              <a:t>주차 </a:t>
-            </a:r>
-            <a:r>
-              <a:rPr lang="en-US" altLang="ko-KR" b="1" dirty="0"/>
-              <a:t>: </a:t>
-            </a:r>
-            <a:r>
-              <a:rPr lang="en-US" altLang="ko-KR" dirty="0"/>
-              <a:t>Save </a:t>
-            </a:r>
-            <a:r>
-              <a:rPr lang="ko-KR" altLang="en-US" dirty="0"/>
-              <a:t>파일에 관련한 요소 및 </a:t>
-            </a:r>
-            <a:r>
-              <a:rPr lang="en-US" altLang="ko-KR" dirty="0"/>
-              <a:t>Photon </a:t>
-            </a:r>
-            <a:r>
-              <a:rPr lang="ko-KR" altLang="en-US" dirty="0"/>
-              <a:t>서버를 이용한 멀티요소 추가</a:t>
-            </a:r>
-            <a:endParaRPr lang="en-US" altLang="ko-KR" dirty="0"/>
-          </a:p>
-          <a:p>
             <a:pPr marL="285750" indent="-285750">
               <a:buFont typeface="Wingdings" panose="05000000000000000000" pitchFamily="2" charset="2"/>
               <a:buChar char="à"/>
             </a:pPr>
-            <a:r>
-              <a:rPr lang="en-US" altLang="ko-KR" dirty="0">
-                <a:sym typeface="Wingdings" panose="05000000000000000000" pitchFamily="2" charset="2"/>
-              </a:rPr>
-              <a:t>Json </a:t>
-            </a:r>
-            <a:r>
-              <a:rPr lang="ko-KR" altLang="en-US" dirty="0">
-                <a:sym typeface="Wingdings" panose="05000000000000000000" pitchFamily="2" charset="2"/>
-              </a:rPr>
-              <a:t>파일 사용 또는 </a:t>
-            </a:r>
-            <a:r>
-              <a:rPr lang="en-US" altLang="ko-KR" dirty="0" err="1">
-                <a:sym typeface="Wingdings" panose="05000000000000000000" pitchFamily="2" charset="2"/>
-              </a:rPr>
-              <a:t>PlayerPrefabs</a:t>
-            </a:r>
-            <a:r>
-              <a:rPr lang="ko-KR" altLang="en-US" dirty="0">
-                <a:sym typeface="Wingdings" panose="05000000000000000000" pitchFamily="2" charset="2"/>
-              </a:rPr>
-              <a:t>를 이용한 </a:t>
-            </a:r>
-            <a:r>
-              <a:rPr lang="ko-KR" altLang="en-US" b="1" dirty="0">
-                <a:highlight>
-                  <a:srgbClr val="FFFF00"/>
-                </a:highlight>
-                <a:sym typeface="Wingdings" panose="05000000000000000000" pitchFamily="2" charset="2"/>
-              </a:rPr>
-              <a:t>세이브 파일 제작 </a:t>
-            </a:r>
             <a:endParaRPr lang="en-US" altLang="ko-KR" b="1" dirty="0">
               <a:highlight>
                 <a:srgbClr val="FFFF00"/>
@@ -6353,35 +6097,6 @@
               </a:rPr>
               <a:t> </a:t>
             </a:r>
-            <a:r>
-              <a:rPr lang="en-US" altLang="ko-KR" dirty="0">
-                <a:sym typeface="Wingdings" panose="05000000000000000000" pitchFamily="2" charset="2"/>
-              </a:rPr>
-              <a:t>photon </a:t>
-            </a:r>
-            <a:r>
-              <a:rPr lang="ko-KR" altLang="en-US" dirty="0">
-                <a:sym typeface="Wingdings" panose="05000000000000000000" pitchFamily="2" charset="2"/>
-              </a:rPr>
-              <a:t>서버를 이용한 </a:t>
-            </a:r>
-            <a:r>
-              <a:rPr lang="ko-KR" altLang="en-US" b="1" dirty="0">
-                <a:highlight>
-                  <a:srgbClr val="FFFF00"/>
-                </a:highlight>
-                <a:sym typeface="Wingdings" panose="05000000000000000000" pitchFamily="2" charset="2"/>
-              </a:rPr>
-              <a:t>멀티 요소 추가</a:t>
-            </a:r>
-            <a:endParaRPr lang="en-US" altLang="ko-KR" b="1" dirty="0">
-              <a:highlight>
-                <a:srgbClr val="FFFF00"/>
-              </a:highlight>
-              <a:sym typeface="Wingdings" panose="05000000000000000000" pitchFamily="2" charset="2"/>
-            </a:endParaRPr>
-          </a:p>
-          <a:p>
             <a:endParaRPr lang="en-US" altLang="ko-KR" b="1" dirty="0">
               <a:highlight>
                 <a:srgbClr val="FFFF00"/>

--- a/MJsec_게임 개발 멘토링/MJsec_1주차.pptx
+++ b/MJsec_게임 개발 멘토링/MJsec_1주차.pptx
@@ -136,18 +136,18 @@
   <pc:docChgLst>
     <pc:chgData name="상진 전" userId="b279be015be064a7" providerId="LiveId" clId="{FE17DD06-4F0B-4F09-AC78-2D3F41BE8E98}"/>
     <pc:docChg chg="undo custSel addSld delSld modSld sldOrd">
-      <pc:chgData name="상진 전" userId="b279be015be064a7" providerId="LiveId" clId="{FE17DD06-4F0B-4F09-AC78-2D3F41BE8E98}" dt="2025-07-01T05:44:18.725" v="6242" actId="20577"/>
+      <pc:chgData name="상진 전" userId="b279be015be064a7" providerId="LiveId" clId="{FE17DD06-4F0B-4F09-AC78-2D3F41BE8E98}" dt="2025-07-06T14:19:37.746" v="6243" actId="20577"/>
       <pc:docMkLst>
         <pc:docMk/>
       </pc:docMkLst>
       <pc:sldChg chg="modSp mod">
-        <pc:chgData name="상진 전" userId="b279be015be064a7" providerId="LiveId" clId="{FE17DD06-4F0B-4F09-AC78-2D3F41BE8E98}" dt="2025-07-01T05:44:18.725" v="6242" actId="20577"/>
+        <pc:chgData name="상진 전" userId="b279be015be064a7" providerId="LiveId" clId="{FE17DD06-4F0B-4F09-AC78-2D3F41BE8E98}" dt="2025-07-06T14:19:37.746" v="6243" actId="20577"/>
         <pc:sldMkLst>
           <pc:docMk/>
           <pc:sldMk cId="4180307804" sldId="262"/>
         </pc:sldMkLst>
         <pc:spChg chg="mod">
-          <ac:chgData name="상진 전" userId="b279be015be064a7" providerId="LiveId" clId="{FE17DD06-4F0B-4F09-AC78-2D3F41BE8E98}" dt="2025-07-01T05:44:18.725" v="6242" actId="20577"/>
+          <ac:chgData name="상진 전" userId="b279be015be064a7" providerId="LiveId" clId="{FE17DD06-4F0B-4F09-AC78-2D3F41BE8E98}" dt="2025-07-06T14:19:37.746" v="6243" actId="20577"/>
           <ac:spMkLst>
             <pc:docMk/>
             <pc:sldMk cId="4180307804" sldId="262"/>
@@ -564,7 +564,7 @@
           <a:p>
             <a:fld id="{6444479B-705B-4489-957E-7E8A228BDFA0}" type="datetime1">
               <a:rPr lang="en-US" smtClean="0"/>
-              <a:t>7/1/2025</a:t>
+              <a:t>7/6/2025</a:t>
             </a:fld>
             <a:endParaRPr lang="en-US"/>
           </a:p>
@@ -764,7 +764,7 @@
           <a:p>
             <a:fld id="{C07B66AD-7C08-490A-ADA4-B47E10FB2407}" type="datetime1">
               <a:rPr lang="en-US" smtClean="0"/>
-              <a:t>7/1/2025</a:t>
+              <a:t>7/6/2025</a:t>
             </a:fld>
             <a:endParaRPr lang="en-US"/>
           </a:p>
@@ -1023,7 +1023,7 @@
           <a:p>
             <a:fld id="{05B95027-4255-49E7-9841-CD21BCC99996}" type="datetime1">
               <a:rPr lang="en-US" smtClean="0"/>
-              <a:t>7/1/2025</a:t>
+              <a:t>7/6/2025</a:t>
             </a:fld>
             <a:endParaRPr lang="en-US"/>
           </a:p>
@@ -1264,7 +1264,7 @@
           <a:p>
             <a:fld id="{9F89F774-3FA6-43B8-9241-99959C8FD463}" type="datetime1">
               <a:rPr lang="en-US" smtClean="0"/>
-              <a:t>7/1/2025</a:t>
+              <a:t>7/6/2025</a:t>
             </a:fld>
             <a:endParaRPr lang="en-US"/>
           </a:p>
@@ -1591,7 +1591,7 @@
           <a:p>
             <a:fld id="{F9504452-5DCC-4FE2-A5C9-8A5EF6714D65}" type="datetime1">
               <a:rPr lang="en-US" smtClean="0"/>
-              <a:t>7/1/2025</a:t>
+              <a:t>7/6/2025</a:t>
             </a:fld>
             <a:endParaRPr lang="en-US"/>
           </a:p>
@@ -1901,7 +1901,7 @@
           <a:p>
             <a:fld id="{E579ABC2-0180-4F3A-A895-A85BC724D472}" type="datetime1">
               <a:rPr lang="en-US" smtClean="0"/>
-              <a:t>7/1/2025</a:t>
+              <a:t>7/6/2025</a:t>
             </a:fld>
             <a:endParaRPr lang="en-US"/>
           </a:p>
@@ -2319,7 +2319,7 @@
           <a:p>
             <a:fld id="{6AEEA9BA-4E8F-439E-BEA4-91FBA01E3F5F}" type="datetime1">
               <a:rPr lang="en-US" smtClean="0"/>
-              <a:t>7/1/2025</a:t>
+              <a:t>7/6/2025</a:t>
             </a:fld>
             <a:endParaRPr lang="en-US"/>
           </a:p>
@@ -2461,7 +2461,7 @@
           <a:p>
             <a:fld id="{BE15BF18-0007-481C-AA29-413124BC3EE7}" type="datetime1">
               <a:rPr lang="en-US" smtClean="0"/>
-              <a:t>7/1/2025</a:t>
+              <a:t>7/6/2025</a:t>
             </a:fld>
             <a:endParaRPr lang="en-US"/>
           </a:p>
@@ -2623,7 +2623,7 @@
           <a:p>
             <a:fld id="{09BE9870-3748-43AD-B547-02A075CB4A1D}" type="datetime1">
               <a:rPr lang="en-US" smtClean="0"/>
-              <a:t>7/1/2025</a:t>
+              <a:t>7/6/2025</a:t>
             </a:fld>
             <a:endParaRPr lang="en-US"/>
           </a:p>
@@ -2940,7 +2940,7 @@
           <a:p>
             <a:fld id="{558E7897-33C5-4F1A-9307-D068E37F3DC7}" type="datetime1">
               <a:rPr lang="en-US" smtClean="0"/>
-              <a:t>7/1/2025</a:t>
+              <a:t>7/6/2025</a:t>
             </a:fld>
             <a:endParaRPr lang="en-US"/>
           </a:p>
@@ -3235,7 +3235,7 @@
           <a:p>
             <a:fld id="{82E171BA-CC09-47C8-A6DF-F5C5CB59CEEC}" type="datetime1">
               <a:rPr lang="en-US" smtClean="0"/>
-              <a:t>7/1/2025</a:t>
+              <a:t>7/6/2025</a:t>
             </a:fld>
             <a:endParaRPr lang="en-US"/>
           </a:p>
@@ -3472,7 +3472,7 @@
           <a:p>
             <a:fld id="{7DA38F49-B3E2-4BF0-BEC7-C30D34ABBB8D}" type="datetime1">
               <a:rPr lang="en-US" smtClean="0"/>
-              <a:t>7/1/2025</a:t>
+              <a:t>7/6/2025</a:t>
             </a:fld>
             <a:endParaRPr lang="en-US"/>
           </a:p>
@@ -5920,13 +5920,7 @@
               <a:rPr lang="en-US" altLang="ko-KR" dirty="0">
                 <a:sym typeface="Wingdings" panose="05000000000000000000" pitchFamily="2" charset="2"/>
               </a:rPr>
-              <a:t>Json </a:t>
-            </a:r>
-            <a:r>
-              <a:rPr lang="ko-KR" altLang="en-US" dirty="0">
-                <a:sym typeface="Wingdings" panose="05000000000000000000" pitchFamily="2" charset="2"/>
-              </a:rPr>
-              <a:t>파일 사용 또는 </a:t>
+              <a:t></a:t>
             </a:r>
             <a:r>
               <a:rPr lang="en-US" altLang="ko-KR" dirty="0" err="1">
